--- a/sdf-extensions.pptx
+++ b/sdf-extensions.pptx
@@ -9,10 +9,12 @@
     <p:sldId id="257" r:id="rId3"/>
     <p:sldId id="258" r:id="rId4"/>
     <p:sldId id="259" r:id="rId5"/>
-    <p:sldId id="260" r:id="rId6"/>
-    <p:sldId id="261" r:id="rId7"/>
-    <p:sldId id="262" r:id="rId8"/>
-    <p:sldId id="263" r:id="rId9"/>
+    <p:sldId id="264" r:id="rId6"/>
+    <p:sldId id="260" r:id="rId7"/>
+    <p:sldId id="261" r:id="rId8"/>
+    <p:sldId id="262" r:id="rId9"/>
+    <p:sldId id="263" r:id="rId10"/>
+    <p:sldId id="265" r:id="rId11"/>
   </p:sldIdLst>
   <p:sldSz cx="9144000" cy="6858000" type="letter"/>
   <p:notesSz cx="6858000" cy="9144000"/>
@@ -111,6 +113,11 @@
       </a:defRPr>
     </a:lvl9pPr>
   </p:defaultTextStyle>
+  <p:extLst>
+    <p:ext uri="{EFAFB233-063F-42B5-8137-9DF3F51BA10A}">
+      <p15:sldGuideLst xmlns:p15="http://schemas.microsoft.com/office/powerpoint/2012/main"/>
+    </p:ext>
+  </p:extLst>
 </p:presentation>
 </file>
 
@@ -245,7 +252,7 @@
           <a:p>
             <a:fld id="{B59606BF-8F0F-2444-A31E-943E88B76D1B}" type="datetimeFigureOut">
               <a:rPr lang="en-US" smtClean="0"/>
-              <a:t>5/13/19</a:t>
+              <a:t>5/23/19</a:t>
             </a:fld>
             <a:endParaRPr lang="en-US"/>
           </a:p>
@@ -410,7 +417,7 @@
           <a:p>
             <a:fld id="{B59606BF-8F0F-2444-A31E-943E88B76D1B}" type="datetimeFigureOut">
               <a:rPr lang="en-US" smtClean="0"/>
-              <a:t>5/13/19</a:t>
+              <a:t>5/23/19</a:t>
             </a:fld>
             <a:endParaRPr lang="en-US"/>
           </a:p>
@@ -585,7 +592,7 @@
           <a:p>
             <a:fld id="{B59606BF-8F0F-2444-A31E-943E88B76D1B}" type="datetimeFigureOut">
               <a:rPr lang="en-US" smtClean="0"/>
-              <a:t>5/13/19</a:t>
+              <a:t>5/23/19</a:t>
             </a:fld>
             <a:endParaRPr lang="en-US"/>
           </a:p>
@@ -750,7 +757,7 @@
           <a:p>
             <a:fld id="{B59606BF-8F0F-2444-A31E-943E88B76D1B}" type="datetimeFigureOut">
               <a:rPr lang="en-US" smtClean="0"/>
-              <a:t>5/13/19</a:t>
+              <a:t>5/23/19</a:t>
             </a:fld>
             <a:endParaRPr lang="en-US"/>
           </a:p>
@@ -989,7 +996,7 @@
           <a:p>
             <a:fld id="{B59606BF-8F0F-2444-A31E-943E88B76D1B}" type="datetimeFigureOut">
               <a:rPr lang="en-US" smtClean="0"/>
-              <a:t>5/13/19</a:t>
+              <a:t>5/23/19</a:t>
             </a:fld>
             <a:endParaRPr lang="en-US"/>
           </a:p>
@@ -1216,7 +1223,7 @@
           <a:p>
             <a:fld id="{B59606BF-8F0F-2444-A31E-943E88B76D1B}" type="datetimeFigureOut">
               <a:rPr lang="en-US" smtClean="0"/>
-              <a:t>5/13/19</a:t>
+              <a:t>5/23/19</a:t>
             </a:fld>
             <a:endParaRPr lang="en-US"/>
           </a:p>
@@ -1578,7 +1585,7 @@
           <a:p>
             <a:fld id="{B59606BF-8F0F-2444-A31E-943E88B76D1B}" type="datetimeFigureOut">
               <a:rPr lang="en-US" smtClean="0"/>
-              <a:t>5/13/19</a:t>
+              <a:t>5/23/19</a:t>
             </a:fld>
             <a:endParaRPr lang="en-US"/>
           </a:p>
@@ -1691,7 +1698,7 @@
           <a:p>
             <a:fld id="{B59606BF-8F0F-2444-A31E-943E88B76D1B}" type="datetimeFigureOut">
               <a:rPr lang="en-US" smtClean="0"/>
-              <a:t>5/13/19</a:t>
+              <a:t>5/23/19</a:t>
             </a:fld>
             <a:endParaRPr lang="en-US"/>
           </a:p>
@@ -1781,7 +1788,7 @@
           <a:p>
             <a:fld id="{B59606BF-8F0F-2444-A31E-943E88B76D1B}" type="datetimeFigureOut">
               <a:rPr lang="en-US" smtClean="0"/>
-              <a:t>5/13/19</a:t>
+              <a:t>5/23/19</a:t>
             </a:fld>
             <a:endParaRPr lang="en-US"/>
           </a:p>
@@ -2053,7 +2060,7 @@
           <a:p>
             <a:fld id="{B59606BF-8F0F-2444-A31E-943E88B76D1B}" type="datetimeFigureOut">
               <a:rPr lang="en-US" smtClean="0"/>
-              <a:t>5/13/19</a:t>
+              <a:t>5/23/19</a:t>
             </a:fld>
             <a:endParaRPr lang="en-US"/>
           </a:p>
@@ -2305,7 +2312,7 @@
           <a:p>
             <a:fld id="{B59606BF-8F0F-2444-A31E-943E88B76D1B}" type="datetimeFigureOut">
               <a:rPr lang="en-US" smtClean="0"/>
-              <a:t>5/13/19</a:t>
+              <a:t>5/23/19</a:t>
             </a:fld>
             <a:endParaRPr lang="en-US"/>
           </a:p>
@@ -2513,7 +2520,7 @@
           <a:p>
             <a:fld id="{B59606BF-8F0F-2444-A31E-943E88B76D1B}" type="datetimeFigureOut">
               <a:rPr lang="en-US" smtClean="0"/>
-              <a:t>5/13/19</a:t>
+              <a:t>5/23/19</a:t>
             </a:fld>
             <a:endParaRPr lang="en-US"/>
           </a:p>
@@ -2976,13 +2983,26 @@
           <a:p>
             <a:r>
               <a:rPr lang="en-US" dirty="0" smtClean="0"/>
-              <a:t>One Data Model Face to Face Meeting</a:t>
-            </a:r>
-          </a:p>
-          <a:p>
-            <a:r>
-              <a:rPr lang="en-US" dirty="0" smtClean="0"/>
-              <a:t>May 14 and 15, 2019</a:t>
+              <a:t>One Data </a:t>
+            </a:r>
+            <a:r>
+              <a:rPr lang="en-US" dirty="0" smtClean="0"/>
+              <a:t>Model</a:t>
+            </a:r>
+            <a:endParaRPr lang="en-US" dirty="0" smtClean="0"/>
+          </a:p>
+          <a:p>
+            <a:r>
+              <a:rPr lang="en-US" dirty="0" smtClean="0"/>
+              <a:t>May </a:t>
+            </a:r>
+            <a:r>
+              <a:rPr lang="en-US" dirty="0" smtClean="0"/>
+              <a:t>24, </a:t>
+            </a:r>
+            <a:r>
+              <a:rPr lang="en-US" dirty="0" smtClean="0"/>
+              <a:t>2019</a:t>
             </a:r>
             <a:endParaRPr lang="en-US" dirty="0"/>
           </a:p>
@@ -2992,6 +3012,146 @@
     <p:extLst>
       <p:ext uri="{BB962C8B-B14F-4D97-AF65-F5344CB8AC3E}">
         <p14:creationId xmlns:p14="http://schemas.microsoft.com/office/powerpoint/2010/main" val="383267624"/>
+      </p:ext>
+    </p:extLst>
+  </p:cSld>
+  <p:clrMapOvr>
+    <a:masterClrMapping/>
+  </p:clrMapOvr>
+</p:sld>
+</file>
+
+<file path=ppt/slides/slide10.xml><?xml version="1.0" encoding="utf-8"?>
+<p:sld xmlns:a="http://schemas.openxmlformats.org/drawingml/2006/main" xmlns:r="http://schemas.openxmlformats.org/officeDocument/2006/relationships" xmlns:p="http://schemas.openxmlformats.org/presentationml/2006/main">
+  <p:cSld>
+    <p:spTree>
+      <p:nvGrpSpPr>
+        <p:cNvPr id="1" name=""/>
+        <p:cNvGrpSpPr/>
+        <p:nvPr/>
+      </p:nvGrpSpPr>
+      <p:grpSpPr>
+        <a:xfrm>
+          <a:off x="0" y="0"/>
+          <a:ext cx="0" cy="0"/>
+          <a:chOff x="0" y="0"/>
+          <a:chExt cx="0" cy="0"/>
+        </a:xfrm>
+      </p:grpSpPr>
+      <p:sp>
+        <p:nvSpPr>
+          <p:cNvPr id="2" name="Title 1"/>
+          <p:cNvSpPr>
+            <a:spLocks noGrp="1"/>
+          </p:cNvSpPr>
+          <p:nvPr>
+            <p:ph type="title"/>
+          </p:nvPr>
+        </p:nvSpPr>
+        <p:spPr/>
+        <p:txBody>
+          <a:bodyPr/>
+          <a:lstStyle/>
+          <a:p>
+            <a:r>
+              <a:rPr lang="en-US" dirty="0" smtClean="0"/>
+              <a:t>Examples</a:t>
+            </a:r>
+            <a:endParaRPr lang="en-US" dirty="0"/>
+          </a:p>
+        </p:txBody>
+      </p:sp>
+      <p:sp>
+        <p:nvSpPr>
+          <p:cNvPr id="3" name="Content Placeholder 2"/>
+          <p:cNvSpPr>
+            <a:spLocks noGrp="1"/>
+          </p:cNvSpPr>
+          <p:nvPr>
+            <p:ph idx="1"/>
+          </p:nvPr>
+        </p:nvSpPr>
+        <p:spPr/>
+        <p:txBody>
+          <a:bodyPr/>
+          <a:lstStyle/>
+          <a:p>
+            <a:r>
+              <a:rPr lang="en-US" dirty="0" smtClean="0"/>
+              <a:t>refines - ipso3300 model that reuses definitions</a:t>
+            </a:r>
+          </a:p>
+          <a:p>
+            <a:r>
+              <a:rPr lang="en-US" dirty="0" smtClean="0"/>
+              <a:t>extends </a:t>
+            </a:r>
+            <a:r>
+              <a:rPr lang="mr-IN" dirty="0" smtClean="0"/>
+              <a:t>–</a:t>
+            </a:r>
+            <a:r>
+              <a:rPr lang="en-US" dirty="0" smtClean="0"/>
+              <a:t> ZCL level model that has multiple timers</a:t>
+            </a:r>
+          </a:p>
+          <a:p>
+            <a:r>
+              <a:rPr lang="en-US" dirty="0" smtClean="0"/>
+              <a:t>includes </a:t>
+            </a:r>
+            <a:r>
+              <a:rPr lang="mr-IN" dirty="0" smtClean="0"/>
+              <a:t>–</a:t>
+            </a:r>
+            <a:r>
+              <a:rPr lang="en-US" dirty="0" smtClean="0"/>
+              <a:t> outlet strip (TBD)</a:t>
+            </a:r>
+          </a:p>
+          <a:p>
+            <a:r>
+              <a:rPr lang="en-US" dirty="0" err="1" smtClean="0"/>
+              <a:t>odmProduct</a:t>
+            </a:r>
+            <a:r>
+              <a:rPr lang="en-US" dirty="0" smtClean="0"/>
+              <a:t> </a:t>
+            </a:r>
+            <a:r>
+              <a:rPr lang="mr-IN" dirty="0" smtClean="0"/>
+              <a:t>–</a:t>
+            </a:r>
+            <a:r>
+              <a:rPr lang="en-US" dirty="0" smtClean="0"/>
+              <a:t> ipso3300 model of a vacuum gauge with two sensors</a:t>
+            </a:r>
+          </a:p>
+          <a:p>
+            <a:r>
+              <a:rPr lang="en-US" dirty="0" err="1" smtClean="0"/>
+              <a:t>odmThing</a:t>
+            </a:r>
+            <a:r>
+              <a:rPr lang="en-US" dirty="0" smtClean="0"/>
+              <a:t> </a:t>
+            </a:r>
+            <a:r>
+              <a:rPr lang="mr-IN" dirty="0" smtClean="0"/>
+              <a:t>–</a:t>
+            </a:r>
+            <a:r>
+              <a:rPr lang="en-US" dirty="0" smtClean="0"/>
+              <a:t> outlet strip (TBD)</a:t>
+            </a:r>
+            <a:endParaRPr lang="en-US" dirty="0"/>
+          </a:p>
+        </p:txBody>
+      </p:sp>
+    </p:spTree>
+    <p:extLst>
+      <p:ext uri="{BB962C8B-B14F-4D97-AF65-F5344CB8AC3E}">
+        <p14:creationId xmlns:p14="http://schemas.microsoft.com/office/powerpoint/2010/main" val="1854872866"/>
       </p:ext>
     </p:extLst>
   </p:cSld>
@@ -3155,7 +3315,12 @@
             <p:ph idx="1"/>
           </p:nvPr>
         </p:nvSpPr>
-        <p:spPr/>
+        <p:spPr>
+          <a:xfrm>
+            <a:off x="628650" y="1690689"/>
+            <a:ext cx="7886700" cy="4351338"/>
+          </a:xfrm>
+        </p:spPr>
         <p:txBody>
           <a:bodyPr/>
           <a:lstStyle/>
@@ -3196,9 +3361,19 @@
             <a:pPr lvl="1"/>
             <a:r>
               <a:rPr lang="en-US" dirty="0" smtClean="0"/>
-              <a:t>Main power can be controlled by either printer or scanner controls</a:t>
+              <a:t>Main power can be controlled by either printer or scanner </a:t>
+            </a:r>
+            <a:r>
+              <a:rPr lang="en-US" dirty="0" smtClean="0"/>
+              <a:t>controls</a:t>
             </a:r>
             <a:endParaRPr lang="en-US" dirty="0"/>
+          </a:p>
+          <a:p>
+            <a:r>
+              <a:rPr lang="en-US" dirty="0" smtClean="0"/>
+              <a:t>Reusable definitions</a:t>
+            </a:r>
           </a:p>
         </p:txBody>
       </p:sp>
@@ -3377,7 +3552,7 @@
           <a:p>
             <a:r>
               <a:rPr lang="en-US" dirty="0" smtClean="0"/>
-              <a:t>Design Elements</a:t>
+              <a:t>Use cases</a:t>
             </a:r>
             <a:endParaRPr lang="en-US" dirty="0"/>
           </a:p>
@@ -3393,56 +3568,27 @@
             <p:ph idx="1"/>
           </p:nvPr>
         </p:nvSpPr>
-        <p:spPr/>
-        <p:txBody>
-          <a:bodyPr/>
-          <a:lstStyle/>
-          <a:p>
-            <a:r>
-              <a:rPr lang="en-US" dirty="0" smtClean="0"/>
-              <a:t>Path construction in models and definitions</a:t>
-            </a:r>
-          </a:p>
-          <a:p>
-            <a:r>
-              <a:rPr lang="en-US" dirty="0" smtClean="0"/>
-              <a:t>Re-use and Recursion</a:t>
-            </a:r>
-          </a:p>
-          <a:p>
-            <a:pPr lvl="1"/>
-            <a:r>
-              <a:rPr lang="en-US" dirty="0" smtClean="0"/>
-              <a:t>"refines"</a:t>
-            </a:r>
-          </a:p>
-          <a:p>
-            <a:pPr lvl="1"/>
-            <a:r>
-              <a:rPr lang="en-US" dirty="0" smtClean="0"/>
-              <a:t>"extends"</a:t>
-            </a:r>
-          </a:p>
-          <a:p>
-            <a:pPr lvl="1"/>
-            <a:r>
-              <a:rPr lang="en-US" dirty="0"/>
-              <a:t>"</a:t>
-            </a:r>
-            <a:r>
-              <a:rPr lang="en-US" dirty="0" smtClean="0"/>
-              <a:t>includes</a:t>
-            </a:r>
-            <a:r>
-              <a:rPr lang="en-US" dirty="0"/>
-              <a:t>"</a:t>
-            </a:r>
-            <a:endParaRPr lang="en-US" dirty="0" smtClean="0"/>
-          </a:p>
-          <a:p>
-            <a:r>
-              <a:rPr lang="en-US" dirty="0" smtClean="0"/>
-              <a:t>Composed types</a:t>
+        <p:spPr>
+          <a:xfrm>
+            <a:off x="628650" y="1690689"/>
+            <a:ext cx="7886700" cy="4351338"/>
+          </a:xfrm>
+        </p:spPr>
+        <p:txBody>
+          <a:bodyPr/>
+          <a:lstStyle/>
+          <a:p>
+            <a:r>
+              <a:rPr lang="en-US" dirty="0" smtClean="0"/>
+              <a:t>Define a reusable composition of </a:t>
+            </a:r>
+            <a:r>
+              <a:rPr lang="en-US" dirty="0" err="1" smtClean="0"/>
+              <a:t>odmObjects</a:t>
+            </a:r>
+            <a:r>
+              <a:rPr lang="en-US" dirty="0" smtClean="0"/>
+              <a:t> that work together to provide a function</a:t>
             </a:r>
           </a:p>
           <a:p>
@@ -3454,10 +3600,44 @@
             <a:endParaRPr lang="en-US" dirty="0" smtClean="0"/>
           </a:p>
           <a:p>
+            <a:r>
+              <a:rPr lang="en-US" dirty="0" smtClean="0"/>
+              <a:t>Define a mandatory set of Objects, Qualities, and settings for interoperability like Device Type</a:t>
+            </a:r>
+          </a:p>
+          <a:p>
             <a:pPr lvl="1"/>
             <a:r>
+              <a:rPr lang="en-US" dirty="0" smtClean="0"/>
+              <a:t>also </a:t>
+            </a:r>
+            <a:r>
               <a:rPr lang="en-US" dirty="0" err="1" smtClean="0"/>
-              <a:t>odmComponent</a:t>
+              <a:t>odmThing</a:t>
+            </a:r>
+            <a:r>
+              <a:rPr lang="en-US" dirty="0" smtClean="0"/>
+              <a:t>?</a:t>
+            </a:r>
+          </a:p>
+          <a:p>
+            <a:r>
+              <a:rPr lang="en-US" dirty="0" smtClean="0"/>
+              <a:t>Define a specific product configuration, ability to model the composition of a SKU level entity.</a:t>
+            </a:r>
+          </a:p>
+          <a:p>
+            <a:pPr lvl="1"/>
+            <a:r>
+              <a:rPr lang="en-US" dirty="0" smtClean="0"/>
+              <a:t>composed of Objects and Things</a:t>
+            </a:r>
+          </a:p>
+          <a:p>
+            <a:pPr lvl="1"/>
+            <a:r>
+              <a:rPr lang="en-US" dirty="0" err="1" smtClean="0"/>
+              <a:t>odmProduct</a:t>
             </a:r>
             <a:endParaRPr lang="en-US" dirty="0"/>
           </a:p>
@@ -3466,7 +3646,7 @@
     </p:spTree>
     <p:extLst>
       <p:ext uri="{BB962C8B-B14F-4D97-AF65-F5344CB8AC3E}">
-        <p14:creationId xmlns:p14="http://schemas.microsoft.com/office/powerpoint/2010/main" val="1376300819"/>
+        <p14:creationId xmlns:p14="http://schemas.microsoft.com/office/powerpoint/2010/main" val="1993987258"/>
       </p:ext>
     </p:extLst>
   </p:cSld>
@@ -3503,19 +3683,14 @@
             <p:ph type="title"/>
           </p:nvPr>
         </p:nvSpPr>
-        <p:spPr>
-          <a:xfrm>
-            <a:off x="639040" y="126086"/>
-            <a:ext cx="7886700" cy="1325563"/>
-          </a:xfrm>
-        </p:spPr>
-        <p:txBody>
-          <a:bodyPr/>
-          <a:lstStyle/>
-          <a:p>
-            <a:r>
-              <a:rPr lang="en-US" dirty="0" smtClean="0"/>
-              <a:t>Path Construction in a Definition</a:t>
+        <p:spPr/>
+        <p:txBody>
+          <a:bodyPr/>
+          <a:lstStyle/>
+          <a:p>
+            <a:r>
+              <a:rPr lang="en-US" dirty="0" smtClean="0"/>
+              <a:t>Design Elements</a:t>
             </a:r>
             <a:endParaRPr lang="en-US" dirty="0"/>
           </a:p>
@@ -3523,855 +3698,96 @@
       </p:sp>
       <p:sp>
         <p:nvSpPr>
-          <p:cNvPr id="4" name="Rectangle 3"/>
-          <p:cNvSpPr/>
-          <p:nvPr/>
-        </p:nvSpPr>
-        <p:spPr>
-          <a:xfrm>
-            <a:off x="311725" y="1267924"/>
-            <a:ext cx="8832275" cy="5016758"/>
-          </a:xfrm>
-          <a:prstGeom prst="rect">
-            <a:avLst/>
-          </a:prstGeom>
-        </p:spPr>
-        <p:txBody>
-          <a:bodyPr wrap="square">
-            <a:spAutoFit/>
-          </a:bodyPr>
-          <a:lstStyle/>
-          <a:p>
-            <a:r>
-              <a:rPr lang="en-US" sz="1600" dirty="0">
-                <a:latin typeface="Courier" charset="0"/>
-                <a:ea typeface="Courier" charset="0"/>
-                <a:cs typeface="Courier" charset="0"/>
-              </a:rPr>
-              <a:t>{</a:t>
-            </a:r>
-          </a:p>
-          <a:p>
-            <a:r>
-              <a:rPr lang="en-US" sz="1600" dirty="0" smtClean="0">
-                <a:latin typeface="Courier" charset="0"/>
-                <a:ea typeface="Courier" charset="0"/>
-                <a:cs typeface="Courier" charset="0"/>
-              </a:rPr>
-              <a:t>  "namespace": {</a:t>
-            </a:r>
-          </a:p>
-          <a:p>
-            <a:r>
-              <a:rPr lang="en-US" sz="1600" dirty="0" smtClean="0">
-                <a:latin typeface="Courier" charset="0"/>
-                <a:ea typeface="Courier" charset="0"/>
-                <a:cs typeface="Courier" charset="0"/>
-              </a:rPr>
-              <a:t>    "</a:t>
-            </a:r>
-            <a:r>
-              <a:rPr lang="en-US" sz="1600" dirty="0" err="1" smtClean="0">
-                <a:latin typeface="Courier" charset="0"/>
-                <a:ea typeface="Courier" charset="0"/>
-                <a:cs typeface="Courier" charset="0"/>
-              </a:rPr>
-              <a:t>st</a:t>
-            </a:r>
-            <a:r>
-              <a:rPr lang="en-US" sz="1600" dirty="0" smtClean="0">
-                <a:latin typeface="Courier" charset="0"/>
-                <a:ea typeface="Courier" charset="0"/>
-                <a:cs typeface="Courier" charset="0"/>
-              </a:rPr>
-              <a:t>": "http://</a:t>
-            </a:r>
-            <a:r>
-              <a:rPr lang="en-US" sz="1600" dirty="0" err="1" smtClean="0">
-                <a:latin typeface="Courier" charset="0"/>
-                <a:ea typeface="Courier" charset="0"/>
-                <a:cs typeface="Courier" charset="0"/>
-              </a:rPr>
-              <a:t>example.com</a:t>
-            </a:r>
-            <a:r>
-              <a:rPr lang="en-US" sz="1600" dirty="0" smtClean="0">
-                <a:latin typeface="Courier" charset="0"/>
-                <a:ea typeface="Courier" charset="0"/>
-                <a:cs typeface="Courier" charset="0"/>
-              </a:rPr>
-              <a:t>/capability/</a:t>
-            </a:r>
-            <a:r>
-              <a:rPr lang="en-US" sz="1600" dirty="0" err="1" smtClean="0">
-                <a:latin typeface="Courier" charset="0"/>
-                <a:ea typeface="Courier" charset="0"/>
-                <a:cs typeface="Courier" charset="0"/>
-              </a:rPr>
-              <a:t>odm</a:t>
-            </a:r>
-            <a:r>
-              <a:rPr lang="en-US" sz="1600" dirty="0" smtClean="0">
-                <a:latin typeface="Courier" charset="0"/>
-                <a:ea typeface="Courier" charset="0"/>
-                <a:cs typeface="Courier" charset="0"/>
-              </a:rPr>
+          <p:cNvPr id="3" name="Content Placeholder 2"/>
+          <p:cNvSpPr>
+            <a:spLocks noGrp="1"/>
+          </p:cNvSpPr>
+          <p:nvPr>
+            <p:ph idx="1"/>
+          </p:nvPr>
+        </p:nvSpPr>
+        <p:spPr/>
+        <p:txBody>
+          <a:bodyPr/>
+          <a:lstStyle/>
+          <a:p>
+            <a:r>
+              <a:rPr lang="en-US" dirty="0" smtClean="0"/>
+              <a:t>Path construction in models and definitions</a:t>
+            </a:r>
+          </a:p>
+          <a:p>
+            <a:r>
+              <a:rPr lang="en-US" dirty="0" smtClean="0"/>
+              <a:t>Re-use and Recursion</a:t>
+            </a:r>
+          </a:p>
+          <a:p>
+            <a:pPr lvl="1"/>
+            <a:r>
+              <a:rPr lang="en-US" dirty="0" smtClean="0"/>
+              <a:t>"refines"</a:t>
+            </a:r>
+          </a:p>
+          <a:p>
+            <a:pPr lvl="1"/>
+            <a:r>
+              <a:rPr lang="en-US" dirty="0" smtClean="0"/>
+              <a:t>"extends"</a:t>
+            </a:r>
+          </a:p>
+          <a:p>
+            <a:pPr lvl="1"/>
+            <a:r>
+              <a:rPr lang="en-US" dirty="0"/>
               <a:t>"</a:t>
             </a:r>
-          </a:p>
-          <a:p>
-            <a:r>
-              <a:rPr lang="en-US" sz="1600" dirty="0" smtClean="0">
-                <a:latin typeface="Courier" charset="0"/>
-                <a:ea typeface="Courier" charset="0"/>
-                <a:cs typeface="Courier" charset="0"/>
-              </a:rPr>
-              <a:t>  },</a:t>
-            </a:r>
-          </a:p>
-          <a:p>
-            <a:r>
-              <a:rPr lang="en-US" sz="1600" dirty="0" smtClean="0">
-                <a:latin typeface="Courier" charset="0"/>
-                <a:ea typeface="Courier" charset="0"/>
-                <a:cs typeface="Courier" charset="0"/>
-              </a:rPr>
-              <a:t>  "</a:t>
-            </a:r>
-            <a:r>
-              <a:rPr lang="en-US" sz="1600" dirty="0" err="1" smtClean="0">
-                <a:latin typeface="Courier" charset="0"/>
-                <a:ea typeface="Courier" charset="0"/>
-                <a:cs typeface="Courier" charset="0"/>
-              </a:rPr>
-              <a:t>defaultNamespace</a:t>
-            </a:r>
-            <a:r>
-              <a:rPr lang="en-US" sz="1600" dirty="0" smtClean="0">
-                <a:latin typeface="Courier" charset="0"/>
-                <a:ea typeface="Courier" charset="0"/>
-                <a:cs typeface="Courier" charset="0"/>
-              </a:rPr>
-              <a:t>": "</a:t>
-            </a:r>
-            <a:r>
-              <a:rPr lang="en-US" sz="1600" dirty="0" err="1" smtClean="0">
-                <a:latin typeface="Courier" charset="0"/>
-                <a:ea typeface="Courier" charset="0"/>
-                <a:cs typeface="Courier" charset="0"/>
-              </a:rPr>
-              <a:t>st</a:t>
-            </a:r>
-            <a:r>
-              <a:rPr lang="en-US" sz="1600" dirty="0" smtClean="0">
-                <a:latin typeface="Courier" charset="0"/>
-                <a:ea typeface="Courier" charset="0"/>
-                <a:cs typeface="Courier" charset="0"/>
-              </a:rPr>
-              <a:t>",</a:t>
-            </a:r>
-          </a:p>
-          <a:p>
-            <a:r>
-              <a:rPr lang="en-US" sz="1600" dirty="0" smtClean="0">
-                <a:latin typeface="Courier" charset="0"/>
-                <a:ea typeface="Courier" charset="0"/>
-                <a:cs typeface="Courier" charset="0"/>
-              </a:rPr>
-              <a:t>  </a:t>
-            </a:r>
-            <a:r>
-              <a:rPr lang="mr-IN" sz="1600" dirty="0">
-                <a:latin typeface="Courier" charset="0"/>
-                <a:ea typeface="Courier" charset="0"/>
-                <a:cs typeface="Courier" charset="0"/>
-              </a:rPr>
+            <a:r>
+              <a:rPr lang="en-US" dirty="0" smtClean="0"/>
+              <a:t>includes</a:t>
+            </a:r>
+            <a:r>
+              <a:rPr lang="en-US" dirty="0"/>
               <a:t>"</a:t>
             </a:r>
-            <a:r>
-              <a:rPr lang="en-US" sz="1600" dirty="0" err="1">
-                <a:latin typeface="Courier" charset="0"/>
-                <a:ea typeface="Courier" charset="0"/>
-                <a:cs typeface="Courier" charset="0"/>
-              </a:rPr>
-              <a:t>odmObject</a:t>
-            </a:r>
-            <a:r>
-              <a:rPr lang="en-US" sz="1600" dirty="0">
-                <a:latin typeface="Courier" charset="0"/>
-                <a:ea typeface="Courier" charset="0"/>
-                <a:cs typeface="Courier" charset="0"/>
-              </a:rPr>
-              <a:t>": {</a:t>
-            </a:r>
-          </a:p>
-          <a:p>
-            <a:r>
-              <a:rPr lang="en-US" sz="1600" dirty="0">
-                <a:latin typeface="Courier" charset="0"/>
-                <a:ea typeface="Courier" charset="0"/>
-                <a:cs typeface="Courier" charset="0"/>
-              </a:rPr>
-              <a:t>    "</a:t>
-            </a:r>
-            <a:r>
-              <a:rPr lang="en-US" sz="1600" dirty="0">
-                <a:solidFill>
-                  <a:srgbClr val="FF0000"/>
-                </a:solidFill>
-                <a:latin typeface="Courier" charset="0"/>
-                <a:ea typeface="Courier" charset="0"/>
-                <a:cs typeface="Courier" charset="0"/>
-              </a:rPr>
-              <a:t>Switch</a:t>
-            </a:r>
-            <a:r>
-              <a:rPr lang="en-US" sz="1600" dirty="0">
-                <a:latin typeface="Courier" charset="0"/>
-                <a:ea typeface="Courier" charset="0"/>
-                <a:cs typeface="Courier" charset="0"/>
-              </a:rPr>
-              <a:t>": { </a:t>
-            </a:r>
-          </a:p>
-          <a:p>
-            <a:r>
-              <a:rPr lang="en-US" sz="1600" dirty="0">
-                <a:latin typeface="Courier" charset="0"/>
-                <a:ea typeface="Courier" charset="0"/>
-                <a:cs typeface="Courier" charset="0"/>
-              </a:rPr>
-              <a:t>      </a:t>
-            </a:r>
-            <a:r>
-              <a:rPr lang="mr-IN" sz="1600" dirty="0">
-                <a:latin typeface="Courier" charset="0"/>
-                <a:ea typeface="Courier" charset="0"/>
-                <a:cs typeface="Courier" charset="0"/>
-              </a:rPr>
-              <a:t>"</a:t>
-            </a:r>
-            <a:r>
-              <a:rPr lang="en-US" sz="1600" dirty="0" err="1">
-                <a:latin typeface="Courier" charset="0"/>
-                <a:ea typeface="Courier" charset="0"/>
-                <a:cs typeface="Courier" charset="0"/>
-              </a:rPr>
-              <a:t>odmProperty</a:t>
-            </a:r>
-            <a:r>
-              <a:rPr lang="en-US" sz="1600" dirty="0">
-                <a:latin typeface="Courier" charset="0"/>
-                <a:ea typeface="Courier" charset="0"/>
-                <a:cs typeface="Courier" charset="0"/>
-              </a:rPr>
-              <a:t>": {</a:t>
-            </a:r>
-          </a:p>
-          <a:p>
-            <a:r>
-              <a:rPr lang="en-US" sz="1600" dirty="0">
-                <a:latin typeface="Courier" charset="0"/>
-                <a:ea typeface="Courier" charset="0"/>
-                <a:cs typeface="Courier" charset="0"/>
-              </a:rPr>
-              <a:t>        "</a:t>
-            </a:r>
-            <a:r>
-              <a:rPr lang="en-US" sz="1600" dirty="0">
-                <a:solidFill>
-                  <a:srgbClr val="FF0000"/>
-                </a:solidFill>
-                <a:latin typeface="Courier" charset="0"/>
-                <a:ea typeface="Courier" charset="0"/>
-                <a:cs typeface="Courier" charset="0"/>
-              </a:rPr>
-              <a:t>value</a:t>
-            </a:r>
-            <a:r>
-              <a:rPr lang="en-US" sz="1600" dirty="0">
-                <a:latin typeface="Courier" charset="0"/>
-                <a:ea typeface="Courier" charset="0"/>
-                <a:cs typeface="Courier" charset="0"/>
-              </a:rPr>
-              <a:t>": {</a:t>
-            </a:r>
-          </a:p>
-          <a:p>
-            <a:r>
-              <a:rPr lang="en-US" sz="1600" dirty="0">
-                <a:latin typeface="Courier" charset="0"/>
-                <a:ea typeface="Courier" charset="0"/>
-                <a:cs typeface="Courier" charset="0"/>
-              </a:rPr>
-              <a:t>          "type": "string",</a:t>
-            </a:r>
-          </a:p>
-          <a:p>
-            <a:r>
-              <a:rPr lang="en-US" sz="1600" dirty="0">
-                <a:latin typeface="Courier" charset="0"/>
-                <a:ea typeface="Courier" charset="0"/>
-                <a:cs typeface="Courier" charset="0"/>
-              </a:rPr>
-              <a:t>          "</a:t>
-            </a:r>
-            <a:r>
-              <a:rPr lang="en-US" sz="1600" dirty="0" err="1">
-                <a:latin typeface="Courier" charset="0"/>
-                <a:ea typeface="Courier" charset="0"/>
-                <a:cs typeface="Courier" charset="0"/>
-              </a:rPr>
-              <a:t>enum</a:t>
-            </a:r>
-            <a:r>
-              <a:rPr lang="en-US" sz="1600" dirty="0">
-                <a:latin typeface="Courier" charset="0"/>
-                <a:ea typeface="Courier" charset="0"/>
-                <a:cs typeface="Courier" charset="0"/>
-              </a:rPr>
-              <a:t>": ["on", "off"]</a:t>
-            </a:r>
-          </a:p>
-          <a:p>
-            <a:r>
-              <a:rPr lang="en-US" sz="1600" dirty="0">
-                <a:latin typeface="Courier" charset="0"/>
-                <a:ea typeface="Courier" charset="0"/>
-                <a:cs typeface="Courier" charset="0"/>
-              </a:rPr>
-              <a:t>        }</a:t>
-            </a:r>
-          </a:p>
-          <a:p>
-            <a:r>
-              <a:rPr lang="en-US" sz="1600" dirty="0">
-                <a:latin typeface="Courier" charset="0"/>
-                <a:ea typeface="Courier" charset="0"/>
-                <a:cs typeface="Courier" charset="0"/>
-              </a:rPr>
-              <a:t>      },</a:t>
-            </a:r>
-          </a:p>
-          <a:p>
-            <a:r>
-              <a:rPr lang="en-US" sz="1600" dirty="0">
-                <a:latin typeface="Courier" charset="0"/>
-                <a:ea typeface="Courier" charset="0"/>
-                <a:cs typeface="Courier" charset="0"/>
-              </a:rPr>
-              <a:t>      </a:t>
-            </a:r>
-            <a:r>
-              <a:rPr lang="mr-IN" sz="1600" dirty="0">
-                <a:latin typeface="Courier" charset="0"/>
-                <a:ea typeface="Courier" charset="0"/>
-                <a:cs typeface="Courier" charset="0"/>
-              </a:rPr>
-              <a:t>"</a:t>
-            </a:r>
-            <a:r>
-              <a:rPr lang="en-US" sz="1600" dirty="0" err="1">
-                <a:latin typeface="Courier" charset="0"/>
-                <a:ea typeface="Courier" charset="0"/>
-                <a:cs typeface="Courier" charset="0"/>
-              </a:rPr>
-              <a:t>odmAction</a:t>
-            </a:r>
-            <a:r>
-              <a:rPr lang="en-US" sz="1600" dirty="0">
-                <a:latin typeface="Courier" charset="0"/>
-                <a:ea typeface="Courier" charset="0"/>
-                <a:cs typeface="Courier" charset="0"/>
-              </a:rPr>
-              <a:t>": {</a:t>
-            </a:r>
-          </a:p>
-          <a:p>
-            <a:r>
-              <a:rPr lang="en-US" sz="1600" dirty="0">
-                <a:latin typeface="Courier" charset="0"/>
-                <a:ea typeface="Courier" charset="0"/>
-                <a:cs typeface="Courier" charset="0"/>
-              </a:rPr>
-              <a:t>        "</a:t>
-            </a:r>
-            <a:r>
-              <a:rPr lang="en-US" sz="1600" dirty="0">
-                <a:solidFill>
-                  <a:srgbClr val="FF0000"/>
-                </a:solidFill>
-                <a:latin typeface="Courier" charset="0"/>
-                <a:ea typeface="Courier" charset="0"/>
-                <a:cs typeface="Courier" charset="0"/>
-              </a:rPr>
-              <a:t>on</a:t>
-            </a:r>
-            <a:r>
-              <a:rPr lang="en-US" sz="1600" dirty="0">
-                <a:latin typeface="Courier" charset="0"/>
-                <a:ea typeface="Courier" charset="0"/>
-                <a:cs typeface="Courier" charset="0"/>
-              </a:rPr>
-              <a:t>": {},</a:t>
-            </a:r>
-          </a:p>
-          <a:p>
-            <a:r>
-              <a:rPr lang="en-US" sz="1600" dirty="0">
-                <a:latin typeface="Courier" charset="0"/>
-                <a:ea typeface="Courier" charset="0"/>
-                <a:cs typeface="Courier" charset="0"/>
-              </a:rPr>
-              <a:t>        "</a:t>
-            </a:r>
-            <a:r>
-              <a:rPr lang="en-US" sz="1600" dirty="0">
-                <a:solidFill>
-                  <a:srgbClr val="FF0000"/>
-                </a:solidFill>
-                <a:latin typeface="Courier" charset="0"/>
-                <a:ea typeface="Courier" charset="0"/>
-                <a:cs typeface="Courier" charset="0"/>
-              </a:rPr>
-              <a:t>off</a:t>
-            </a:r>
-            <a:r>
-              <a:rPr lang="en-US" sz="1600" dirty="0">
-                <a:latin typeface="Courier" charset="0"/>
-                <a:ea typeface="Courier" charset="0"/>
-                <a:cs typeface="Courier" charset="0"/>
-              </a:rPr>
-              <a:t>": {}</a:t>
-            </a:r>
-          </a:p>
-          <a:p>
-            <a:r>
-              <a:rPr lang="en-US" sz="1600" dirty="0">
-                <a:latin typeface="Courier" charset="0"/>
-                <a:ea typeface="Courier" charset="0"/>
-                <a:cs typeface="Courier" charset="0"/>
-              </a:rPr>
-              <a:t>      }</a:t>
-            </a:r>
-          </a:p>
-          <a:p>
-            <a:r>
-              <a:rPr lang="en-US" sz="1600" dirty="0">
-                <a:latin typeface="Courier" charset="0"/>
-                <a:ea typeface="Courier" charset="0"/>
-                <a:cs typeface="Courier" charset="0"/>
-              </a:rPr>
-              <a:t>    }</a:t>
-            </a:r>
-          </a:p>
-          <a:p>
-            <a:r>
-              <a:rPr lang="en-US" sz="1600" dirty="0">
-                <a:latin typeface="Courier" charset="0"/>
-                <a:ea typeface="Courier" charset="0"/>
-                <a:cs typeface="Courier" charset="0"/>
-              </a:rPr>
-              <a:t>  }</a:t>
-            </a:r>
-          </a:p>
-          <a:p>
-            <a:r>
-              <a:rPr lang="en-US" sz="1600" dirty="0">
-                <a:effectLst/>
-                <a:latin typeface="Courier" charset="0"/>
-                <a:ea typeface="Courier" charset="0"/>
-                <a:cs typeface="Courier" charset="0"/>
-              </a:rPr>
-              <a:t>}</a:t>
-            </a:r>
-          </a:p>
-        </p:txBody>
-      </p:sp>
-      <p:sp>
-        <p:nvSpPr>
-          <p:cNvPr id="5" name="Rectangle 4"/>
-          <p:cNvSpPr/>
-          <p:nvPr/>
-        </p:nvSpPr>
-        <p:spPr>
-          <a:xfrm>
-            <a:off x="2514599" y="2731763"/>
-            <a:ext cx="5382491" cy="338554"/>
-          </a:xfrm>
-          <a:prstGeom prst="rect">
-            <a:avLst/>
-          </a:prstGeom>
-        </p:spPr>
-        <p:txBody>
-          <a:bodyPr wrap="square">
-            <a:spAutoFit/>
-          </a:bodyPr>
-          <a:lstStyle/>
-          <a:p>
-            <a:r>
-              <a:rPr lang="en-US" sz="1600" dirty="0" smtClean="0">
-                <a:solidFill>
-                  <a:srgbClr val="FF0000"/>
-                </a:solidFill>
-                <a:latin typeface="Courier" charset="0"/>
-                <a:ea typeface="Courier" charset="0"/>
-                <a:cs typeface="Courier" charset="0"/>
-              </a:rPr>
-              <a:t>http://</a:t>
-            </a:r>
-            <a:r>
-              <a:rPr lang="en-US" sz="1600" dirty="0" err="1" smtClean="0">
-                <a:solidFill>
-                  <a:srgbClr val="FF0000"/>
-                </a:solidFill>
-                <a:latin typeface="Courier" charset="0"/>
-                <a:ea typeface="Courier" charset="0"/>
-                <a:cs typeface="Courier" charset="0"/>
-              </a:rPr>
-              <a:t>example.com</a:t>
-            </a:r>
-            <a:r>
-              <a:rPr lang="en-US" sz="1600" dirty="0" smtClean="0">
-                <a:solidFill>
-                  <a:srgbClr val="FF0000"/>
-                </a:solidFill>
-                <a:latin typeface="Courier" charset="0"/>
-                <a:ea typeface="Courier" charset="0"/>
-                <a:cs typeface="Courier" charset="0"/>
-              </a:rPr>
-              <a:t>/capability/</a:t>
-            </a:r>
-            <a:r>
-              <a:rPr lang="en-US" sz="1600" dirty="0" err="1" smtClean="0">
-                <a:solidFill>
-                  <a:srgbClr val="FF0000"/>
-                </a:solidFill>
-                <a:latin typeface="Courier" charset="0"/>
-                <a:ea typeface="Courier" charset="0"/>
-                <a:cs typeface="Courier" charset="0"/>
-              </a:rPr>
-              <a:t>odm</a:t>
-            </a:r>
-            <a:r>
-              <a:rPr lang="en-US" sz="1600" dirty="0" err="1">
-                <a:solidFill>
-                  <a:srgbClr val="FF0000"/>
-                </a:solidFill>
-                <a:latin typeface="Courier" charset="0"/>
-                <a:ea typeface="Courier" charset="0"/>
-                <a:cs typeface="Courier" charset="0"/>
-              </a:rPr>
-              <a:t>#</a:t>
-            </a:r>
-            <a:r>
-              <a:rPr lang="en-US" sz="1600" dirty="0" err="1" smtClean="0">
-                <a:solidFill>
-                  <a:srgbClr val="FF0000"/>
-                </a:solidFill>
-                <a:latin typeface="Courier" charset="0"/>
-                <a:ea typeface="Courier" charset="0"/>
-                <a:cs typeface="Courier" charset="0"/>
-              </a:rPr>
-              <a:t>Switch</a:t>
-            </a:r>
-            <a:endParaRPr lang="en-US" sz="1600" dirty="0">
-              <a:solidFill>
-                <a:srgbClr val="FF0000"/>
-              </a:solidFill>
-            </a:endParaRPr>
-          </a:p>
-        </p:txBody>
-      </p:sp>
-      <p:sp>
-        <p:nvSpPr>
-          <p:cNvPr id="6" name="Rectangle 5"/>
-          <p:cNvSpPr/>
-          <p:nvPr/>
-        </p:nvSpPr>
-        <p:spPr>
-          <a:xfrm>
-            <a:off x="2957944" y="3227063"/>
-            <a:ext cx="5947065" cy="338554"/>
-          </a:xfrm>
-          <a:prstGeom prst="rect">
-            <a:avLst/>
-          </a:prstGeom>
-        </p:spPr>
-        <p:txBody>
-          <a:bodyPr wrap="square">
-            <a:spAutoFit/>
-          </a:bodyPr>
-          <a:lstStyle/>
-          <a:p>
-            <a:r>
-              <a:rPr lang="en-US" sz="1600" dirty="0" smtClean="0">
-                <a:solidFill>
-                  <a:srgbClr val="FF0000"/>
-                </a:solidFill>
-                <a:latin typeface="Courier" charset="0"/>
-                <a:ea typeface="Courier" charset="0"/>
-                <a:cs typeface="Courier" charset="0"/>
-              </a:rPr>
-              <a:t>http://</a:t>
-            </a:r>
-            <a:r>
-              <a:rPr lang="en-US" sz="1600" dirty="0" err="1" smtClean="0">
-                <a:solidFill>
-                  <a:srgbClr val="FF0000"/>
-                </a:solidFill>
-                <a:latin typeface="Courier" charset="0"/>
-                <a:ea typeface="Courier" charset="0"/>
-                <a:cs typeface="Courier" charset="0"/>
-              </a:rPr>
-              <a:t>example.com</a:t>
-            </a:r>
-            <a:r>
-              <a:rPr lang="en-US" sz="1600" dirty="0" smtClean="0">
-                <a:solidFill>
-                  <a:srgbClr val="FF0000"/>
-                </a:solidFill>
-                <a:latin typeface="Courier" charset="0"/>
-                <a:ea typeface="Courier" charset="0"/>
-                <a:cs typeface="Courier" charset="0"/>
-              </a:rPr>
-              <a:t>/capability/</a:t>
-            </a:r>
-            <a:r>
-              <a:rPr lang="en-US" sz="1600" dirty="0" err="1" smtClean="0">
-                <a:solidFill>
-                  <a:srgbClr val="FF0000"/>
-                </a:solidFill>
-                <a:latin typeface="Courier" charset="0"/>
-                <a:ea typeface="Courier" charset="0"/>
-                <a:cs typeface="Courier" charset="0"/>
-              </a:rPr>
-              <a:t>odm</a:t>
-            </a:r>
-            <a:r>
-              <a:rPr lang="en-US" sz="1600" dirty="0" err="1">
-                <a:solidFill>
-                  <a:srgbClr val="FF0000"/>
-                </a:solidFill>
-                <a:latin typeface="Courier" charset="0"/>
-                <a:ea typeface="Courier" charset="0"/>
-                <a:cs typeface="Courier" charset="0"/>
-              </a:rPr>
-              <a:t>#</a:t>
-            </a:r>
-            <a:r>
-              <a:rPr lang="en-US" sz="1600" dirty="0" err="1" smtClean="0">
-                <a:solidFill>
-                  <a:srgbClr val="FF0000"/>
-                </a:solidFill>
-                <a:latin typeface="Courier" charset="0"/>
-                <a:ea typeface="Courier" charset="0"/>
-                <a:cs typeface="Courier" charset="0"/>
-              </a:rPr>
-              <a:t>Switch.value</a:t>
-            </a:r>
-            <a:endParaRPr lang="en-US" sz="1600" dirty="0">
-              <a:solidFill>
-                <a:srgbClr val="FF0000"/>
-              </a:solidFill>
-            </a:endParaRPr>
-          </a:p>
-        </p:txBody>
-      </p:sp>
-      <p:sp>
-        <p:nvSpPr>
-          <p:cNvPr id="7" name="Rectangle 6"/>
-          <p:cNvSpPr/>
-          <p:nvPr/>
-        </p:nvSpPr>
-        <p:spPr>
-          <a:xfrm>
-            <a:off x="2514598" y="4666014"/>
-            <a:ext cx="5839693" cy="338554"/>
-          </a:xfrm>
-          <a:prstGeom prst="rect">
-            <a:avLst/>
-          </a:prstGeom>
-        </p:spPr>
-        <p:txBody>
-          <a:bodyPr wrap="square">
-            <a:spAutoFit/>
-          </a:bodyPr>
-          <a:lstStyle/>
-          <a:p>
-            <a:r>
-              <a:rPr lang="en-US" sz="1600" dirty="0" smtClean="0">
-                <a:solidFill>
-                  <a:srgbClr val="FF0000"/>
-                </a:solidFill>
-                <a:latin typeface="Courier" charset="0"/>
-                <a:ea typeface="Courier" charset="0"/>
-                <a:cs typeface="Courier" charset="0"/>
-              </a:rPr>
-              <a:t>http://</a:t>
-            </a:r>
-            <a:r>
-              <a:rPr lang="en-US" sz="1600" dirty="0" err="1" smtClean="0">
-                <a:solidFill>
-                  <a:srgbClr val="FF0000"/>
-                </a:solidFill>
-                <a:latin typeface="Courier" charset="0"/>
-                <a:ea typeface="Courier" charset="0"/>
-                <a:cs typeface="Courier" charset="0"/>
-              </a:rPr>
-              <a:t>example.com</a:t>
-            </a:r>
-            <a:r>
-              <a:rPr lang="en-US" sz="1600" dirty="0" smtClean="0">
-                <a:solidFill>
-                  <a:srgbClr val="FF0000"/>
-                </a:solidFill>
-                <a:latin typeface="Courier" charset="0"/>
-                <a:ea typeface="Courier" charset="0"/>
-                <a:cs typeface="Courier" charset="0"/>
-              </a:rPr>
-              <a:t>/capability/</a:t>
-            </a:r>
-            <a:r>
-              <a:rPr lang="en-US" sz="1600" dirty="0" err="1" smtClean="0">
-                <a:solidFill>
-                  <a:srgbClr val="FF0000"/>
-                </a:solidFill>
-                <a:latin typeface="Courier" charset="0"/>
-                <a:ea typeface="Courier" charset="0"/>
-                <a:cs typeface="Courier" charset="0"/>
-              </a:rPr>
-              <a:t>odm</a:t>
-            </a:r>
-            <a:r>
-              <a:rPr lang="en-US" sz="1600" dirty="0" err="1" smtClean="0">
-                <a:solidFill>
-                  <a:srgbClr val="FF0000"/>
-                </a:solidFill>
-                <a:latin typeface="Courier" charset="0"/>
-                <a:ea typeface="Courier" charset="0"/>
-                <a:cs typeface="Courier" charset="0"/>
-              </a:rPr>
-              <a:t>#</a:t>
-            </a:r>
-            <a:r>
-              <a:rPr lang="en-US" sz="1600" dirty="0" err="1" smtClean="0">
-                <a:solidFill>
-                  <a:srgbClr val="FF0000"/>
-                </a:solidFill>
-                <a:latin typeface="Courier" charset="0"/>
-                <a:ea typeface="Courier" charset="0"/>
-                <a:cs typeface="Courier" charset="0"/>
-              </a:rPr>
-              <a:t>Switch.on</a:t>
-            </a:r>
-            <a:endParaRPr lang="en-US" sz="1600" dirty="0">
-              <a:solidFill>
-                <a:srgbClr val="FF0000"/>
-              </a:solidFill>
-            </a:endParaRPr>
-          </a:p>
-        </p:txBody>
-      </p:sp>
-      <p:sp>
-        <p:nvSpPr>
-          <p:cNvPr id="8" name="Rectangle 7"/>
-          <p:cNvSpPr/>
-          <p:nvPr/>
-        </p:nvSpPr>
-        <p:spPr>
-          <a:xfrm>
-            <a:off x="2514597" y="4992037"/>
-            <a:ext cx="5839693" cy="338554"/>
-          </a:xfrm>
-          <a:prstGeom prst="rect">
-            <a:avLst/>
-          </a:prstGeom>
-        </p:spPr>
-        <p:txBody>
-          <a:bodyPr wrap="square">
-            <a:spAutoFit/>
-          </a:bodyPr>
-          <a:lstStyle/>
-          <a:p>
-            <a:r>
-              <a:rPr lang="en-US" sz="1600" dirty="0" smtClean="0">
-                <a:solidFill>
-                  <a:srgbClr val="FF0000"/>
-                </a:solidFill>
-                <a:latin typeface="Courier" charset="0"/>
-                <a:ea typeface="Courier" charset="0"/>
-                <a:cs typeface="Courier" charset="0"/>
-              </a:rPr>
-              <a:t>http://</a:t>
-            </a:r>
-            <a:r>
-              <a:rPr lang="en-US" sz="1600" dirty="0" err="1" smtClean="0">
-                <a:solidFill>
-                  <a:srgbClr val="FF0000"/>
-                </a:solidFill>
-                <a:latin typeface="Courier" charset="0"/>
-                <a:ea typeface="Courier" charset="0"/>
-                <a:cs typeface="Courier" charset="0"/>
-              </a:rPr>
-              <a:t>example.com</a:t>
-            </a:r>
-            <a:r>
-              <a:rPr lang="en-US" sz="1600" dirty="0" smtClean="0">
-                <a:solidFill>
-                  <a:srgbClr val="FF0000"/>
-                </a:solidFill>
-                <a:latin typeface="Courier" charset="0"/>
-                <a:ea typeface="Courier" charset="0"/>
-                <a:cs typeface="Courier" charset="0"/>
-              </a:rPr>
-              <a:t>/capability/</a:t>
-            </a:r>
-            <a:r>
-              <a:rPr lang="en-US" sz="1600" dirty="0" err="1" smtClean="0">
-                <a:solidFill>
-                  <a:srgbClr val="FF0000"/>
-                </a:solidFill>
-                <a:latin typeface="Courier" charset="0"/>
-                <a:ea typeface="Courier" charset="0"/>
-                <a:cs typeface="Courier" charset="0"/>
-              </a:rPr>
-              <a:t>odm</a:t>
-            </a:r>
-            <a:r>
-              <a:rPr lang="en-US" sz="1600" dirty="0" err="1" smtClean="0">
-                <a:solidFill>
-                  <a:srgbClr val="FF0000"/>
-                </a:solidFill>
-                <a:latin typeface="Courier" charset="0"/>
-                <a:ea typeface="Courier" charset="0"/>
-                <a:cs typeface="Courier" charset="0"/>
-              </a:rPr>
-              <a:t>#</a:t>
-            </a:r>
-            <a:r>
-              <a:rPr lang="en-US" sz="1600" dirty="0" err="1" smtClean="0">
-                <a:solidFill>
-                  <a:srgbClr val="FF0000"/>
-                </a:solidFill>
-                <a:latin typeface="Courier" charset="0"/>
-                <a:ea typeface="Courier" charset="0"/>
-                <a:cs typeface="Courier" charset="0"/>
-              </a:rPr>
-              <a:t>Switch.off</a:t>
-            </a:r>
-            <a:endParaRPr lang="en-US" sz="1600" dirty="0">
-              <a:solidFill>
-                <a:srgbClr val="FF0000"/>
-              </a:solidFill>
-            </a:endParaRPr>
+            <a:endParaRPr lang="en-US" dirty="0" smtClean="0"/>
+          </a:p>
+          <a:p>
+            <a:r>
+              <a:rPr lang="en-US" dirty="0" smtClean="0"/>
+              <a:t>Composed types</a:t>
+            </a:r>
+          </a:p>
+          <a:p>
+            <a:pPr lvl="1"/>
+            <a:r>
+              <a:rPr lang="en-US" dirty="0" err="1" smtClean="0"/>
+              <a:t>odmThing</a:t>
+            </a:r>
+            <a:r>
+              <a:rPr lang="en-US" dirty="0" smtClean="0"/>
+              <a:t> (a composition of objects with optionality)</a:t>
+            </a:r>
+            <a:endParaRPr lang="en-US" dirty="0" smtClean="0"/>
+          </a:p>
+          <a:p>
+            <a:pPr lvl="1"/>
+            <a:r>
+              <a:rPr lang="en-US" dirty="0" err="1" smtClean="0"/>
+              <a:t>odmProduct</a:t>
+            </a:r>
+            <a:r>
+              <a:rPr lang="en-US" dirty="0" smtClean="0"/>
+              <a:t> (also a thing, but has specific qualities and optionality)</a:t>
+            </a:r>
+            <a:endParaRPr lang="en-US" dirty="0"/>
           </a:p>
         </p:txBody>
       </p:sp>
     </p:spTree>
     <p:extLst>
       <p:ext uri="{BB962C8B-B14F-4D97-AF65-F5344CB8AC3E}">
-        <p14:creationId xmlns:p14="http://schemas.microsoft.com/office/powerpoint/2010/main" val="1577521574"/>
+        <p14:creationId xmlns:p14="http://schemas.microsoft.com/office/powerpoint/2010/main" val="1376300819"/>
       </p:ext>
     </p:extLst>
   </p:cSld>
@@ -4408,33 +3824,10 @@
             <p:ph type="title"/>
           </p:nvPr>
         </p:nvSpPr>
-        <p:spPr/>
-        <p:txBody>
-          <a:bodyPr/>
-          <a:lstStyle/>
-          <a:p>
-            <a:r>
-              <a:rPr lang="en-US" dirty="0" smtClean="0"/>
-              <a:t>Re-use and Recursion</a:t>
-            </a:r>
-            <a:endParaRPr lang="en-US" dirty="0"/>
-          </a:p>
-        </p:txBody>
-      </p:sp>
-      <p:sp>
-        <p:nvSpPr>
-          <p:cNvPr id="3" name="Content Placeholder 2"/>
-          <p:cNvSpPr>
-            <a:spLocks noGrp="1"/>
-          </p:cNvSpPr>
-          <p:nvPr>
-            <p:ph idx="1"/>
-          </p:nvPr>
-        </p:nvSpPr>
         <p:spPr>
           <a:xfrm>
-            <a:off x="628650" y="1524435"/>
-            <a:ext cx="7886700" cy="4351338"/>
+            <a:off x="639040" y="126086"/>
+            <a:ext cx="7886700" cy="1325563"/>
           </a:xfrm>
         </p:spPr>
         <p:txBody>
@@ -4443,63 +3836,819 @@
           <a:p>
             <a:r>
               <a:rPr lang="en-US" dirty="0" smtClean="0"/>
-              <a:t>"refines"</a:t>
-            </a:r>
-          </a:p>
-          <a:p>
-            <a:pPr lvl="1"/>
-            <a:r>
-              <a:rPr lang="en-US" dirty="0"/>
-              <a:t>R</a:t>
-            </a:r>
-            <a:r>
-              <a:rPr lang="en-US" dirty="0" smtClean="0"/>
-              <a:t>euses an existing named definition in the current definition and allows selection of optionality</a:t>
-            </a:r>
-          </a:p>
-          <a:p>
-            <a:r>
-              <a:rPr lang="en-US" dirty="0" smtClean="0"/>
-              <a:t>"extends"</a:t>
-            </a:r>
-          </a:p>
-          <a:p>
-            <a:pPr lvl="1"/>
-            <a:r>
-              <a:rPr lang="en-US" dirty="0" smtClean="0"/>
-              <a:t>Reuses an existing definition as a template with a new name and selects optionality, may add new qualities and elements</a:t>
-            </a:r>
-          </a:p>
-          <a:p>
-            <a:r>
-              <a:rPr lang="en-US" dirty="0" smtClean="0"/>
-              <a:t>"includes"</a:t>
-            </a:r>
-          </a:p>
-          <a:p>
-            <a:pPr lvl="1"/>
-            <a:r>
-              <a:rPr lang="en-US" dirty="0"/>
-              <a:t>M</a:t>
-            </a:r>
-            <a:r>
-              <a:rPr lang="en-US" dirty="0" smtClean="0"/>
-              <a:t>akes a reference to an existing definition that preserves its original context and path</a:t>
-            </a:r>
-          </a:p>
-          <a:p>
-            <a:pPr lvl="1"/>
-            <a:r>
-              <a:rPr lang="en-US" dirty="0" smtClean="0"/>
-              <a:t>Expected to link to a specific instance in a deployed thing and provide a functional "view"</a:t>
-            </a:r>
+              <a:t>Path Construction in a Definition</a:t>
+            </a:r>
+            <a:endParaRPr lang="en-US" dirty="0"/>
+          </a:p>
+        </p:txBody>
+      </p:sp>
+      <p:sp>
+        <p:nvSpPr>
+          <p:cNvPr id="4" name="Rectangle 3"/>
+          <p:cNvSpPr/>
+          <p:nvPr/>
+        </p:nvSpPr>
+        <p:spPr>
+          <a:xfrm>
+            <a:off x="311725" y="1267924"/>
+            <a:ext cx="8832275" cy="5016758"/>
+          </a:xfrm>
+          <a:prstGeom prst="rect">
+            <a:avLst/>
+          </a:prstGeom>
+        </p:spPr>
+        <p:txBody>
+          <a:bodyPr wrap="square">
+            <a:spAutoFit/>
+          </a:bodyPr>
+          <a:lstStyle/>
+          <a:p>
+            <a:r>
+              <a:rPr lang="en-US" sz="1600" dirty="0">
+                <a:latin typeface="Courier" charset="0"/>
+                <a:ea typeface="Courier" charset="0"/>
+                <a:cs typeface="Courier" charset="0"/>
+              </a:rPr>
+              <a:t>{</a:t>
+            </a:r>
+          </a:p>
+          <a:p>
+            <a:r>
+              <a:rPr lang="en-US" sz="1600" dirty="0" smtClean="0">
+                <a:latin typeface="Courier" charset="0"/>
+                <a:ea typeface="Courier" charset="0"/>
+                <a:cs typeface="Courier" charset="0"/>
+              </a:rPr>
+              <a:t>  "namespace": {</a:t>
+            </a:r>
+          </a:p>
+          <a:p>
+            <a:r>
+              <a:rPr lang="en-US" sz="1600" dirty="0" smtClean="0">
+                <a:latin typeface="Courier" charset="0"/>
+                <a:ea typeface="Courier" charset="0"/>
+                <a:cs typeface="Courier" charset="0"/>
+              </a:rPr>
+              <a:t>    "</a:t>
+            </a:r>
+            <a:r>
+              <a:rPr lang="en-US" sz="1600" dirty="0" err="1" smtClean="0">
+                <a:latin typeface="Courier" charset="0"/>
+                <a:ea typeface="Courier" charset="0"/>
+                <a:cs typeface="Courier" charset="0"/>
+              </a:rPr>
+              <a:t>st</a:t>
+            </a:r>
+            <a:r>
+              <a:rPr lang="en-US" sz="1600" dirty="0" smtClean="0">
+                <a:latin typeface="Courier" charset="0"/>
+                <a:ea typeface="Courier" charset="0"/>
+                <a:cs typeface="Courier" charset="0"/>
+              </a:rPr>
+              <a:t>": "http://</a:t>
+            </a:r>
+            <a:r>
+              <a:rPr lang="en-US" sz="1600" dirty="0" err="1" smtClean="0">
+                <a:latin typeface="Courier" charset="0"/>
+                <a:ea typeface="Courier" charset="0"/>
+                <a:cs typeface="Courier" charset="0"/>
+              </a:rPr>
+              <a:t>example.com</a:t>
+            </a:r>
+            <a:r>
+              <a:rPr lang="en-US" sz="1600" dirty="0" smtClean="0">
+                <a:latin typeface="Courier" charset="0"/>
+                <a:ea typeface="Courier" charset="0"/>
+                <a:cs typeface="Courier" charset="0"/>
+              </a:rPr>
+              <a:t>/capability/</a:t>
+            </a:r>
+            <a:r>
+              <a:rPr lang="en-US" sz="1600" dirty="0" err="1" smtClean="0">
+                <a:latin typeface="Courier" charset="0"/>
+                <a:ea typeface="Courier" charset="0"/>
+                <a:cs typeface="Courier" charset="0"/>
+              </a:rPr>
+              <a:t>odm</a:t>
+            </a:r>
+            <a:r>
+              <a:rPr lang="en-US" sz="1600" dirty="0" smtClean="0">
+                <a:latin typeface="Courier" charset="0"/>
+                <a:ea typeface="Courier" charset="0"/>
+                <a:cs typeface="Courier" charset="0"/>
+              </a:rPr>
+              <a:t>"</a:t>
+            </a:r>
+          </a:p>
+          <a:p>
+            <a:r>
+              <a:rPr lang="en-US" sz="1600" dirty="0" smtClean="0">
+                <a:latin typeface="Courier" charset="0"/>
+                <a:ea typeface="Courier" charset="0"/>
+                <a:cs typeface="Courier" charset="0"/>
+              </a:rPr>
+              <a:t>  },</a:t>
+            </a:r>
+          </a:p>
+          <a:p>
+            <a:r>
+              <a:rPr lang="en-US" sz="1600" dirty="0" smtClean="0">
+                <a:latin typeface="Courier" charset="0"/>
+                <a:ea typeface="Courier" charset="0"/>
+                <a:cs typeface="Courier" charset="0"/>
+              </a:rPr>
+              <a:t>  "</a:t>
+            </a:r>
+            <a:r>
+              <a:rPr lang="en-US" sz="1600" dirty="0" err="1" smtClean="0">
+                <a:latin typeface="Courier" charset="0"/>
+                <a:ea typeface="Courier" charset="0"/>
+                <a:cs typeface="Courier" charset="0"/>
+              </a:rPr>
+              <a:t>defaultNamespace</a:t>
+            </a:r>
+            <a:r>
+              <a:rPr lang="en-US" sz="1600" dirty="0" smtClean="0">
+                <a:latin typeface="Courier" charset="0"/>
+                <a:ea typeface="Courier" charset="0"/>
+                <a:cs typeface="Courier" charset="0"/>
+              </a:rPr>
+              <a:t>": "</a:t>
+            </a:r>
+            <a:r>
+              <a:rPr lang="en-US" sz="1600" dirty="0" err="1" smtClean="0">
+                <a:latin typeface="Courier" charset="0"/>
+                <a:ea typeface="Courier" charset="0"/>
+                <a:cs typeface="Courier" charset="0"/>
+              </a:rPr>
+              <a:t>st</a:t>
+            </a:r>
+            <a:r>
+              <a:rPr lang="en-US" sz="1600" dirty="0" smtClean="0">
+                <a:latin typeface="Courier" charset="0"/>
+                <a:ea typeface="Courier" charset="0"/>
+                <a:cs typeface="Courier" charset="0"/>
+              </a:rPr>
+              <a:t>",</a:t>
+            </a:r>
+          </a:p>
+          <a:p>
+            <a:r>
+              <a:rPr lang="en-US" sz="1600" dirty="0" smtClean="0">
+                <a:latin typeface="Courier" charset="0"/>
+                <a:ea typeface="Courier" charset="0"/>
+                <a:cs typeface="Courier" charset="0"/>
+              </a:rPr>
+              <a:t>  </a:t>
+            </a:r>
+            <a:r>
+              <a:rPr lang="mr-IN" sz="1600" dirty="0">
+                <a:latin typeface="Courier" charset="0"/>
+                <a:ea typeface="Courier" charset="0"/>
+                <a:cs typeface="Courier" charset="0"/>
+              </a:rPr>
+              <a:t>"</a:t>
+            </a:r>
+            <a:r>
+              <a:rPr lang="en-US" sz="1600" dirty="0" err="1">
+                <a:latin typeface="Courier" charset="0"/>
+                <a:ea typeface="Courier" charset="0"/>
+                <a:cs typeface="Courier" charset="0"/>
+              </a:rPr>
+              <a:t>odmObject</a:t>
+            </a:r>
+            <a:r>
+              <a:rPr lang="en-US" sz="1600" dirty="0">
+                <a:latin typeface="Courier" charset="0"/>
+                <a:ea typeface="Courier" charset="0"/>
+                <a:cs typeface="Courier" charset="0"/>
+              </a:rPr>
+              <a:t>": {</a:t>
+            </a:r>
+          </a:p>
+          <a:p>
+            <a:r>
+              <a:rPr lang="en-US" sz="1600" dirty="0">
+                <a:latin typeface="Courier" charset="0"/>
+                <a:ea typeface="Courier" charset="0"/>
+                <a:cs typeface="Courier" charset="0"/>
+              </a:rPr>
+              <a:t>    "</a:t>
+            </a:r>
+            <a:r>
+              <a:rPr lang="en-US" sz="1600" dirty="0">
+                <a:solidFill>
+                  <a:srgbClr val="FF0000"/>
+                </a:solidFill>
+                <a:latin typeface="Courier" charset="0"/>
+                <a:ea typeface="Courier" charset="0"/>
+                <a:cs typeface="Courier" charset="0"/>
+              </a:rPr>
+              <a:t>Switch</a:t>
+            </a:r>
+            <a:r>
+              <a:rPr lang="en-US" sz="1600" dirty="0">
+                <a:latin typeface="Courier" charset="0"/>
+                <a:ea typeface="Courier" charset="0"/>
+                <a:cs typeface="Courier" charset="0"/>
+              </a:rPr>
+              <a:t>": { </a:t>
+            </a:r>
+          </a:p>
+          <a:p>
+            <a:r>
+              <a:rPr lang="en-US" sz="1600" dirty="0">
+                <a:latin typeface="Courier" charset="0"/>
+                <a:ea typeface="Courier" charset="0"/>
+                <a:cs typeface="Courier" charset="0"/>
+              </a:rPr>
+              <a:t>      </a:t>
+            </a:r>
+            <a:r>
+              <a:rPr lang="mr-IN" sz="1600" dirty="0">
+                <a:latin typeface="Courier" charset="0"/>
+                <a:ea typeface="Courier" charset="0"/>
+                <a:cs typeface="Courier" charset="0"/>
+              </a:rPr>
+              <a:t>"</a:t>
+            </a:r>
+            <a:r>
+              <a:rPr lang="en-US" sz="1600" dirty="0" err="1">
+                <a:latin typeface="Courier" charset="0"/>
+                <a:ea typeface="Courier" charset="0"/>
+                <a:cs typeface="Courier" charset="0"/>
+              </a:rPr>
+              <a:t>odmProperty</a:t>
+            </a:r>
+            <a:r>
+              <a:rPr lang="en-US" sz="1600" dirty="0">
+                <a:latin typeface="Courier" charset="0"/>
+                <a:ea typeface="Courier" charset="0"/>
+                <a:cs typeface="Courier" charset="0"/>
+              </a:rPr>
+              <a:t>": {</a:t>
+            </a:r>
+          </a:p>
+          <a:p>
+            <a:r>
+              <a:rPr lang="en-US" sz="1600" dirty="0">
+                <a:latin typeface="Courier" charset="0"/>
+                <a:ea typeface="Courier" charset="0"/>
+                <a:cs typeface="Courier" charset="0"/>
+              </a:rPr>
+              <a:t>        "</a:t>
+            </a:r>
+            <a:r>
+              <a:rPr lang="en-US" sz="1600" dirty="0">
+                <a:solidFill>
+                  <a:srgbClr val="FF0000"/>
+                </a:solidFill>
+                <a:latin typeface="Courier" charset="0"/>
+                <a:ea typeface="Courier" charset="0"/>
+                <a:cs typeface="Courier" charset="0"/>
+              </a:rPr>
+              <a:t>value</a:t>
+            </a:r>
+            <a:r>
+              <a:rPr lang="en-US" sz="1600" dirty="0">
+                <a:latin typeface="Courier" charset="0"/>
+                <a:ea typeface="Courier" charset="0"/>
+                <a:cs typeface="Courier" charset="0"/>
+              </a:rPr>
+              <a:t>": {</a:t>
+            </a:r>
+          </a:p>
+          <a:p>
+            <a:r>
+              <a:rPr lang="en-US" sz="1600" dirty="0">
+                <a:latin typeface="Courier" charset="0"/>
+                <a:ea typeface="Courier" charset="0"/>
+                <a:cs typeface="Courier" charset="0"/>
+              </a:rPr>
+              <a:t>          "type": "string",</a:t>
+            </a:r>
+          </a:p>
+          <a:p>
+            <a:r>
+              <a:rPr lang="en-US" sz="1600" dirty="0">
+                <a:latin typeface="Courier" charset="0"/>
+                <a:ea typeface="Courier" charset="0"/>
+                <a:cs typeface="Courier" charset="0"/>
+              </a:rPr>
+              <a:t>          "</a:t>
+            </a:r>
+            <a:r>
+              <a:rPr lang="en-US" sz="1600" dirty="0" err="1">
+                <a:latin typeface="Courier" charset="0"/>
+                <a:ea typeface="Courier" charset="0"/>
+                <a:cs typeface="Courier" charset="0"/>
+              </a:rPr>
+              <a:t>enum</a:t>
+            </a:r>
+            <a:r>
+              <a:rPr lang="en-US" sz="1600" dirty="0">
+                <a:latin typeface="Courier" charset="0"/>
+                <a:ea typeface="Courier" charset="0"/>
+                <a:cs typeface="Courier" charset="0"/>
+              </a:rPr>
+              <a:t>": ["on", "off"]</a:t>
+            </a:r>
+          </a:p>
+          <a:p>
+            <a:r>
+              <a:rPr lang="en-US" sz="1600" dirty="0">
+                <a:latin typeface="Courier" charset="0"/>
+                <a:ea typeface="Courier" charset="0"/>
+                <a:cs typeface="Courier" charset="0"/>
+              </a:rPr>
+              <a:t>        }</a:t>
+            </a:r>
+          </a:p>
+          <a:p>
+            <a:r>
+              <a:rPr lang="en-US" sz="1600" dirty="0">
+                <a:latin typeface="Courier" charset="0"/>
+                <a:ea typeface="Courier" charset="0"/>
+                <a:cs typeface="Courier" charset="0"/>
+              </a:rPr>
+              <a:t>      },</a:t>
+            </a:r>
+          </a:p>
+          <a:p>
+            <a:r>
+              <a:rPr lang="en-US" sz="1600" dirty="0">
+                <a:latin typeface="Courier" charset="0"/>
+                <a:ea typeface="Courier" charset="0"/>
+                <a:cs typeface="Courier" charset="0"/>
+              </a:rPr>
+              <a:t>      </a:t>
+            </a:r>
+            <a:r>
+              <a:rPr lang="mr-IN" sz="1600" dirty="0">
+                <a:latin typeface="Courier" charset="0"/>
+                <a:ea typeface="Courier" charset="0"/>
+                <a:cs typeface="Courier" charset="0"/>
+              </a:rPr>
+              <a:t>"</a:t>
+            </a:r>
+            <a:r>
+              <a:rPr lang="en-US" sz="1600" dirty="0" err="1">
+                <a:latin typeface="Courier" charset="0"/>
+                <a:ea typeface="Courier" charset="0"/>
+                <a:cs typeface="Courier" charset="0"/>
+              </a:rPr>
+              <a:t>odmAction</a:t>
+            </a:r>
+            <a:r>
+              <a:rPr lang="en-US" sz="1600" dirty="0">
+                <a:latin typeface="Courier" charset="0"/>
+                <a:ea typeface="Courier" charset="0"/>
+                <a:cs typeface="Courier" charset="0"/>
+              </a:rPr>
+              <a:t>": {</a:t>
+            </a:r>
+          </a:p>
+          <a:p>
+            <a:r>
+              <a:rPr lang="en-US" sz="1600" dirty="0">
+                <a:latin typeface="Courier" charset="0"/>
+                <a:ea typeface="Courier" charset="0"/>
+                <a:cs typeface="Courier" charset="0"/>
+              </a:rPr>
+              <a:t>        "</a:t>
+            </a:r>
+            <a:r>
+              <a:rPr lang="en-US" sz="1600" dirty="0">
+                <a:solidFill>
+                  <a:srgbClr val="FF0000"/>
+                </a:solidFill>
+                <a:latin typeface="Courier" charset="0"/>
+                <a:ea typeface="Courier" charset="0"/>
+                <a:cs typeface="Courier" charset="0"/>
+              </a:rPr>
+              <a:t>on</a:t>
+            </a:r>
+            <a:r>
+              <a:rPr lang="en-US" sz="1600" dirty="0">
+                <a:latin typeface="Courier" charset="0"/>
+                <a:ea typeface="Courier" charset="0"/>
+                <a:cs typeface="Courier" charset="0"/>
+              </a:rPr>
+              <a:t>": {},</a:t>
+            </a:r>
+          </a:p>
+          <a:p>
+            <a:r>
+              <a:rPr lang="en-US" sz="1600" dirty="0">
+                <a:latin typeface="Courier" charset="0"/>
+                <a:ea typeface="Courier" charset="0"/>
+                <a:cs typeface="Courier" charset="0"/>
+              </a:rPr>
+              <a:t>        "</a:t>
+            </a:r>
+            <a:r>
+              <a:rPr lang="en-US" sz="1600" dirty="0">
+                <a:solidFill>
+                  <a:srgbClr val="FF0000"/>
+                </a:solidFill>
+                <a:latin typeface="Courier" charset="0"/>
+                <a:ea typeface="Courier" charset="0"/>
+                <a:cs typeface="Courier" charset="0"/>
+              </a:rPr>
+              <a:t>off</a:t>
+            </a:r>
+            <a:r>
+              <a:rPr lang="en-US" sz="1600" dirty="0">
+                <a:latin typeface="Courier" charset="0"/>
+                <a:ea typeface="Courier" charset="0"/>
+                <a:cs typeface="Courier" charset="0"/>
+              </a:rPr>
+              <a:t>": {}</a:t>
+            </a:r>
+          </a:p>
+          <a:p>
+            <a:r>
+              <a:rPr lang="en-US" sz="1600" dirty="0">
+                <a:latin typeface="Courier" charset="0"/>
+                <a:ea typeface="Courier" charset="0"/>
+                <a:cs typeface="Courier" charset="0"/>
+              </a:rPr>
+              <a:t>      }</a:t>
+            </a:r>
+          </a:p>
+          <a:p>
+            <a:r>
+              <a:rPr lang="en-US" sz="1600" dirty="0">
+                <a:latin typeface="Courier" charset="0"/>
+                <a:ea typeface="Courier" charset="0"/>
+                <a:cs typeface="Courier" charset="0"/>
+              </a:rPr>
+              <a:t>    }</a:t>
+            </a:r>
+          </a:p>
+          <a:p>
+            <a:r>
+              <a:rPr lang="en-US" sz="1600" dirty="0">
+                <a:latin typeface="Courier" charset="0"/>
+                <a:ea typeface="Courier" charset="0"/>
+                <a:cs typeface="Courier" charset="0"/>
+              </a:rPr>
+              <a:t>  }</a:t>
+            </a:r>
+          </a:p>
+          <a:p>
+            <a:r>
+              <a:rPr lang="en-US" sz="1600" dirty="0">
+                <a:effectLst/>
+                <a:latin typeface="Courier" charset="0"/>
+                <a:ea typeface="Courier" charset="0"/>
+                <a:cs typeface="Courier" charset="0"/>
+              </a:rPr>
+              <a:t>}</a:t>
+            </a:r>
+          </a:p>
+        </p:txBody>
+      </p:sp>
+      <p:sp>
+        <p:nvSpPr>
+          <p:cNvPr id="5" name="Rectangle 4"/>
+          <p:cNvSpPr/>
+          <p:nvPr/>
+        </p:nvSpPr>
+        <p:spPr>
+          <a:xfrm>
+            <a:off x="2514599" y="2731763"/>
+            <a:ext cx="5382491" cy="338554"/>
+          </a:xfrm>
+          <a:prstGeom prst="rect">
+            <a:avLst/>
+          </a:prstGeom>
+        </p:spPr>
+        <p:txBody>
+          <a:bodyPr wrap="square">
+            <a:spAutoFit/>
+          </a:bodyPr>
+          <a:lstStyle/>
+          <a:p>
+            <a:r>
+              <a:rPr lang="en-US" sz="1600" dirty="0" smtClean="0">
+                <a:solidFill>
+                  <a:srgbClr val="FF0000"/>
+                </a:solidFill>
+                <a:latin typeface="Courier" charset="0"/>
+                <a:ea typeface="Courier" charset="0"/>
+                <a:cs typeface="Courier" charset="0"/>
+              </a:rPr>
+              <a:t>http://</a:t>
+            </a:r>
+            <a:r>
+              <a:rPr lang="en-US" sz="1600" dirty="0" err="1" smtClean="0">
+                <a:solidFill>
+                  <a:srgbClr val="FF0000"/>
+                </a:solidFill>
+                <a:latin typeface="Courier" charset="0"/>
+                <a:ea typeface="Courier" charset="0"/>
+                <a:cs typeface="Courier" charset="0"/>
+              </a:rPr>
+              <a:t>example.com</a:t>
+            </a:r>
+            <a:r>
+              <a:rPr lang="en-US" sz="1600" dirty="0" smtClean="0">
+                <a:solidFill>
+                  <a:srgbClr val="FF0000"/>
+                </a:solidFill>
+                <a:latin typeface="Courier" charset="0"/>
+                <a:ea typeface="Courier" charset="0"/>
+                <a:cs typeface="Courier" charset="0"/>
+              </a:rPr>
+              <a:t>/capability/</a:t>
+            </a:r>
+            <a:r>
+              <a:rPr lang="en-US" sz="1600" dirty="0" err="1" smtClean="0">
+                <a:solidFill>
+                  <a:srgbClr val="FF0000"/>
+                </a:solidFill>
+                <a:latin typeface="Courier" charset="0"/>
+                <a:ea typeface="Courier" charset="0"/>
+                <a:cs typeface="Courier" charset="0"/>
+              </a:rPr>
+              <a:t>odm</a:t>
+            </a:r>
+            <a:r>
+              <a:rPr lang="en-US" sz="1600" dirty="0" err="1">
+                <a:solidFill>
+                  <a:srgbClr val="FF0000"/>
+                </a:solidFill>
+                <a:latin typeface="Courier" charset="0"/>
+                <a:ea typeface="Courier" charset="0"/>
+                <a:cs typeface="Courier" charset="0"/>
+              </a:rPr>
+              <a:t>#</a:t>
+            </a:r>
+            <a:r>
+              <a:rPr lang="en-US" sz="1600" dirty="0" err="1" smtClean="0">
+                <a:solidFill>
+                  <a:srgbClr val="FF0000"/>
+                </a:solidFill>
+                <a:latin typeface="Courier" charset="0"/>
+                <a:ea typeface="Courier" charset="0"/>
+                <a:cs typeface="Courier" charset="0"/>
+              </a:rPr>
+              <a:t>Switch</a:t>
+            </a:r>
+            <a:endParaRPr lang="en-US" sz="1600" dirty="0">
+              <a:solidFill>
+                <a:srgbClr val="FF0000"/>
+              </a:solidFill>
+            </a:endParaRPr>
+          </a:p>
+        </p:txBody>
+      </p:sp>
+      <p:sp>
+        <p:nvSpPr>
+          <p:cNvPr id="6" name="Rectangle 5"/>
+          <p:cNvSpPr/>
+          <p:nvPr/>
+        </p:nvSpPr>
+        <p:spPr>
+          <a:xfrm>
+            <a:off x="2957944" y="3227063"/>
+            <a:ext cx="5947065" cy="338554"/>
+          </a:xfrm>
+          <a:prstGeom prst="rect">
+            <a:avLst/>
+          </a:prstGeom>
+        </p:spPr>
+        <p:txBody>
+          <a:bodyPr wrap="square">
+            <a:spAutoFit/>
+          </a:bodyPr>
+          <a:lstStyle/>
+          <a:p>
+            <a:r>
+              <a:rPr lang="en-US" sz="1600" dirty="0" smtClean="0">
+                <a:solidFill>
+                  <a:srgbClr val="FF0000"/>
+                </a:solidFill>
+                <a:latin typeface="Courier" charset="0"/>
+                <a:ea typeface="Courier" charset="0"/>
+                <a:cs typeface="Courier" charset="0"/>
+              </a:rPr>
+              <a:t>http://</a:t>
+            </a:r>
+            <a:r>
+              <a:rPr lang="en-US" sz="1600" dirty="0" err="1" smtClean="0">
+                <a:solidFill>
+                  <a:srgbClr val="FF0000"/>
+                </a:solidFill>
+                <a:latin typeface="Courier" charset="0"/>
+                <a:ea typeface="Courier" charset="0"/>
+                <a:cs typeface="Courier" charset="0"/>
+              </a:rPr>
+              <a:t>example.com</a:t>
+            </a:r>
+            <a:r>
+              <a:rPr lang="en-US" sz="1600" dirty="0" smtClean="0">
+                <a:solidFill>
+                  <a:srgbClr val="FF0000"/>
+                </a:solidFill>
+                <a:latin typeface="Courier" charset="0"/>
+                <a:ea typeface="Courier" charset="0"/>
+                <a:cs typeface="Courier" charset="0"/>
+              </a:rPr>
+              <a:t>/capability/</a:t>
+            </a:r>
+            <a:r>
+              <a:rPr lang="en-US" sz="1600" dirty="0" err="1" smtClean="0">
+                <a:solidFill>
+                  <a:srgbClr val="FF0000"/>
+                </a:solidFill>
+                <a:latin typeface="Courier" charset="0"/>
+                <a:ea typeface="Courier" charset="0"/>
+                <a:cs typeface="Courier" charset="0"/>
+              </a:rPr>
+              <a:t>odm</a:t>
+            </a:r>
+            <a:r>
+              <a:rPr lang="en-US" sz="1600" dirty="0" err="1">
+                <a:solidFill>
+                  <a:srgbClr val="FF0000"/>
+                </a:solidFill>
+                <a:latin typeface="Courier" charset="0"/>
+                <a:ea typeface="Courier" charset="0"/>
+                <a:cs typeface="Courier" charset="0"/>
+              </a:rPr>
+              <a:t>#</a:t>
+            </a:r>
+            <a:r>
+              <a:rPr lang="en-US" sz="1600" dirty="0" err="1" smtClean="0">
+                <a:solidFill>
+                  <a:srgbClr val="FF0000"/>
+                </a:solidFill>
+                <a:latin typeface="Courier" charset="0"/>
+                <a:ea typeface="Courier" charset="0"/>
+                <a:cs typeface="Courier" charset="0"/>
+              </a:rPr>
+              <a:t>Switch.value</a:t>
+            </a:r>
+            <a:endParaRPr lang="en-US" sz="1600" dirty="0">
+              <a:solidFill>
+                <a:srgbClr val="FF0000"/>
+              </a:solidFill>
+            </a:endParaRPr>
+          </a:p>
+        </p:txBody>
+      </p:sp>
+      <p:sp>
+        <p:nvSpPr>
+          <p:cNvPr id="7" name="Rectangle 6"/>
+          <p:cNvSpPr/>
+          <p:nvPr/>
+        </p:nvSpPr>
+        <p:spPr>
+          <a:xfrm>
+            <a:off x="2514598" y="4666014"/>
+            <a:ext cx="5839693" cy="338554"/>
+          </a:xfrm>
+          <a:prstGeom prst="rect">
+            <a:avLst/>
+          </a:prstGeom>
+        </p:spPr>
+        <p:txBody>
+          <a:bodyPr wrap="square">
+            <a:spAutoFit/>
+          </a:bodyPr>
+          <a:lstStyle/>
+          <a:p>
+            <a:r>
+              <a:rPr lang="en-US" sz="1600" dirty="0" smtClean="0">
+                <a:solidFill>
+                  <a:srgbClr val="FF0000"/>
+                </a:solidFill>
+                <a:latin typeface="Courier" charset="0"/>
+                <a:ea typeface="Courier" charset="0"/>
+                <a:cs typeface="Courier" charset="0"/>
+              </a:rPr>
+              <a:t>http://</a:t>
+            </a:r>
+            <a:r>
+              <a:rPr lang="en-US" sz="1600" dirty="0" err="1" smtClean="0">
+                <a:solidFill>
+                  <a:srgbClr val="FF0000"/>
+                </a:solidFill>
+                <a:latin typeface="Courier" charset="0"/>
+                <a:ea typeface="Courier" charset="0"/>
+                <a:cs typeface="Courier" charset="0"/>
+              </a:rPr>
+              <a:t>example.com</a:t>
+            </a:r>
+            <a:r>
+              <a:rPr lang="en-US" sz="1600" dirty="0" smtClean="0">
+                <a:solidFill>
+                  <a:srgbClr val="FF0000"/>
+                </a:solidFill>
+                <a:latin typeface="Courier" charset="0"/>
+                <a:ea typeface="Courier" charset="0"/>
+                <a:cs typeface="Courier" charset="0"/>
+              </a:rPr>
+              <a:t>/capability/</a:t>
+            </a:r>
+            <a:r>
+              <a:rPr lang="en-US" sz="1600" dirty="0" err="1" smtClean="0">
+                <a:solidFill>
+                  <a:srgbClr val="FF0000"/>
+                </a:solidFill>
+                <a:latin typeface="Courier" charset="0"/>
+                <a:ea typeface="Courier" charset="0"/>
+                <a:cs typeface="Courier" charset="0"/>
+              </a:rPr>
+              <a:t>odm#Switch.on</a:t>
+            </a:r>
+            <a:endParaRPr lang="en-US" sz="1600" dirty="0">
+              <a:solidFill>
+                <a:srgbClr val="FF0000"/>
+              </a:solidFill>
+            </a:endParaRPr>
+          </a:p>
+        </p:txBody>
+      </p:sp>
+      <p:sp>
+        <p:nvSpPr>
+          <p:cNvPr id="8" name="Rectangle 7"/>
+          <p:cNvSpPr/>
+          <p:nvPr/>
+        </p:nvSpPr>
+        <p:spPr>
+          <a:xfrm>
+            <a:off x="2514597" y="4992037"/>
+            <a:ext cx="5839693" cy="338554"/>
+          </a:xfrm>
+          <a:prstGeom prst="rect">
+            <a:avLst/>
+          </a:prstGeom>
+        </p:spPr>
+        <p:txBody>
+          <a:bodyPr wrap="square">
+            <a:spAutoFit/>
+          </a:bodyPr>
+          <a:lstStyle/>
+          <a:p>
+            <a:r>
+              <a:rPr lang="en-US" sz="1600" dirty="0" smtClean="0">
+                <a:solidFill>
+                  <a:srgbClr val="FF0000"/>
+                </a:solidFill>
+                <a:latin typeface="Courier" charset="0"/>
+                <a:ea typeface="Courier" charset="0"/>
+                <a:cs typeface="Courier" charset="0"/>
+              </a:rPr>
+              <a:t>http://</a:t>
+            </a:r>
+            <a:r>
+              <a:rPr lang="en-US" sz="1600" dirty="0" err="1" smtClean="0">
+                <a:solidFill>
+                  <a:srgbClr val="FF0000"/>
+                </a:solidFill>
+                <a:latin typeface="Courier" charset="0"/>
+                <a:ea typeface="Courier" charset="0"/>
+                <a:cs typeface="Courier" charset="0"/>
+              </a:rPr>
+              <a:t>example.com</a:t>
+            </a:r>
+            <a:r>
+              <a:rPr lang="en-US" sz="1600" dirty="0" smtClean="0">
+                <a:solidFill>
+                  <a:srgbClr val="FF0000"/>
+                </a:solidFill>
+                <a:latin typeface="Courier" charset="0"/>
+                <a:ea typeface="Courier" charset="0"/>
+                <a:cs typeface="Courier" charset="0"/>
+              </a:rPr>
+              <a:t>/capability/</a:t>
+            </a:r>
+            <a:r>
+              <a:rPr lang="en-US" sz="1600" dirty="0" err="1" smtClean="0">
+                <a:solidFill>
+                  <a:srgbClr val="FF0000"/>
+                </a:solidFill>
+                <a:latin typeface="Courier" charset="0"/>
+                <a:ea typeface="Courier" charset="0"/>
+                <a:cs typeface="Courier" charset="0"/>
+              </a:rPr>
+              <a:t>odm#Switch.off</a:t>
+            </a:r>
+            <a:endParaRPr lang="en-US" sz="1600" dirty="0">
+              <a:solidFill>
+                <a:srgbClr val="FF0000"/>
+              </a:solidFill>
+            </a:endParaRPr>
           </a:p>
         </p:txBody>
       </p:sp>
     </p:spTree>
     <p:extLst>
       <p:ext uri="{BB962C8B-B14F-4D97-AF65-F5344CB8AC3E}">
-        <p14:creationId xmlns:p14="http://schemas.microsoft.com/office/powerpoint/2010/main" val="1589057351"/>
+        <p14:creationId xmlns:p14="http://schemas.microsoft.com/office/powerpoint/2010/main" val="1577521574"/>
       </p:ext>
     </p:extLst>
   </p:cSld>
@@ -4543,6 +4692,148 @@
           <a:p>
             <a:r>
               <a:rPr lang="en-US" dirty="0" smtClean="0"/>
+              <a:t>Re-use and Recursion</a:t>
+            </a:r>
+            <a:endParaRPr lang="en-US" dirty="0"/>
+          </a:p>
+        </p:txBody>
+      </p:sp>
+      <p:sp>
+        <p:nvSpPr>
+          <p:cNvPr id="3" name="Content Placeholder 2"/>
+          <p:cNvSpPr>
+            <a:spLocks noGrp="1"/>
+          </p:cNvSpPr>
+          <p:nvPr>
+            <p:ph idx="1"/>
+          </p:nvPr>
+        </p:nvSpPr>
+        <p:spPr>
+          <a:xfrm>
+            <a:off x="628650" y="1524435"/>
+            <a:ext cx="7886700" cy="4351338"/>
+          </a:xfrm>
+        </p:spPr>
+        <p:txBody>
+          <a:bodyPr/>
+          <a:lstStyle/>
+          <a:p>
+            <a:r>
+              <a:rPr lang="en-US" dirty="0" smtClean="0"/>
+              <a:t>"refines"</a:t>
+            </a:r>
+          </a:p>
+          <a:p>
+            <a:pPr lvl="1"/>
+            <a:r>
+              <a:rPr lang="en-US" dirty="0" smtClean="0"/>
+              <a:t>Copies qualities from a definition into a new definition, retains semantic identification, sets optionality</a:t>
+            </a:r>
+            <a:endParaRPr lang="en-US" dirty="0" smtClean="0"/>
+          </a:p>
+          <a:p>
+            <a:r>
+              <a:rPr lang="en-US" dirty="0" smtClean="0"/>
+              <a:t>"extends"</a:t>
+            </a:r>
+          </a:p>
+          <a:p>
+            <a:pPr lvl="1"/>
+            <a:r>
+              <a:rPr lang="en-US" dirty="0" smtClean="0"/>
+              <a:t>Copies an entire definition, sets optionality</a:t>
+            </a:r>
+            <a:endParaRPr lang="en-US" dirty="0" smtClean="0"/>
+          </a:p>
+          <a:p>
+            <a:r>
+              <a:rPr lang="en-US" dirty="0" smtClean="0"/>
+              <a:t>"includes"</a:t>
+            </a:r>
+          </a:p>
+          <a:p>
+            <a:pPr lvl="1"/>
+            <a:r>
+              <a:rPr lang="en-US" dirty="0"/>
+              <a:t>M</a:t>
+            </a:r>
+            <a:r>
+              <a:rPr lang="en-US" dirty="0" smtClean="0"/>
+              <a:t>akes a reference to an existing definition that preserves </a:t>
+            </a:r>
+            <a:r>
+              <a:rPr lang="en-US" dirty="0" smtClean="0"/>
+              <a:t>its </a:t>
+            </a:r>
+            <a:r>
+              <a:rPr lang="en-US" dirty="0" smtClean="0"/>
+              <a:t>context and </a:t>
+            </a:r>
+            <a:r>
+              <a:rPr lang="en-US" dirty="0" smtClean="0"/>
+              <a:t>path in the model </a:t>
+            </a:r>
+          </a:p>
+          <a:p>
+            <a:pPr lvl="1"/>
+            <a:r>
+              <a:rPr lang="en-US" dirty="0" smtClean="0"/>
+              <a:t>Expected </a:t>
+            </a:r>
+            <a:r>
+              <a:rPr lang="en-US" dirty="0" smtClean="0"/>
+              <a:t>to link to a specific instance in a deployed thing and provide a functional "view"</a:t>
+            </a:r>
+          </a:p>
+        </p:txBody>
+      </p:sp>
+    </p:spTree>
+    <p:extLst>
+      <p:ext uri="{BB962C8B-B14F-4D97-AF65-F5344CB8AC3E}">
+        <p14:creationId xmlns:p14="http://schemas.microsoft.com/office/powerpoint/2010/main" val="1589057351"/>
+      </p:ext>
+    </p:extLst>
+  </p:cSld>
+  <p:clrMapOvr>
+    <a:masterClrMapping/>
+  </p:clrMapOvr>
+</p:sld>
+</file>
+
+<file path=ppt/slides/slide9.xml><?xml version="1.0" encoding="utf-8"?>
+<p:sld xmlns:a="http://schemas.openxmlformats.org/drawingml/2006/main" xmlns:r="http://schemas.openxmlformats.org/officeDocument/2006/relationships" xmlns:p="http://schemas.openxmlformats.org/presentationml/2006/main">
+  <p:cSld>
+    <p:spTree>
+      <p:nvGrpSpPr>
+        <p:cNvPr id="1" name=""/>
+        <p:cNvGrpSpPr/>
+        <p:nvPr/>
+      </p:nvGrpSpPr>
+      <p:grpSpPr>
+        <a:xfrm>
+          <a:off x="0" y="0"/>
+          <a:ext cx="0" cy="0"/>
+          <a:chOff x="0" y="0"/>
+          <a:chExt cx="0" cy="0"/>
+        </a:xfrm>
+      </p:grpSpPr>
+      <p:sp>
+        <p:nvSpPr>
+          <p:cNvPr id="2" name="Title 1"/>
+          <p:cNvSpPr>
+            <a:spLocks noGrp="1"/>
+          </p:cNvSpPr>
+          <p:nvPr>
+            <p:ph type="title"/>
+          </p:nvPr>
+        </p:nvSpPr>
+        <p:spPr/>
+        <p:txBody>
+          <a:bodyPr/>
+          <a:lstStyle/>
+          <a:p>
+            <a:r>
+              <a:rPr lang="en-US" dirty="0" smtClean="0"/>
               <a:t>Composed Types</a:t>
             </a:r>
             <a:endParaRPr lang="en-US" dirty="0"/>
@@ -4566,7 +4857,7 @@
           <a:p>
             <a:r>
               <a:rPr lang="en-US" dirty="0" err="1" smtClean="0"/>
-              <a:t>odmComponent</a:t>
+              <a:t>odmThing</a:t>
             </a:r>
             <a:endParaRPr lang="en-US" dirty="0" smtClean="0"/>
           </a:p>
@@ -4589,7 +4880,11 @@
             <a:pPr lvl="1"/>
             <a:r>
               <a:rPr lang="en-US" dirty="0" smtClean="0"/>
-              <a:t>May extend definitions and add new definitions</a:t>
+              <a:t>May </a:t>
+            </a:r>
+            <a:r>
+              <a:rPr lang="en-US" dirty="0" smtClean="0"/>
+              <a:t>extend definitions and add new definitions</a:t>
             </a:r>
           </a:p>
           <a:p>
@@ -4602,26 +4897,19 @@
           <a:p>
             <a:r>
               <a:rPr lang="en-US" dirty="0" err="1" smtClean="0"/>
-              <a:t>odmThing</a:t>
+              <a:t>odmProduct</a:t>
             </a:r>
             <a:endParaRPr lang="en-US" dirty="0" smtClean="0"/>
           </a:p>
           <a:p>
             <a:pPr lvl="1"/>
             <a:r>
-              <a:rPr lang="en-US" dirty="0"/>
-              <a:t>H</a:t>
-            </a:r>
-            <a:r>
-              <a:rPr lang="en-US" dirty="0" smtClean="0"/>
-              <a:t>ighest level definition</a:t>
-            </a:r>
-          </a:p>
-          <a:p>
-            <a:pPr lvl="1"/>
-            <a:r>
-              <a:rPr lang="en-US" dirty="0" smtClean="0"/>
-              <a:t>Product, "Device Type", standardized functionality</a:t>
+              <a:rPr lang="en-US" dirty="0" smtClean="0"/>
+              <a:t>Product</a:t>
+            </a:r>
+            <a:r>
+              <a:rPr lang="en-US" dirty="0" smtClean="0"/>
+              <a:t>, "Device Type", standardized functionality</a:t>
             </a:r>
           </a:p>
           <a:p>

--- a/sdf-extensions.pptx
+++ b/sdf-extensions.pptx
@@ -3238,17 +3238,31 @@
           <a:p>
             <a:pPr lvl="1"/>
             <a:r>
-              <a:rPr lang="en-US" dirty="0" smtClean="0"/>
-              <a:t>Ability to set qualities like units, range, and scale on a product or product type basis</a:t>
+              <a:rPr lang="en-US" dirty="0"/>
+              <a:t>Reuse definitions of Objects and standardized Object compositions</a:t>
             </a:r>
           </a:p>
           <a:p>
             <a:pPr lvl="1"/>
             <a:r>
               <a:rPr lang="en-US" dirty="0" smtClean="0"/>
-              <a:t>Ability to create specialized "Views" into the functionality of a product or product type</a:t>
-            </a:r>
-            <a:endParaRPr lang="en-US" dirty="0"/>
+              <a:t>Ability </a:t>
+            </a:r>
+            <a:r>
+              <a:rPr lang="en-US" dirty="0" smtClean="0"/>
+              <a:t>to set qualities like units, range, and scale on a product or product type basis</a:t>
+            </a:r>
+          </a:p>
+          <a:p>
+            <a:pPr lvl="1"/>
+            <a:r>
+              <a:rPr lang="en-US" dirty="0" smtClean="0"/>
+              <a:t>Ability to create specialized "Views" into the functionality of a product or product </a:t>
+            </a:r>
+            <a:r>
+              <a:rPr lang="en-US" dirty="0" smtClean="0"/>
+              <a:t>type</a:t>
+            </a:r>
           </a:p>
         </p:txBody>
       </p:sp>
@@ -3317,7 +3331,7 @@
         </p:nvSpPr>
         <p:spPr>
           <a:xfrm>
-            <a:off x="628650" y="1690689"/>
+            <a:off x="628650" y="1603603"/>
             <a:ext cx="7886700" cy="4351338"/>
           </a:xfrm>
         </p:spPr>

--- a/sdf-extensions.pptx
+++ b/sdf-extensions.pptx
@@ -8,13 +8,15 @@
     <p:sldId id="256" r:id="rId2"/>
     <p:sldId id="257" r:id="rId3"/>
     <p:sldId id="258" r:id="rId4"/>
-    <p:sldId id="259" r:id="rId5"/>
-    <p:sldId id="264" r:id="rId6"/>
-    <p:sldId id="260" r:id="rId7"/>
-    <p:sldId id="261" r:id="rId8"/>
-    <p:sldId id="262" r:id="rId9"/>
-    <p:sldId id="263" r:id="rId10"/>
-    <p:sldId id="265" r:id="rId11"/>
+    <p:sldId id="264" r:id="rId5"/>
+    <p:sldId id="260" r:id="rId6"/>
+    <p:sldId id="261" r:id="rId7"/>
+    <p:sldId id="262" r:id="rId8"/>
+    <p:sldId id="263" r:id="rId9"/>
+    <p:sldId id="265" r:id="rId10"/>
+    <p:sldId id="266" r:id="rId11"/>
+    <p:sldId id="267" r:id="rId12"/>
+    <p:sldId id="268" r:id="rId13"/>
   </p:sldIdLst>
   <p:sldSz cx="9144000" cy="6858000" type="letter"/>
   <p:notesSz cx="6858000" cy="9144000"/>
@@ -252,7 +254,7 @@
           <a:p>
             <a:fld id="{B59606BF-8F0F-2444-A31E-943E88B76D1B}" type="datetimeFigureOut">
               <a:rPr lang="en-US" smtClean="0"/>
-              <a:t>5/23/19</a:t>
+              <a:t>5/30/19</a:t>
             </a:fld>
             <a:endParaRPr lang="en-US"/>
           </a:p>
@@ -417,7 +419,7 @@
           <a:p>
             <a:fld id="{B59606BF-8F0F-2444-A31E-943E88B76D1B}" type="datetimeFigureOut">
               <a:rPr lang="en-US" smtClean="0"/>
-              <a:t>5/23/19</a:t>
+              <a:t>5/30/19</a:t>
             </a:fld>
             <a:endParaRPr lang="en-US"/>
           </a:p>
@@ -592,7 +594,7 @@
           <a:p>
             <a:fld id="{B59606BF-8F0F-2444-A31E-943E88B76D1B}" type="datetimeFigureOut">
               <a:rPr lang="en-US" smtClean="0"/>
-              <a:t>5/23/19</a:t>
+              <a:t>5/30/19</a:t>
             </a:fld>
             <a:endParaRPr lang="en-US"/>
           </a:p>
@@ -757,7 +759,7 @@
           <a:p>
             <a:fld id="{B59606BF-8F0F-2444-A31E-943E88B76D1B}" type="datetimeFigureOut">
               <a:rPr lang="en-US" smtClean="0"/>
-              <a:t>5/23/19</a:t>
+              <a:t>5/30/19</a:t>
             </a:fld>
             <a:endParaRPr lang="en-US"/>
           </a:p>
@@ -996,7 +998,7 @@
           <a:p>
             <a:fld id="{B59606BF-8F0F-2444-A31E-943E88B76D1B}" type="datetimeFigureOut">
               <a:rPr lang="en-US" smtClean="0"/>
-              <a:t>5/23/19</a:t>
+              <a:t>5/30/19</a:t>
             </a:fld>
             <a:endParaRPr lang="en-US"/>
           </a:p>
@@ -1223,7 +1225,7 @@
           <a:p>
             <a:fld id="{B59606BF-8F0F-2444-A31E-943E88B76D1B}" type="datetimeFigureOut">
               <a:rPr lang="en-US" smtClean="0"/>
-              <a:t>5/23/19</a:t>
+              <a:t>5/30/19</a:t>
             </a:fld>
             <a:endParaRPr lang="en-US"/>
           </a:p>
@@ -1585,7 +1587,7 @@
           <a:p>
             <a:fld id="{B59606BF-8F0F-2444-A31E-943E88B76D1B}" type="datetimeFigureOut">
               <a:rPr lang="en-US" smtClean="0"/>
-              <a:t>5/23/19</a:t>
+              <a:t>5/30/19</a:t>
             </a:fld>
             <a:endParaRPr lang="en-US"/>
           </a:p>
@@ -1698,7 +1700,7 @@
           <a:p>
             <a:fld id="{B59606BF-8F0F-2444-A31E-943E88B76D1B}" type="datetimeFigureOut">
               <a:rPr lang="en-US" smtClean="0"/>
-              <a:t>5/23/19</a:t>
+              <a:t>5/30/19</a:t>
             </a:fld>
             <a:endParaRPr lang="en-US"/>
           </a:p>
@@ -1788,7 +1790,7 @@
           <a:p>
             <a:fld id="{B59606BF-8F0F-2444-A31E-943E88B76D1B}" type="datetimeFigureOut">
               <a:rPr lang="en-US" smtClean="0"/>
-              <a:t>5/23/19</a:t>
+              <a:t>5/30/19</a:t>
             </a:fld>
             <a:endParaRPr lang="en-US"/>
           </a:p>
@@ -2060,7 +2062,7 @@
           <a:p>
             <a:fld id="{B59606BF-8F0F-2444-A31E-943E88B76D1B}" type="datetimeFigureOut">
               <a:rPr lang="en-US" smtClean="0"/>
-              <a:t>5/23/19</a:t>
+              <a:t>5/30/19</a:t>
             </a:fld>
             <a:endParaRPr lang="en-US"/>
           </a:p>
@@ -2312,7 +2314,7 @@
           <a:p>
             <a:fld id="{B59606BF-8F0F-2444-A31E-943E88B76D1B}" type="datetimeFigureOut">
               <a:rPr lang="en-US" smtClean="0"/>
-              <a:t>5/23/19</a:t>
+              <a:t>5/30/19</a:t>
             </a:fld>
             <a:endParaRPr lang="en-US"/>
           </a:p>
@@ -2520,7 +2522,7 @@
           <a:p>
             <a:fld id="{B59606BF-8F0F-2444-A31E-943E88B76D1B}" type="datetimeFigureOut">
               <a:rPr lang="en-US" smtClean="0"/>
-              <a:t>5/23/19</a:t>
+              <a:t>5/30/19</a:t>
             </a:fld>
             <a:endParaRPr lang="en-US"/>
           </a:p>
@@ -2983,26 +2985,13 @@
           <a:p>
             <a:r>
               <a:rPr lang="en-US" dirty="0" smtClean="0"/>
-              <a:t>One Data </a:t>
-            </a:r>
-            <a:r>
-              <a:rPr lang="en-US" dirty="0" smtClean="0"/>
-              <a:t>Model</a:t>
-            </a:r>
-            <a:endParaRPr lang="en-US" dirty="0" smtClean="0"/>
-          </a:p>
-          <a:p>
-            <a:r>
-              <a:rPr lang="en-US" dirty="0" smtClean="0"/>
-              <a:t>May </a:t>
-            </a:r>
-            <a:r>
-              <a:rPr lang="en-US" dirty="0" smtClean="0"/>
-              <a:t>24, </a:t>
-            </a:r>
-            <a:r>
-              <a:rPr lang="en-US" dirty="0" smtClean="0"/>
-              <a:t>2019</a:t>
+              <a:t>One Data Model</a:t>
+            </a:r>
+          </a:p>
+          <a:p>
+            <a:r>
+              <a:rPr lang="en-US" dirty="0" smtClean="0"/>
+              <a:t>May 24, 2019</a:t>
             </a:r>
             <a:endParaRPr lang="en-US" dirty="0"/>
           </a:p>
@@ -3055,36 +3044,7 @@
           <a:p>
             <a:r>
               <a:rPr lang="en-US" dirty="0" smtClean="0"/>
-              <a:t>Examples</a:t>
-            </a:r>
-            <a:endParaRPr lang="en-US" dirty="0"/>
-          </a:p>
-        </p:txBody>
-      </p:sp>
-      <p:sp>
-        <p:nvSpPr>
-          <p:cNvPr id="3" name="Content Placeholder 2"/>
-          <p:cNvSpPr>
-            <a:spLocks noGrp="1"/>
-          </p:cNvSpPr>
-          <p:nvPr>
-            <p:ph idx="1"/>
-          </p:nvPr>
-        </p:nvSpPr>
-        <p:spPr/>
-        <p:txBody>
-          <a:bodyPr/>
-          <a:lstStyle/>
-          <a:p>
-            <a:r>
-              <a:rPr lang="en-US" dirty="0" smtClean="0"/>
-              <a:t>refines - ipso3300 model that reuses definitions</a:t>
-            </a:r>
-          </a:p>
-          <a:p>
-            <a:r>
-              <a:rPr lang="en-US" dirty="0" smtClean="0"/>
-              <a:t>extends </a:t>
+              <a:t>Issue </a:t>
             </a:r>
             <a:r>
               <a:rPr lang="mr-IN" dirty="0" smtClean="0"/>
@@ -3092,66 +3052,916 @@
             </a:r>
             <a:r>
               <a:rPr lang="en-US" dirty="0" smtClean="0"/>
-              <a:t> ZCL level model that has multiple timers</a:t>
-            </a:r>
-          </a:p>
-          <a:p>
-            <a:r>
-              <a:rPr lang="en-US" dirty="0" smtClean="0"/>
-              <a:t>includes </a:t>
-            </a:r>
-            <a:r>
-              <a:rPr lang="mr-IN" dirty="0" smtClean="0"/>
-              <a:t>–</a:t>
-            </a:r>
-            <a:r>
-              <a:rPr lang="en-US" dirty="0" smtClean="0"/>
-              <a:t> outlet strip (TBD)</a:t>
-            </a:r>
-          </a:p>
-          <a:p>
-            <a:r>
-              <a:rPr lang="en-US" dirty="0" err="1" smtClean="0"/>
-              <a:t>odmProduct</a:t>
-            </a:r>
-            <a:r>
-              <a:rPr lang="en-US" dirty="0" smtClean="0"/>
+              <a:t> Name vs. JSON tag</a:t>
+            </a:r>
+            <a:endParaRPr lang="en-US" dirty="0"/>
+          </a:p>
+        </p:txBody>
+      </p:sp>
+      <p:sp>
+        <p:nvSpPr>
+          <p:cNvPr id="3" name="Content Placeholder 2"/>
+          <p:cNvSpPr>
+            <a:spLocks noGrp="1"/>
+          </p:cNvSpPr>
+          <p:nvPr>
+            <p:ph idx="1"/>
+          </p:nvPr>
+        </p:nvSpPr>
+        <p:spPr/>
+        <p:txBody>
+          <a:bodyPr/>
+          <a:lstStyle/>
+          <a:p>
+            <a:r>
+              <a:rPr lang="en-US" dirty="0" smtClean="0"/>
+              <a:t>Our definition format allows the following</a:t>
+            </a:r>
+          </a:p>
+          <a:p>
+            <a:pPr marL="0" indent="0">
+              <a:buNone/>
+            </a:pPr>
+            <a:endParaRPr lang="en-US" sz="2000" dirty="0" smtClean="0">
+              <a:latin typeface="Courier" charset="0"/>
+              <a:ea typeface="Courier" charset="0"/>
+              <a:cs typeface="Courier" charset="0"/>
+            </a:endParaRPr>
+          </a:p>
+          <a:p>
+            <a:pPr marL="0" indent="0">
+              <a:buNone/>
+            </a:pPr>
+            <a:r>
+              <a:rPr lang="en-US" sz="2000" dirty="0" smtClean="0">
+                <a:latin typeface="Courier" charset="0"/>
+                <a:ea typeface="Courier" charset="0"/>
+                <a:cs typeface="Courier" charset="0"/>
+              </a:rPr>
+              <a:t>"</a:t>
+            </a:r>
+            <a:r>
+              <a:rPr lang="en-US" sz="2000" dirty="0" err="1" smtClean="0">
+                <a:latin typeface="Courier" charset="0"/>
+                <a:ea typeface="Courier" charset="0"/>
+                <a:cs typeface="Courier" charset="0"/>
+              </a:rPr>
+              <a:t>odmProperty</a:t>
+            </a:r>
+            <a:r>
+              <a:rPr lang="en-US" sz="2000" dirty="0" smtClean="0">
+                <a:latin typeface="Courier" charset="0"/>
+                <a:ea typeface="Courier" charset="0"/>
+                <a:cs typeface="Courier" charset="0"/>
+              </a:rPr>
+              <a:t>": {</a:t>
+            </a:r>
+          </a:p>
+          <a:p>
+            <a:pPr marL="0" indent="0">
+              <a:buNone/>
+            </a:pPr>
+            <a:r>
+              <a:rPr lang="en-US" sz="2000" dirty="0">
+                <a:latin typeface="Courier" charset="0"/>
+                <a:ea typeface="Courier" charset="0"/>
+                <a:cs typeface="Courier" charset="0"/>
+              </a:rPr>
               <a:t> </a:t>
             </a:r>
             <a:r>
-              <a:rPr lang="mr-IN" dirty="0" smtClean="0"/>
-              <a:t>–</a:t>
-            </a:r>
-            <a:r>
-              <a:rPr lang="en-US" dirty="0" smtClean="0"/>
-              <a:t> ipso3300 model of a vacuum gauge with two sensors</a:t>
-            </a:r>
-          </a:p>
-          <a:p>
-            <a:r>
-              <a:rPr lang="en-US" dirty="0" err="1" smtClean="0"/>
-              <a:t>odmThing</a:t>
-            </a:r>
-            <a:r>
-              <a:rPr lang="en-US" dirty="0" smtClean="0"/>
+              <a:rPr lang="en-US" sz="2000" dirty="0" smtClean="0">
+                <a:latin typeface="Courier" charset="0"/>
+                <a:ea typeface="Courier" charset="0"/>
+                <a:cs typeface="Courier" charset="0"/>
+              </a:rPr>
+              <a:t> "</a:t>
+            </a:r>
+            <a:r>
+              <a:rPr lang="en-US" sz="2000" dirty="0" err="1" smtClean="0">
+                <a:latin typeface="Courier" charset="0"/>
+                <a:ea typeface="Courier" charset="0"/>
+                <a:cs typeface="Courier" charset="0"/>
+              </a:rPr>
+              <a:t>onOffState</a:t>
+            </a:r>
+            <a:r>
+              <a:rPr lang="en-US" sz="2000" dirty="0" smtClean="0">
+                <a:latin typeface="Courier" charset="0"/>
+                <a:ea typeface="Courier" charset="0"/>
+                <a:cs typeface="Courier" charset="0"/>
+              </a:rPr>
+              <a:t>": {</a:t>
+            </a:r>
+          </a:p>
+          <a:p>
+            <a:pPr marL="0" indent="0">
+              <a:buNone/>
+            </a:pPr>
+            <a:r>
+              <a:rPr lang="en-US" sz="2000" dirty="0">
+                <a:latin typeface="Courier" charset="0"/>
+                <a:ea typeface="Courier" charset="0"/>
+                <a:cs typeface="Courier" charset="0"/>
+              </a:rPr>
               <a:t> </a:t>
             </a:r>
             <a:r>
-              <a:rPr lang="mr-IN" dirty="0" smtClean="0"/>
-              <a:t>–</a:t>
-            </a:r>
-            <a:r>
-              <a:rPr lang="en-US" dirty="0" smtClean="0"/>
-              <a:t> outlet strip (TBD)</a:t>
-            </a:r>
-            <a:endParaRPr lang="en-US" dirty="0"/>
+              <a:rPr lang="en-US" sz="2000" dirty="0" smtClean="0">
+                <a:latin typeface="Courier" charset="0"/>
+                <a:ea typeface="Courier" charset="0"/>
+                <a:cs typeface="Courier" charset="0"/>
+              </a:rPr>
+              <a:t>   "name": "</a:t>
+            </a:r>
+            <a:r>
+              <a:rPr lang="en-US" sz="2000" dirty="0" err="1" smtClean="0">
+                <a:latin typeface="Courier" charset="0"/>
+                <a:ea typeface="Courier" charset="0"/>
+                <a:cs typeface="Courier" charset="0"/>
+              </a:rPr>
+              <a:t>onOffState</a:t>
+            </a:r>
+            <a:r>
+              <a:rPr lang="en-US" sz="2000" dirty="0" smtClean="0">
+                <a:latin typeface="Courier" charset="0"/>
+                <a:ea typeface="Courier" charset="0"/>
+                <a:cs typeface="Courier" charset="0"/>
+              </a:rPr>
+              <a:t>",</a:t>
+            </a:r>
+          </a:p>
+          <a:p>
+            <a:pPr marL="0" indent="0">
+              <a:buNone/>
+            </a:pPr>
+            <a:r>
+              <a:rPr lang="en-US" sz="2000" dirty="0">
+                <a:latin typeface="Courier" charset="0"/>
+                <a:ea typeface="Courier" charset="0"/>
+                <a:cs typeface="Courier" charset="0"/>
+              </a:rPr>
+              <a:t> </a:t>
+            </a:r>
+            <a:r>
+              <a:rPr lang="en-US" sz="2000" dirty="0" smtClean="0">
+                <a:latin typeface="Courier" charset="0"/>
+                <a:ea typeface="Courier" charset="0"/>
+                <a:cs typeface="Courier" charset="0"/>
+              </a:rPr>
+              <a:t>   "id": 3</a:t>
+            </a:r>
+          </a:p>
+          <a:p>
+            <a:pPr marL="0" indent="0">
+              <a:buNone/>
+            </a:pPr>
+            <a:r>
+              <a:rPr lang="en-US" sz="2000" dirty="0">
+                <a:latin typeface="Courier" charset="0"/>
+                <a:ea typeface="Courier" charset="0"/>
+                <a:cs typeface="Courier" charset="0"/>
+              </a:rPr>
+              <a:t> </a:t>
+            </a:r>
+            <a:r>
+              <a:rPr lang="en-US" sz="2000" dirty="0" smtClean="0">
+                <a:latin typeface="Courier" charset="0"/>
+                <a:ea typeface="Courier" charset="0"/>
+                <a:cs typeface="Courier" charset="0"/>
+              </a:rPr>
+              <a:t> }</a:t>
+            </a:r>
+          </a:p>
+          <a:p>
+            <a:pPr marL="0" indent="0">
+              <a:buNone/>
+            </a:pPr>
+            <a:r>
+              <a:rPr lang="en-US" sz="2000" dirty="0">
+                <a:latin typeface="Courier" charset="0"/>
+                <a:ea typeface="Courier" charset="0"/>
+                <a:cs typeface="Courier" charset="0"/>
+              </a:rPr>
+              <a:t>}</a:t>
+            </a:r>
+          </a:p>
+        </p:txBody>
+      </p:sp>
+      <p:sp>
+        <p:nvSpPr>
+          <p:cNvPr id="4" name="TextBox 3"/>
+          <p:cNvSpPr txBox="1"/>
+          <p:nvPr/>
+        </p:nvSpPr>
+        <p:spPr>
+          <a:xfrm>
+            <a:off x="3690257" y="2590801"/>
+            <a:ext cx="4738926" cy="369332"/>
+          </a:xfrm>
+          <a:prstGeom prst="rect">
+            <a:avLst/>
+          </a:prstGeom>
+          <a:noFill/>
+        </p:spPr>
+        <p:txBody>
+          <a:bodyPr wrap="none" rtlCol="0">
+            <a:spAutoFit/>
+          </a:bodyPr>
+          <a:lstStyle/>
+          <a:p>
+            <a:r>
+              <a:rPr lang="en-US" b="1" dirty="0" smtClean="0"/>
+              <a:t>The JSON tag is the definition and the reference</a:t>
+            </a:r>
+            <a:endParaRPr lang="en-US" b="1" dirty="0"/>
+          </a:p>
+        </p:txBody>
+      </p:sp>
+      <p:cxnSp>
+        <p:nvCxnSpPr>
+          <p:cNvPr id="6" name="Straight Arrow Connector 5"/>
+          <p:cNvCxnSpPr>
+            <a:endCxn id="7" idx="7"/>
+          </p:cNvCxnSpPr>
+          <p:nvPr/>
+        </p:nvCxnSpPr>
+        <p:spPr>
+          <a:xfrm flipH="1">
+            <a:off x="2746154" y="2797629"/>
+            <a:ext cx="900561" cy="358342"/>
+          </a:xfrm>
+          <a:prstGeom prst="straightConnector1">
+            <a:avLst/>
+          </a:prstGeom>
+          <a:ln w="28575">
+            <a:solidFill>
+              <a:schemeClr val="tx1"/>
+            </a:solidFill>
+            <a:tailEnd type="triangle"/>
+          </a:ln>
+        </p:spPr>
+        <p:style>
+          <a:lnRef idx="1">
+            <a:schemeClr val="accent1"/>
+          </a:lnRef>
+          <a:fillRef idx="0">
+            <a:schemeClr val="accent1"/>
+          </a:fillRef>
+          <a:effectRef idx="0">
+            <a:schemeClr val="accent1"/>
+          </a:effectRef>
+          <a:fontRef idx="minor">
+            <a:schemeClr val="tx1"/>
+          </a:fontRef>
+        </p:style>
+      </p:cxnSp>
+      <p:sp>
+        <p:nvSpPr>
+          <p:cNvPr id="7" name="Oval 6"/>
+          <p:cNvSpPr/>
+          <p:nvPr/>
+        </p:nvSpPr>
+        <p:spPr>
+          <a:xfrm>
+            <a:off x="859972" y="3096987"/>
+            <a:ext cx="2209800" cy="402771"/>
+          </a:xfrm>
+          <a:prstGeom prst="ellipse">
+            <a:avLst/>
+          </a:prstGeom>
+          <a:noFill/>
+          <a:ln>
+            <a:solidFill>
+              <a:schemeClr val="tx1"/>
+            </a:solidFill>
+          </a:ln>
+        </p:spPr>
+        <p:style>
+          <a:lnRef idx="2">
+            <a:schemeClr val="accent1">
+              <a:shade val="50000"/>
+            </a:schemeClr>
+          </a:lnRef>
+          <a:fillRef idx="1">
+            <a:schemeClr val="accent1"/>
+          </a:fillRef>
+          <a:effectRef idx="0">
+            <a:schemeClr val="accent1"/>
+          </a:effectRef>
+          <a:fontRef idx="minor">
+            <a:schemeClr val="lt1"/>
+          </a:fontRef>
+        </p:style>
+        <p:txBody>
+          <a:bodyPr rtlCol="0" anchor="ctr"/>
+          <a:lstStyle/>
+          <a:p>
+            <a:pPr algn="ctr"/>
+            <a:endParaRPr lang="en-US"/>
           </a:p>
         </p:txBody>
       </p:sp>
     </p:spTree>
     <p:extLst>
       <p:ext uri="{BB962C8B-B14F-4D97-AF65-F5344CB8AC3E}">
-        <p14:creationId xmlns:p14="http://schemas.microsoft.com/office/powerpoint/2010/main" val="1854872866"/>
+        <p14:creationId xmlns:p14="http://schemas.microsoft.com/office/powerpoint/2010/main" val="118920796"/>
+      </p:ext>
+    </p:extLst>
+  </p:cSld>
+  <p:clrMapOvr>
+    <a:masterClrMapping/>
+  </p:clrMapOvr>
+</p:sld>
+</file>
+
+<file path=ppt/slides/slide11.xml><?xml version="1.0" encoding="utf-8"?>
+<p:sld xmlns:a="http://schemas.openxmlformats.org/drawingml/2006/main" xmlns:r="http://schemas.openxmlformats.org/officeDocument/2006/relationships" xmlns:p="http://schemas.openxmlformats.org/presentationml/2006/main">
+  <p:cSld>
+    <p:spTree>
+      <p:nvGrpSpPr>
+        <p:cNvPr id="1" name=""/>
+        <p:cNvGrpSpPr/>
+        <p:nvPr/>
+      </p:nvGrpSpPr>
+      <p:grpSpPr>
+        <a:xfrm>
+          <a:off x="0" y="0"/>
+          <a:ext cx="0" cy="0"/>
+          <a:chOff x="0" y="0"/>
+          <a:chExt cx="0" cy="0"/>
+        </a:xfrm>
+      </p:grpSpPr>
+      <p:sp>
+        <p:nvSpPr>
+          <p:cNvPr id="2" name="Title 1"/>
+          <p:cNvSpPr>
+            <a:spLocks noGrp="1"/>
+          </p:cNvSpPr>
+          <p:nvPr>
+            <p:ph type="title"/>
+          </p:nvPr>
+        </p:nvSpPr>
+        <p:spPr>
+          <a:xfrm>
+            <a:off x="628650" y="125640"/>
+            <a:ext cx="7886700" cy="1325563"/>
+          </a:xfrm>
+        </p:spPr>
+        <p:txBody>
+          <a:bodyPr/>
+          <a:lstStyle/>
+          <a:p>
+            <a:r>
+              <a:rPr lang="en-US" dirty="0" smtClean="0"/>
+              <a:t>Issue </a:t>
+            </a:r>
+            <a:r>
+              <a:rPr lang="mr-IN" dirty="0" smtClean="0"/>
+              <a:t>–</a:t>
+            </a:r>
+            <a:r>
+              <a:rPr lang="en-US" dirty="0" smtClean="0"/>
+              <a:t> Use of </a:t>
+            </a:r>
+            <a:r>
+              <a:rPr lang="en-US" dirty="0" err="1" smtClean="0"/>
+              <a:t>oneOf</a:t>
+            </a:r>
+            <a:r>
+              <a:rPr lang="en-US" dirty="0" smtClean="0"/>
+              <a:t> outside schemas</a:t>
+            </a:r>
+            <a:endParaRPr lang="en-US" dirty="0"/>
+          </a:p>
+        </p:txBody>
+      </p:sp>
+      <p:sp>
+        <p:nvSpPr>
+          <p:cNvPr id="3" name="Content Placeholder 2"/>
+          <p:cNvSpPr>
+            <a:spLocks noGrp="1"/>
+          </p:cNvSpPr>
+          <p:nvPr>
+            <p:ph idx="1"/>
+          </p:nvPr>
+        </p:nvSpPr>
+        <p:spPr>
+          <a:xfrm>
+            <a:off x="3241222" y="1146402"/>
+            <a:ext cx="5369379" cy="5363254"/>
+          </a:xfrm>
+        </p:spPr>
+        <p:txBody>
+          <a:bodyPr/>
+          <a:lstStyle/>
+          <a:p>
+            <a:pPr marL="0" indent="0">
+              <a:buNone/>
+            </a:pPr>
+            <a:r>
+              <a:rPr lang="en-US" sz="1800" dirty="0" smtClean="0">
+                <a:latin typeface="Courier" charset="0"/>
+                <a:ea typeface="Courier" charset="0"/>
+                <a:cs typeface="Courier" charset="0"/>
+              </a:rPr>
+              <a:t>"</a:t>
+            </a:r>
+            <a:r>
+              <a:rPr lang="en-US" sz="1800" dirty="0" err="1" smtClean="0">
+                <a:latin typeface="Courier" charset="0"/>
+                <a:ea typeface="Courier" charset="0"/>
+                <a:cs typeface="Courier" charset="0"/>
+              </a:rPr>
+              <a:t>odmProperty</a:t>
+            </a:r>
+            <a:r>
+              <a:rPr lang="en-US" sz="1800" dirty="0" smtClean="0">
+                <a:latin typeface="Courier" charset="0"/>
+                <a:ea typeface="Courier" charset="0"/>
+                <a:cs typeface="Courier" charset="0"/>
+              </a:rPr>
+              <a:t>":  {</a:t>
+            </a:r>
+          </a:p>
+          <a:p>
+            <a:pPr marL="0" indent="0">
+              <a:buNone/>
+            </a:pPr>
+            <a:r>
+              <a:rPr lang="en-US" sz="1800" dirty="0">
+                <a:latin typeface="Courier" charset="0"/>
+                <a:ea typeface="Courier" charset="0"/>
+                <a:cs typeface="Courier" charset="0"/>
+              </a:rPr>
+              <a:t> </a:t>
+            </a:r>
+            <a:r>
+              <a:rPr lang="en-US" sz="1800" dirty="0" smtClean="0">
+                <a:latin typeface="Courier" charset="0"/>
+                <a:ea typeface="Courier" charset="0"/>
+                <a:cs typeface="Courier" charset="0"/>
+              </a:rPr>
+              <a:t> "temperature": { </a:t>
+            </a:r>
+          </a:p>
+          <a:p>
+            <a:pPr marL="0" indent="0">
+              <a:buNone/>
+            </a:pPr>
+            <a:r>
+              <a:rPr lang="en-US" sz="1800" dirty="0">
+                <a:latin typeface="Courier" charset="0"/>
+                <a:ea typeface="Courier" charset="0"/>
+                <a:cs typeface="Courier" charset="0"/>
+              </a:rPr>
+              <a:t> </a:t>
+            </a:r>
+            <a:r>
+              <a:rPr lang="en-US" sz="1800" dirty="0" smtClean="0">
+                <a:latin typeface="Courier" charset="0"/>
+                <a:ea typeface="Courier" charset="0"/>
+                <a:cs typeface="Courier" charset="0"/>
+              </a:rPr>
+              <a:t>   "</a:t>
+            </a:r>
+            <a:r>
+              <a:rPr lang="en-US" sz="1800" dirty="0" err="1" smtClean="0">
+                <a:latin typeface="Courier" charset="0"/>
+                <a:ea typeface="Courier" charset="0"/>
+                <a:cs typeface="Courier" charset="0"/>
+              </a:rPr>
+              <a:t>oneOf</a:t>
+            </a:r>
+            <a:r>
+              <a:rPr lang="en-US" sz="1800" dirty="0" smtClean="0">
+                <a:latin typeface="Courier" charset="0"/>
+                <a:ea typeface="Courier" charset="0"/>
+                <a:cs typeface="Courier" charset="0"/>
+              </a:rPr>
+              <a:t>": [</a:t>
+            </a:r>
+          </a:p>
+          <a:p>
+            <a:pPr marL="0" indent="0">
+              <a:buNone/>
+            </a:pPr>
+            <a:r>
+              <a:rPr lang="en-US" sz="1800" dirty="0">
+                <a:latin typeface="Courier" charset="0"/>
+                <a:ea typeface="Courier" charset="0"/>
+                <a:cs typeface="Courier" charset="0"/>
+              </a:rPr>
+              <a:t> </a:t>
+            </a:r>
+            <a:r>
+              <a:rPr lang="en-US" sz="1800" dirty="0" smtClean="0">
+                <a:latin typeface="Courier" charset="0"/>
+                <a:ea typeface="Courier" charset="0"/>
+                <a:cs typeface="Courier" charset="0"/>
+              </a:rPr>
+              <a:t>     {</a:t>
+            </a:r>
+          </a:p>
+          <a:p>
+            <a:pPr marL="0" indent="0">
+              <a:buNone/>
+            </a:pPr>
+            <a:r>
+              <a:rPr lang="en-US" sz="1800" dirty="0">
+                <a:latin typeface="Courier" charset="0"/>
+                <a:ea typeface="Courier" charset="0"/>
+                <a:cs typeface="Courier" charset="0"/>
+              </a:rPr>
+              <a:t> </a:t>
+            </a:r>
+            <a:r>
+              <a:rPr lang="en-US" sz="1800" dirty="0" smtClean="0">
+                <a:latin typeface="Courier" charset="0"/>
+                <a:ea typeface="Courier" charset="0"/>
+                <a:cs typeface="Courier" charset="0"/>
+              </a:rPr>
+              <a:t>       "type": "number",</a:t>
+            </a:r>
+          </a:p>
+          <a:p>
+            <a:pPr marL="0" indent="0">
+              <a:buNone/>
+            </a:pPr>
+            <a:r>
+              <a:rPr lang="en-US" sz="1800" dirty="0">
+                <a:latin typeface="Courier" charset="0"/>
+                <a:ea typeface="Courier" charset="0"/>
+                <a:cs typeface="Courier" charset="0"/>
+              </a:rPr>
+              <a:t> </a:t>
+            </a:r>
+            <a:r>
+              <a:rPr lang="en-US" sz="1800" dirty="0" smtClean="0">
+                <a:latin typeface="Courier" charset="0"/>
+                <a:ea typeface="Courier" charset="0"/>
+                <a:cs typeface="Courier" charset="0"/>
+              </a:rPr>
+              <a:t>       "name": "value",</a:t>
+            </a:r>
+          </a:p>
+          <a:p>
+            <a:pPr marL="0" indent="0">
+              <a:buNone/>
+            </a:pPr>
+            <a:r>
+              <a:rPr lang="en-US" sz="1800" dirty="0">
+                <a:latin typeface="Courier" charset="0"/>
+                <a:ea typeface="Courier" charset="0"/>
+                <a:cs typeface="Courier" charset="0"/>
+              </a:rPr>
+              <a:t> </a:t>
+            </a:r>
+            <a:r>
+              <a:rPr lang="en-US" sz="1800" dirty="0" smtClean="0">
+                <a:latin typeface="Courier" charset="0"/>
+                <a:ea typeface="Courier" charset="0"/>
+                <a:cs typeface="Courier" charset="0"/>
+              </a:rPr>
+              <a:t>       "id": 1</a:t>
+            </a:r>
+            <a:r>
+              <a:rPr lang="en-US" sz="1800" dirty="0">
+                <a:latin typeface="Courier" charset="0"/>
+                <a:ea typeface="Courier" charset="0"/>
+                <a:cs typeface="Courier" charset="0"/>
+              </a:rPr>
+              <a:t> </a:t>
+            </a:r>
+            <a:endParaRPr lang="en-US" sz="1800" dirty="0" smtClean="0">
+              <a:latin typeface="Courier" charset="0"/>
+              <a:ea typeface="Courier" charset="0"/>
+              <a:cs typeface="Courier" charset="0"/>
+            </a:endParaRPr>
+          </a:p>
+          <a:p>
+            <a:pPr marL="0" indent="0">
+              <a:buNone/>
+            </a:pPr>
+            <a:r>
+              <a:rPr lang="en-US" sz="1800" dirty="0">
+                <a:latin typeface="Courier" charset="0"/>
+                <a:ea typeface="Courier" charset="0"/>
+                <a:cs typeface="Courier" charset="0"/>
+              </a:rPr>
+              <a:t> </a:t>
+            </a:r>
+            <a:r>
+              <a:rPr lang="en-US" sz="1800" dirty="0" smtClean="0">
+                <a:latin typeface="Courier" charset="0"/>
+                <a:ea typeface="Courier" charset="0"/>
+                <a:cs typeface="Courier" charset="0"/>
+              </a:rPr>
+              <a:t>     },</a:t>
+            </a:r>
+          </a:p>
+          <a:p>
+            <a:pPr marL="0" indent="0">
+              <a:buNone/>
+            </a:pPr>
+            <a:r>
+              <a:rPr lang="en-US" sz="1800" dirty="0">
+                <a:latin typeface="Courier" charset="0"/>
+                <a:ea typeface="Courier" charset="0"/>
+                <a:cs typeface="Courier" charset="0"/>
+              </a:rPr>
+              <a:t>      {</a:t>
+            </a:r>
+          </a:p>
+          <a:p>
+            <a:pPr marL="0" indent="0">
+              <a:buNone/>
+            </a:pPr>
+            <a:r>
+              <a:rPr lang="en-US" sz="1800" dirty="0">
+                <a:latin typeface="Courier" charset="0"/>
+                <a:ea typeface="Courier" charset="0"/>
+                <a:cs typeface="Courier" charset="0"/>
+              </a:rPr>
+              <a:t>        "type": </a:t>
+            </a:r>
+            <a:r>
+              <a:rPr lang="en-US" sz="1800" dirty="0" smtClean="0">
+                <a:latin typeface="Courier" charset="0"/>
+                <a:ea typeface="Courier" charset="0"/>
+                <a:cs typeface="Courier" charset="0"/>
+              </a:rPr>
+              <a:t>"number",</a:t>
+            </a:r>
+          </a:p>
+          <a:p>
+            <a:pPr marL="0" indent="0">
+              <a:buNone/>
+            </a:pPr>
+            <a:r>
+              <a:rPr lang="en-US" sz="1800" dirty="0">
+                <a:latin typeface="Courier" charset="0"/>
+                <a:ea typeface="Courier" charset="0"/>
+                <a:cs typeface="Courier" charset="0"/>
+              </a:rPr>
+              <a:t> </a:t>
+            </a:r>
+            <a:r>
+              <a:rPr lang="en-US" sz="1800" dirty="0" smtClean="0">
+                <a:latin typeface="Courier" charset="0"/>
+                <a:ea typeface="Courier" charset="0"/>
+                <a:cs typeface="Courier" charset="0"/>
+              </a:rPr>
+              <a:t>       "</a:t>
+            </a:r>
+            <a:r>
+              <a:rPr lang="en-US" sz="1800" dirty="0" err="1" smtClean="0">
+                <a:latin typeface="Courier" charset="0"/>
+                <a:ea typeface="Courier" charset="0"/>
+                <a:cs typeface="Courier" charset="0"/>
+              </a:rPr>
+              <a:t>enum</a:t>
+            </a:r>
+            <a:r>
+              <a:rPr lang="en-US" sz="1800" dirty="0" smtClean="0">
+                <a:latin typeface="Courier" charset="0"/>
+                <a:ea typeface="Courier" charset="0"/>
+                <a:cs typeface="Courier" charset="0"/>
+              </a:rPr>
+              <a:t>": [1,2,3,4],</a:t>
+            </a:r>
+            <a:endParaRPr lang="en-US" sz="1800" dirty="0">
+              <a:latin typeface="Courier" charset="0"/>
+              <a:ea typeface="Courier" charset="0"/>
+              <a:cs typeface="Courier" charset="0"/>
+            </a:endParaRPr>
+          </a:p>
+          <a:p>
+            <a:pPr marL="0" indent="0">
+              <a:buNone/>
+            </a:pPr>
+            <a:r>
+              <a:rPr lang="en-US" sz="1800" dirty="0">
+                <a:latin typeface="Courier" charset="0"/>
+                <a:ea typeface="Courier" charset="0"/>
+                <a:cs typeface="Courier" charset="0"/>
+              </a:rPr>
+              <a:t>        "name": </a:t>
+            </a:r>
+            <a:r>
+              <a:rPr lang="en-US" sz="1800" dirty="0" smtClean="0">
+                <a:latin typeface="Courier" charset="0"/>
+                <a:ea typeface="Courier" charset="0"/>
+                <a:cs typeface="Courier" charset="0"/>
+              </a:rPr>
+              <a:t>"index",</a:t>
+            </a:r>
+            <a:endParaRPr lang="en-US" sz="1800" dirty="0">
+              <a:latin typeface="Courier" charset="0"/>
+              <a:ea typeface="Courier" charset="0"/>
+              <a:cs typeface="Courier" charset="0"/>
+            </a:endParaRPr>
+          </a:p>
+          <a:p>
+            <a:pPr marL="0" indent="0">
+              <a:buNone/>
+            </a:pPr>
+            <a:r>
+              <a:rPr lang="en-US" sz="1800" dirty="0">
+                <a:latin typeface="Courier" charset="0"/>
+                <a:ea typeface="Courier" charset="0"/>
+                <a:cs typeface="Courier" charset="0"/>
+              </a:rPr>
+              <a:t>        "id": </a:t>
+            </a:r>
+            <a:r>
+              <a:rPr lang="en-US" sz="1800" dirty="0" smtClean="0">
+                <a:latin typeface="Courier" charset="0"/>
+                <a:ea typeface="Courier" charset="0"/>
+                <a:cs typeface="Courier" charset="0"/>
+              </a:rPr>
+              <a:t>2 </a:t>
+            </a:r>
+            <a:endParaRPr lang="en-US" sz="1800" dirty="0">
+              <a:latin typeface="Courier" charset="0"/>
+              <a:ea typeface="Courier" charset="0"/>
+              <a:cs typeface="Courier" charset="0"/>
+            </a:endParaRPr>
+          </a:p>
+          <a:p>
+            <a:pPr marL="0" indent="0">
+              <a:buNone/>
+            </a:pPr>
+            <a:r>
+              <a:rPr lang="en-US" sz="1800" dirty="0">
+                <a:latin typeface="Courier" charset="0"/>
+                <a:ea typeface="Courier" charset="0"/>
+                <a:cs typeface="Courier" charset="0"/>
+              </a:rPr>
+              <a:t>      </a:t>
+            </a:r>
+            <a:r>
+              <a:rPr lang="en-US" sz="1800" dirty="0" smtClean="0">
+                <a:latin typeface="Courier" charset="0"/>
+                <a:ea typeface="Courier" charset="0"/>
+                <a:cs typeface="Courier" charset="0"/>
+              </a:rPr>
+              <a:t>}</a:t>
+            </a:r>
+            <a:endParaRPr lang="en-US" sz="1800" dirty="0">
+              <a:latin typeface="Courier" charset="0"/>
+              <a:ea typeface="Courier" charset="0"/>
+              <a:cs typeface="Courier" charset="0"/>
+            </a:endParaRPr>
+          </a:p>
+          <a:p>
+            <a:pPr marL="0" indent="0">
+              <a:buNone/>
+            </a:pPr>
+            <a:endParaRPr lang="en-US" sz="1800" dirty="0" smtClean="0">
+              <a:latin typeface="Courier" charset="0"/>
+              <a:ea typeface="Courier" charset="0"/>
+              <a:cs typeface="Courier" charset="0"/>
+            </a:endParaRPr>
+          </a:p>
+        </p:txBody>
+      </p:sp>
+    </p:spTree>
+    <p:extLst>
+      <p:ext uri="{BB962C8B-B14F-4D97-AF65-F5344CB8AC3E}">
+        <p14:creationId xmlns:p14="http://schemas.microsoft.com/office/powerpoint/2010/main" val="443175550"/>
+      </p:ext>
+    </p:extLst>
+  </p:cSld>
+  <p:clrMapOvr>
+    <a:masterClrMapping/>
+  </p:clrMapOvr>
+</p:sld>
+</file>
+
+<file path=ppt/slides/slide12.xml><?xml version="1.0" encoding="utf-8"?>
+<p:sld xmlns:a="http://schemas.openxmlformats.org/drawingml/2006/main" xmlns:r="http://schemas.openxmlformats.org/officeDocument/2006/relationships" xmlns:p="http://schemas.openxmlformats.org/presentationml/2006/main">
+  <p:cSld>
+    <p:spTree>
+      <p:nvGrpSpPr>
+        <p:cNvPr id="1" name=""/>
+        <p:cNvGrpSpPr/>
+        <p:nvPr/>
+      </p:nvGrpSpPr>
+      <p:grpSpPr>
+        <a:xfrm>
+          <a:off x="0" y="0"/>
+          <a:ext cx="0" cy="0"/>
+          <a:chOff x="0" y="0"/>
+          <a:chExt cx="0" cy="0"/>
+        </a:xfrm>
+      </p:grpSpPr>
+      <p:sp>
+        <p:nvSpPr>
+          <p:cNvPr id="2" name="Title 1"/>
+          <p:cNvSpPr>
+            <a:spLocks noGrp="1"/>
+          </p:cNvSpPr>
+          <p:nvPr>
+            <p:ph type="title"/>
+          </p:nvPr>
+        </p:nvSpPr>
+        <p:spPr>
+          <a:xfrm>
+            <a:off x="628650" y="288926"/>
+            <a:ext cx="7886700" cy="1325563"/>
+          </a:xfrm>
+        </p:spPr>
+        <p:txBody>
+          <a:bodyPr/>
+          <a:lstStyle/>
+          <a:p>
+            <a:r>
+              <a:rPr lang="en-US" dirty="0" smtClean="0"/>
+              <a:t>Issue - </a:t>
+            </a:r>
+            <a:r>
+              <a:rPr lang="en-US" dirty="0" err="1" smtClean="0"/>
+              <a:t>Nullability</a:t>
+            </a:r>
+            <a:endParaRPr lang="en-US" dirty="0"/>
+          </a:p>
+        </p:txBody>
+      </p:sp>
+      <p:sp>
+        <p:nvSpPr>
+          <p:cNvPr id="3" name="Content Placeholder 2"/>
+          <p:cNvSpPr>
+            <a:spLocks noGrp="1"/>
+          </p:cNvSpPr>
+          <p:nvPr>
+            <p:ph idx="1"/>
+          </p:nvPr>
+        </p:nvSpPr>
+        <p:spPr>
+          <a:xfrm>
+            <a:off x="628650" y="1614489"/>
+            <a:ext cx="7886700" cy="4351338"/>
+          </a:xfrm>
+        </p:spPr>
+        <p:txBody>
+          <a:bodyPr/>
+          <a:lstStyle/>
+          <a:p>
+            <a:r>
+              <a:rPr lang="en-US" dirty="0" smtClean="0"/>
+              <a:t>We allow "</a:t>
+            </a:r>
+            <a:r>
+              <a:rPr lang="en-US" dirty="0" err="1" smtClean="0"/>
+              <a:t>nullability"as</a:t>
+            </a:r>
+            <a:r>
+              <a:rPr lang="en-US" dirty="0" smtClean="0"/>
+              <a:t> a quality, meaning that the value (property or data parameter) can be represented as a null value</a:t>
+            </a:r>
+          </a:p>
+          <a:p>
+            <a:r>
+              <a:rPr lang="en-US" dirty="0" smtClean="0"/>
+              <a:t>Null value representation is serialization dependent and includes many ad-hoc schemes such as reserved values</a:t>
+            </a:r>
+          </a:p>
+          <a:p>
+            <a:r>
+              <a:rPr lang="en-US" dirty="0" smtClean="0"/>
+              <a:t>JSON null is both a type and a value</a:t>
+            </a:r>
+          </a:p>
+          <a:p>
+            <a:r>
+              <a:rPr lang="en-US" dirty="0" smtClean="0"/>
+              <a:t>We need to allow null, so may define an implicit "</a:t>
+            </a:r>
+            <a:r>
+              <a:rPr lang="en-US" dirty="0" err="1" smtClean="0"/>
+              <a:t>oneOf</a:t>
+            </a:r>
+            <a:r>
+              <a:rPr lang="en-US" dirty="0" smtClean="0"/>
+              <a:t>" in the schema for </a:t>
+            </a:r>
+            <a:r>
+              <a:rPr lang="en-US" dirty="0" err="1" smtClean="0"/>
+              <a:t>nullable</a:t>
+            </a:r>
+            <a:r>
+              <a:rPr lang="en-US" dirty="0" smtClean="0"/>
+              <a:t> values to enable a default JSON implementation</a:t>
+            </a:r>
+            <a:endParaRPr lang="en-US" dirty="0"/>
+          </a:p>
+        </p:txBody>
+      </p:sp>
+    </p:spTree>
+    <p:extLst>
+      <p:ext uri="{BB962C8B-B14F-4D97-AF65-F5344CB8AC3E}">
+        <p14:creationId xmlns:p14="http://schemas.microsoft.com/office/powerpoint/2010/main" val="266588995"/>
       </p:ext>
     </p:extLst>
   </p:cSld>
@@ -3246,22 +4056,14 @@
             <a:pPr lvl="1"/>
             <a:r>
               <a:rPr lang="en-US" dirty="0" smtClean="0"/>
-              <a:t>Ability </a:t>
-            </a:r>
-            <a:r>
-              <a:rPr lang="en-US" dirty="0" smtClean="0"/>
-              <a:t>to set qualities like units, range, and scale on a product or product type basis</a:t>
+              <a:t>Ability to set qualities like units, range, and scale on a product or product type basis</a:t>
             </a:r>
           </a:p>
           <a:p>
             <a:pPr lvl="1"/>
             <a:r>
               <a:rPr lang="en-US" dirty="0" smtClean="0"/>
-              <a:t>Ability to create specialized "Views" into the functionality of a product or product </a:t>
-            </a:r>
-            <a:r>
-              <a:rPr lang="en-US" dirty="0" smtClean="0"/>
-              <a:t>type</a:t>
+              <a:t>Ability to create specialized "Views" into the functionality of a product or product type</a:t>
             </a:r>
           </a:p>
         </p:txBody>
@@ -3375,11 +4177,7 @@
             <a:pPr lvl="1"/>
             <a:r>
               <a:rPr lang="en-US" dirty="0" smtClean="0"/>
-              <a:t>Main power can be controlled by either printer or scanner </a:t>
-            </a:r>
-            <a:r>
-              <a:rPr lang="en-US" dirty="0" smtClean="0"/>
-              <a:t>controls</a:t>
+              <a:t>Main power can be controlled by either printer or scanner controls</a:t>
             </a:r>
             <a:endParaRPr lang="en-US" dirty="0"/>
           </a:p>
@@ -3438,7 +4236,11 @@
           <a:p>
             <a:r>
               <a:rPr lang="en-US" dirty="0" smtClean="0"/>
-              <a:t>Discussion Points</a:t>
+              <a:t>Use </a:t>
+            </a:r>
+            <a:r>
+              <a:rPr lang="en-US" dirty="0" smtClean="0"/>
+              <a:t>case categories</a:t>
             </a:r>
             <a:endParaRPr lang="en-US" dirty="0"/>
           </a:p>
@@ -3466,63 +4268,73 @@
           <a:p>
             <a:r>
               <a:rPr lang="en-US" dirty="0" smtClean="0"/>
-              <a:t>Structural vs. Functional modularity</a:t>
+              <a:t>Define a reusable composition of </a:t>
+            </a:r>
+            <a:r>
+              <a:rPr lang="en-US" dirty="0" err="1" smtClean="0"/>
+              <a:t>odmObjects</a:t>
+            </a:r>
+            <a:r>
+              <a:rPr lang="en-US" dirty="0" smtClean="0"/>
+              <a:t> that work together to provide a function</a:t>
             </a:r>
           </a:p>
           <a:p>
             <a:pPr lvl="1"/>
             <a:r>
-              <a:rPr lang="en-US" dirty="0" smtClean="0"/>
-              <a:t>Does it matter?</a:t>
-            </a:r>
-          </a:p>
-          <a:p>
-            <a:r>
-              <a:rPr lang="en-US" dirty="0" smtClean="0"/>
-              <a:t>Semantic identifiers to differentiate functions and components</a:t>
+              <a:rPr lang="en-US" dirty="0" err="1" smtClean="0"/>
+              <a:t>odmThing</a:t>
+            </a:r>
+            <a:endParaRPr lang="en-US" dirty="0" smtClean="0"/>
+          </a:p>
+          <a:p>
+            <a:r>
+              <a:rPr lang="en-US" dirty="0" smtClean="0"/>
+              <a:t>Define a mandatory set of Objects, Qualities, and settings for interoperability like Device Type</a:t>
             </a:r>
           </a:p>
           <a:p>
             <a:pPr lvl="1"/>
             <a:r>
               <a:rPr lang="en-US" dirty="0" smtClean="0"/>
-              <a:t>GENIVI/VSS for automotive, </a:t>
+              <a:t>also </a:t>
             </a:r>
             <a:r>
               <a:rPr lang="en-US" dirty="0" err="1" smtClean="0"/>
-              <a:t>Brickschema</a:t>
-            </a:r>
-            <a:r>
-              <a:rPr lang="en-US" dirty="0" smtClean="0"/>
-              <a:t> for HVAC</a:t>
-            </a:r>
-          </a:p>
-          <a:p>
-            <a:r>
-              <a:rPr lang="en-US" dirty="0" smtClean="0"/>
-              <a:t>Classes vs. Instances</a:t>
+              <a:t>odmThing</a:t>
+            </a:r>
+            <a:r>
+              <a:rPr lang="en-US" dirty="0" smtClean="0"/>
+              <a:t>?</a:t>
+            </a:r>
+          </a:p>
+          <a:p>
+            <a:r>
+              <a:rPr lang="en-US" dirty="0" smtClean="0"/>
+              <a:t>Define a specific product configuration, ability to model the composition of a SKU level entity.</a:t>
             </a:r>
           </a:p>
           <a:p>
             <a:pPr lvl="1"/>
             <a:r>
-              <a:rPr lang="en-US" dirty="0"/>
-              <a:t>Deployed instances are definitions with concrete protocol bindings, e.g. network addresses, and optionality selected</a:t>
+              <a:rPr lang="en-US" dirty="0" smtClean="0"/>
+              <a:t>composed of Objects and Things</a:t>
             </a:r>
           </a:p>
           <a:p>
             <a:pPr lvl="1"/>
             <a:r>
-              <a:rPr lang="en-US" dirty="0" smtClean="0"/>
-              <a:t>Does a "Device Type" template with selected options contain "instances" of Objects?</a:t>
-            </a:r>
+              <a:rPr lang="en-US" dirty="0" err="1" smtClean="0"/>
+              <a:t>odmProduct</a:t>
+            </a:r>
+            <a:endParaRPr lang="en-US" dirty="0"/>
           </a:p>
         </p:txBody>
       </p:sp>
     </p:spTree>
     <p:extLst>
       <p:ext uri="{BB962C8B-B14F-4D97-AF65-F5344CB8AC3E}">
-        <p14:creationId xmlns:p14="http://schemas.microsoft.com/office/powerpoint/2010/main" val="729475716"/>
+        <p14:creationId xmlns:p14="http://schemas.microsoft.com/office/powerpoint/2010/main" val="1993987258"/>
       </p:ext>
     </p:extLst>
   </p:cSld>
@@ -3566,7 +4378,7 @@
           <a:p>
             <a:r>
               <a:rPr lang="en-US" dirty="0" smtClean="0"/>
-              <a:t>Use cases</a:t>
+              <a:t>Design Elements</a:t>
             </a:r>
             <a:endParaRPr lang="en-US" dirty="0"/>
           </a:p>
@@ -3582,27 +4394,42 @@
             <p:ph idx="1"/>
           </p:nvPr>
         </p:nvSpPr>
-        <p:spPr>
-          <a:xfrm>
-            <a:off x="628650" y="1690689"/>
-            <a:ext cx="7886700" cy="4351338"/>
-          </a:xfrm>
-        </p:spPr>
-        <p:txBody>
-          <a:bodyPr/>
-          <a:lstStyle/>
-          <a:p>
-            <a:r>
-              <a:rPr lang="en-US" dirty="0" smtClean="0"/>
-              <a:t>Define a reusable composition of </a:t>
-            </a:r>
-            <a:r>
-              <a:rPr lang="en-US" dirty="0" err="1" smtClean="0"/>
-              <a:t>odmObjects</a:t>
-            </a:r>
-            <a:r>
-              <a:rPr lang="en-US" dirty="0" smtClean="0"/>
-              <a:t> that work together to provide a function</a:t>
+        <p:spPr/>
+        <p:txBody>
+          <a:bodyPr/>
+          <a:lstStyle/>
+          <a:p>
+            <a:r>
+              <a:rPr lang="en-US" dirty="0" smtClean="0"/>
+              <a:t>Path construction in models and definitions</a:t>
+            </a:r>
+          </a:p>
+          <a:p>
+            <a:r>
+              <a:rPr lang="en-US" dirty="0" smtClean="0"/>
+              <a:t>Re-use and Recursion</a:t>
+            </a:r>
+          </a:p>
+          <a:p>
+            <a:pPr lvl="1"/>
+            <a:r>
+              <a:rPr lang="en-US" dirty="0" smtClean="0"/>
+              <a:t>"type"</a:t>
+            </a:r>
+            <a:endParaRPr lang="en-US" dirty="0" smtClean="0"/>
+          </a:p>
+          <a:p>
+            <a:pPr lvl="1"/>
+            <a:r>
+              <a:rPr lang="en-US" dirty="0" smtClean="0"/>
+              <a:t>"include"</a:t>
+            </a:r>
+            <a:endParaRPr lang="en-US" dirty="0" smtClean="0"/>
+          </a:p>
+          <a:p>
+            <a:r>
+              <a:rPr lang="en-US" dirty="0" smtClean="0"/>
+              <a:t>Composed types</a:t>
             </a:r>
           </a:p>
           <a:p>
@@ -3611,40 +4438,9 @@
               <a:rPr lang="en-US" dirty="0" err="1" smtClean="0"/>
               <a:t>odmThing</a:t>
             </a:r>
-            <a:endParaRPr lang="en-US" dirty="0" smtClean="0"/>
-          </a:p>
-          <a:p>
-            <a:r>
-              <a:rPr lang="en-US" dirty="0" smtClean="0"/>
-              <a:t>Define a mandatory set of Objects, Qualities, and settings for interoperability like Device Type</a:t>
-            </a:r>
-          </a:p>
-          <a:p>
-            <a:pPr lvl="1"/>
-            <a:r>
-              <a:rPr lang="en-US" dirty="0" smtClean="0"/>
-              <a:t>also </a:t>
-            </a:r>
-            <a:r>
-              <a:rPr lang="en-US" dirty="0" err="1" smtClean="0"/>
-              <a:t>odmThing</a:t>
-            </a:r>
-            <a:r>
-              <a:rPr lang="en-US" dirty="0" smtClean="0"/>
-              <a:t>?</a:t>
-            </a:r>
-          </a:p>
-          <a:p>
-            <a:r>
-              <a:rPr lang="en-US" dirty="0" smtClean="0"/>
-              <a:t>Define a specific product configuration, ability to model the composition of a SKU level entity.</a:t>
-            </a:r>
-          </a:p>
-          <a:p>
-            <a:pPr lvl="1"/>
-            <a:r>
-              <a:rPr lang="en-US" dirty="0" smtClean="0"/>
-              <a:t>composed of Objects and Things</a:t>
+            <a:r>
+              <a:rPr lang="en-US" dirty="0" smtClean="0"/>
+              <a:t> (a composition of objects with optionality)</a:t>
             </a:r>
           </a:p>
           <a:p>
@@ -3652,6 +4448,25 @@
             <a:r>
               <a:rPr lang="en-US" dirty="0" err="1" smtClean="0"/>
               <a:t>odmProduct</a:t>
+            </a:r>
+            <a:r>
+              <a:rPr lang="en-US" dirty="0" smtClean="0"/>
+              <a:t> (also a thing, but has specific qualities and </a:t>
+            </a:r>
+            <a:r>
+              <a:rPr lang="en-US" dirty="0" smtClean="0"/>
+              <a:t>optionality, represents a SKU)</a:t>
+            </a:r>
+          </a:p>
+          <a:p>
+            <a:pPr lvl="1"/>
+            <a:r>
+              <a:rPr lang="en-US" dirty="0" err="1" smtClean="0"/>
+              <a:t>odmView</a:t>
+            </a:r>
+            <a:r>
+              <a:rPr lang="en-US" dirty="0" smtClean="0"/>
+              <a:t> (an element, may only include references to instances of objects, properties, events, and actions)</a:t>
             </a:r>
             <a:endParaRPr lang="en-US" dirty="0"/>
           </a:p>
@@ -3660,7 +4475,7 @@
     </p:spTree>
     <p:extLst>
       <p:ext uri="{BB962C8B-B14F-4D97-AF65-F5344CB8AC3E}">
-        <p14:creationId xmlns:p14="http://schemas.microsoft.com/office/powerpoint/2010/main" val="1993987258"/>
+        <p14:creationId xmlns:p14="http://schemas.microsoft.com/office/powerpoint/2010/main" val="1376300819"/>
       </p:ext>
     </p:extLst>
   </p:cSld>
@@ -3697,14 +4512,19 @@
             <p:ph type="title"/>
           </p:nvPr>
         </p:nvSpPr>
-        <p:spPr/>
-        <p:txBody>
-          <a:bodyPr/>
-          <a:lstStyle/>
-          <a:p>
-            <a:r>
-              <a:rPr lang="en-US" dirty="0" smtClean="0"/>
-              <a:t>Design Elements</a:t>
+        <p:spPr>
+          <a:xfrm>
+            <a:off x="639040" y="126086"/>
+            <a:ext cx="7886700" cy="1325563"/>
+          </a:xfrm>
+        </p:spPr>
+        <p:txBody>
+          <a:bodyPr/>
+          <a:lstStyle/>
+          <a:p>
+            <a:r>
+              <a:rPr lang="en-US" dirty="0" smtClean="0"/>
+              <a:t>Path Construction in a Definition</a:t>
             </a:r>
             <a:endParaRPr lang="en-US" dirty="0"/>
           </a:p>
@@ -3712,96 +4532,833 @@
       </p:sp>
       <p:sp>
         <p:nvSpPr>
-          <p:cNvPr id="3" name="Content Placeholder 2"/>
-          <p:cNvSpPr>
-            <a:spLocks noGrp="1"/>
-          </p:cNvSpPr>
-          <p:nvPr>
-            <p:ph idx="1"/>
-          </p:nvPr>
-        </p:nvSpPr>
-        <p:spPr/>
-        <p:txBody>
-          <a:bodyPr/>
-          <a:lstStyle/>
-          <a:p>
-            <a:r>
-              <a:rPr lang="en-US" dirty="0" smtClean="0"/>
-              <a:t>Path construction in models and definitions</a:t>
-            </a:r>
-          </a:p>
-          <a:p>
-            <a:r>
-              <a:rPr lang="en-US" dirty="0" smtClean="0"/>
-              <a:t>Re-use and Recursion</a:t>
-            </a:r>
-          </a:p>
-          <a:p>
-            <a:pPr lvl="1"/>
-            <a:r>
-              <a:rPr lang="en-US" dirty="0" smtClean="0"/>
-              <a:t>"refines"</a:t>
-            </a:r>
-          </a:p>
-          <a:p>
-            <a:pPr lvl="1"/>
-            <a:r>
-              <a:rPr lang="en-US" dirty="0" smtClean="0"/>
-              <a:t>"extends"</a:t>
-            </a:r>
-          </a:p>
-          <a:p>
-            <a:pPr lvl="1"/>
-            <a:r>
-              <a:rPr lang="en-US" dirty="0"/>
+          <p:cNvPr id="4" name="Rectangle 3"/>
+          <p:cNvSpPr/>
+          <p:nvPr/>
+        </p:nvSpPr>
+        <p:spPr>
+          <a:xfrm>
+            <a:off x="540329" y="1300581"/>
+            <a:ext cx="8042565" cy="5016758"/>
+          </a:xfrm>
+          <a:prstGeom prst="rect">
+            <a:avLst/>
+          </a:prstGeom>
+        </p:spPr>
+        <p:txBody>
+          <a:bodyPr wrap="square">
+            <a:spAutoFit/>
+          </a:bodyPr>
+          <a:lstStyle/>
+          <a:p>
+            <a:r>
+              <a:rPr lang="en-US" sz="1600" dirty="0">
+                <a:latin typeface="Courier" charset="0"/>
+                <a:ea typeface="Courier" charset="0"/>
+                <a:cs typeface="Courier" charset="0"/>
+              </a:rPr>
+              <a:t>{</a:t>
+            </a:r>
+          </a:p>
+          <a:p>
+            <a:r>
+              <a:rPr lang="en-US" sz="1600" dirty="0" smtClean="0">
+                <a:latin typeface="Courier" charset="0"/>
+                <a:ea typeface="Courier" charset="0"/>
+                <a:cs typeface="Courier" charset="0"/>
+              </a:rPr>
+              <a:t>  "namespace": {</a:t>
+            </a:r>
+          </a:p>
+          <a:p>
+            <a:r>
+              <a:rPr lang="en-US" sz="1600" dirty="0" smtClean="0">
+                <a:latin typeface="Courier" charset="0"/>
+                <a:ea typeface="Courier" charset="0"/>
+                <a:cs typeface="Courier" charset="0"/>
+              </a:rPr>
+              <a:t>    "</a:t>
+            </a:r>
+            <a:r>
+              <a:rPr lang="en-US" sz="1600" dirty="0" err="1" smtClean="0">
+                <a:latin typeface="Courier" charset="0"/>
+                <a:ea typeface="Courier" charset="0"/>
+                <a:cs typeface="Courier" charset="0"/>
+              </a:rPr>
+              <a:t>st</a:t>
+            </a:r>
+            <a:r>
+              <a:rPr lang="en-US" sz="1600" dirty="0" smtClean="0">
+                <a:latin typeface="Courier" charset="0"/>
+                <a:ea typeface="Courier" charset="0"/>
+                <a:cs typeface="Courier" charset="0"/>
+              </a:rPr>
+              <a:t>": "http://</a:t>
+            </a:r>
+            <a:r>
+              <a:rPr lang="en-US" sz="1600" dirty="0" err="1" smtClean="0">
+                <a:latin typeface="Courier" charset="0"/>
+                <a:ea typeface="Courier" charset="0"/>
+                <a:cs typeface="Courier" charset="0"/>
+              </a:rPr>
+              <a:t>example.com</a:t>
+            </a:r>
+            <a:r>
+              <a:rPr lang="en-US" sz="1600" dirty="0" smtClean="0">
+                <a:latin typeface="Courier" charset="0"/>
+                <a:ea typeface="Courier" charset="0"/>
+                <a:cs typeface="Courier" charset="0"/>
+              </a:rPr>
+              <a:t>/capability/</a:t>
+            </a:r>
+            <a:r>
+              <a:rPr lang="en-US" sz="1600" dirty="0" err="1" smtClean="0">
+                <a:latin typeface="Courier" charset="0"/>
+                <a:ea typeface="Courier" charset="0"/>
+                <a:cs typeface="Courier" charset="0"/>
+              </a:rPr>
+              <a:t>odm</a:t>
+            </a:r>
+            <a:r>
+              <a:rPr lang="en-US" sz="1600" dirty="0" smtClean="0">
+                <a:latin typeface="Courier" charset="0"/>
+                <a:ea typeface="Courier" charset="0"/>
+                <a:cs typeface="Courier" charset="0"/>
+              </a:rPr>
               <a:t>"</a:t>
             </a:r>
-            <a:r>
-              <a:rPr lang="en-US" dirty="0" smtClean="0"/>
-              <a:t>includes</a:t>
-            </a:r>
-            <a:r>
-              <a:rPr lang="en-US" dirty="0"/>
+          </a:p>
+          <a:p>
+            <a:r>
+              <a:rPr lang="en-US" sz="1600" dirty="0" smtClean="0">
+                <a:latin typeface="Courier" charset="0"/>
+                <a:ea typeface="Courier" charset="0"/>
+                <a:cs typeface="Courier" charset="0"/>
+              </a:rPr>
+              <a:t>  },</a:t>
+            </a:r>
+          </a:p>
+          <a:p>
+            <a:r>
+              <a:rPr lang="en-US" sz="1600" dirty="0" smtClean="0">
+                <a:latin typeface="Courier" charset="0"/>
+                <a:ea typeface="Courier" charset="0"/>
+                <a:cs typeface="Courier" charset="0"/>
+              </a:rPr>
+              <a:t>  "</a:t>
+            </a:r>
+            <a:r>
+              <a:rPr lang="en-US" sz="1600" dirty="0" err="1" smtClean="0">
+                <a:latin typeface="Courier" charset="0"/>
+                <a:ea typeface="Courier" charset="0"/>
+                <a:cs typeface="Courier" charset="0"/>
+              </a:rPr>
+              <a:t>defaultNamespace</a:t>
+            </a:r>
+            <a:r>
+              <a:rPr lang="en-US" sz="1600" dirty="0" smtClean="0">
+                <a:latin typeface="Courier" charset="0"/>
+                <a:ea typeface="Courier" charset="0"/>
+                <a:cs typeface="Courier" charset="0"/>
+              </a:rPr>
+              <a:t>": "</a:t>
+            </a:r>
+            <a:r>
+              <a:rPr lang="en-US" sz="1600" dirty="0" err="1" smtClean="0">
+                <a:latin typeface="Courier" charset="0"/>
+                <a:ea typeface="Courier" charset="0"/>
+                <a:cs typeface="Courier" charset="0"/>
+              </a:rPr>
+              <a:t>st</a:t>
+            </a:r>
+            <a:r>
+              <a:rPr lang="en-US" sz="1600" dirty="0" smtClean="0">
+                <a:latin typeface="Courier" charset="0"/>
+                <a:ea typeface="Courier" charset="0"/>
+                <a:cs typeface="Courier" charset="0"/>
+              </a:rPr>
+              <a:t>",</a:t>
+            </a:r>
+          </a:p>
+          <a:p>
+            <a:r>
+              <a:rPr lang="en-US" sz="1600" dirty="0" smtClean="0">
+                <a:latin typeface="Courier" charset="0"/>
+                <a:ea typeface="Courier" charset="0"/>
+                <a:cs typeface="Courier" charset="0"/>
+              </a:rPr>
+              <a:t>  </a:t>
+            </a:r>
+            <a:r>
+              <a:rPr lang="mr-IN" sz="1600" dirty="0">
+                <a:latin typeface="Courier" charset="0"/>
+                <a:ea typeface="Courier" charset="0"/>
+                <a:cs typeface="Courier" charset="0"/>
+              </a:rPr>
               <a:t>"</a:t>
             </a:r>
-            <a:endParaRPr lang="en-US" dirty="0" smtClean="0"/>
-          </a:p>
-          <a:p>
-            <a:r>
-              <a:rPr lang="en-US" dirty="0" smtClean="0"/>
-              <a:t>Composed types</a:t>
-            </a:r>
-          </a:p>
-          <a:p>
-            <a:pPr lvl="1"/>
-            <a:r>
-              <a:rPr lang="en-US" dirty="0" err="1" smtClean="0"/>
-              <a:t>odmThing</a:t>
-            </a:r>
-            <a:r>
-              <a:rPr lang="en-US" dirty="0" smtClean="0"/>
-              <a:t> (a composition of objects with optionality)</a:t>
-            </a:r>
-            <a:endParaRPr lang="en-US" dirty="0" smtClean="0"/>
-          </a:p>
-          <a:p>
-            <a:pPr lvl="1"/>
-            <a:r>
-              <a:rPr lang="en-US" dirty="0" err="1" smtClean="0"/>
-              <a:t>odmProduct</a:t>
-            </a:r>
-            <a:r>
-              <a:rPr lang="en-US" dirty="0" smtClean="0"/>
-              <a:t> (also a thing, but has specific qualities and optionality)</a:t>
-            </a:r>
-            <a:endParaRPr lang="en-US" dirty="0"/>
+            <a:r>
+              <a:rPr lang="en-US" sz="1600" dirty="0" err="1">
+                <a:latin typeface="Courier" charset="0"/>
+                <a:ea typeface="Courier" charset="0"/>
+                <a:cs typeface="Courier" charset="0"/>
+              </a:rPr>
+              <a:t>odmObject</a:t>
+            </a:r>
+            <a:r>
+              <a:rPr lang="en-US" sz="1600" dirty="0">
+                <a:latin typeface="Courier" charset="0"/>
+                <a:ea typeface="Courier" charset="0"/>
+                <a:cs typeface="Courier" charset="0"/>
+              </a:rPr>
+              <a:t>": {</a:t>
+            </a:r>
+          </a:p>
+          <a:p>
+            <a:r>
+              <a:rPr lang="en-US" sz="1600" dirty="0">
+                <a:latin typeface="Courier" charset="0"/>
+                <a:ea typeface="Courier" charset="0"/>
+                <a:cs typeface="Courier" charset="0"/>
+              </a:rPr>
+              <a:t>    "</a:t>
+            </a:r>
+            <a:r>
+              <a:rPr lang="en-US" sz="1600" dirty="0">
+                <a:solidFill>
+                  <a:srgbClr val="FF0000"/>
+                </a:solidFill>
+                <a:latin typeface="Courier" charset="0"/>
+                <a:ea typeface="Courier" charset="0"/>
+                <a:cs typeface="Courier" charset="0"/>
+              </a:rPr>
+              <a:t>Switch</a:t>
+            </a:r>
+            <a:r>
+              <a:rPr lang="en-US" sz="1600" dirty="0">
+                <a:latin typeface="Courier" charset="0"/>
+                <a:ea typeface="Courier" charset="0"/>
+                <a:cs typeface="Courier" charset="0"/>
+              </a:rPr>
+              <a:t>": { </a:t>
+            </a:r>
+          </a:p>
+          <a:p>
+            <a:r>
+              <a:rPr lang="en-US" sz="1600" dirty="0">
+                <a:latin typeface="Courier" charset="0"/>
+                <a:ea typeface="Courier" charset="0"/>
+                <a:cs typeface="Courier" charset="0"/>
+              </a:rPr>
+              <a:t>      </a:t>
+            </a:r>
+            <a:r>
+              <a:rPr lang="mr-IN" sz="1600" dirty="0">
+                <a:latin typeface="Courier" charset="0"/>
+                <a:ea typeface="Courier" charset="0"/>
+                <a:cs typeface="Courier" charset="0"/>
+              </a:rPr>
+              <a:t>"</a:t>
+            </a:r>
+            <a:r>
+              <a:rPr lang="en-US" sz="1600" dirty="0" err="1">
+                <a:latin typeface="Courier" charset="0"/>
+                <a:ea typeface="Courier" charset="0"/>
+                <a:cs typeface="Courier" charset="0"/>
+              </a:rPr>
+              <a:t>odmProperty</a:t>
+            </a:r>
+            <a:r>
+              <a:rPr lang="en-US" sz="1600" dirty="0">
+                <a:latin typeface="Courier" charset="0"/>
+                <a:ea typeface="Courier" charset="0"/>
+                <a:cs typeface="Courier" charset="0"/>
+              </a:rPr>
+              <a:t>": {</a:t>
+            </a:r>
+          </a:p>
+          <a:p>
+            <a:r>
+              <a:rPr lang="en-US" sz="1600" dirty="0">
+                <a:latin typeface="Courier" charset="0"/>
+                <a:ea typeface="Courier" charset="0"/>
+                <a:cs typeface="Courier" charset="0"/>
+              </a:rPr>
+              <a:t>        "</a:t>
+            </a:r>
+            <a:r>
+              <a:rPr lang="en-US" sz="1600" dirty="0">
+                <a:solidFill>
+                  <a:srgbClr val="FF0000"/>
+                </a:solidFill>
+                <a:latin typeface="Courier" charset="0"/>
+                <a:ea typeface="Courier" charset="0"/>
+                <a:cs typeface="Courier" charset="0"/>
+              </a:rPr>
+              <a:t>value</a:t>
+            </a:r>
+            <a:r>
+              <a:rPr lang="en-US" sz="1600" dirty="0">
+                <a:latin typeface="Courier" charset="0"/>
+                <a:ea typeface="Courier" charset="0"/>
+                <a:cs typeface="Courier" charset="0"/>
+              </a:rPr>
+              <a:t>": {</a:t>
+            </a:r>
+          </a:p>
+          <a:p>
+            <a:r>
+              <a:rPr lang="en-US" sz="1600" dirty="0">
+                <a:latin typeface="Courier" charset="0"/>
+                <a:ea typeface="Courier" charset="0"/>
+                <a:cs typeface="Courier" charset="0"/>
+              </a:rPr>
+              <a:t>          "type": "string",</a:t>
+            </a:r>
+          </a:p>
+          <a:p>
+            <a:r>
+              <a:rPr lang="en-US" sz="1600" dirty="0">
+                <a:latin typeface="Courier" charset="0"/>
+                <a:ea typeface="Courier" charset="0"/>
+                <a:cs typeface="Courier" charset="0"/>
+              </a:rPr>
+              <a:t>          "</a:t>
+            </a:r>
+            <a:r>
+              <a:rPr lang="en-US" sz="1600" dirty="0" err="1">
+                <a:latin typeface="Courier" charset="0"/>
+                <a:ea typeface="Courier" charset="0"/>
+                <a:cs typeface="Courier" charset="0"/>
+              </a:rPr>
+              <a:t>enum</a:t>
+            </a:r>
+            <a:r>
+              <a:rPr lang="en-US" sz="1600" dirty="0">
+                <a:latin typeface="Courier" charset="0"/>
+                <a:ea typeface="Courier" charset="0"/>
+                <a:cs typeface="Courier" charset="0"/>
+              </a:rPr>
+              <a:t>": ["on", "off"]</a:t>
+            </a:r>
+          </a:p>
+          <a:p>
+            <a:r>
+              <a:rPr lang="en-US" sz="1600" dirty="0">
+                <a:latin typeface="Courier" charset="0"/>
+                <a:ea typeface="Courier" charset="0"/>
+                <a:cs typeface="Courier" charset="0"/>
+              </a:rPr>
+              <a:t>        }</a:t>
+            </a:r>
+          </a:p>
+          <a:p>
+            <a:r>
+              <a:rPr lang="en-US" sz="1600" dirty="0">
+                <a:latin typeface="Courier" charset="0"/>
+                <a:ea typeface="Courier" charset="0"/>
+                <a:cs typeface="Courier" charset="0"/>
+              </a:rPr>
+              <a:t>      },</a:t>
+            </a:r>
+          </a:p>
+          <a:p>
+            <a:r>
+              <a:rPr lang="en-US" sz="1600" dirty="0">
+                <a:latin typeface="Courier" charset="0"/>
+                <a:ea typeface="Courier" charset="0"/>
+                <a:cs typeface="Courier" charset="0"/>
+              </a:rPr>
+              <a:t>      </a:t>
+            </a:r>
+            <a:r>
+              <a:rPr lang="mr-IN" sz="1600" dirty="0">
+                <a:latin typeface="Courier" charset="0"/>
+                <a:ea typeface="Courier" charset="0"/>
+                <a:cs typeface="Courier" charset="0"/>
+              </a:rPr>
+              <a:t>"</a:t>
+            </a:r>
+            <a:r>
+              <a:rPr lang="en-US" sz="1600" dirty="0" err="1">
+                <a:latin typeface="Courier" charset="0"/>
+                <a:ea typeface="Courier" charset="0"/>
+                <a:cs typeface="Courier" charset="0"/>
+              </a:rPr>
+              <a:t>odmAction</a:t>
+            </a:r>
+            <a:r>
+              <a:rPr lang="en-US" sz="1600" dirty="0">
+                <a:latin typeface="Courier" charset="0"/>
+                <a:ea typeface="Courier" charset="0"/>
+                <a:cs typeface="Courier" charset="0"/>
+              </a:rPr>
+              <a:t>": {</a:t>
+            </a:r>
+          </a:p>
+          <a:p>
+            <a:r>
+              <a:rPr lang="en-US" sz="1600" dirty="0">
+                <a:latin typeface="Courier" charset="0"/>
+                <a:ea typeface="Courier" charset="0"/>
+                <a:cs typeface="Courier" charset="0"/>
+              </a:rPr>
+              <a:t>        "</a:t>
+            </a:r>
+            <a:r>
+              <a:rPr lang="en-US" sz="1600" dirty="0">
+                <a:solidFill>
+                  <a:srgbClr val="FF0000"/>
+                </a:solidFill>
+                <a:latin typeface="Courier" charset="0"/>
+                <a:ea typeface="Courier" charset="0"/>
+                <a:cs typeface="Courier" charset="0"/>
+              </a:rPr>
+              <a:t>on</a:t>
+            </a:r>
+            <a:r>
+              <a:rPr lang="en-US" sz="1600" dirty="0">
+                <a:latin typeface="Courier" charset="0"/>
+                <a:ea typeface="Courier" charset="0"/>
+                <a:cs typeface="Courier" charset="0"/>
+              </a:rPr>
+              <a:t>": {},</a:t>
+            </a:r>
+          </a:p>
+          <a:p>
+            <a:r>
+              <a:rPr lang="en-US" sz="1600" dirty="0">
+                <a:latin typeface="Courier" charset="0"/>
+                <a:ea typeface="Courier" charset="0"/>
+                <a:cs typeface="Courier" charset="0"/>
+              </a:rPr>
+              <a:t>        "</a:t>
+            </a:r>
+            <a:r>
+              <a:rPr lang="en-US" sz="1600" dirty="0">
+                <a:solidFill>
+                  <a:srgbClr val="FF0000"/>
+                </a:solidFill>
+                <a:latin typeface="Courier" charset="0"/>
+                <a:ea typeface="Courier" charset="0"/>
+                <a:cs typeface="Courier" charset="0"/>
+              </a:rPr>
+              <a:t>off</a:t>
+            </a:r>
+            <a:r>
+              <a:rPr lang="en-US" sz="1600" dirty="0">
+                <a:latin typeface="Courier" charset="0"/>
+                <a:ea typeface="Courier" charset="0"/>
+                <a:cs typeface="Courier" charset="0"/>
+              </a:rPr>
+              <a:t>": {}</a:t>
+            </a:r>
+          </a:p>
+          <a:p>
+            <a:r>
+              <a:rPr lang="en-US" sz="1600" dirty="0">
+                <a:latin typeface="Courier" charset="0"/>
+                <a:ea typeface="Courier" charset="0"/>
+                <a:cs typeface="Courier" charset="0"/>
+              </a:rPr>
+              <a:t>      }</a:t>
+            </a:r>
+          </a:p>
+          <a:p>
+            <a:r>
+              <a:rPr lang="en-US" sz="1600" dirty="0">
+                <a:latin typeface="Courier" charset="0"/>
+                <a:ea typeface="Courier" charset="0"/>
+                <a:cs typeface="Courier" charset="0"/>
+              </a:rPr>
+              <a:t>    }</a:t>
+            </a:r>
+          </a:p>
+          <a:p>
+            <a:r>
+              <a:rPr lang="en-US" sz="1600" dirty="0">
+                <a:latin typeface="Courier" charset="0"/>
+                <a:ea typeface="Courier" charset="0"/>
+                <a:cs typeface="Courier" charset="0"/>
+              </a:rPr>
+              <a:t>  }</a:t>
+            </a:r>
+          </a:p>
+          <a:p>
+            <a:r>
+              <a:rPr lang="en-US" sz="1600" dirty="0">
+                <a:effectLst/>
+                <a:latin typeface="Courier" charset="0"/>
+                <a:ea typeface="Courier" charset="0"/>
+                <a:cs typeface="Courier" charset="0"/>
+              </a:rPr>
+              <a:t>}</a:t>
+            </a:r>
+          </a:p>
+        </p:txBody>
+      </p:sp>
+      <p:sp>
+        <p:nvSpPr>
+          <p:cNvPr id="5" name="Rectangle 4"/>
+          <p:cNvSpPr/>
+          <p:nvPr/>
+        </p:nvSpPr>
+        <p:spPr>
+          <a:xfrm>
+            <a:off x="2754089" y="2731763"/>
+            <a:ext cx="5382491" cy="338554"/>
+          </a:xfrm>
+          <a:prstGeom prst="rect">
+            <a:avLst/>
+          </a:prstGeom>
+        </p:spPr>
+        <p:txBody>
+          <a:bodyPr wrap="square">
+            <a:spAutoFit/>
+          </a:bodyPr>
+          <a:lstStyle/>
+          <a:p>
+            <a:r>
+              <a:rPr lang="en-US" sz="1600" dirty="0" smtClean="0">
+                <a:solidFill>
+                  <a:srgbClr val="FF0000"/>
+                </a:solidFill>
+                <a:latin typeface="Courier" charset="0"/>
+                <a:ea typeface="Courier" charset="0"/>
+                <a:cs typeface="Courier" charset="0"/>
+              </a:rPr>
+              <a:t>#/</a:t>
+            </a:r>
+            <a:r>
+              <a:rPr lang="en-US" sz="1600" dirty="0" err="1" smtClean="0">
+                <a:solidFill>
+                  <a:srgbClr val="FF0000"/>
+                </a:solidFill>
+                <a:latin typeface="Courier" charset="0"/>
+                <a:ea typeface="Courier" charset="0"/>
+                <a:cs typeface="Courier" charset="0"/>
+              </a:rPr>
+              <a:t>odmObject</a:t>
+            </a:r>
+            <a:r>
+              <a:rPr lang="en-US" sz="1600" dirty="0">
+                <a:solidFill>
+                  <a:srgbClr val="FF0000"/>
+                </a:solidFill>
+                <a:latin typeface="Courier" charset="0"/>
+                <a:ea typeface="Courier" charset="0"/>
+                <a:cs typeface="Courier" charset="0"/>
+              </a:rPr>
+              <a:t>/Switch or </a:t>
+            </a:r>
+            <a:r>
+              <a:rPr lang="en-US" sz="1600" dirty="0" err="1" smtClean="0">
+                <a:solidFill>
+                  <a:srgbClr val="FF0000"/>
+                </a:solidFill>
+                <a:latin typeface="Courier" charset="0"/>
+                <a:ea typeface="Courier" charset="0"/>
+                <a:cs typeface="Courier" charset="0"/>
+              </a:rPr>
+              <a:t>st</a:t>
+            </a:r>
+            <a:r>
+              <a:rPr lang="en-US" sz="1600" dirty="0" smtClean="0">
+                <a:solidFill>
+                  <a:srgbClr val="FF0000"/>
+                </a:solidFill>
+                <a:latin typeface="Courier" charset="0"/>
+                <a:ea typeface="Courier" charset="0"/>
+                <a:cs typeface="Courier" charset="0"/>
+              </a:rPr>
+              <a:t>:/</a:t>
+            </a:r>
+            <a:r>
+              <a:rPr lang="en-US" sz="1600" dirty="0" err="1" smtClean="0">
+                <a:solidFill>
+                  <a:srgbClr val="FF0000"/>
+                </a:solidFill>
+                <a:latin typeface="Courier" charset="0"/>
+                <a:ea typeface="Courier" charset="0"/>
+                <a:cs typeface="Courier" charset="0"/>
+              </a:rPr>
+              <a:t>odmObject</a:t>
+            </a:r>
+            <a:r>
+              <a:rPr lang="en-US" sz="1600" dirty="0" smtClean="0">
+                <a:solidFill>
+                  <a:srgbClr val="FF0000"/>
+                </a:solidFill>
+                <a:latin typeface="Courier" charset="0"/>
+                <a:ea typeface="Courier" charset="0"/>
+                <a:cs typeface="Courier" charset="0"/>
+              </a:rPr>
+              <a:t>/Switch</a:t>
+            </a:r>
+            <a:endParaRPr lang="en-US" sz="1600" dirty="0">
+              <a:solidFill>
+                <a:srgbClr val="FF0000"/>
+              </a:solidFill>
+            </a:endParaRPr>
+          </a:p>
+        </p:txBody>
+      </p:sp>
+      <p:sp>
+        <p:nvSpPr>
+          <p:cNvPr id="6" name="Rectangle 5"/>
+          <p:cNvSpPr/>
+          <p:nvPr/>
+        </p:nvSpPr>
+        <p:spPr>
+          <a:xfrm>
+            <a:off x="3197437" y="3227063"/>
+            <a:ext cx="4716478" cy="338554"/>
+          </a:xfrm>
+          <a:prstGeom prst="rect">
+            <a:avLst/>
+          </a:prstGeom>
+        </p:spPr>
+        <p:txBody>
+          <a:bodyPr wrap="square">
+            <a:spAutoFit/>
+          </a:bodyPr>
+          <a:lstStyle/>
+          <a:p>
+            <a:r>
+              <a:rPr lang="en-US" sz="1600" dirty="0" smtClean="0">
+                <a:solidFill>
+                  <a:srgbClr val="FF0000"/>
+                </a:solidFill>
+                <a:latin typeface="Courier" charset="0"/>
+                <a:ea typeface="Courier" charset="0"/>
+                <a:cs typeface="Courier" charset="0"/>
+              </a:rPr>
+              <a:t>#/</a:t>
+            </a:r>
+            <a:r>
+              <a:rPr lang="en-US" sz="1600" dirty="0" err="1" smtClean="0">
+                <a:solidFill>
+                  <a:srgbClr val="FF0000"/>
+                </a:solidFill>
+                <a:latin typeface="Courier" charset="0"/>
+                <a:ea typeface="Courier" charset="0"/>
+                <a:cs typeface="Courier" charset="0"/>
+              </a:rPr>
+              <a:t>odmObject</a:t>
+            </a:r>
+            <a:r>
+              <a:rPr lang="en-US" sz="1600" dirty="0" smtClean="0">
+                <a:solidFill>
+                  <a:srgbClr val="FF0000"/>
+                </a:solidFill>
+                <a:latin typeface="Courier" charset="0"/>
+                <a:ea typeface="Courier" charset="0"/>
+                <a:cs typeface="Courier" charset="0"/>
+              </a:rPr>
+              <a:t>/Switch/</a:t>
+            </a:r>
+            <a:r>
+              <a:rPr lang="en-US" sz="1600" dirty="0" err="1" smtClean="0">
+                <a:solidFill>
+                  <a:srgbClr val="FF0000"/>
+                </a:solidFill>
+                <a:latin typeface="Courier" charset="0"/>
+                <a:ea typeface="Courier" charset="0"/>
+                <a:cs typeface="Courier" charset="0"/>
+              </a:rPr>
+              <a:t>odmProperty</a:t>
+            </a:r>
+            <a:r>
+              <a:rPr lang="en-US" sz="1600" dirty="0" smtClean="0">
+                <a:solidFill>
+                  <a:srgbClr val="FF0000"/>
+                </a:solidFill>
+                <a:latin typeface="Courier" charset="0"/>
+                <a:ea typeface="Courier" charset="0"/>
+                <a:cs typeface="Courier" charset="0"/>
+              </a:rPr>
+              <a:t>/value</a:t>
+            </a:r>
+            <a:endParaRPr lang="en-US" sz="1600" dirty="0">
+              <a:solidFill>
+                <a:srgbClr val="FF0000"/>
+              </a:solidFill>
+            </a:endParaRPr>
+          </a:p>
+        </p:txBody>
+      </p:sp>
+      <p:sp>
+        <p:nvSpPr>
+          <p:cNvPr id="7" name="Rectangle 6"/>
+          <p:cNvSpPr/>
+          <p:nvPr/>
+        </p:nvSpPr>
+        <p:spPr>
+          <a:xfrm>
+            <a:off x="2754090" y="4666014"/>
+            <a:ext cx="5839693" cy="338554"/>
+          </a:xfrm>
+          <a:prstGeom prst="rect">
+            <a:avLst/>
+          </a:prstGeom>
+        </p:spPr>
+        <p:txBody>
+          <a:bodyPr wrap="square">
+            <a:spAutoFit/>
+          </a:bodyPr>
+          <a:lstStyle/>
+          <a:p>
+            <a:r>
+              <a:rPr lang="en-US" sz="1600" dirty="0" smtClean="0">
+                <a:solidFill>
+                  <a:srgbClr val="FF0000"/>
+                </a:solidFill>
+                <a:latin typeface="Courier" charset="0"/>
+                <a:ea typeface="Courier" charset="0"/>
+                <a:cs typeface="Courier" charset="0"/>
+              </a:rPr>
+              <a:t>#/</a:t>
+            </a:r>
+            <a:r>
+              <a:rPr lang="en-US" sz="1600" dirty="0" err="1" smtClean="0">
+                <a:solidFill>
+                  <a:srgbClr val="FF0000"/>
+                </a:solidFill>
+                <a:latin typeface="Courier" charset="0"/>
+                <a:ea typeface="Courier" charset="0"/>
+                <a:cs typeface="Courier" charset="0"/>
+              </a:rPr>
+              <a:t>odmObject</a:t>
+            </a:r>
+            <a:r>
+              <a:rPr lang="en-US" sz="1600" dirty="0" smtClean="0">
+                <a:solidFill>
+                  <a:srgbClr val="FF0000"/>
+                </a:solidFill>
+                <a:latin typeface="Courier" charset="0"/>
+                <a:ea typeface="Courier" charset="0"/>
+                <a:cs typeface="Courier" charset="0"/>
+              </a:rPr>
+              <a:t>/Switch/</a:t>
+            </a:r>
+            <a:r>
+              <a:rPr lang="en-US" sz="1600" dirty="0" err="1" smtClean="0">
+                <a:solidFill>
+                  <a:srgbClr val="FF0000"/>
+                </a:solidFill>
+                <a:latin typeface="Courier" charset="0"/>
+                <a:ea typeface="Courier" charset="0"/>
+                <a:cs typeface="Courier" charset="0"/>
+              </a:rPr>
+              <a:t>odmAction</a:t>
+            </a:r>
+            <a:r>
+              <a:rPr lang="en-US" sz="1600" dirty="0" smtClean="0">
+                <a:solidFill>
+                  <a:srgbClr val="FF0000"/>
+                </a:solidFill>
+                <a:latin typeface="Courier" charset="0"/>
+                <a:ea typeface="Courier" charset="0"/>
+                <a:cs typeface="Courier" charset="0"/>
+              </a:rPr>
+              <a:t>/on</a:t>
+            </a:r>
+            <a:endParaRPr lang="en-US" sz="1600" dirty="0">
+              <a:solidFill>
+                <a:srgbClr val="FF0000"/>
+              </a:solidFill>
+            </a:endParaRPr>
+          </a:p>
+        </p:txBody>
+      </p:sp>
+      <p:sp>
+        <p:nvSpPr>
+          <p:cNvPr id="8" name="Rectangle 7"/>
+          <p:cNvSpPr/>
+          <p:nvPr/>
+        </p:nvSpPr>
+        <p:spPr>
+          <a:xfrm>
+            <a:off x="2754089" y="4992037"/>
+            <a:ext cx="5839693" cy="338554"/>
+          </a:xfrm>
+          <a:prstGeom prst="rect">
+            <a:avLst/>
+          </a:prstGeom>
+        </p:spPr>
+        <p:txBody>
+          <a:bodyPr wrap="square">
+            <a:spAutoFit/>
+          </a:bodyPr>
+          <a:lstStyle/>
+          <a:p>
+            <a:r>
+              <a:rPr lang="en-US" sz="1600" dirty="0">
+                <a:solidFill>
+                  <a:srgbClr val="FF0000"/>
+                </a:solidFill>
+                <a:latin typeface="Courier" charset="0"/>
+                <a:ea typeface="Courier" charset="0"/>
+                <a:cs typeface="Courier" charset="0"/>
+              </a:rPr>
+              <a:t>#/</a:t>
+            </a:r>
+            <a:r>
+              <a:rPr lang="en-US" sz="1600" dirty="0" err="1" smtClean="0">
+                <a:solidFill>
+                  <a:srgbClr val="FF0000"/>
+                </a:solidFill>
+                <a:latin typeface="Courier" charset="0"/>
+                <a:ea typeface="Courier" charset="0"/>
+                <a:cs typeface="Courier" charset="0"/>
+              </a:rPr>
+              <a:t>odmObject</a:t>
+            </a:r>
+            <a:r>
+              <a:rPr lang="en-US" sz="1600" dirty="0" smtClean="0">
+                <a:solidFill>
+                  <a:srgbClr val="FF0000"/>
+                </a:solidFill>
+                <a:latin typeface="Courier" charset="0"/>
+                <a:ea typeface="Courier" charset="0"/>
+                <a:cs typeface="Courier" charset="0"/>
+              </a:rPr>
+              <a:t>/Switch/</a:t>
+            </a:r>
+            <a:r>
+              <a:rPr lang="en-US" sz="1600" dirty="0" err="1" smtClean="0">
+                <a:solidFill>
+                  <a:srgbClr val="FF0000"/>
+                </a:solidFill>
+                <a:latin typeface="Courier" charset="0"/>
+                <a:ea typeface="Courier" charset="0"/>
+                <a:cs typeface="Courier" charset="0"/>
+              </a:rPr>
+              <a:t>odmAction</a:t>
+            </a:r>
+            <a:r>
+              <a:rPr lang="en-US" sz="1600" dirty="0" smtClean="0">
+                <a:solidFill>
+                  <a:srgbClr val="FF0000"/>
+                </a:solidFill>
+                <a:latin typeface="Courier" charset="0"/>
+                <a:ea typeface="Courier" charset="0"/>
+                <a:cs typeface="Courier" charset="0"/>
+              </a:rPr>
+              <a:t>/off</a:t>
+            </a:r>
+            <a:endParaRPr lang="en-US" sz="1600" dirty="0">
+              <a:solidFill>
+                <a:srgbClr val="FF0000"/>
+              </a:solidFill>
+            </a:endParaRPr>
           </a:p>
         </p:txBody>
       </p:sp>
     </p:spTree>
     <p:extLst>
       <p:ext uri="{BB962C8B-B14F-4D97-AF65-F5344CB8AC3E}">
-        <p14:creationId xmlns:p14="http://schemas.microsoft.com/office/powerpoint/2010/main" val="1376300819"/>
+        <p14:creationId xmlns:p14="http://schemas.microsoft.com/office/powerpoint/2010/main" val="1577521574"/>
       </p:ext>
     </p:extLst>
   </p:cSld>
@@ -3840,7 +5397,7 @@
         </p:nvSpPr>
         <p:spPr>
           <a:xfrm>
-            <a:off x="639040" y="126086"/>
+            <a:off x="628650" y="111786"/>
             <a:ext cx="7886700" cy="1325563"/>
           </a:xfrm>
         </p:spPr>
@@ -3850,7 +5407,7 @@
           <a:p>
             <a:r>
               <a:rPr lang="en-US" dirty="0" smtClean="0"/>
-              <a:t>Path Construction in a Definition</a:t>
+              <a:t>Re-use and Recursion</a:t>
             </a:r>
             <a:endParaRPr lang="en-US" dirty="0"/>
           </a:p>
@@ -3858,811 +5415,153 @@
       </p:sp>
       <p:sp>
         <p:nvSpPr>
-          <p:cNvPr id="4" name="Rectangle 3"/>
-          <p:cNvSpPr/>
-          <p:nvPr/>
+          <p:cNvPr id="3" name="Content Placeholder 2"/>
+          <p:cNvSpPr>
+            <a:spLocks noGrp="1"/>
+          </p:cNvSpPr>
+          <p:nvPr>
+            <p:ph idx="1"/>
+          </p:nvPr>
         </p:nvSpPr>
         <p:spPr>
           <a:xfrm>
-            <a:off x="311725" y="1267924"/>
-            <a:ext cx="8832275" cy="5016758"/>
+            <a:off x="628650" y="1394241"/>
+            <a:ext cx="8199664" cy="4974337"/>
           </a:xfrm>
-          <a:prstGeom prst="rect">
-            <a:avLst/>
-          </a:prstGeom>
         </p:spPr>
         <p:txBody>
-          <a:bodyPr wrap="square">
-            <a:spAutoFit/>
-          </a:bodyPr>
-          <a:lstStyle/>
-          <a:p>
-            <a:r>
-              <a:rPr lang="en-US" sz="1600" dirty="0">
-                <a:latin typeface="Courier" charset="0"/>
-                <a:ea typeface="Courier" charset="0"/>
-                <a:cs typeface="Courier" charset="0"/>
-              </a:rPr>
-              <a:t>{</a:t>
-            </a:r>
-          </a:p>
-          <a:p>
-            <a:r>
-              <a:rPr lang="en-US" sz="1600" dirty="0" smtClean="0">
-                <a:latin typeface="Courier" charset="0"/>
-                <a:ea typeface="Courier" charset="0"/>
-                <a:cs typeface="Courier" charset="0"/>
-              </a:rPr>
-              <a:t>  "namespace": {</a:t>
-            </a:r>
-          </a:p>
-          <a:p>
-            <a:r>
-              <a:rPr lang="en-US" sz="1600" dirty="0" smtClean="0">
-                <a:latin typeface="Courier" charset="0"/>
-                <a:ea typeface="Courier" charset="0"/>
-                <a:cs typeface="Courier" charset="0"/>
-              </a:rPr>
-              <a:t>    "</a:t>
-            </a:r>
-            <a:r>
-              <a:rPr lang="en-US" sz="1600" dirty="0" err="1" smtClean="0">
-                <a:latin typeface="Courier" charset="0"/>
-                <a:ea typeface="Courier" charset="0"/>
-                <a:cs typeface="Courier" charset="0"/>
-              </a:rPr>
-              <a:t>st</a:t>
-            </a:r>
-            <a:r>
-              <a:rPr lang="en-US" sz="1600" dirty="0" smtClean="0">
-                <a:latin typeface="Courier" charset="0"/>
-                <a:ea typeface="Courier" charset="0"/>
-                <a:cs typeface="Courier" charset="0"/>
-              </a:rPr>
-              <a:t>": "http://</a:t>
-            </a:r>
-            <a:r>
-              <a:rPr lang="en-US" sz="1600" dirty="0" err="1" smtClean="0">
-                <a:latin typeface="Courier" charset="0"/>
-                <a:ea typeface="Courier" charset="0"/>
-                <a:cs typeface="Courier" charset="0"/>
-              </a:rPr>
-              <a:t>example.com</a:t>
-            </a:r>
-            <a:r>
-              <a:rPr lang="en-US" sz="1600" dirty="0" smtClean="0">
-                <a:latin typeface="Courier" charset="0"/>
-                <a:ea typeface="Courier" charset="0"/>
-                <a:cs typeface="Courier" charset="0"/>
-              </a:rPr>
-              <a:t>/capability/</a:t>
-            </a:r>
-            <a:r>
-              <a:rPr lang="en-US" sz="1600" dirty="0" err="1" smtClean="0">
-                <a:latin typeface="Courier" charset="0"/>
-                <a:ea typeface="Courier" charset="0"/>
-                <a:cs typeface="Courier" charset="0"/>
-              </a:rPr>
-              <a:t>odm</a:t>
-            </a:r>
-            <a:r>
-              <a:rPr lang="en-US" sz="1600" dirty="0" smtClean="0">
-                <a:latin typeface="Courier" charset="0"/>
-                <a:ea typeface="Courier" charset="0"/>
-                <a:cs typeface="Courier" charset="0"/>
-              </a:rPr>
-              <a:t>"</a:t>
-            </a:r>
-          </a:p>
-          <a:p>
-            <a:r>
-              <a:rPr lang="en-US" sz="1600" dirty="0" smtClean="0">
-                <a:latin typeface="Courier" charset="0"/>
-                <a:ea typeface="Courier" charset="0"/>
-                <a:cs typeface="Courier" charset="0"/>
-              </a:rPr>
-              <a:t>  },</a:t>
-            </a:r>
-          </a:p>
-          <a:p>
-            <a:r>
-              <a:rPr lang="en-US" sz="1600" dirty="0" smtClean="0">
-                <a:latin typeface="Courier" charset="0"/>
-                <a:ea typeface="Courier" charset="0"/>
-                <a:cs typeface="Courier" charset="0"/>
-              </a:rPr>
-              <a:t>  "</a:t>
-            </a:r>
-            <a:r>
-              <a:rPr lang="en-US" sz="1600" dirty="0" err="1" smtClean="0">
-                <a:latin typeface="Courier" charset="0"/>
-                <a:ea typeface="Courier" charset="0"/>
-                <a:cs typeface="Courier" charset="0"/>
-              </a:rPr>
-              <a:t>defaultNamespace</a:t>
-            </a:r>
-            <a:r>
-              <a:rPr lang="en-US" sz="1600" dirty="0" smtClean="0">
-                <a:latin typeface="Courier" charset="0"/>
-                <a:ea typeface="Courier" charset="0"/>
-                <a:cs typeface="Courier" charset="0"/>
-              </a:rPr>
-              <a:t>": "</a:t>
-            </a:r>
-            <a:r>
-              <a:rPr lang="en-US" sz="1600" dirty="0" err="1" smtClean="0">
-                <a:latin typeface="Courier" charset="0"/>
-                <a:ea typeface="Courier" charset="0"/>
-                <a:cs typeface="Courier" charset="0"/>
-              </a:rPr>
-              <a:t>st</a:t>
-            </a:r>
-            <a:r>
-              <a:rPr lang="en-US" sz="1600" dirty="0" smtClean="0">
-                <a:latin typeface="Courier" charset="0"/>
-                <a:ea typeface="Courier" charset="0"/>
-                <a:cs typeface="Courier" charset="0"/>
-              </a:rPr>
-              <a:t>",</a:t>
-            </a:r>
-          </a:p>
-          <a:p>
-            <a:r>
-              <a:rPr lang="en-US" sz="1600" dirty="0" smtClean="0">
-                <a:latin typeface="Courier" charset="0"/>
-                <a:ea typeface="Courier" charset="0"/>
-                <a:cs typeface="Courier" charset="0"/>
-              </a:rPr>
-              <a:t>  </a:t>
-            </a:r>
-            <a:r>
-              <a:rPr lang="mr-IN" sz="1600" dirty="0">
-                <a:latin typeface="Courier" charset="0"/>
-                <a:ea typeface="Courier" charset="0"/>
-                <a:cs typeface="Courier" charset="0"/>
-              </a:rPr>
-              <a:t>"</a:t>
-            </a:r>
-            <a:r>
-              <a:rPr lang="en-US" sz="1600" dirty="0" err="1">
-                <a:latin typeface="Courier" charset="0"/>
-                <a:ea typeface="Courier" charset="0"/>
-                <a:cs typeface="Courier" charset="0"/>
-              </a:rPr>
+          <a:bodyPr/>
+          <a:lstStyle/>
+          <a:p>
+            <a:r>
+              <a:rPr lang="en-US" dirty="0" smtClean="0"/>
+              <a:t>type</a:t>
+            </a:r>
+            <a:endParaRPr lang="en-US" dirty="0" smtClean="0"/>
+          </a:p>
+          <a:p>
+            <a:pPr lvl="1"/>
+            <a:r>
+              <a:rPr lang="en-US" dirty="0" smtClean="0"/>
+              <a:t>Use an existing definition as a type for a new definition</a:t>
+            </a:r>
+          </a:p>
+          <a:p>
+            <a:pPr lvl="1"/>
+            <a:r>
+              <a:rPr lang="en-US" dirty="0" smtClean="0"/>
+              <a:t>"type": { "$ref": </a:t>
+            </a:r>
+            <a:r>
+              <a:rPr lang="en-US" dirty="0" smtClean="0"/>
+              <a:t> "#/</a:t>
+            </a:r>
+            <a:r>
+              <a:rPr lang="en-US" dirty="0" err="1" smtClean="0"/>
+              <a:t>odmData</a:t>
+            </a:r>
+            <a:r>
+              <a:rPr lang="en-US" dirty="0" smtClean="0"/>
+              <a:t>/</a:t>
+            </a:r>
+            <a:r>
+              <a:rPr lang="en-US" dirty="0" err="1" smtClean="0"/>
+              <a:t>temperatureData</a:t>
+            </a:r>
+            <a:r>
+              <a:rPr lang="en-US" dirty="0" smtClean="0"/>
+              <a:t>" }</a:t>
+            </a:r>
+            <a:endParaRPr lang="en-US" dirty="0" smtClean="0"/>
+          </a:p>
+          <a:p>
+            <a:r>
+              <a:rPr lang="en-US" dirty="0" smtClean="0"/>
+              <a:t>include</a:t>
+            </a:r>
+            <a:endParaRPr lang="en-US" dirty="0" smtClean="0"/>
+          </a:p>
+          <a:p>
+            <a:pPr lvl="1"/>
+            <a:r>
+              <a:rPr lang="en-US" dirty="0" smtClean="0"/>
+              <a:t>Use an instance of an existing definition to create a view as an element in a new definition</a:t>
+            </a:r>
+          </a:p>
+          <a:p>
+            <a:pPr lvl="1"/>
+            <a:r>
+              <a:rPr lang="en-US" dirty="0" smtClean="0"/>
+              <a:t>"include":  [ { "$ref": "#</a:t>
+            </a:r>
+            <a:r>
+              <a:rPr lang="en-US" dirty="0" err="1" smtClean="0"/>
               <a:t>odmObject</a:t>
             </a:r>
             <a:r>
-              <a:rPr lang="en-US" sz="1600" dirty="0">
-                <a:latin typeface="Courier" charset="0"/>
-                <a:ea typeface="Courier" charset="0"/>
-                <a:cs typeface="Courier" charset="0"/>
-              </a:rPr>
-              <a:t>": {</a:t>
-            </a:r>
-          </a:p>
-          <a:p>
-            <a:r>
-              <a:rPr lang="en-US" sz="1600" dirty="0">
-                <a:latin typeface="Courier" charset="0"/>
-                <a:ea typeface="Courier" charset="0"/>
-                <a:cs typeface="Courier" charset="0"/>
-              </a:rPr>
-              <a:t>    "</a:t>
-            </a:r>
-            <a:r>
-              <a:rPr lang="en-US" sz="1600" dirty="0">
-                <a:solidFill>
-                  <a:srgbClr val="FF0000"/>
-                </a:solidFill>
-                <a:latin typeface="Courier" charset="0"/>
-                <a:ea typeface="Courier" charset="0"/>
-                <a:cs typeface="Courier" charset="0"/>
-              </a:rPr>
-              <a:t>Switch</a:t>
-            </a:r>
-            <a:r>
-              <a:rPr lang="en-US" sz="1600" dirty="0">
-                <a:latin typeface="Courier" charset="0"/>
-                <a:ea typeface="Courier" charset="0"/>
-                <a:cs typeface="Courier" charset="0"/>
-              </a:rPr>
-              <a:t>": { </a:t>
-            </a:r>
-          </a:p>
-          <a:p>
-            <a:r>
-              <a:rPr lang="en-US" sz="1600" dirty="0">
-                <a:latin typeface="Courier" charset="0"/>
-                <a:ea typeface="Courier" charset="0"/>
-                <a:cs typeface="Courier" charset="0"/>
-              </a:rPr>
-              <a:t>      </a:t>
-            </a:r>
-            <a:r>
-              <a:rPr lang="mr-IN" sz="1600" dirty="0">
-                <a:latin typeface="Courier" charset="0"/>
-                <a:ea typeface="Courier" charset="0"/>
-                <a:cs typeface="Courier" charset="0"/>
-              </a:rPr>
-              <a:t>"</a:t>
-            </a:r>
-            <a:r>
-              <a:rPr lang="en-US" sz="1600" dirty="0" err="1">
-                <a:latin typeface="Courier" charset="0"/>
-                <a:ea typeface="Courier" charset="0"/>
-                <a:cs typeface="Courier" charset="0"/>
-              </a:rPr>
+              <a:rPr lang="en-US" dirty="0" smtClean="0"/>
+              <a:t>/</a:t>
+            </a:r>
+            <a:r>
+              <a:rPr lang="en-US" dirty="0" err="1" smtClean="0"/>
+              <a:t>PowerStateControl</a:t>
+            </a:r>
+            <a:r>
+              <a:rPr lang="en-US" dirty="0" smtClean="0"/>
+              <a:t>" } ]</a:t>
+            </a:r>
+            <a:endParaRPr lang="en-US" dirty="0"/>
+          </a:p>
+          <a:p>
+            <a:r>
+              <a:rPr lang="en-US" dirty="0" smtClean="0"/>
+              <a:t>include type</a:t>
+            </a:r>
+          </a:p>
+          <a:p>
+            <a:pPr lvl="1"/>
+            <a:r>
+              <a:rPr lang="en-US" dirty="0" smtClean="0"/>
+              <a:t>Use an existing definition, </a:t>
+            </a:r>
+            <a:r>
+              <a:rPr lang="en-US" dirty="0" err="1" smtClean="0"/>
+              <a:t>includng</a:t>
+            </a:r>
+            <a:r>
+              <a:rPr lang="en-US" dirty="0" smtClean="0"/>
+              <a:t> name and ID in the current context (IPSO style re-use)</a:t>
+            </a:r>
+          </a:p>
+          <a:p>
+            <a:pPr lvl="1"/>
+            <a:r>
+              <a:rPr lang="en-US" dirty="0" smtClean="0"/>
+              <a:t>"include": [ { "type": { "$ref": "#/</a:t>
+            </a:r>
+            <a:r>
+              <a:rPr lang="en-US" dirty="0" err="1" smtClean="0"/>
               <a:t>odmProperty</a:t>
             </a:r>
             <a:r>
-              <a:rPr lang="en-US" sz="1600" dirty="0">
-                <a:latin typeface="Courier" charset="0"/>
-                <a:ea typeface="Courier" charset="0"/>
-                <a:cs typeface="Courier" charset="0"/>
-              </a:rPr>
-              <a:t>": {</a:t>
-            </a:r>
-          </a:p>
-          <a:p>
-            <a:r>
-              <a:rPr lang="en-US" sz="1600" dirty="0">
-                <a:latin typeface="Courier" charset="0"/>
-                <a:ea typeface="Courier" charset="0"/>
-                <a:cs typeface="Courier" charset="0"/>
-              </a:rPr>
-              <a:t>        "</a:t>
-            </a:r>
-            <a:r>
-              <a:rPr lang="en-US" sz="1600" dirty="0">
-                <a:solidFill>
-                  <a:srgbClr val="FF0000"/>
-                </a:solidFill>
-                <a:latin typeface="Courier" charset="0"/>
-                <a:ea typeface="Courier" charset="0"/>
-                <a:cs typeface="Courier" charset="0"/>
-              </a:rPr>
-              <a:t>value</a:t>
-            </a:r>
-            <a:r>
-              <a:rPr lang="en-US" sz="1600" dirty="0">
-                <a:latin typeface="Courier" charset="0"/>
-                <a:ea typeface="Courier" charset="0"/>
-                <a:cs typeface="Courier" charset="0"/>
-              </a:rPr>
-              <a:t>": {</a:t>
-            </a:r>
-          </a:p>
-          <a:p>
-            <a:r>
-              <a:rPr lang="en-US" sz="1600" dirty="0">
-                <a:latin typeface="Courier" charset="0"/>
-                <a:ea typeface="Courier" charset="0"/>
-                <a:cs typeface="Courier" charset="0"/>
-              </a:rPr>
-              <a:t>          "type": "string",</a:t>
-            </a:r>
-          </a:p>
-          <a:p>
-            <a:r>
-              <a:rPr lang="en-US" sz="1600" dirty="0">
-                <a:latin typeface="Courier" charset="0"/>
-                <a:ea typeface="Courier" charset="0"/>
-                <a:cs typeface="Courier" charset="0"/>
-              </a:rPr>
-              <a:t>          "</a:t>
-            </a:r>
-            <a:r>
-              <a:rPr lang="en-US" sz="1600" dirty="0" err="1">
-                <a:latin typeface="Courier" charset="0"/>
-                <a:ea typeface="Courier" charset="0"/>
-                <a:cs typeface="Courier" charset="0"/>
-              </a:rPr>
-              <a:t>enum</a:t>
-            </a:r>
-            <a:r>
-              <a:rPr lang="en-US" sz="1600" dirty="0">
-                <a:latin typeface="Courier" charset="0"/>
-                <a:ea typeface="Courier" charset="0"/>
-                <a:cs typeface="Courier" charset="0"/>
-              </a:rPr>
-              <a:t>": ["on", "off"]</a:t>
-            </a:r>
-          </a:p>
-          <a:p>
-            <a:r>
-              <a:rPr lang="en-US" sz="1600" dirty="0">
-                <a:latin typeface="Courier" charset="0"/>
-                <a:ea typeface="Courier" charset="0"/>
-                <a:cs typeface="Courier" charset="0"/>
-              </a:rPr>
-              <a:t>        }</a:t>
-            </a:r>
-          </a:p>
-          <a:p>
-            <a:r>
-              <a:rPr lang="en-US" sz="1600" dirty="0">
-                <a:latin typeface="Courier" charset="0"/>
-                <a:ea typeface="Courier" charset="0"/>
-                <a:cs typeface="Courier" charset="0"/>
-              </a:rPr>
-              <a:t>      },</a:t>
-            </a:r>
-          </a:p>
-          <a:p>
-            <a:r>
-              <a:rPr lang="en-US" sz="1600" dirty="0">
-                <a:latin typeface="Courier" charset="0"/>
-                <a:ea typeface="Courier" charset="0"/>
-                <a:cs typeface="Courier" charset="0"/>
-              </a:rPr>
-              <a:t>      </a:t>
-            </a:r>
-            <a:r>
-              <a:rPr lang="mr-IN" sz="1600" dirty="0">
-                <a:latin typeface="Courier" charset="0"/>
-                <a:ea typeface="Courier" charset="0"/>
-                <a:cs typeface="Courier" charset="0"/>
-              </a:rPr>
-              <a:t>"</a:t>
-            </a:r>
-            <a:r>
-              <a:rPr lang="en-US" sz="1600" dirty="0" err="1">
-                <a:latin typeface="Courier" charset="0"/>
-                <a:ea typeface="Courier" charset="0"/>
-                <a:cs typeface="Courier" charset="0"/>
-              </a:rPr>
-              <a:t>odmAction</a:t>
-            </a:r>
-            <a:r>
-              <a:rPr lang="en-US" sz="1600" dirty="0">
-                <a:latin typeface="Courier" charset="0"/>
-                <a:ea typeface="Courier" charset="0"/>
-                <a:cs typeface="Courier" charset="0"/>
-              </a:rPr>
-              <a:t>": {</a:t>
-            </a:r>
-          </a:p>
-          <a:p>
-            <a:r>
-              <a:rPr lang="en-US" sz="1600" dirty="0">
-                <a:latin typeface="Courier" charset="0"/>
-                <a:ea typeface="Courier" charset="0"/>
-                <a:cs typeface="Courier" charset="0"/>
-              </a:rPr>
-              <a:t>        "</a:t>
-            </a:r>
-            <a:r>
-              <a:rPr lang="en-US" sz="1600" dirty="0">
-                <a:solidFill>
-                  <a:srgbClr val="FF0000"/>
-                </a:solidFill>
-                <a:latin typeface="Courier" charset="0"/>
-                <a:ea typeface="Courier" charset="0"/>
-                <a:cs typeface="Courier" charset="0"/>
-              </a:rPr>
-              <a:t>on</a:t>
-            </a:r>
-            <a:r>
-              <a:rPr lang="en-US" sz="1600" dirty="0">
-                <a:latin typeface="Courier" charset="0"/>
-                <a:ea typeface="Courier" charset="0"/>
-                <a:cs typeface="Courier" charset="0"/>
-              </a:rPr>
-              <a:t>": {},</a:t>
-            </a:r>
-          </a:p>
-          <a:p>
-            <a:r>
-              <a:rPr lang="en-US" sz="1600" dirty="0">
-                <a:latin typeface="Courier" charset="0"/>
-                <a:ea typeface="Courier" charset="0"/>
-                <a:cs typeface="Courier" charset="0"/>
-              </a:rPr>
-              <a:t>        "</a:t>
-            </a:r>
-            <a:r>
-              <a:rPr lang="en-US" sz="1600" dirty="0">
-                <a:solidFill>
-                  <a:srgbClr val="FF0000"/>
-                </a:solidFill>
-                <a:latin typeface="Courier" charset="0"/>
-                <a:ea typeface="Courier" charset="0"/>
-                <a:cs typeface="Courier" charset="0"/>
-              </a:rPr>
-              <a:t>off</a:t>
-            </a:r>
-            <a:r>
-              <a:rPr lang="en-US" sz="1600" dirty="0">
-                <a:latin typeface="Courier" charset="0"/>
-                <a:ea typeface="Courier" charset="0"/>
-                <a:cs typeface="Courier" charset="0"/>
-              </a:rPr>
-              <a:t>": {}</a:t>
-            </a:r>
-          </a:p>
-          <a:p>
-            <a:r>
-              <a:rPr lang="en-US" sz="1600" dirty="0">
-                <a:latin typeface="Courier" charset="0"/>
-                <a:ea typeface="Courier" charset="0"/>
-                <a:cs typeface="Courier" charset="0"/>
-              </a:rPr>
-              <a:t>      }</a:t>
-            </a:r>
-          </a:p>
-          <a:p>
-            <a:r>
-              <a:rPr lang="en-US" sz="1600" dirty="0">
-                <a:latin typeface="Courier" charset="0"/>
-                <a:ea typeface="Courier" charset="0"/>
-                <a:cs typeface="Courier" charset="0"/>
-              </a:rPr>
-              <a:t>    }</a:t>
-            </a:r>
-          </a:p>
-          <a:p>
-            <a:r>
-              <a:rPr lang="en-US" sz="1600" dirty="0">
-                <a:latin typeface="Courier" charset="0"/>
-                <a:ea typeface="Courier" charset="0"/>
-                <a:cs typeface="Courier" charset="0"/>
-              </a:rPr>
-              <a:t>  }</a:t>
-            </a:r>
-          </a:p>
-          <a:p>
-            <a:r>
-              <a:rPr lang="en-US" sz="1600" dirty="0">
-                <a:effectLst/>
-                <a:latin typeface="Courier" charset="0"/>
-                <a:ea typeface="Courier" charset="0"/>
-                <a:cs typeface="Courier" charset="0"/>
-              </a:rPr>
-              <a:t>}</a:t>
-            </a:r>
-          </a:p>
-        </p:txBody>
-      </p:sp>
-      <p:sp>
-        <p:nvSpPr>
-          <p:cNvPr id="5" name="Rectangle 4"/>
-          <p:cNvSpPr/>
-          <p:nvPr/>
-        </p:nvSpPr>
-        <p:spPr>
-          <a:xfrm>
-            <a:off x="2514599" y="2731763"/>
-            <a:ext cx="5382491" cy="338554"/>
-          </a:xfrm>
-          <a:prstGeom prst="rect">
-            <a:avLst/>
-          </a:prstGeom>
-        </p:spPr>
-        <p:txBody>
-          <a:bodyPr wrap="square">
-            <a:spAutoFit/>
-          </a:bodyPr>
-          <a:lstStyle/>
-          <a:p>
-            <a:r>
-              <a:rPr lang="en-US" sz="1600" dirty="0" smtClean="0">
-                <a:solidFill>
-                  <a:srgbClr val="FF0000"/>
-                </a:solidFill>
-                <a:latin typeface="Courier" charset="0"/>
-                <a:ea typeface="Courier" charset="0"/>
-                <a:cs typeface="Courier" charset="0"/>
-              </a:rPr>
-              <a:t>http://</a:t>
-            </a:r>
-            <a:r>
-              <a:rPr lang="en-US" sz="1600" dirty="0" err="1" smtClean="0">
-                <a:solidFill>
-                  <a:srgbClr val="FF0000"/>
-                </a:solidFill>
-                <a:latin typeface="Courier" charset="0"/>
-                <a:ea typeface="Courier" charset="0"/>
-                <a:cs typeface="Courier" charset="0"/>
-              </a:rPr>
-              <a:t>example.com</a:t>
-            </a:r>
-            <a:r>
-              <a:rPr lang="en-US" sz="1600" dirty="0" smtClean="0">
-                <a:solidFill>
-                  <a:srgbClr val="FF0000"/>
-                </a:solidFill>
-                <a:latin typeface="Courier" charset="0"/>
-                <a:ea typeface="Courier" charset="0"/>
-                <a:cs typeface="Courier" charset="0"/>
-              </a:rPr>
-              <a:t>/capability/</a:t>
-            </a:r>
-            <a:r>
-              <a:rPr lang="en-US" sz="1600" dirty="0" err="1" smtClean="0">
-                <a:solidFill>
-                  <a:srgbClr val="FF0000"/>
-                </a:solidFill>
-                <a:latin typeface="Courier" charset="0"/>
-                <a:ea typeface="Courier" charset="0"/>
-                <a:cs typeface="Courier" charset="0"/>
-              </a:rPr>
-              <a:t>odm</a:t>
-            </a:r>
-            <a:r>
-              <a:rPr lang="en-US" sz="1600" dirty="0" err="1">
-                <a:solidFill>
-                  <a:srgbClr val="FF0000"/>
-                </a:solidFill>
-                <a:latin typeface="Courier" charset="0"/>
-                <a:ea typeface="Courier" charset="0"/>
-                <a:cs typeface="Courier" charset="0"/>
-              </a:rPr>
-              <a:t>#</a:t>
-            </a:r>
-            <a:r>
-              <a:rPr lang="en-US" sz="1600" dirty="0" err="1" smtClean="0">
-                <a:solidFill>
-                  <a:srgbClr val="FF0000"/>
-                </a:solidFill>
-                <a:latin typeface="Courier" charset="0"/>
-                <a:ea typeface="Courier" charset="0"/>
-                <a:cs typeface="Courier" charset="0"/>
-              </a:rPr>
-              <a:t>Switch</a:t>
-            </a:r>
-            <a:endParaRPr lang="en-US" sz="1600" dirty="0">
-              <a:solidFill>
-                <a:srgbClr val="FF0000"/>
-              </a:solidFill>
-            </a:endParaRPr>
-          </a:p>
-        </p:txBody>
-      </p:sp>
-      <p:sp>
-        <p:nvSpPr>
-          <p:cNvPr id="6" name="Rectangle 5"/>
-          <p:cNvSpPr/>
-          <p:nvPr/>
-        </p:nvSpPr>
-        <p:spPr>
-          <a:xfrm>
-            <a:off x="2957944" y="3227063"/>
-            <a:ext cx="5947065" cy="338554"/>
-          </a:xfrm>
-          <a:prstGeom prst="rect">
-            <a:avLst/>
-          </a:prstGeom>
-        </p:spPr>
-        <p:txBody>
-          <a:bodyPr wrap="square">
-            <a:spAutoFit/>
-          </a:bodyPr>
-          <a:lstStyle/>
-          <a:p>
-            <a:r>
-              <a:rPr lang="en-US" sz="1600" dirty="0" smtClean="0">
-                <a:solidFill>
-                  <a:srgbClr val="FF0000"/>
-                </a:solidFill>
-                <a:latin typeface="Courier" charset="0"/>
-                <a:ea typeface="Courier" charset="0"/>
-                <a:cs typeface="Courier" charset="0"/>
-              </a:rPr>
-              <a:t>http://</a:t>
-            </a:r>
-            <a:r>
-              <a:rPr lang="en-US" sz="1600" dirty="0" err="1" smtClean="0">
-                <a:solidFill>
-                  <a:srgbClr val="FF0000"/>
-                </a:solidFill>
-                <a:latin typeface="Courier" charset="0"/>
-                <a:ea typeface="Courier" charset="0"/>
-                <a:cs typeface="Courier" charset="0"/>
-              </a:rPr>
-              <a:t>example.com</a:t>
-            </a:r>
-            <a:r>
-              <a:rPr lang="en-US" sz="1600" dirty="0" smtClean="0">
-                <a:solidFill>
-                  <a:srgbClr val="FF0000"/>
-                </a:solidFill>
-                <a:latin typeface="Courier" charset="0"/>
-                <a:ea typeface="Courier" charset="0"/>
-                <a:cs typeface="Courier" charset="0"/>
-              </a:rPr>
-              <a:t>/capability/</a:t>
-            </a:r>
-            <a:r>
-              <a:rPr lang="en-US" sz="1600" dirty="0" err="1" smtClean="0">
-                <a:solidFill>
-                  <a:srgbClr val="FF0000"/>
-                </a:solidFill>
-                <a:latin typeface="Courier" charset="0"/>
-                <a:ea typeface="Courier" charset="0"/>
-                <a:cs typeface="Courier" charset="0"/>
-              </a:rPr>
-              <a:t>odm</a:t>
-            </a:r>
-            <a:r>
-              <a:rPr lang="en-US" sz="1600" dirty="0" err="1">
-                <a:solidFill>
-                  <a:srgbClr val="FF0000"/>
-                </a:solidFill>
-                <a:latin typeface="Courier" charset="0"/>
-                <a:ea typeface="Courier" charset="0"/>
-                <a:cs typeface="Courier" charset="0"/>
-              </a:rPr>
-              <a:t>#</a:t>
-            </a:r>
-            <a:r>
-              <a:rPr lang="en-US" sz="1600" dirty="0" err="1" smtClean="0">
-                <a:solidFill>
-                  <a:srgbClr val="FF0000"/>
-                </a:solidFill>
-                <a:latin typeface="Courier" charset="0"/>
-                <a:ea typeface="Courier" charset="0"/>
-                <a:cs typeface="Courier" charset="0"/>
-              </a:rPr>
-              <a:t>Switch.value</a:t>
-            </a:r>
-            <a:endParaRPr lang="en-US" sz="1600" dirty="0">
-              <a:solidFill>
-                <a:srgbClr val="FF0000"/>
-              </a:solidFill>
-            </a:endParaRPr>
-          </a:p>
-        </p:txBody>
-      </p:sp>
-      <p:sp>
-        <p:nvSpPr>
-          <p:cNvPr id="7" name="Rectangle 6"/>
-          <p:cNvSpPr/>
-          <p:nvPr/>
-        </p:nvSpPr>
-        <p:spPr>
-          <a:xfrm>
-            <a:off x="2514598" y="4666014"/>
-            <a:ext cx="5839693" cy="338554"/>
-          </a:xfrm>
-          <a:prstGeom prst="rect">
-            <a:avLst/>
-          </a:prstGeom>
-        </p:spPr>
-        <p:txBody>
-          <a:bodyPr wrap="square">
-            <a:spAutoFit/>
-          </a:bodyPr>
-          <a:lstStyle/>
-          <a:p>
-            <a:r>
-              <a:rPr lang="en-US" sz="1600" dirty="0" smtClean="0">
-                <a:solidFill>
-                  <a:srgbClr val="FF0000"/>
-                </a:solidFill>
-                <a:latin typeface="Courier" charset="0"/>
-                <a:ea typeface="Courier" charset="0"/>
-                <a:cs typeface="Courier" charset="0"/>
-              </a:rPr>
-              <a:t>http://</a:t>
-            </a:r>
-            <a:r>
-              <a:rPr lang="en-US" sz="1600" dirty="0" err="1" smtClean="0">
-                <a:solidFill>
-                  <a:srgbClr val="FF0000"/>
-                </a:solidFill>
-                <a:latin typeface="Courier" charset="0"/>
-                <a:ea typeface="Courier" charset="0"/>
-                <a:cs typeface="Courier" charset="0"/>
-              </a:rPr>
-              <a:t>example.com</a:t>
-            </a:r>
-            <a:r>
-              <a:rPr lang="en-US" sz="1600" dirty="0" smtClean="0">
-                <a:solidFill>
-                  <a:srgbClr val="FF0000"/>
-                </a:solidFill>
-                <a:latin typeface="Courier" charset="0"/>
-                <a:ea typeface="Courier" charset="0"/>
-                <a:cs typeface="Courier" charset="0"/>
-              </a:rPr>
-              <a:t>/capability/</a:t>
-            </a:r>
-            <a:r>
-              <a:rPr lang="en-US" sz="1600" dirty="0" err="1" smtClean="0">
-                <a:solidFill>
-                  <a:srgbClr val="FF0000"/>
-                </a:solidFill>
-                <a:latin typeface="Courier" charset="0"/>
-                <a:ea typeface="Courier" charset="0"/>
-                <a:cs typeface="Courier" charset="0"/>
-              </a:rPr>
-              <a:t>odm#Switch.on</a:t>
-            </a:r>
-            <a:endParaRPr lang="en-US" sz="1600" dirty="0">
-              <a:solidFill>
-                <a:srgbClr val="FF0000"/>
-              </a:solidFill>
-            </a:endParaRPr>
-          </a:p>
-        </p:txBody>
-      </p:sp>
-      <p:sp>
-        <p:nvSpPr>
-          <p:cNvPr id="8" name="Rectangle 7"/>
-          <p:cNvSpPr/>
-          <p:nvPr/>
-        </p:nvSpPr>
-        <p:spPr>
-          <a:xfrm>
-            <a:off x="2514597" y="4992037"/>
-            <a:ext cx="5839693" cy="338554"/>
-          </a:xfrm>
-          <a:prstGeom prst="rect">
-            <a:avLst/>
-          </a:prstGeom>
-        </p:spPr>
-        <p:txBody>
-          <a:bodyPr wrap="square">
-            <a:spAutoFit/>
-          </a:bodyPr>
-          <a:lstStyle/>
-          <a:p>
-            <a:r>
-              <a:rPr lang="en-US" sz="1600" dirty="0" smtClean="0">
-                <a:solidFill>
-                  <a:srgbClr val="FF0000"/>
-                </a:solidFill>
-                <a:latin typeface="Courier" charset="0"/>
-                <a:ea typeface="Courier" charset="0"/>
-                <a:cs typeface="Courier" charset="0"/>
-              </a:rPr>
-              <a:t>http://</a:t>
-            </a:r>
-            <a:r>
-              <a:rPr lang="en-US" sz="1600" dirty="0" err="1" smtClean="0">
-                <a:solidFill>
-                  <a:srgbClr val="FF0000"/>
-                </a:solidFill>
-                <a:latin typeface="Courier" charset="0"/>
-                <a:ea typeface="Courier" charset="0"/>
-                <a:cs typeface="Courier" charset="0"/>
-              </a:rPr>
-              <a:t>example.com</a:t>
-            </a:r>
-            <a:r>
-              <a:rPr lang="en-US" sz="1600" dirty="0" smtClean="0">
-                <a:solidFill>
-                  <a:srgbClr val="FF0000"/>
-                </a:solidFill>
-                <a:latin typeface="Courier" charset="0"/>
-                <a:ea typeface="Courier" charset="0"/>
-                <a:cs typeface="Courier" charset="0"/>
-              </a:rPr>
-              <a:t>/capability/</a:t>
-            </a:r>
-            <a:r>
-              <a:rPr lang="en-US" sz="1600" dirty="0" err="1" smtClean="0">
-                <a:solidFill>
-                  <a:srgbClr val="FF0000"/>
-                </a:solidFill>
-                <a:latin typeface="Courier" charset="0"/>
-                <a:ea typeface="Courier" charset="0"/>
-                <a:cs typeface="Courier" charset="0"/>
-              </a:rPr>
-              <a:t>odm#Switch.off</a:t>
-            </a:r>
-            <a:endParaRPr lang="en-US" sz="1600" dirty="0">
-              <a:solidFill>
-                <a:srgbClr val="FF0000"/>
-              </a:solidFill>
-            </a:endParaRPr>
+              <a:rPr lang="en-US" dirty="0" smtClean="0"/>
+              <a:t>/</a:t>
+            </a:r>
+            <a:r>
+              <a:rPr lang="en-US" dirty="0" err="1" smtClean="0"/>
+              <a:t>currentMeasuredValue</a:t>
+            </a:r>
+            <a:r>
+              <a:rPr lang="en-US" dirty="0" smtClean="0"/>
+              <a:t>" } } ]</a:t>
+            </a:r>
           </a:p>
         </p:txBody>
       </p:sp>
     </p:spTree>
     <p:extLst>
       <p:ext uri="{BB962C8B-B14F-4D97-AF65-F5344CB8AC3E}">
-        <p14:creationId xmlns:p14="http://schemas.microsoft.com/office/powerpoint/2010/main" val="1577521574"/>
+        <p14:creationId xmlns:p14="http://schemas.microsoft.com/office/powerpoint/2010/main" val="1589057351"/>
       </p:ext>
     </p:extLst>
   </p:cSld>
@@ -4699,32 +5598,37 @@
             <p:ph type="title"/>
           </p:nvPr>
         </p:nvSpPr>
-        <p:spPr/>
-        <p:txBody>
-          <a:bodyPr/>
-          <a:lstStyle/>
-          <a:p>
-            <a:r>
-              <a:rPr lang="en-US" dirty="0" smtClean="0"/>
-              <a:t>Re-use and Recursion</a:t>
-            </a:r>
-            <a:endParaRPr lang="en-US" dirty="0"/>
-          </a:p>
-        </p:txBody>
-      </p:sp>
-      <p:sp>
-        <p:nvSpPr>
-          <p:cNvPr id="3" name="Content Placeholder 2"/>
-          <p:cNvSpPr>
-            <a:spLocks noGrp="1"/>
-          </p:cNvSpPr>
-          <p:nvPr>
-            <p:ph idx="1"/>
-          </p:nvPr>
-        </p:nvSpPr>
         <p:spPr>
           <a:xfrm>
-            <a:off x="628650" y="1524435"/>
+            <a:off x="628650" y="103869"/>
+            <a:ext cx="7886700" cy="1325563"/>
+          </a:xfrm>
+        </p:spPr>
+        <p:txBody>
+          <a:bodyPr/>
+          <a:lstStyle/>
+          <a:p>
+            <a:r>
+              <a:rPr lang="en-US" dirty="0" smtClean="0"/>
+              <a:t>Composed Types</a:t>
+            </a:r>
+            <a:endParaRPr lang="en-US" dirty="0"/>
+          </a:p>
+        </p:txBody>
+      </p:sp>
+      <p:sp>
+        <p:nvSpPr>
+          <p:cNvPr id="3" name="Content Placeholder 2"/>
+          <p:cNvSpPr>
+            <a:spLocks noGrp="1"/>
+          </p:cNvSpPr>
+          <p:nvPr>
+            <p:ph idx="1"/>
+          </p:nvPr>
+        </p:nvSpPr>
+        <p:spPr>
+          <a:xfrm>
+            <a:off x="628650" y="1356635"/>
             <a:ext cx="7886700" cy="4351338"/>
           </a:xfrm>
         </p:spPr>
@@ -4733,70 +5637,85 @@
           <a:lstStyle/>
           <a:p>
             <a:r>
-              <a:rPr lang="en-US" dirty="0" smtClean="0"/>
-              <a:t>"refines"</a:t>
-            </a:r>
+              <a:rPr lang="en-US" dirty="0" err="1" smtClean="0"/>
+              <a:t>odmThing</a:t>
+            </a:r>
+            <a:endParaRPr lang="en-US" dirty="0" smtClean="0"/>
           </a:p>
           <a:p>
             <a:pPr lvl="1"/>
             <a:r>
               <a:rPr lang="en-US" dirty="0" smtClean="0"/>
-              <a:t>Copies qualities from a definition into a new definition, retains semantic identification, sets optionality</a:t>
+              <a:t>Encapsulates a set of </a:t>
+            </a:r>
+            <a:r>
+              <a:rPr lang="en-US" dirty="0" err="1" smtClean="0"/>
+              <a:t>odmObjects</a:t>
+            </a:r>
+            <a:r>
+              <a:rPr lang="en-US" dirty="0" smtClean="0"/>
+              <a:t> and selects optionality</a:t>
+            </a:r>
+          </a:p>
+          <a:p>
+            <a:pPr lvl="1"/>
+            <a:r>
+              <a:rPr lang="en-US" dirty="0" smtClean="0"/>
+              <a:t>May extend definitions and add new definitions</a:t>
+            </a:r>
+          </a:p>
+          <a:p>
+            <a:pPr lvl="1"/>
+            <a:r>
+              <a:rPr lang="en-US" dirty="0" smtClean="0"/>
+              <a:t>Similar syntax as Objects, etc.</a:t>
+            </a:r>
+          </a:p>
+          <a:p>
+            <a:r>
+              <a:rPr lang="en-US" dirty="0" err="1" smtClean="0"/>
+              <a:t>odmProduct</a:t>
             </a:r>
             <a:endParaRPr lang="en-US" dirty="0" smtClean="0"/>
           </a:p>
           <a:p>
-            <a:r>
-              <a:rPr lang="en-US" dirty="0" smtClean="0"/>
-              <a:t>"extends"</a:t>
-            </a:r>
-          </a:p>
-          <a:p>
             <a:pPr lvl="1"/>
             <a:r>
               <a:rPr lang="en-US" dirty="0" smtClean="0"/>
-              <a:t>Copies an entire definition, sets optionality</a:t>
+              <a:t>Product, "Device Type", standardized functionality</a:t>
+            </a:r>
+          </a:p>
+          <a:p>
+            <a:pPr lvl="1"/>
+            <a:r>
+              <a:rPr lang="en-US" dirty="0" smtClean="0"/>
+              <a:t>Encapsulates Objects and Components and selects optionality</a:t>
+            </a:r>
+          </a:p>
+          <a:p>
+            <a:pPr lvl="1"/>
+            <a:r>
+              <a:rPr lang="en-US" dirty="0" smtClean="0"/>
+              <a:t>May extend </a:t>
+            </a:r>
+            <a:r>
+              <a:rPr lang="en-US" dirty="0" smtClean="0"/>
+              <a:t>and add new definitions</a:t>
+            </a:r>
+            <a:endParaRPr lang="en-US" dirty="0"/>
+          </a:p>
+          <a:p>
+            <a:r>
+              <a:rPr lang="en-US" dirty="0" err="1" smtClean="0"/>
+              <a:t>odmView</a:t>
             </a:r>
             <a:endParaRPr lang="en-US" dirty="0" smtClean="0"/>
           </a:p>
           <a:p>
-            <a:r>
-              <a:rPr lang="en-US" dirty="0" smtClean="0"/>
-              <a:t>"includes"</a:t>
-            </a:r>
-          </a:p>
-          <a:p>
             <a:pPr lvl="1"/>
             <a:r>
-              <a:rPr lang="en-US" dirty="0"/>
-              <a:t>M</a:t>
-            </a:r>
-            <a:r>
-              <a:rPr lang="en-US" dirty="0" smtClean="0"/>
-              <a:t>akes a reference to an existing definition that preserves </a:t>
-            </a:r>
-            <a:r>
-              <a:rPr lang="en-US" dirty="0" smtClean="0"/>
-              <a:t>its </a:t>
-            </a:r>
-            <a:r>
-              <a:rPr lang="en-US" dirty="0" smtClean="0"/>
-              <a:t>context and </a:t>
-            </a:r>
-            <a:r>
-              <a:rPr lang="en-US" dirty="0" smtClean="0"/>
-              <a:t>path in the model </a:t>
-            </a:r>
-          </a:p>
-          <a:p>
-            <a:pPr lvl="1"/>
-            <a:r>
-              <a:rPr lang="en-US" dirty="0" smtClean="0"/>
-              <a:t>Expected </a:t>
-            </a:r>
-            <a:r>
-              <a:rPr lang="en-US" dirty="0" smtClean="0"/>
-              <a:t>to link to a specific instance in a deployed thing and provide a functional "view"</a:t>
+              <a:rPr lang="en-US" dirty="0" smtClean="0"/>
+              <a:t>Consists a set of elements that use the include pattern to create a view of instances of elements</a:t>
             </a:r>
           </a:p>
         </p:txBody>
@@ -4804,7 +5723,7 @@
     </p:spTree>
     <p:extLst>
       <p:ext uri="{BB962C8B-B14F-4D97-AF65-F5344CB8AC3E}">
-        <p14:creationId xmlns:p14="http://schemas.microsoft.com/office/powerpoint/2010/main" val="1589057351"/>
+        <p14:creationId xmlns:p14="http://schemas.microsoft.com/office/powerpoint/2010/main" val="1180264165"/>
       </p:ext>
     </p:extLst>
   </p:cSld>
@@ -4848,7 +5767,7 @@
           <a:p>
             <a:r>
               <a:rPr lang="en-US" dirty="0" smtClean="0"/>
-              <a:t>Composed Types</a:t>
+              <a:t>Examples</a:t>
             </a:r>
             <a:endParaRPr lang="en-US" dirty="0"/>
           </a:p>
@@ -4864,80 +5783,153 @@
             <p:ph idx="1"/>
           </p:nvPr>
         </p:nvSpPr>
-        <p:spPr/>
-        <p:txBody>
-          <a:bodyPr/>
-          <a:lstStyle/>
+        <p:spPr>
+          <a:xfrm>
+            <a:off x="628650" y="1690689"/>
+            <a:ext cx="7886700" cy="4351338"/>
+          </a:xfrm>
+        </p:spPr>
+        <p:txBody>
+          <a:bodyPr/>
+          <a:lstStyle/>
+          <a:p>
+            <a:r>
+              <a:rPr lang="en-US" dirty="0" smtClean="0"/>
+              <a:t>type </a:t>
+            </a:r>
+            <a:r>
+              <a:rPr lang="mr-IN" dirty="0" smtClean="0"/>
+              <a:t>–</a:t>
+            </a:r>
+            <a:r>
+              <a:rPr lang="en-US" dirty="0" smtClean="0"/>
+              <a:t> ZCL level model that has multiple timers</a:t>
+            </a:r>
+          </a:p>
+          <a:p>
+            <a:r>
+              <a:rPr lang="en-US" dirty="0" smtClean="0"/>
+              <a:t>include </a:t>
+            </a:r>
+            <a:r>
+              <a:rPr lang="mr-IN" dirty="0" smtClean="0"/>
+              <a:t>–</a:t>
+            </a:r>
+            <a:r>
+              <a:rPr lang="en-US" dirty="0" smtClean="0"/>
+              <a:t> </a:t>
+            </a:r>
+            <a:r>
+              <a:rPr lang="en-US" dirty="0" smtClean="0"/>
+              <a:t>printer and scanner things with common power control</a:t>
+            </a:r>
+            <a:endParaRPr lang="en-US" dirty="0" smtClean="0"/>
+          </a:p>
+          <a:p>
+            <a:r>
+              <a:rPr lang="en-US" dirty="0"/>
+              <a:t>include type </a:t>
+            </a:r>
+            <a:r>
+              <a:rPr lang="mr-IN" dirty="0" smtClean="0"/>
+              <a:t>–</a:t>
+            </a:r>
+            <a:r>
+              <a:rPr lang="en-US" dirty="0" smtClean="0"/>
+              <a:t> ipso 3300 Object model </a:t>
+            </a:r>
+            <a:r>
+              <a:rPr lang="en-US" dirty="0"/>
+              <a:t>that reuses </a:t>
+            </a:r>
+            <a:r>
+              <a:rPr lang="en-US" dirty="0" smtClean="0"/>
+              <a:t>definitions of </a:t>
+            </a:r>
+            <a:r>
+              <a:rPr lang="en-US" dirty="0" err="1" smtClean="0"/>
+              <a:t>odmProperties</a:t>
+            </a:r>
+            <a:endParaRPr lang="en-US" dirty="0"/>
+          </a:p>
+          <a:p>
+            <a:r>
+              <a:rPr lang="en-US" dirty="0" err="1" smtClean="0"/>
+              <a:t>odmProduct</a:t>
+            </a:r>
+            <a:r>
+              <a:rPr lang="en-US" dirty="0" smtClean="0"/>
+              <a:t> </a:t>
+            </a:r>
+            <a:r>
+              <a:rPr lang="mr-IN" dirty="0" smtClean="0"/>
+              <a:t>–</a:t>
+            </a:r>
+            <a:r>
+              <a:rPr lang="en-US" dirty="0" smtClean="0"/>
+              <a:t> </a:t>
+            </a:r>
+            <a:r>
+              <a:rPr lang="en-US" dirty="0" smtClean="0"/>
+              <a:t>ipso </a:t>
+            </a:r>
+            <a:r>
+              <a:rPr lang="en-US" dirty="0" smtClean="0"/>
+              <a:t>model of a vacuum gauge with two </a:t>
+            </a:r>
+            <a:r>
+              <a:rPr lang="en-US" dirty="0" smtClean="0"/>
+              <a:t>specialized </a:t>
+            </a:r>
+            <a:r>
+              <a:rPr lang="en-US" dirty="0" smtClean="0"/>
+              <a:t>3300 type sensor Objects</a:t>
+            </a:r>
+            <a:endParaRPr lang="en-US" dirty="0" smtClean="0"/>
+          </a:p>
           <a:p>
             <a:r>
               <a:rPr lang="en-US" dirty="0" err="1" smtClean="0"/>
               <a:t>odmThing</a:t>
             </a:r>
+            <a:r>
+              <a:rPr lang="en-US" dirty="0" smtClean="0"/>
+              <a:t> </a:t>
+            </a:r>
+            <a:r>
+              <a:rPr lang="mr-IN" dirty="0" smtClean="0"/>
+              <a:t>–</a:t>
+            </a:r>
+            <a:r>
+              <a:rPr lang="en-US" dirty="0" smtClean="0"/>
+              <a:t> </a:t>
+            </a:r>
+            <a:r>
+              <a:rPr lang="en-US" dirty="0" smtClean="0"/>
+              <a:t>a plug element of an outlet </a:t>
+            </a:r>
+            <a:r>
+              <a:rPr lang="en-US" dirty="0" smtClean="0"/>
+              <a:t>strip </a:t>
+            </a:r>
             <a:endParaRPr lang="en-US" dirty="0" smtClean="0"/>
           </a:p>
           <a:p>
-            <a:pPr lvl="1"/>
-            <a:r>
-              <a:rPr lang="en-US" dirty="0" smtClean="0"/>
-              <a:t>Encapsulates a set of </a:t>
-            </a:r>
             <a:r>
               <a:rPr lang="en-US" dirty="0" err="1" smtClean="0"/>
-              <a:t>odmObjects</a:t>
-            </a:r>
-            <a:r>
-              <a:rPr lang="en-US" dirty="0" smtClean="0"/>
-              <a:t> and selects optionality</a:t>
-            </a:r>
-          </a:p>
-          <a:p>
-            <a:pPr lvl="1"/>
-            <a:r>
-              <a:rPr lang="en-US" dirty="0" smtClean="0"/>
-              <a:t>May </a:t>
-            </a:r>
-            <a:r>
-              <a:rPr lang="en-US" dirty="0" smtClean="0"/>
-              <a:t>extend definitions and add new definitions</a:t>
-            </a:r>
-          </a:p>
-          <a:p>
-            <a:pPr lvl="1"/>
-            <a:r>
-              <a:rPr lang="en-US" dirty="0" smtClean="0"/>
-              <a:t>Similar syntax as Objects, etc.</a:t>
-            </a:r>
-          </a:p>
-          <a:p>
-            <a:r>
-              <a:rPr lang="en-US" dirty="0" err="1" smtClean="0"/>
-              <a:t>odmProduct</a:t>
-            </a:r>
-            <a:endParaRPr lang="en-US" dirty="0" smtClean="0"/>
-          </a:p>
-          <a:p>
-            <a:pPr lvl="1"/>
-            <a:r>
-              <a:rPr lang="en-US" dirty="0" smtClean="0"/>
-              <a:t>Product</a:t>
-            </a:r>
-            <a:r>
-              <a:rPr lang="en-US" dirty="0" smtClean="0"/>
-              <a:t>, "Device Type", standardized functionality</a:t>
-            </a:r>
-          </a:p>
-          <a:p>
-            <a:pPr lvl="1"/>
-            <a:r>
-              <a:rPr lang="en-US" dirty="0" smtClean="0"/>
-              <a:t>Encapsulates Objects and Components and selects optionality</a:t>
-            </a:r>
-          </a:p>
-          <a:p>
-            <a:pPr lvl="1"/>
-            <a:r>
-              <a:rPr lang="en-US" dirty="0" smtClean="0"/>
-              <a:t>May extend and add</a:t>
+              <a:t>odmView</a:t>
+            </a:r>
+            <a:r>
+              <a:rPr lang="en-US" dirty="0" smtClean="0"/>
+              <a:t> </a:t>
+            </a:r>
+            <a:r>
+              <a:rPr lang="mr-IN" dirty="0" smtClean="0"/>
+              <a:t>–</a:t>
+            </a:r>
+            <a:r>
+              <a:rPr lang="en-US" dirty="0" smtClean="0"/>
+              <a:t> a definition of an OCF interface</a:t>
             </a:r>
             <a:endParaRPr lang="en-US" dirty="0"/>
           </a:p>
@@ -4946,7 +5938,7 @@
     </p:spTree>
     <p:extLst>
       <p:ext uri="{BB962C8B-B14F-4D97-AF65-F5344CB8AC3E}">
-        <p14:creationId xmlns:p14="http://schemas.microsoft.com/office/powerpoint/2010/main" val="1180264165"/>
+        <p14:creationId xmlns:p14="http://schemas.microsoft.com/office/powerpoint/2010/main" val="1854872866"/>
       </p:ext>
     </p:extLst>
   </p:cSld>

--- a/sdf-extensions.pptx
+++ b/sdf-extensions.pptx
@@ -5484,8 +5484,12 @@
           <a:p>
             <a:pPr lvl="1"/>
             <a:r>
-              <a:rPr lang="en-US" dirty="0" smtClean="0"/>
-              <a:t>Use an instance of an existing definition to create a view as an element in a new definition</a:t>
+              <a:rPr lang="en-US" dirty="0"/>
+              <a:t>I</a:t>
+            </a:r>
+            <a:r>
+              <a:rPr lang="en-US" dirty="0" smtClean="0"/>
+              <a:t>nclude an existing definition (instance) in this context</a:t>
             </a:r>
           </a:p>
           <a:p>
@@ -5522,15 +5526,7 @@
             <a:pPr lvl="1"/>
             <a:r>
               <a:rPr lang="en-US" dirty="0" smtClean="0"/>
-              <a:t>Use an existing definition, </a:t>
-            </a:r>
-            <a:r>
-              <a:rPr lang="en-US" dirty="0" err="1" smtClean="0"/>
-              <a:t>includng</a:t>
-            </a:r>
-            <a:r>
-              <a:rPr lang="en-US" dirty="0" smtClean="0"/>
-              <a:t> name and ID in the current context (IPSO style re-use)</a:t>
+              <a:t>Use an existing definition, including its name, in a new definition in the current context (IPSO style re-use)</a:t>
             </a:r>
           </a:p>
           <a:p>

--- a/sdf-extensions.pptx
+++ b/sdf-extensions.pptx
@@ -5519,7 +5519,7 @@
           <a:p>
             <a:r>
               <a:rPr lang="en-US" dirty="0" smtClean="0"/>
-              <a:t>include type</a:t>
+              <a:t>include + type</a:t>
             </a:r>
           </a:p>
           <a:p>

--- a/sdf-extensions.pptx
+++ b/sdf-extensions.pptx
@@ -14,9 +14,12 @@
     <p:sldId id="262" r:id="rId8"/>
     <p:sldId id="263" r:id="rId9"/>
     <p:sldId id="265" r:id="rId10"/>
-    <p:sldId id="266" r:id="rId11"/>
-    <p:sldId id="267" r:id="rId12"/>
-    <p:sldId id="268" r:id="rId13"/>
+    <p:sldId id="270" r:id="rId11"/>
+    <p:sldId id="271" r:id="rId12"/>
+    <p:sldId id="272" r:id="rId13"/>
+    <p:sldId id="266" r:id="rId14"/>
+    <p:sldId id="267" r:id="rId15"/>
+    <p:sldId id="268" r:id="rId16"/>
   </p:sldIdLst>
   <p:sldSz cx="9144000" cy="6858000" type="letter"/>
   <p:notesSz cx="6858000" cy="9144000"/>
@@ -3037,6 +3040,1145 @@
             <p:ph type="title"/>
           </p:nvPr>
         </p:nvSpPr>
+        <p:spPr>
+          <a:xfrm>
+            <a:off x="628650" y="123768"/>
+            <a:ext cx="7886700" cy="1325563"/>
+          </a:xfrm>
+        </p:spPr>
+        <p:txBody>
+          <a:bodyPr/>
+          <a:lstStyle/>
+          <a:p>
+            <a:r>
+              <a:rPr lang="en-US" dirty="0" smtClean="0"/>
+              <a:t>type</a:t>
+            </a:r>
+            <a:endParaRPr lang="en-US" dirty="0"/>
+          </a:p>
+        </p:txBody>
+      </p:sp>
+      <p:sp>
+        <p:nvSpPr>
+          <p:cNvPr id="3" name="Content Placeholder 2"/>
+          <p:cNvSpPr>
+            <a:spLocks noGrp="1"/>
+          </p:cNvSpPr>
+          <p:nvPr>
+            <p:ph idx="1"/>
+          </p:nvPr>
+        </p:nvSpPr>
+        <p:spPr>
+          <a:xfrm>
+            <a:off x="628650" y="1449331"/>
+            <a:ext cx="7886700" cy="2223861"/>
+          </a:xfrm>
+        </p:spPr>
+        <p:txBody>
+          <a:bodyPr/>
+          <a:lstStyle/>
+          <a:p>
+            <a:r>
+              <a:rPr lang="en-US" dirty="0" smtClean="0"/>
+              <a:t>use an </a:t>
+            </a:r>
+            <a:r>
+              <a:rPr lang="en-US" dirty="0" err="1" smtClean="0"/>
+              <a:t>exsiting</a:t>
+            </a:r>
+            <a:r>
+              <a:rPr lang="en-US" dirty="0" smtClean="0"/>
+              <a:t> definition as a template for a new definition</a:t>
+            </a:r>
+            <a:endParaRPr lang="en-US" dirty="0"/>
+          </a:p>
+        </p:txBody>
+      </p:sp>
+      <p:sp>
+        <p:nvSpPr>
+          <p:cNvPr id="4" name="Rectangle 3"/>
+          <p:cNvSpPr/>
+          <p:nvPr/>
+        </p:nvSpPr>
+        <p:spPr>
+          <a:xfrm>
+            <a:off x="1087210" y="2561261"/>
+            <a:ext cx="6969578" cy="1754326"/>
+          </a:xfrm>
+          <a:prstGeom prst="rect">
+            <a:avLst/>
+          </a:prstGeom>
+        </p:spPr>
+        <p:txBody>
+          <a:bodyPr wrap="square">
+            <a:spAutoFit/>
+          </a:bodyPr>
+          <a:lstStyle/>
+          <a:p>
+            <a:r>
+              <a:rPr lang="en-US" dirty="0">
+                <a:latin typeface="Courier" charset="0"/>
+                <a:ea typeface="Courier" charset="0"/>
+                <a:cs typeface="Courier" charset="0"/>
+              </a:rPr>
+              <a:t>"</a:t>
+            </a:r>
+            <a:r>
+              <a:rPr lang="en-US" dirty="0" err="1">
+                <a:latin typeface="Courier" charset="0"/>
+                <a:ea typeface="Courier" charset="0"/>
+                <a:cs typeface="Courier" charset="0"/>
+              </a:rPr>
+              <a:t>odmObject</a:t>
+            </a:r>
+            <a:r>
+              <a:rPr lang="en-US" dirty="0">
+                <a:latin typeface="Courier" charset="0"/>
+                <a:ea typeface="Courier" charset="0"/>
+                <a:cs typeface="Courier" charset="0"/>
+              </a:rPr>
+              <a:t>": {</a:t>
+            </a:r>
+          </a:p>
+          <a:p>
+            <a:r>
+              <a:rPr lang="en-US" dirty="0" smtClean="0">
+                <a:latin typeface="Courier" charset="0"/>
+                <a:ea typeface="Courier" charset="0"/>
+                <a:cs typeface="Courier" charset="0"/>
+              </a:rPr>
+              <a:t>  "</a:t>
+            </a:r>
+            <a:r>
+              <a:rPr lang="en-US" dirty="0">
+                <a:latin typeface="Courier" charset="0"/>
+                <a:ea typeface="Courier" charset="0"/>
+                <a:cs typeface="Courier" charset="0"/>
+              </a:rPr>
+              <a:t>3300/0": {</a:t>
+            </a:r>
+          </a:p>
+          <a:p>
+            <a:r>
+              <a:rPr lang="en-US" dirty="0" smtClean="0">
+                <a:latin typeface="Courier" charset="0"/>
+                <a:ea typeface="Courier" charset="0"/>
+                <a:cs typeface="Courier" charset="0"/>
+              </a:rPr>
+              <a:t>    "</a:t>
+            </a:r>
+            <a:r>
+              <a:rPr lang="en-US" dirty="0">
+                <a:latin typeface="Courier" charset="0"/>
+                <a:ea typeface="Courier" charset="0"/>
+                <a:cs typeface="Courier" charset="0"/>
+              </a:rPr>
+              <a:t>type": {</a:t>
+            </a:r>
+          </a:p>
+          <a:p>
+            <a:r>
+              <a:rPr lang="en-US" dirty="0" smtClean="0">
+                <a:latin typeface="Courier" charset="0"/>
+                <a:ea typeface="Courier" charset="0"/>
+                <a:cs typeface="Courier" charset="0"/>
+              </a:rPr>
+              <a:t>      "$</a:t>
+            </a:r>
+            <a:r>
+              <a:rPr lang="en-US" dirty="0">
+                <a:latin typeface="Courier" charset="0"/>
+                <a:ea typeface="Courier" charset="0"/>
+                <a:cs typeface="Courier" charset="0"/>
+              </a:rPr>
+              <a:t>ref</a:t>
+            </a:r>
+            <a:r>
+              <a:rPr lang="en-US" dirty="0" smtClean="0">
+                <a:latin typeface="Courier" charset="0"/>
+                <a:ea typeface="Courier" charset="0"/>
+                <a:cs typeface="Courier" charset="0"/>
+              </a:rPr>
+              <a:t>": "#/</a:t>
+            </a:r>
+            <a:r>
+              <a:rPr lang="en-US" dirty="0" err="1">
+                <a:latin typeface="Courier" charset="0"/>
+                <a:ea typeface="Courier" charset="0"/>
+                <a:cs typeface="Courier" charset="0"/>
+              </a:rPr>
+              <a:t>odmObject</a:t>
+            </a:r>
+            <a:r>
+              <a:rPr lang="en-US" dirty="0">
+                <a:latin typeface="Courier" charset="0"/>
+                <a:ea typeface="Courier" charset="0"/>
+                <a:cs typeface="Courier" charset="0"/>
+              </a:rPr>
+              <a:t>/</a:t>
+            </a:r>
+            <a:r>
+              <a:rPr lang="en-US" dirty="0" err="1">
+                <a:latin typeface="Courier" charset="0"/>
+                <a:ea typeface="Courier" charset="0"/>
+                <a:cs typeface="Courier" charset="0"/>
+              </a:rPr>
+              <a:t>genericSensor</a:t>
+            </a:r>
+            <a:r>
+              <a:rPr lang="en-US" dirty="0">
+                <a:latin typeface="Courier" charset="0"/>
+                <a:ea typeface="Courier" charset="0"/>
+                <a:cs typeface="Courier" charset="0"/>
+              </a:rPr>
+              <a:t>"</a:t>
+            </a:r>
+          </a:p>
+          <a:p>
+            <a:r>
+              <a:rPr lang="en-US" dirty="0" smtClean="0">
+                <a:latin typeface="Courier" charset="0"/>
+                <a:ea typeface="Courier" charset="0"/>
+                <a:cs typeface="Courier" charset="0"/>
+              </a:rPr>
+              <a:t>    }, </a:t>
+            </a:r>
+            <a:endParaRPr lang="en-US" dirty="0">
+              <a:latin typeface="Courier" charset="0"/>
+              <a:ea typeface="Courier" charset="0"/>
+              <a:cs typeface="Courier" charset="0"/>
+            </a:endParaRPr>
+          </a:p>
+          <a:p>
+            <a:r>
+              <a:rPr lang="en-US" dirty="0" smtClean="0">
+                <a:latin typeface="Courier" charset="0"/>
+                <a:ea typeface="Courier" charset="0"/>
+                <a:cs typeface="Courier" charset="0"/>
+              </a:rPr>
+              <a:t>    "</a:t>
+            </a:r>
+            <a:r>
+              <a:rPr lang="en-US" dirty="0">
+                <a:latin typeface="Courier" charset="0"/>
+                <a:ea typeface="Courier" charset="0"/>
+                <a:cs typeface="Courier" charset="0"/>
+              </a:rPr>
+              <a:t>optional": false, </a:t>
+            </a:r>
+            <a:endParaRPr lang="en-US" b="0" dirty="0">
+              <a:effectLst/>
+              <a:latin typeface="Courier" charset="0"/>
+              <a:ea typeface="Courier" charset="0"/>
+              <a:cs typeface="Courier" charset="0"/>
+            </a:endParaRPr>
+          </a:p>
+        </p:txBody>
+      </p:sp>
+      <p:sp>
+        <p:nvSpPr>
+          <p:cNvPr id="5" name="Rectangle 4"/>
+          <p:cNvSpPr/>
+          <p:nvPr/>
+        </p:nvSpPr>
+        <p:spPr>
+          <a:xfrm>
+            <a:off x="1087210" y="4715215"/>
+            <a:ext cx="6619875" cy="1477328"/>
+          </a:xfrm>
+          <a:prstGeom prst="rect">
+            <a:avLst/>
+          </a:prstGeom>
+        </p:spPr>
+        <p:txBody>
+          <a:bodyPr wrap="square">
+            <a:spAutoFit/>
+          </a:bodyPr>
+          <a:lstStyle/>
+          <a:p>
+            <a:r>
+              <a:rPr lang="en-US" dirty="0">
+                <a:latin typeface="Courier" charset="0"/>
+                <a:ea typeface="Courier" charset="0"/>
+                <a:cs typeface="Courier" charset="0"/>
+              </a:rPr>
+              <a:t>"</a:t>
+            </a:r>
+            <a:r>
+              <a:rPr lang="en-US" dirty="0" err="1">
+                <a:latin typeface="Courier" charset="0"/>
+                <a:ea typeface="Courier" charset="0"/>
+                <a:cs typeface="Courier" charset="0"/>
+              </a:rPr>
+              <a:t>odmProperty</a:t>
+            </a:r>
+            <a:r>
+              <a:rPr lang="en-US" dirty="0">
+                <a:latin typeface="Courier" charset="0"/>
+                <a:ea typeface="Courier" charset="0"/>
+                <a:cs typeface="Courier" charset="0"/>
+              </a:rPr>
+              <a:t>": {</a:t>
+            </a:r>
+          </a:p>
+          <a:p>
+            <a:r>
+              <a:rPr lang="en-US" dirty="0" smtClean="0">
+                <a:latin typeface="Courier" charset="0"/>
+                <a:ea typeface="Courier" charset="0"/>
+                <a:cs typeface="Courier" charset="0"/>
+              </a:rPr>
+              <a:t>  "</a:t>
+            </a:r>
+            <a:r>
+              <a:rPr lang="en-US" dirty="0" err="1">
+                <a:latin typeface="Courier" charset="0"/>
+                <a:ea typeface="Courier" charset="0"/>
+                <a:cs typeface="Courier" charset="0"/>
+              </a:rPr>
+              <a:t>OnOffTransitionTime</a:t>
+            </a:r>
+            <a:r>
+              <a:rPr lang="en-US" dirty="0">
+                <a:latin typeface="Courier" charset="0"/>
+                <a:ea typeface="Courier" charset="0"/>
+                <a:cs typeface="Courier" charset="0"/>
+              </a:rPr>
+              <a:t>": {</a:t>
+            </a:r>
+          </a:p>
+          <a:p>
+            <a:r>
+              <a:rPr lang="en-US" dirty="0" smtClean="0">
+                <a:latin typeface="Courier" charset="0"/>
+                <a:ea typeface="Courier" charset="0"/>
+                <a:cs typeface="Courier" charset="0"/>
+              </a:rPr>
+              <a:t>    "</a:t>
+            </a:r>
+            <a:r>
+              <a:rPr lang="en-US" dirty="0">
+                <a:latin typeface="Courier" charset="0"/>
+                <a:ea typeface="Courier" charset="0"/>
+                <a:cs typeface="Courier" charset="0"/>
+              </a:rPr>
+              <a:t>type": {</a:t>
+            </a:r>
+          </a:p>
+          <a:p>
+            <a:r>
+              <a:rPr lang="en-US" dirty="0" smtClean="0">
+                <a:latin typeface="Courier" charset="0"/>
+                <a:ea typeface="Courier" charset="0"/>
+                <a:cs typeface="Courier" charset="0"/>
+              </a:rPr>
+              <a:t>      "$</a:t>
+            </a:r>
+            <a:r>
+              <a:rPr lang="en-US" dirty="0">
+                <a:latin typeface="Courier" charset="0"/>
+                <a:ea typeface="Courier" charset="0"/>
+                <a:cs typeface="Courier" charset="0"/>
+              </a:rPr>
+              <a:t>ref": "#/</a:t>
+            </a:r>
+            <a:r>
+              <a:rPr lang="en-US" dirty="0" err="1">
+                <a:latin typeface="Courier" charset="0"/>
+                <a:ea typeface="Courier" charset="0"/>
+                <a:cs typeface="Courier" charset="0"/>
+              </a:rPr>
+              <a:t>odmData</a:t>
+            </a:r>
+            <a:r>
+              <a:rPr lang="en-US" dirty="0">
+                <a:latin typeface="Courier" charset="0"/>
+                <a:ea typeface="Courier" charset="0"/>
+                <a:cs typeface="Courier" charset="0"/>
+              </a:rPr>
+              <a:t>/</a:t>
+            </a:r>
+            <a:r>
+              <a:rPr lang="en-US" dirty="0" err="1">
+                <a:latin typeface="Courier" charset="0"/>
+                <a:ea typeface="Courier" charset="0"/>
+                <a:cs typeface="Courier" charset="0"/>
+              </a:rPr>
+              <a:t>transitiontimedata</a:t>
+            </a:r>
+            <a:r>
+              <a:rPr lang="en-US" dirty="0">
+                <a:latin typeface="Courier" charset="0"/>
+                <a:ea typeface="Courier" charset="0"/>
+                <a:cs typeface="Courier" charset="0"/>
+              </a:rPr>
+              <a:t>"</a:t>
+            </a:r>
+          </a:p>
+          <a:p>
+            <a:r>
+              <a:rPr lang="en-US" dirty="0" smtClean="0">
+                <a:latin typeface="Courier" charset="0"/>
+                <a:ea typeface="Courier" charset="0"/>
+                <a:cs typeface="Courier" charset="0"/>
+              </a:rPr>
+              <a:t>    }, </a:t>
+            </a:r>
+            <a:endParaRPr lang="en-US" b="0" dirty="0">
+              <a:effectLst/>
+              <a:latin typeface="Courier" charset="0"/>
+              <a:ea typeface="Courier" charset="0"/>
+              <a:cs typeface="Courier" charset="0"/>
+            </a:endParaRPr>
+          </a:p>
+        </p:txBody>
+      </p:sp>
+    </p:spTree>
+    <p:extLst>
+      <p:ext uri="{BB962C8B-B14F-4D97-AF65-F5344CB8AC3E}">
+        <p14:creationId xmlns:p14="http://schemas.microsoft.com/office/powerpoint/2010/main" val="1322695632"/>
+      </p:ext>
+    </p:extLst>
+  </p:cSld>
+  <p:clrMapOvr>
+    <a:masterClrMapping/>
+  </p:clrMapOvr>
+</p:sld>
+</file>
+
+<file path=ppt/slides/slide11.xml><?xml version="1.0" encoding="utf-8"?>
+<p:sld xmlns:a="http://schemas.openxmlformats.org/drawingml/2006/main" xmlns:r="http://schemas.openxmlformats.org/officeDocument/2006/relationships" xmlns:p="http://schemas.openxmlformats.org/presentationml/2006/main">
+  <p:cSld>
+    <p:spTree>
+      <p:nvGrpSpPr>
+        <p:cNvPr id="1" name=""/>
+        <p:cNvGrpSpPr/>
+        <p:nvPr/>
+      </p:nvGrpSpPr>
+      <p:grpSpPr>
+        <a:xfrm>
+          <a:off x="0" y="0"/>
+          <a:ext cx="0" cy="0"/>
+          <a:chOff x="0" y="0"/>
+          <a:chExt cx="0" cy="0"/>
+        </a:xfrm>
+      </p:grpSpPr>
+      <p:sp>
+        <p:nvSpPr>
+          <p:cNvPr id="2" name="Title 1"/>
+          <p:cNvSpPr>
+            <a:spLocks noGrp="1"/>
+          </p:cNvSpPr>
+          <p:nvPr>
+            <p:ph type="title"/>
+          </p:nvPr>
+        </p:nvSpPr>
+        <p:spPr>
+          <a:xfrm>
+            <a:off x="628650" y="152892"/>
+            <a:ext cx="7886700" cy="1325563"/>
+          </a:xfrm>
+        </p:spPr>
+        <p:txBody>
+          <a:bodyPr/>
+          <a:lstStyle/>
+          <a:p>
+            <a:r>
+              <a:rPr lang="en-US" dirty="0" smtClean="0"/>
+              <a:t>include</a:t>
+            </a:r>
+            <a:endParaRPr lang="en-US" dirty="0"/>
+          </a:p>
+        </p:txBody>
+      </p:sp>
+      <p:sp>
+        <p:nvSpPr>
+          <p:cNvPr id="3" name="Content Placeholder 2"/>
+          <p:cNvSpPr>
+            <a:spLocks noGrp="1"/>
+          </p:cNvSpPr>
+          <p:nvPr>
+            <p:ph idx="1"/>
+          </p:nvPr>
+        </p:nvSpPr>
+        <p:spPr>
+          <a:xfrm>
+            <a:off x="628650" y="1478455"/>
+            <a:ext cx="7886700" cy="1188545"/>
+          </a:xfrm>
+        </p:spPr>
+        <p:txBody>
+          <a:bodyPr/>
+          <a:lstStyle/>
+          <a:p>
+            <a:r>
+              <a:rPr lang="en-US" dirty="0"/>
+              <a:t>I</a:t>
+            </a:r>
+            <a:r>
+              <a:rPr lang="en-US" dirty="0" smtClean="0"/>
+              <a:t>nclude an instance of an ODM element from another part of the definition</a:t>
+            </a:r>
+          </a:p>
+          <a:p>
+            <a:endParaRPr lang="en-US" dirty="0"/>
+          </a:p>
+        </p:txBody>
+      </p:sp>
+      <p:sp>
+        <p:nvSpPr>
+          <p:cNvPr id="4" name="Rectangle 3"/>
+          <p:cNvSpPr/>
+          <p:nvPr/>
+        </p:nvSpPr>
+        <p:spPr>
+          <a:xfrm>
+            <a:off x="772886" y="2667000"/>
+            <a:ext cx="8371114" cy="3416320"/>
+          </a:xfrm>
+          <a:prstGeom prst="rect">
+            <a:avLst/>
+          </a:prstGeom>
+        </p:spPr>
+        <p:txBody>
+          <a:bodyPr wrap="square">
+            <a:spAutoFit/>
+          </a:bodyPr>
+          <a:lstStyle/>
+          <a:p>
+            <a:r>
+              <a:rPr lang="en-US" dirty="0">
+                <a:latin typeface="Courier" charset="0"/>
+                <a:ea typeface="Courier" charset="0"/>
+                <a:cs typeface="Courier" charset="0"/>
+              </a:rPr>
+              <a:t>"</a:t>
+            </a:r>
+            <a:r>
+              <a:rPr lang="en-US" dirty="0" err="1">
+                <a:latin typeface="Courier" charset="0"/>
+                <a:ea typeface="Courier" charset="0"/>
+                <a:cs typeface="Courier" charset="0"/>
+              </a:rPr>
+              <a:t>odmView</a:t>
+            </a:r>
+            <a:r>
+              <a:rPr lang="en-US" dirty="0">
+                <a:latin typeface="Courier" charset="0"/>
+                <a:ea typeface="Courier" charset="0"/>
+                <a:cs typeface="Courier" charset="0"/>
+              </a:rPr>
+              <a:t>": {</a:t>
+            </a:r>
+          </a:p>
+          <a:p>
+            <a:r>
+              <a:rPr lang="en-US" dirty="0" smtClean="0">
+                <a:latin typeface="Courier" charset="0"/>
+                <a:ea typeface="Courier" charset="0"/>
+                <a:cs typeface="Courier" charset="0"/>
+              </a:rPr>
+              <a:t>  "</a:t>
+            </a:r>
+            <a:r>
+              <a:rPr lang="en-US" dirty="0">
+                <a:latin typeface="Courier" charset="0"/>
+                <a:ea typeface="Courier" charset="0"/>
+                <a:cs typeface="Courier" charset="0"/>
+              </a:rPr>
+              <a:t>sensor": {</a:t>
+            </a:r>
+          </a:p>
+          <a:p>
+            <a:r>
+              <a:rPr lang="en-US" dirty="0" smtClean="0">
+                <a:latin typeface="Courier" charset="0"/>
+                <a:ea typeface="Courier" charset="0"/>
+                <a:cs typeface="Courier" charset="0"/>
+              </a:rPr>
+              <a:t>    "</a:t>
+            </a:r>
+            <a:r>
+              <a:rPr lang="en-US" dirty="0">
+                <a:latin typeface="Courier" charset="0"/>
+                <a:ea typeface="Courier" charset="0"/>
+                <a:cs typeface="Courier" charset="0"/>
+              </a:rPr>
+              <a:t>include": [</a:t>
+            </a:r>
+          </a:p>
+          <a:p>
+            <a:r>
+              <a:rPr lang="en-US" dirty="0" smtClean="0">
+                <a:latin typeface="Courier" charset="0"/>
+                <a:ea typeface="Courier" charset="0"/>
+                <a:cs typeface="Courier" charset="0"/>
+              </a:rPr>
+              <a:t>      {</a:t>
+            </a:r>
+            <a:endParaRPr lang="en-US" dirty="0">
+              <a:latin typeface="Courier" charset="0"/>
+              <a:ea typeface="Courier" charset="0"/>
+              <a:cs typeface="Courier" charset="0"/>
+            </a:endParaRPr>
+          </a:p>
+          <a:p>
+            <a:r>
+              <a:rPr lang="en-US" dirty="0" smtClean="0">
+                <a:latin typeface="Courier" charset="0"/>
+                <a:ea typeface="Courier" charset="0"/>
+                <a:cs typeface="Courier" charset="0"/>
+              </a:rPr>
+              <a:t>        "$</a:t>
+            </a:r>
+            <a:r>
+              <a:rPr lang="en-US" dirty="0">
+                <a:latin typeface="Courier" charset="0"/>
+                <a:ea typeface="Courier" charset="0"/>
+                <a:cs typeface="Courier" charset="0"/>
+              </a:rPr>
+              <a:t>ref": "#/</a:t>
+            </a:r>
+            <a:r>
+              <a:rPr lang="en-US" dirty="0" err="1" smtClean="0">
+                <a:latin typeface="Courier" charset="0"/>
+                <a:ea typeface="Courier" charset="0"/>
+                <a:cs typeface="Courier" charset="0"/>
+              </a:rPr>
+              <a:t>odmObject</a:t>
+            </a:r>
+            <a:r>
+              <a:rPr lang="en-US" dirty="0" smtClean="0">
+                <a:latin typeface="Courier" charset="0"/>
+                <a:ea typeface="Courier" charset="0"/>
+                <a:cs typeface="Courier" charset="0"/>
+              </a:rPr>
+              <a:t>/temperature/</a:t>
+            </a:r>
+            <a:r>
+              <a:rPr lang="en-US" dirty="0" err="1" smtClean="0">
+                <a:latin typeface="Courier" charset="0"/>
+                <a:ea typeface="Courier" charset="0"/>
+                <a:cs typeface="Courier" charset="0"/>
+              </a:rPr>
+              <a:t>odmProperty</a:t>
+            </a:r>
+            <a:r>
+              <a:rPr lang="en-US" dirty="0" smtClean="0">
+                <a:latin typeface="Courier" charset="0"/>
+                <a:ea typeface="Courier" charset="0"/>
+                <a:cs typeface="Courier" charset="0"/>
+              </a:rPr>
+              <a:t>/temperature</a:t>
+            </a:r>
+            <a:r>
+              <a:rPr lang="en-US" dirty="0">
+                <a:latin typeface="Courier" charset="0"/>
+                <a:ea typeface="Courier" charset="0"/>
+                <a:cs typeface="Courier" charset="0"/>
+              </a:rPr>
+              <a:t>"</a:t>
+            </a:r>
+          </a:p>
+          <a:p>
+            <a:r>
+              <a:rPr lang="en-US" dirty="0" smtClean="0">
+                <a:latin typeface="Courier" charset="0"/>
+                <a:ea typeface="Courier" charset="0"/>
+                <a:cs typeface="Courier" charset="0"/>
+              </a:rPr>
+              <a:t>      }, </a:t>
+            </a:r>
+            <a:endParaRPr lang="en-US" dirty="0">
+              <a:latin typeface="Courier" charset="0"/>
+              <a:ea typeface="Courier" charset="0"/>
+              <a:cs typeface="Courier" charset="0"/>
+            </a:endParaRPr>
+          </a:p>
+          <a:p>
+            <a:r>
+              <a:rPr lang="en-US" dirty="0" smtClean="0">
+                <a:latin typeface="Courier" charset="0"/>
+                <a:ea typeface="Courier" charset="0"/>
+                <a:cs typeface="Courier" charset="0"/>
+              </a:rPr>
+              <a:t>      {</a:t>
+            </a:r>
+            <a:endParaRPr lang="en-US" dirty="0">
+              <a:latin typeface="Courier" charset="0"/>
+              <a:ea typeface="Courier" charset="0"/>
+              <a:cs typeface="Courier" charset="0"/>
+            </a:endParaRPr>
+          </a:p>
+          <a:p>
+            <a:r>
+              <a:rPr lang="en-US" dirty="0" smtClean="0">
+                <a:latin typeface="Courier" charset="0"/>
+                <a:ea typeface="Courier" charset="0"/>
+                <a:cs typeface="Courier" charset="0"/>
+              </a:rPr>
+              <a:t>        "$</a:t>
+            </a:r>
+            <a:r>
+              <a:rPr lang="en-US" dirty="0">
+                <a:latin typeface="Courier" charset="0"/>
+                <a:ea typeface="Courier" charset="0"/>
+                <a:cs typeface="Courier" charset="0"/>
+              </a:rPr>
+              <a:t>ref": "#/</a:t>
+            </a:r>
+            <a:r>
+              <a:rPr lang="en-US" dirty="0" err="1" smtClean="0">
+                <a:latin typeface="Courier" charset="0"/>
+                <a:ea typeface="Courier" charset="0"/>
+                <a:cs typeface="Courier" charset="0"/>
+              </a:rPr>
+              <a:t>odmObject</a:t>
+            </a:r>
+            <a:r>
+              <a:rPr lang="en-US" dirty="0" smtClean="0">
+                <a:latin typeface="Courier" charset="0"/>
+                <a:ea typeface="Courier" charset="0"/>
+                <a:cs typeface="Courier" charset="0"/>
+              </a:rPr>
+              <a:t>/temperature/</a:t>
+            </a:r>
+            <a:r>
+              <a:rPr lang="en-US" dirty="0" err="1" smtClean="0">
+                <a:latin typeface="Courier" charset="0"/>
+                <a:ea typeface="Courier" charset="0"/>
+                <a:cs typeface="Courier" charset="0"/>
+              </a:rPr>
+              <a:t>odmProperty</a:t>
+            </a:r>
+            <a:r>
+              <a:rPr lang="en-US" dirty="0" smtClean="0">
+                <a:latin typeface="Courier" charset="0"/>
+                <a:ea typeface="Courier" charset="0"/>
+                <a:cs typeface="Courier" charset="0"/>
+              </a:rPr>
+              <a:t>/units</a:t>
+            </a:r>
+            <a:r>
+              <a:rPr lang="en-US" dirty="0">
+                <a:latin typeface="Courier" charset="0"/>
+                <a:ea typeface="Courier" charset="0"/>
+                <a:cs typeface="Courier" charset="0"/>
+              </a:rPr>
+              <a:t>"</a:t>
+            </a:r>
+          </a:p>
+          <a:p>
+            <a:r>
+              <a:rPr lang="en-US" dirty="0" smtClean="0">
+                <a:latin typeface="Courier" charset="0"/>
+                <a:ea typeface="Courier" charset="0"/>
+                <a:cs typeface="Courier" charset="0"/>
+              </a:rPr>
+              <a:t>      }</a:t>
+            </a:r>
+            <a:endParaRPr lang="en-US" dirty="0">
+              <a:latin typeface="Courier" charset="0"/>
+              <a:ea typeface="Courier" charset="0"/>
+              <a:cs typeface="Courier" charset="0"/>
+            </a:endParaRPr>
+          </a:p>
+          <a:p>
+            <a:r>
+              <a:rPr lang="en-US" dirty="0" smtClean="0">
+                <a:latin typeface="Courier" charset="0"/>
+                <a:ea typeface="Courier" charset="0"/>
+                <a:cs typeface="Courier" charset="0"/>
+              </a:rPr>
+              <a:t>    ]</a:t>
+            </a:r>
+            <a:endParaRPr lang="en-US" dirty="0">
+              <a:latin typeface="Courier" charset="0"/>
+              <a:ea typeface="Courier" charset="0"/>
+              <a:cs typeface="Courier" charset="0"/>
+            </a:endParaRPr>
+          </a:p>
+          <a:p>
+            <a:r>
+              <a:rPr lang="en-US" dirty="0" smtClean="0">
+                <a:latin typeface="Courier" charset="0"/>
+                <a:ea typeface="Courier" charset="0"/>
+                <a:cs typeface="Courier" charset="0"/>
+              </a:rPr>
+              <a:t>  }, </a:t>
+            </a:r>
+            <a:endParaRPr lang="en-US" b="0" dirty="0">
+              <a:effectLst/>
+              <a:latin typeface="Courier" charset="0"/>
+              <a:ea typeface="Courier" charset="0"/>
+              <a:cs typeface="Courier" charset="0"/>
+            </a:endParaRPr>
+          </a:p>
+        </p:txBody>
+      </p:sp>
+    </p:spTree>
+    <p:extLst>
+      <p:ext uri="{BB962C8B-B14F-4D97-AF65-F5344CB8AC3E}">
+        <p14:creationId xmlns:p14="http://schemas.microsoft.com/office/powerpoint/2010/main" val="1729979457"/>
+      </p:ext>
+    </p:extLst>
+  </p:cSld>
+  <p:clrMapOvr>
+    <a:masterClrMapping/>
+  </p:clrMapOvr>
+</p:sld>
+</file>
+
+<file path=ppt/slides/slide12.xml><?xml version="1.0" encoding="utf-8"?>
+<p:sld xmlns:a="http://schemas.openxmlformats.org/drawingml/2006/main" xmlns:r="http://schemas.openxmlformats.org/officeDocument/2006/relationships" xmlns:p="http://schemas.openxmlformats.org/presentationml/2006/main">
+  <p:cSld>
+    <p:spTree>
+      <p:nvGrpSpPr>
+        <p:cNvPr id="1" name=""/>
+        <p:cNvGrpSpPr/>
+        <p:nvPr/>
+      </p:nvGrpSpPr>
+      <p:grpSpPr>
+        <a:xfrm>
+          <a:off x="0" y="0"/>
+          <a:ext cx="0" cy="0"/>
+          <a:chOff x="0" y="0"/>
+          <a:chExt cx="0" cy="0"/>
+        </a:xfrm>
+      </p:grpSpPr>
+      <p:sp>
+        <p:nvSpPr>
+          <p:cNvPr id="2" name="Title 1"/>
+          <p:cNvSpPr>
+            <a:spLocks noGrp="1"/>
+          </p:cNvSpPr>
+          <p:nvPr>
+            <p:ph type="title"/>
+          </p:nvPr>
+        </p:nvSpPr>
+        <p:spPr/>
+        <p:txBody>
+          <a:bodyPr/>
+          <a:lstStyle/>
+          <a:p>
+            <a:r>
+              <a:rPr lang="en-US" dirty="0" smtClean="0"/>
+              <a:t>include + type</a:t>
+            </a:r>
+            <a:endParaRPr lang="en-US" dirty="0"/>
+          </a:p>
+        </p:txBody>
+      </p:sp>
+      <p:sp>
+        <p:nvSpPr>
+          <p:cNvPr id="3" name="Content Placeholder 2"/>
+          <p:cNvSpPr>
+            <a:spLocks noGrp="1"/>
+          </p:cNvSpPr>
+          <p:nvPr>
+            <p:ph idx="1"/>
+          </p:nvPr>
+        </p:nvSpPr>
+        <p:spPr>
+          <a:xfrm>
+            <a:off x="628650" y="1564368"/>
+            <a:ext cx="7886700" cy="1407432"/>
+          </a:xfrm>
+        </p:spPr>
+        <p:txBody>
+          <a:bodyPr/>
+          <a:lstStyle/>
+          <a:p>
+            <a:r>
+              <a:rPr lang="en-US" dirty="0" smtClean="0"/>
+              <a:t>Use an element from another part of the definition, including its name, as a new definition in the current context</a:t>
+            </a:r>
+            <a:endParaRPr lang="en-US" dirty="0"/>
+          </a:p>
+        </p:txBody>
+      </p:sp>
+      <p:sp>
+        <p:nvSpPr>
+          <p:cNvPr id="4" name="Rectangle 3"/>
+          <p:cNvSpPr/>
+          <p:nvPr/>
+        </p:nvSpPr>
+        <p:spPr>
+          <a:xfrm>
+            <a:off x="819151" y="3154740"/>
+            <a:ext cx="6765471" cy="2862322"/>
+          </a:xfrm>
+          <a:prstGeom prst="rect">
+            <a:avLst/>
+          </a:prstGeom>
+        </p:spPr>
+        <p:txBody>
+          <a:bodyPr wrap="square">
+            <a:spAutoFit/>
+          </a:bodyPr>
+          <a:lstStyle/>
+          <a:p>
+            <a:r>
+              <a:rPr lang="en-US" dirty="0">
+                <a:latin typeface="Courier" charset="0"/>
+                <a:ea typeface="Courier" charset="0"/>
+                <a:cs typeface="Courier" charset="0"/>
+              </a:rPr>
+              <a:t>"</a:t>
+            </a:r>
+            <a:r>
+              <a:rPr lang="en-US" dirty="0" err="1">
+                <a:latin typeface="Courier" charset="0"/>
+                <a:ea typeface="Courier" charset="0"/>
+                <a:cs typeface="Courier" charset="0"/>
+              </a:rPr>
+              <a:t>odmObject</a:t>
+            </a:r>
+            <a:r>
+              <a:rPr lang="en-US" dirty="0">
+                <a:latin typeface="Courier" charset="0"/>
+                <a:ea typeface="Courier" charset="0"/>
+                <a:cs typeface="Courier" charset="0"/>
+              </a:rPr>
+              <a:t>": {</a:t>
+            </a:r>
+          </a:p>
+          <a:p>
+            <a:r>
+              <a:rPr lang="en-US" dirty="0" smtClean="0">
+                <a:latin typeface="Courier" charset="0"/>
+                <a:ea typeface="Courier" charset="0"/>
+                <a:cs typeface="Courier" charset="0"/>
+              </a:rPr>
+              <a:t>  "</a:t>
+            </a:r>
+            <a:r>
+              <a:rPr lang="en-US" dirty="0" err="1">
+                <a:latin typeface="Courier" charset="0"/>
+                <a:ea typeface="Courier" charset="0"/>
+                <a:cs typeface="Courier" charset="0"/>
+              </a:rPr>
+              <a:t>genericSensor</a:t>
+            </a:r>
+            <a:r>
+              <a:rPr lang="en-US" dirty="0">
+                <a:latin typeface="Courier" charset="0"/>
+                <a:ea typeface="Courier" charset="0"/>
+                <a:cs typeface="Courier" charset="0"/>
+              </a:rPr>
+              <a:t>": {</a:t>
+            </a:r>
+          </a:p>
+          <a:p>
+            <a:r>
+              <a:rPr lang="en-US" dirty="0" smtClean="0">
+                <a:latin typeface="Courier" charset="0"/>
+                <a:ea typeface="Courier" charset="0"/>
+                <a:cs typeface="Courier" charset="0"/>
+              </a:rPr>
+              <a:t>    "</a:t>
+            </a:r>
+            <a:r>
+              <a:rPr lang="en-US" dirty="0">
+                <a:latin typeface="Courier" charset="0"/>
+                <a:ea typeface="Courier" charset="0"/>
+                <a:cs typeface="Courier" charset="0"/>
+              </a:rPr>
+              <a:t>id": 3300, </a:t>
+            </a:r>
+          </a:p>
+          <a:p>
+            <a:r>
+              <a:rPr lang="en-US" dirty="0" smtClean="0">
+                <a:latin typeface="Courier" charset="0"/>
+                <a:ea typeface="Courier" charset="0"/>
+                <a:cs typeface="Courier" charset="0"/>
+              </a:rPr>
+              <a:t>    "</a:t>
+            </a:r>
+            <a:r>
+              <a:rPr lang="en-US" dirty="0">
+                <a:latin typeface="Courier" charset="0"/>
+                <a:ea typeface="Courier" charset="0"/>
+                <a:cs typeface="Courier" charset="0"/>
+              </a:rPr>
+              <a:t>include": [</a:t>
+            </a:r>
+          </a:p>
+          <a:p>
+            <a:r>
+              <a:rPr lang="en-US" dirty="0" smtClean="0">
+                <a:latin typeface="Courier" charset="0"/>
+                <a:ea typeface="Courier" charset="0"/>
+                <a:cs typeface="Courier" charset="0"/>
+              </a:rPr>
+              <a:t>      {</a:t>
+            </a:r>
+            <a:endParaRPr lang="en-US" dirty="0">
+              <a:latin typeface="Courier" charset="0"/>
+              <a:ea typeface="Courier" charset="0"/>
+              <a:cs typeface="Courier" charset="0"/>
+            </a:endParaRPr>
+          </a:p>
+          <a:p>
+            <a:r>
+              <a:rPr lang="en-US" dirty="0" smtClean="0">
+                <a:latin typeface="Courier" charset="0"/>
+                <a:ea typeface="Courier" charset="0"/>
+                <a:cs typeface="Courier" charset="0"/>
+              </a:rPr>
+              <a:t>        "</a:t>
+            </a:r>
+            <a:r>
+              <a:rPr lang="en-US" dirty="0">
+                <a:latin typeface="Courier" charset="0"/>
+                <a:ea typeface="Courier" charset="0"/>
+                <a:cs typeface="Courier" charset="0"/>
+              </a:rPr>
+              <a:t>type": {</a:t>
+            </a:r>
+          </a:p>
+          <a:p>
+            <a:r>
+              <a:rPr lang="en-US" dirty="0" smtClean="0">
+                <a:latin typeface="Courier" charset="0"/>
+                <a:ea typeface="Courier" charset="0"/>
+                <a:cs typeface="Courier" charset="0"/>
+              </a:rPr>
+              <a:t>          "$</a:t>
+            </a:r>
+            <a:r>
+              <a:rPr lang="en-US" dirty="0">
+                <a:latin typeface="Courier" charset="0"/>
+                <a:ea typeface="Courier" charset="0"/>
+                <a:cs typeface="Courier" charset="0"/>
+              </a:rPr>
+              <a:t>ref": "#/</a:t>
+            </a:r>
+            <a:r>
+              <a:rPr lang="en-US" dirty="0" err="1">
+                <a:latin typeface="Courier" charset="0"/>
+                <a:ea typeface="Courier" charset="0"/>
+                <a:cs typeface="Courier" charset="0"/>
+              </a:rPr>
+              <a:t>odmProperty</a:t>
+            </a:r>
+            <a:r>
+              <a:rPr lang="en-US" dirty="0">
+                <a:latin typeface="Courier" charset="0"/>
+                <a:ea typeface="Courier" charset="0"/>
+                <a:cs typeface="Courier" charset="0"/>
+              </a:rPr>
+              <a:t>/</a:t>
+            </a:r>
+            <a:r>
+              <a:rPr lang="en-US" dirty="0" err="1">
+                <a:latin typeface="Courier" charset="0"/>
+                <a:ea typeface="Courier" charset="0"/>
+                <a:cs typeface="Courier" charset="0"/>
+              </a:rPr>
+              <a:t>sensorValue</a:t>
+            </a:r>
+            <a:r>
+              <a:rPr lang="en-US" dirty="0">
+                <a:latin typeface="Courier" charset="0"/>
+                <a:ea typeface="Courier" charset="0"/>
+                <a:cs typeface="Courier" charset="0"/>
+              </a:rPr>
+              <a:t>"</a:t>
+            </a:r>
+          </a:p>
+          <a:p>
+            <a:r>
+              <a:rPr lang="en-US" dirty="0" smtClean="0">
+                <a:latin typeface="Courier" charset="0"/>
+                <a:ea typeface="Courier" charset="0"/>
+                <a:cs typeface="Courier" charset="0"/>
+              </a:rPr>
+              <a:t>         }, </a:t>
+            </a:r>
+            <a:endParaRPr lang="en-US" dirty="0">
+              <a:latin typeface="Courier" charset="0"/>
+              <a:ea typeface="Courier" charset="0"/>
+              <a:cs typeface="Courier" charset="0"/>
+            </a:endParaRPr>
+          </a:p>
+          <a:p>
+            <a:r>
+              <a:rPr lang="en-US" dirty="0" smtClean="0">
+                <a:latin typeface="Courier" charset="0"/>
+                <a:ea typeface="Courier" charset="0"/>
+                <a:cs typeface="Courier" charset="0"/>
+              </a:rPr>
+              <a:t>         "</a:t>
+            </a:r>
+            <a:r>
+              <a:rPr lang="en-US" dirty="0">
+                <a:latin typeface="Courier" charset="0"/>
+                <a:ea typeface="Courier" charset="0"/>
+                <a:cs typeface="Courier" charset="0"/>
+              </a:rPr>
+              <a:t>optional": false</a:t>
+            </a:r>
+          </a:p>
+          <a:p>
+            <a:r>
+              <a:rPr lang="en-US" dirty="0" smtClean="0">
+                <a:latin typeface="Courier" charset="0"/>
+                <a:ea typeface="Courier" charset="0"/>
+                <a:cs typeface="Courier" charset="0"/>
+              </a:rPr>
+              <a:t>      }, </a:t>
+            </a:r>
+            <a:endParaRPr lang="en-US" b="0" dirty="0">
+              <a:effectLst/>
+              <a:latin typeface="Courier" charset="0"/>
+              <a:ea typeface="Courier" charset="0"/>
+              <a:cs typeface="Courier" charset="0"/>
+            </a:endParaRPr>
+          </a:p>
+        </p:txBody>
+      </p:sp>
+    </p:spTree>
+    <p:extLst>
+      <p:ext uri="{BB962C8B-B14F-4D97-AF65-F5344CB8AC3E}">
+        <p14:creationId xmlns:p14="http://schemas.microsoft.com/office/powerpoint/2010/main" val="1502628381"/>
+      </p:ext>
+    </p:extLst>
+  </p:cSld>
+  <p:clrMapOvr>
+    <a:masterClrMapping/>
+  </p:clrMapOvr>
+</p:sld>
+</file>
+
+<file path=ppt/slides/slide13.xml><?xml version="1.0" encoding="utf-8"?>
+<p:sld xmlns:a="http://schemas.openxmlformats.org/drawingml/2006/main" xmlns:r="http://schemas.openxmlformats.org/officeDocument/2006/relationships" xmlns:p="http://schemas.openxmlformats.org/presentationml/2006/main">
+  <p:cSld>
+    <p:spTree>
+      <p:nvGrpSpPr>
+        <p:cNvPr id="1" name=""/>
+        <p:cNvGrpSpPr/>
+        <p:nvPr/>
+      </p:nvGrpSpPr>
+      <p:grpSpPr>
+        <a:xfrm>
+          <a:off x="0" y="0"/>
+          <a:ext cx="0" cy="0"/>
+          <a:chOff x="0" y="0"/>
+          <a:chExt cx="0" cy="0"/>
+        </a:xfrm>
+      </p:grpSpPr>
+      <p:sp>
+        <p:nvSpPr>
+          <p:cNvPr id="2" name="Title 1"/>
+          <p:cNvSpPr>
+            <a:spLocks noGrp="1"/>
+          </p:cNvSpPr>
+          <p:nvPr>
+            <p:ph type="title"/>
+          </p:nvPr>
+        </p:nvSpPr>
         <p:spPr/>
         <p:txBody>
           <a:bodyPr/>
@@ -3375,7 +4517,7 @@
 </p:sld>
 </file>
 
-<file path=ppt/slides/slide11.xml><?xml version="1.0" encoding="utf-8"?>
+<file path=ppt/slides/slide14.xml><?xml version="1.0" encoding="utf-8"?>
 <p:sld xmlns:a="http://schemas.openxmlformats.org/drawingml/2006/main" xmlns:r="http://schemas.openxmlformats.org/officeDocument/2006/relationships" xmlns:p="http://schemas.openxmlformats.org/presentationml/2006/main">
   <p:cSld>
     <p:spTree>
@@ -3839,7 +4981,7 @@
 </p:sld>
 </file>
 
-<file path=ppt/slides/slide12.xml><?xml version="1.0" encoding="utf-8"?>
+<file path=ppt/slides/slide15.xml><?xml version="1.0" encoding="utf-8"?>
 <p:sld xmlns:a="http://schemas.openxmlformats.org/drawingml/2006/main" xmlns:r="http://schemas.openxmlformats.org/officeDocument/2006/relationships" xmlns:p="http://schemas.openxmlformats.org/presentationml/2006/main">
   <p:cSld>
     <p:spTree>

--- a/sdf-extensions.pptx
+++ b/sdf-extensions.pptx
@@ -20,6 +20,7 @@
     <p:sldId id="266" r:id="rId14"/>
     <p:sldId id="267" r:id="rId15"/>
     <p:sldId id="268" r:id="rId16"/>
+    <p:sldId id="273" r:id="rId17"/>
   </p:sldIdLst>
   <p:sldSz cx="9144000" cy="6858000" type="letter"/>
   <p:notesSz cx="6858000" cy="9144000"/>
@@ -5113,6 +5114,165 @@
 </p:sld>
 </file>
 
+<file path=ppt/slides/slide16.xml><?xml version="1.0" encoding="utf-8"?>
+<p:sld xmlns:a="http://schemas.openxmlformats.org/drawingml/2006/main" xmlns:r="http://schemas.openxmlformats.org/officeDocument/2006/relationships" xmlns:p="http://schemas.openxmlformats.org/presentationml/2006/main">
+  <p:cSld>
+    <p:spTree>
+      <p:nvGrpSpPr>
+        <p:cNvPr id="1" name=""/>
+        <p:cNvGrpSpPr/>
+        <p:nvPr/>
+      </p:nvGrpSpPr>
+      <p:grpSpPr>
+        <a:xfrm>
+          <a:off x="0" y="0"/>
+          <a:ext cx="0" cy="0"/>
+          <a:chOff x="0" y="0"/>
+          <a:chExt cx="0" cy="0"/>
+        </a:xfrm>
+      </p:grpSpPr>
+      <p:sp>
+        <p:nvSpPr>
+          <p:cNvPr id="2" name="Title 1"/>
+          <p:cNvSpPr>
+            <a:spLocks noGrp="1"/>
+          </p:cNvSpPr>
+          <p:nvPr>
+            <p:ph type="title"/>
+          </p:nvPr>
+        </p:nvSpPr>
+        <p:spPr/>
+        <p:txBody>
+          <a:bodyPr/>
+          <a:lstStyle/>
+          <a:p>
+            <a:r>
+              <a:rPr lang="en-US" dirty="0" smtClean="0"/>
+              <a:t>Full examples</a:t>
+            </a:r>
+            <a:endParaRPr lang="en-US" dirty="0"/>
+          </a:p>
+        </p:txBody>
+      </p:sp>
+      <p:sp>
+        <p:nvSpPr>
+          <p:cNvPr id="3" name="Content Placeholder 2"/>
+          <p:cNvSpPr>
+            <a:spLocks noGrp="1"/>
+          </p:cNvSpPr>
+          <p:nvPr>
+            <p:ph idx="1"/>
+          </p:nvPr>
+        </p:nvSpPr>
+        <p:spPr/>
+        <p:txBody>
+          <a:bodyPr>
+            <a:normAutofit/>
+          </a:bodyPr>
+          <a:lstStyle/>
+          <a:p>
+            <a:pPr marL="0" indent="0">
+              <a:buNone/>
+            </a:pPr>
+            <a:endParaRPr lang="en-US" sz="1800" dirty="0" smtClean="0"/>
+          </a:p>
+          <a:p>
+            <a:pPr marL="0" indent="0">
+              <a:buNone/>
+            </a:pPr>
+            <a:r>
+              <a:rPr lang="en-US" sz="1800" dirty="0" smtClean="0">
+                <a:hlinkClick r:id="rId2"/>
+              </a:rPr>
+              <a:t>https</a:t>
+            </a:r>
+            <a:r>
+              <a:rPr lang="en-US" sz="1800" dirty="0">
+                <a:hlinkClick r:id="rId2"/>
+              </a:rPr>
+              <a:t>://</a:t>
+            </a:r>
+            <a:r>
+              <a:rPr lang="en-US" sz="1800" dirty="0" smtClean="0">
+                <a:hlinkClick r:id="rId2"/>
+              </a:rPr>
+              <a:t>github.com/mjkoster/ODM-Examples/blob/master/tdl/level.sdf.json</a:t>
+            </a:r>
+            <a:endParaRPr lang="en-US" sz="1800" dirty="0" smtClean="0"/>
+          </a:p>
+          <a:p>
+            <a:pPr marL="0" indent="0">
+              <a:buNone/>
+            </a:pPr>
+            <a:endParaRPr lang="en-US" sz="1800" dirty="0" smtClean="0">
+              <a:hlinkClick r:id="rId3"/>
+            </a:endParaRPr>
+          </a:p>
+          <a:p>
+            <a:pPr marL="0" indent="0">
+              <a:buNone/>
+            </a:pPr>
+            <a:r>
+              <a:rPr lang="en-US" sz="1800" dirty="0" smtClean="0">
+                <a:hlinkClick r:id="rId3"/>
+              </a:rPr>
+              <a:t>https</a:t>
+            </a:r>
+            <a:r>
+              <a:rPr lang="en-US" sz="1800" dirty="0">
+                <a:hlinkClick r:id="rId3"/>
+              </a:rPr>
+              <a:t>://</a:t>
+            </a:r>
+            <a:r>
+              <a:rPr lang="en-US" sz="1800" dirty="0" smtClean="0">
+                <a:hlinkClick r:id="rId3"/>
+              </a:rPr>
+              <a:t>github.com/mjkoster/ODM-Examples/blob/master/tdl/ocf-example.sdf.json</a:t>
+            </a:r>
+            <a:endParaRPr lang="en-US" sz="1800" dirty="0" smtClean="0"/>
+          </a:p>
+          <a:p>
+            <a:pPr marL="0" indent="0">
+              <a:buNone/>
+            </a:pPr>
+            <a:endParaRPr lang="en-US" sz="1800" dirty="0" smtClean="0">
+              <a:hlinkClick r:id="rId4"/>
+            </a:endParaRPr>
+          </a:p>
+          <a:p>
+            <a:pPr marL="0" indent="0">
+              <a:buNone/>
+            </a:pPr>
+            <a:r>
+              <a:rPr lang="en-US" sz="1800" dirty="0" smtClean="0">
+                <a:hlinkClick r:id="rId4"/>
+              </a:rPr>
+              <a:t>https</a:t>
+            </a:r>
+            <a:r>
+              <a:rPr lang="en-US" sz="1800" dirty="0">
+                <a:hlinkClick r:id="rId4"/>
+              </a:rPr>
+              <a:t>://github.com/mjkoster/ODM-Examples/blob/master/tdl/ipso3300.sdf.json</a:t>
+            </a:r>
+            <a:endParaRPr lang="en-US" sz="1800" dirty="0"/>
+          </a:p>
+        </p:txBody>
+      </p:sp>
+    </p:spTree>
+    <p:extLst>
+      <p:ext uri="{BB962C8B-B14F-4D97-AF65-F5344CB8AC3E}">
+        <p14:creationId xmlns:p14="http://schemas.microsoft.com/office/powerpoint/2010/main" val="1797988769"/>
+      </p:ext>
+    </p:extLst>
+  </p:cSld>
+  <p:clrMapOvr>
+    <a:masterClrMapping/>
+  </p:clrMapOvr>
+</p:sld>
+</file>
+
 <file path=ppt/slides/slide2.xml><?xml version="1.0" encoding="utf-8"?>
 <p:sld xmlns:a="http://schemas.openxmlformats.org/drawingml/2006/main" xmlns:r="http://schemas.openxmlformats.org/officeDocument/2006/relationships" xmlns:p="http://schemas.openxmlformats.org/presentationml/2006/main">
   <p:cSld>
@@ -6567,8 +6727,8 @@
         </p:nvSpPr>
         <p:spPr>
           <a:xfrm>
-            <a:off x="628650" y="1394241"/>
-            <a:ext cx="8199664" cy="4974337"/>
+            <a:off x="413657" y="1394241"/>
+            <a:ext cx="8414657" cy="4974337"/>
           </a:xfrm>
         </p:spPr>
         <p:txBody>
@@ -6687,7 +6847,7 @@
             </a:r>
             <a:r>
               <a:rPr lang="en-US" dirty="0" err="1" smtClean="0"/>
-              <a:t>currentMeasuredValue</a:t>
+              <a:t>sensorValue</a:t>
             </a:r>
             <a:r>
               <a:rPr lang="en-US" dirty="0" smtClean="0"/>
@@ -6806,8 +6966,21 @@
             <a:pPr lvl="1"/>
             <a:r>
               <a:rPr lang="en-US" dirty="0" smtClean="0"/>
-              <a:t>Similar syntax as Objects, etc.</a:t>
-            </a:r>
+              <a:t>"</a:t>
+            </a:r>
+            <a:r>
+              <a:rPr lang="en-US" dirty="0" smtClean="0"/>
+              <a:t>Device </a:t>
+            </a:r>
+            <a:r>
+              <a:rPr lang="en-US" dirty="0"/>
+              <a:t>Type</a:t>
+            </a:r>
+            <a:r>
+              <a:rPr lang="en-US" smtClean="0"/>
+              <a:t>" specification</a:t>
+            </a:r>
+            <a:endParaRPr lang="en-US" dirty="0" smtClean="0"/>
           </a:p>
           <a:p>
             <a:r>
@@ -6820,7 +6993,15 @@
             <a:pPr lvl="1"/>
             <a:r>
               <a:rPr lang="en-US" dirty="0" smtClean="0"/>
-              <a:t>Product, "Device Type", standardized functionality</a:t>
+              <a:t>Product, </a:t>
+            </a:r>
+            <a:r>
+              <a:rPr lang="en-US" dirty="0" smtClean="0"/>
+              <a:t>composed from standardized </a:t>
+            </a:r>
+            <a:r>
+              <a:rPr lang="en-US" dirty="0" smtClean="0"/>
+              <a:t>functionality</a:t>
             </a:r>
           </a:p>
           <a:p>

--- a/sdf-extensions.pptx
+++ b/sdf-extensions.pptx
@@ -11,16 +11,17 @@
     <p:sldId id="264" r:id="rId5"/>
     <p:sldId id="260" r:id="rId6"/>
     <p:sldId id="261" r:id="rId7"/>
-    <p:sldId id="262" r:id="rId8"/>
-    <p:sldId id="263" r:id="rId9"/>
-    <p:sldId id="265" r:id="rId10"/>
-    <p:sldId id="270" r:id="rId11"/>
-    <p:sldId id="271" r:id="rId12"/>
-    <p:sldId id="272" r:id="rId13"/>
-    <p:sldId id="266" r:id="rId14"/>
-    <p:sldId id="267" r:id="rId15"/>
-    <p:sldId id="268" r:id="rId16"/>
-    <p:sldId id="273" r:id="rId17"/>
+    <p:sldId id="274" r:id="rId8"/>
+    <p:sldId id="262" r:id="rId9"/>
+    <p:sldId id="263" r:id="rId10"/>
+    <p:sldId id="265" r:id="rId11"/>
+    <p:sldId id="270" r:id="rId12"/>
+    <p:sldId id="271" r:id="rId13"/>
+    <p:sldId id="272" r:id="rId14"/>
+    <p:sldId id="266" r:id="rId15"/>
+    <p:sldId id="267" r:id="rId16"/>
+    <p:sldId id="268" r:id="rId17"/>
+    <p:sldId id="273" r:id="rId18"/>
   </p:sldIdLst>
   <p:sldSz cx="9144000" cy="6858000" type="letter"/>
   <p:notesSz cx="6858000" cy="9144000"/>
@@ -169,7 +170,7 @@
           </a:lstStyle>
           <a:p>
             <a:r>
-              <a:rPr lang="en-US" smtClean="0"/>
+              <a:rPr lang="en-US"/>
               <a:t>Click to edit Master title style</a:t>
             </a:r>
             <a:endParaRPr lang="en-US" dirty="0"/>
@@ -234,7 +235,7 @@
           </a:lstStyle>
           <a:p>
             <a:r>
-              <a:rPr lang="en-US" smtClean="0"/>
+              <a:rPr lang="en-US"/>
               <a:t>Click to edit Master subtitle style</a:t>
             </a:r>
             <a:endParaRPr lang="en-US" dirty="0"/>
@@ -258,7 +259,7 @@
           <a:p>
             <a:fld id="{B59606BF-8F0F-2444-A31E-943E88B76D1B}" type="datetimeFigureOut">
               <a:rPr lang="en-US" smtClean="0"/>
-              <a:t>5/30/19</a:t>
+              <a:t>6/6/19</a:t>
             </a:fld>
             <a:endParaRPr lang="en-US"/>
           </a:p>
@@ -347,7 +348,7 @@
           <a:lstStyle/>
           <a:p>
             <a:r>
-              <a:rPr lang="en-US" smtClean="0"/>
+              <a:rPr lang="en-US"/>
               <a:t>Click to edit Master title style</a:t>
             </a:r>
             <a:endParaRPr lang="en-US" dirty="0"/>
@@ -371,35 +372,35 @@
           <a:p>
             <a:pPr lvl="0"/>
             <a:r>
-              <a:rPr lang="en-US" smtClean="0"/>
+              <a:rPr lang="en-US"/>
               <a:t>Click to edit Master text styles</a:t>
             </a:r>
           </a:p>
           <a:p>
             <a:pPr lvl="1"/>
             <a:r>
-              <a:rPr lang="en-US" smtClean="0"/>
+              <a:rPr lang="en-US"/>
               <a:t>Second level</a:t>
             </a:r>
           </a:p>
           <a:p>
             <a:pPr lvl="2"/>
             <a:r>
-              <a:rPr lang="en-US" smtClean="0"/>
+              <a:rPr lang="en-US"/>
               <a:t>Third level</a:t>
             </a:r>
           </a:p>
           <a:p>
             <a:pPr lvl="3"/>
             <a:r>
-              <a:rPr lang="en-US" smtClean="0"/>
+              <a:rPr lang="en-US"/>
               <a:t>Fourth level</a:t>
             </a:r>
           </a:p>
           <a:p>
             <a:pPr lvl="4"/>
             <a:r>
-              <a:rPr lang="en-US" smtClean="0"/>
+              <a:rPr lang="en-US"/>
               <a:t>Fifth level</a:t>
             </a:r>
             <a:endParaRPr lang="en-US" dirty="0"/>
@@ -423,7 +424,7 @@
           <a:p>
             <a:fld id="{B59606BF-8F0F-2444-A31E-943E88B76D1B}" type="datetimeFigureOut">
               <a:rPr lang="en-US" smtClean="0"/>
-              <a:t>5/30/19</a:t>
+              <a:t>6/6/19</a:t>
             </a:fld>
             <a:endParaRPr lang="en-US"/>
           </a:p>
@@ -517,7 +518,7 @@
           <a:lstStyle/>
           <a:p>
             <a:r>
-              <a:rPr lang="en-US" smtClean="0"/>
+              <a:rPr lang="en-US"/>
               <a:t>Click to edit Master title style</a:t>
             </a:r>
             <a:endParaRPr lang="en-US" dirty="0"/>
@@ -546,35 +547,35 @@
           <a:p>
             <a:pPr lvl="0"/>
             <a:r>
-              <a:rPr lang="en-US" smtClean="0"/>
+              <a:rPr lang="en-US"/>
               <a:t>Click to edit Master text styles</a:t>
             </a:r>
           </a:p>
           <a:p>
             <a:pPr lvl="1"/>
             <a:r>
-              <a:rPr lang="en-US" smtClean="0"/>
+              <a:rPr lang="en-US"/>
               <a:t>Second level</a:t>
             </a:r>
           </a:p>
           <a:p>
             <a:pPr lvl="2"/>
             <a:r>
-              <a:rPr lang="en-US" smtClean="0"/>
+              <a:rPr lang="en-US"/>
               <a:t>Third level</a:t>
             </a:r>
           </a:p>
           <a:p>
             <a:pPr lvl="3"/>
             <a:r>
-              <a:rPr lang="en-US" smtClean="0"/>
+              <a:rPr lang="en-US"/>
               <a:t>Fourth level</a:t>
             </a:r>
           </a:p>
           <a:p>
             <a:pPr lvl="4"/>
             <a:r>
-              <a:rPr lang="en-US" smtClean="0"/>
+              <a:rPr lang="en-US"/>
               <a:t>Fifth level</a:t>
             </a:r>
             <a:endParaRPr lang="en-US" dirty="0"/>
@@ -598,7 +599,7 @@
           <a:p>
             <a:fld id="{B59606BF-8F0F-2444-A31E-943E88B76D1B}" type="datetimeFigureOut">
               <a:rPr lang="en-US" smtClean="0"/>
-              <a:t>5/30/19</a:t>
+              <a:t>6/6/19</a:t>
             </a:fld>
             <a:endParaRPr lang="en-US"/>
           </a:p>
@@ -687,7 +688,7 @@
           <a:lstStyle/>
           <a:p>
             <a:r>
-              <a:rPr lang="en-US" smtClean="0"/>
+              <a:rPr lang="en-US"/>
               <a:t>Click to edit Master title style</a:t>
             </a:r>
             <a:endParaRPr lang="en-US" dirty="0"/>
@@ -711,35 +712,35 @@
           <a:p>
             <a:pPr lvl="0"/>
             <a:r>
-              <a:rPr lang="en-US" smtClean="0"/>
+              <a:rPr lang="en-US"/>
               <a:t>Click to edit Master text styles</a:t>
             </a:r>
           </a:p>
           <a:p>
             <a:pPr lvl="1"/>
             <a:r>
-              <a:rPr lang="en-US" smtClean="0"/>
+              <a:rPr lang="en-US"/>
               <a:t>Second level</a:t>
             </a:r>
           </a:p>
           <a:p>
             <a:pPr lvl="2"/>
             <a:r>
-              <a:rPr lang="en-US" smtClean="0"/>
+              <a:rPr lang="en-US"/>
               <a:t>Third level</a:t>
             </a:r>
           </a:p>
           <a:p>
             <a:pPr lvl="3"/>
             <a:r>
-              <a:rPr lang="en-US" smtClean="0"/>
+              <a:rPr lang="en-US"/>
               <a:t>Fourth level</a:t>
             </a:r>
           </a:p>
           <a:p>
             <a:pPr lvl="4"/>
             <a:r>
-              <a:rPr lang="en-US" smtClean="0"/>
+              <a:rPr lang="en-US"/>
               <a:t>Fifth level</a:t>
             </a:r>
             <a:endParaRPr lang="en-US" dirty="0"/>
@@ -763,7 +764,7 @@
           <a:p>
             <a:fld id="{B59606BF-8F0F-2444-A31E-943E88B76D1B}" type="datetimeFigureOut">
               <a:rPr lang="en-US" smtClean="0"/>
-              <a:t>5/30/19</a:t>
+              <a:t>6/6/19</a:t>
             </a:fld>
             <a:endParaRPr lang="en-US"/>
           </a:p>
@@ -861,7 +862,7 @@
           </a:lstStyle>
           <a:p>
             <a:r>
-              <a:rPr lang="en-US" smtClean="0"/>
+              <a:rPr lang="en-US"/>
               <a:t>Click to edit Master title style</a:t>
             </a:r>
             <a:endParaRPr lang="en-US" dirty="0"/>
@@ -979,7 +980,7 @@
           <a:p>
             <a:pPr lvl="0"/>
             <a:r>
-              <a:rPr lang="en-US" smtClean="0"/>
+              <a:rPr lang="en-US"/>
               <a:t>Click to edit Master text styles</a:t>
             </a:r>
           </a:p>
@@ -1002,7 +1003,7 @@
           <a:p>
             <a:fld id="{B59606BF-8F0F-2444-A31E-943E88B76D1B}" type="datetimeFigureOut">
               <a:rPr lang="en-US" smtClean="0"/>
-              <a:t>5/30/19</a:t>
+              <a:t>6/6/19</a:t>
             </a:fld>
             <a:endParaRPr lang="en-US"/>
           </a:p>
@@ -1091,7 +1092,7 @@
           <a:lstStyle/>
           <a:p>
             <a:r>
-              <a:rPr lang="en-US" smtClean="0"/>
+              <a:rPr lang="en-US"/>
               <a:t>Click to edit Master title style</a:t>
             </a:r>
             <a:endParaRPr lang="en-US" dirty="0"/>
@@ -1120,35 +1121,35 @@
           <a:p>
             <a:pPr lvl="0"/>
             <a:r>
-              <a:rPr lang="en-US" smtClean="0"/>
+              <a:rPr lang="en-US"/>
               <a:t>Click to edit Master text styles</a:t>
             </a:r>
           </a:p>
           <a:p>
             <a:pPr lvl="1"/>
             <a:r>
-              <a:rPr lang="en-US" smtClean="0"/>
+              <a:rPr lang="en-US"/>
               <a:t>Second level</a:t>
             </a:r>
           </a:p>
           <a:p>
             <a:pPr lvl="2"/>
             <a:r>
-              <a:rPr lang="en-US" smtClean="0"/>
+              <a:rPr lang="en-US"/>
               <a:t>Third level</a:t>
             </a:r>
           </a:p>
           <a:p>
             <a:pPr lvl="3"/>
             <a:r>
-              <a:rPr lang="en-US" smtClean="0"/>
+              <a:rPr lang="en-US"/>
               <a:t>Fourth level</a:t>
             </a:r>
           </a:p>
           <a:p>
             <a:pPr lvl="4"/>
             <a:r>
-              <a:rPr lang="en-US" smtClean="0"/>
+              <a:rPr lang="en-US"/>
               <a:t>Fifth level</a:t>
             </a:r>
             <a:endParaRPr lang="en-US" dirty="0"/>
@@ -1177,35 +1178,35 @@
           <a:p>
             <a:pPr lvl="0"/>
             <a:r>
-              <a:rPr lang="en-US" smtClean="0"/>
+              <a:rPr lang="en-US"/>
               <a:t>Click to edit Master text styles</a:t>
             </a:r>
           </a:p>
           <a:p>
             <a:pPr lvl="1"/>
             <a:r>
-              <a:rPr lang="en-US" smtClean="0"/>
+              <a:rPr lang="en-US"/>
               <a:t>Second level</a:t>
             </a:r>
           </a:p>
           <a:p>
             <a:pPr lvl="2"/>
             <a:r>
-              <a:rPr lang="en-US" smtClean="0"/>
+              <a:rPr lang="en-US"/>
               <a:t>Third level</a:t>
             </a:r>
           </a:p>
           <a:p>
             <a:pPr lvl="3"/>
             <a:r>
-              <a:rPr lang="en-US" smtClean="0"/>
+              <a:rPr lang="en-US"/>
               <a:t>Fourth level</a:t>
             </a:r>
           </a:p>
           <a:p>
             <a:pPr lvl="4"/>
             <a:r>
-              <a:rPr lang="en-US" smtClean="0"/>
+              <a:rPr lang="en-US"/>
               <a:t>Fifth level</a:t>
             </a:r>
             <a:endParaRPr lang="en-US" dirty="0"/>
@@ -1229,7 +1230,7 @@
           <a:p>
             <a:fld id="{B59606BF-8F0F-2444-A31E-943E88B76D1B}" type="datetimeFigureOut">
               <a:rPr lang="en-US" smtClean="0"/>
-              <a:t>5/30/19</a:t>
+              <a:t>6/6/19</a:t>
             </a:fld>
             <a:endParaRPr lang="en-US"/>
           </a:p>
@@ -1323,7 +1324,7 @@
           <a:lstStyle/>
           <a:p>
             <a:r>
-              <a:rPr lang="en-US" smtClean="0"/>
+              <a:rPr lang="en-US"/>
               <a:t>Click to edit Master title style</a:t>
             </a:r>
             <a:endParaRPr lang="en-US" dirty="0"/>
@@ -1389,7 +1390,7 @@
           <a:p>
             <a:pPr lvl="0"/>
             <a:r>
-              <a:rPr lang="en-US" smtClean="0"/>
+              <a:rPr lang="en-US"/>
               <a:t>Click to edit Master text styles</a:t>
             </a:r>
           </a:p>
@@ -1417,35 +1418,35 @@
           <a:p>
             <a:pPr lvl="0"/>
             <a:r>
-              <a:rPr lang="en-US" smtClean="0"/>
+              <a:rPr lang="en-US"/>
               <a:t>Click to edit Master text styles</a:t>
             </a:r>
           </a:p>
           <a:p>
             <a:pPr lvl="1"/>
             <a:r>
-              <a:rPr lang="en-US" smtClean="0"/>
+              <a:rPr lang="en-US"/>
               <a:t>Second level</a:t>
             </a:r>
           </a:p>
           <a:p>
             <a:pPr lvl="2"/>
             <a:r>
-              <a:rPr lang="en-US" smtClean="0"/>
+              <a:rPr lang="en-US"/>
               <a:t>Third level</a:t>
             </a:r>
           </a:p>
           <a:p>
             <a:pPr lvl="3"/>
             <a:r>
-              <a:rPr lang="en-US" smtClean="0"/>
+              <a:rPr lang="en-US"/>
               <a:t>Fourth level</a:t>
             </a:r>
           </a:p>
           <a:p>
             <a:pPr lvl="4"/>
             <a:r>
-              <a:rPr lang="en-US" smtClean="0"/>
+              <a:rPr lang="en-US"/>
               <a:t>Fifth level</a:t>
             </a:r>
             <a:endParaRPr lang="en-US" dirty="0"/>
@@ -1511,7 +1512,7 @@
           <a:p>
             <a:pPr lvl="0"/>
             <a:r>
-              <a:rPr lang="en-US" smtClean="0"/>
+              <a:rPr lang="en-US"/>
               <a:t>Click to edit Master text styles</a:t>
             </a:r>
           </a:p>
@@ -1539,35 +1540,35 @@
           <a:p>
             <a:pPr lvl="0"/>
             <a:r>
-              <a:rPr lang="en-US" smtClean="0"/>
+              <a:rPr lang="en-US"/>
               <a:t>Click to edit Master text styles</a:t>
             </a:r>
           </a:p>
           <a:p>
             <a:pPr lvl="1"/>
             <a:r>
-              <a:rPr lang="en-US" smtClean="0"/>
+              <a:rPr lang="en-US"/>
               <a:t>Second level</a:t>
             </a:r>
           </a:p>
           <a:p>
             <a:pPr lvl="2"/>
             <a:r>
-              <a:rPr lang="en-US" smtClean="0"/>
+              <a:rPr lang="en-US"/>
               <a:t>Third level</a:t>
             </a:r>
           </a:p>
           <a:p>
             <a:pPr lvl="3"/>
             <a:r>
-              <a:rPr lang="en-US" smtClean="0"/>
+              <a:rPr lang="en-US"/>
               <a:t>Fourth level</a:t>
             </a:r>
           </a:p>
           <a:p>
             <a:pPr lvl="4"/>
             <a:r>
-              <a:rPr lang="en-US" smtClean="0"/>
+              <a:rPr lang="en-US"/>
               <a:t>Fifth level</a:t>
             </a:r>
             <a:endParaRPr lang="en-US" dirty="0"/>
@@ -1591,7 +1592,7 @@
           <a:p>
             <a:fld id="{B59606BF-8F0F-2444-A31E-943E88B76D1B}" type="datetimeFigureOut">
               <a:rPr lang="en-US" smtClean="0"/>
-              <a:t>5/30/19</a:t>
+              <a:t>6/6/19</a:t>
             </a:fld>
             <a:endParaRPr lang="en-US"/>
           </a:p>
@@ -1680,7 +1681,7 @@
           <a:lstStyle/>
           <a:p>
             <a:r>
-              <a:rPr lang="en-US" smtClean="0"/>
+              <a:rPr lang="en-US"/>
               <a:t>Click to edit Master title style</a:t>
             </a:r>
             <a:endParaRPr lang="en-US" dirty="0"/>
@@ -1704,7 +1705,7 @@
           <a:p>
             <a:fld id="{B59606BF-8F0F-2444-A31E-943E88B76D1B}" type="datetimeFigureOut">
               <a:rPr lang="en-US" smtClean="0"/>
-              <a:t>5/30/19</a:t>
+              <a:t>6/6/19</a:t>
             </a:fld>
             <a:endParaRPr lang="en-US"/>
           </a:p>
@@ -1794,7 +1795,7 @@
           <a:p>
             <a:fld id="{B59606BF-8F0F-2444-A31E-943E88B76D1B}" type="datetimeFigureOut">
               <a:rPr lang="en-US" smtClean="0"/>
-              <a:t>5/30/19</a:t>
+              <a:t>6/6/19</a:t>
             </a:fld>
             <a:endParaRPr lang="en-US"/>
           </a:p>
@@ -1892,7 +1893,7 @@
           </a:lstStyle>
           <a:p>
             <a:r>
-              <a:rPr lang="en-US" smtClean="0"/>
+              <a:rPr lang="en-US"/>
               <a:t>Click to edit Master title style</a:t>
             </a:r>
             <a:endParaRPr lang="en-US" dirty="0"/>
@@ -1949,35 +1950,35 @@
           <a:p>
             <a:pPr lvl="0"/>
             <a:r>
-              <a:rPr lang="en-US" smtClean="0"/>
+              <a:rPr lang="en-US"/>
               <a:t>Click to edit Master text styles</a:t>
             </a:r>
           </a:p>
           <a:p>
             <a:pPr lvl="1"/>
             <a:r>
-              <a:rPr lang="en-US" smtClean="0"/>
+              <a:rPr lang="en-US"/>
               <a:t>Second level</a:t>
             </a:r>
           </a:p>
           <a:p>
             <a:pPr lvl="2"/>
             <a:r>
-              <a:rPr lang="en-US" smtClean="0"/>
+              <a:rPr lang="en-US"/>
               <a:t>Third level</a:t>
             </a:r>
           </a:p>
           <a:p>
             <a:pPr lvl="3"/>
             <a:r>
-              <a:rPr lang="en-US" smtClean="0"/>
+              <a:rPr lang="en-US"/>
               <a:t>Fourth level</a:t>
             </a:r>
           </a:p>
           <a:p>
             <a:pPr lvl="4"/>
             <a:r>
-              <a:rPr lang="en-US" smtClean="0"/>
+              <a:rPr lang="en-US"/>
               <a:t>Fifth level</a:t>
             </a:r>
             <a:endParaRPr lang="en-US" dirty="0"/>
@@ -2043,7 +2044,7 @@
           <a:p>
             <a:pPr lvl="0"/>
             <a:r>
-              <a:rPr lang="en-US" smtClean="0"/>
+              <a:rPr lang="en-US"/>
               <a:t>Click to edit Master text styles</a:t>
             </a:r>
           </a:p>
@@ -2066,7 +2067,7 @@
           <a:p>
             <a:fld id="{B59606BF-8F0F-2444-A31E-943E88B76D1B}" type="datetimeFigureOut">
               <a:rPr lang="en-US" smtClean="0"/>
-              <a:t>5/30/19</a:t>
+              <a:t>6/6/19</a:t>
             </a:fld>
             <a:endParaRPr lang="en-US"/>
           </a:p>
@@ -2164,7 +2165,7 @@
           </a:lstStyle>
           <a:p>
             <a:r>
-              <a:rPr lang="en-US" smtClean="0"/>
+              <a:rPr lang="en-US"/>
               <a:t>Click to edit Master title style</a:t>
             </a:r>
             <a:endParaRPr lang="en-US" dirty="0"/>
@@ -2229,7 +2230,7 @@
           </a:lstStyle>
           <a:p>
             <a:r>
-              <a:rPr lang="en-US" smtClean="0"/>
+              <a:rPr lang="en-US"/>
               <a:t>Drag picture to placeholder or click icon to add</a:t>
             </a:r>
             <a:endParaRPr lang="en-US" dirty="0"/>
@@ -2295,7 +2296,7 @@
           <a:p>
             <a:pPr lvl="0"/>
             <a:r>
-              <a:rPr lang="en-US" smtClean="0"/>
+              <a:rPr lang="en-US"/>
               <a:t>Click to edit Master text styles</a:t>
             </a:r>
           </a:p>
@@ -2318,7 +2319,7 @@
           <a:p>
             <a:fld id="{B59606BF-8F0F-2444-A31E-943E88B76D1B}" type="datetimeFigureOut">
               <a:rPr lang="en-US" smtClean="0"/>
-              <a:t>5/30/19</a:t>
+              <a:t>6/6/19</a:t>
             </a:fld>
             <a:endParaRPr lang="en-US"/>
           </a:p>
@@ -2422,7 +2423,7 @@
           <a:lstStyle/>
           <a:p>
             <a:r>
-              <a:rPr lang="en-US" smtClean="0"/>
+              <a:rPr lang="en-US"/>
               <a:t>Click to edit Master title style</a:t>
             </a:r>
             <a:endParaRPr lang="en-US" dirty="0"/>
@@ -2456,35 +2457,35 @@
           <a:p>
             <a:pPr lvl="0"/>
             <a:r>
-              <a:rPr lang="en-US" smtClean="0"/>
+              <a:rPr lang="en-US"/>
               <a:t>Click to edit Master text styles</a:t>
             </a:r>
           </a:p>
           <a:p>
             <a:pPr lvl="1"/>
             <a:r>
-              <a:rPr lang="en-US" smtClean="0"/>
+              <a:rPr lang="en-US"/>
               <a:t>Second level</a:t>
             </a:r>
           </a:p>
           <a:p>
             <a:pPr lvl="2"/>
             <a:r>
-              <a:rPr lang="en-US" smtClean="0"/>
+              <a:rPr lang="en-US"/>
               <a:t>Third level</a:t>
             </a:r>
           </a:p>
           <a:p>
             <a:pPr lvl="3"/>
             <a:r>
-              <a:rPr lang="en-US" smtClean="0"/>
+              <a:rPr lang="en-US"/>
               <a:t>Fourth level</a:t>
             </a:r>
           </a:p>
           <a:p>
             <a:pPr lvl="4"/>
             <a:r>
-              <a:rPr lang="en-US" smtClean="0"/>
+              <a:rPr lang="en-US"/>
               <a:t>Fifth level</a:t>
             </a:r>
             <a:endParaRPr lang="en-US" dirty="0"/>
@@ -2526,7 +2527,7 @@
           <a:p>
             <a:fld id="{B59606BF-8F0F-2444-A31E-943E88B76D1B}" type="datetimeFigureOut">
               <a:rPr lang="en-US" smtClean="0"/>
-              <a:t>5/30/19</a:t>
+              <a:t>6/6/19</a:t>
             </a:fld>
             <a:endParaRPr lang="en-US"/>
           </a:p>
@@ -2952,18 +2953,13 @@
           <a:lstStyle/>
           <a:p>
             <a:r>
-              <a:rPr lang="en-US" smtClean="0"/>
+              <a:rPr lang="en-US"/>
               <a:t>ODM Extensions for </a:t>
             </a:r>
             <a:r>
               <a:rPr lang="en-US" dirty="0"/>
-              <a:t>Complex and Composed </a:t>
-            </a:r>
-            <a:r>
-              <a:rPr lang="en-US" dirty="0" smtClean="0"/>
-              <a:t>Definitions</a:t>
-            </a:r>
-            <a:endParaRPr lang="en-US" dirty="0"/>
+              <a:t>Complex and Composed Definitions</a:t>
+            </a:r>
           </a:p>
         </p:txBody>
       </p:sp>
@@ -2988,16 +2984,15 @@
           <a:lstStyle/>
           <a:p>
             <a:r>
-              <a:rPr lang="en-US" dirty="0" smtClean="0"/>
+              <a:rPr lang="en-US" dirty="0"/>
               <a:t>One Data Model</a:t>
             </a:r>
           </a:p>
           <a:p>
             <a:r>
-              <a:rPr lang="en-US" dirty="0" smtClean="0"/>
-              <a:t>May 24, 2019</a:t>
-            </a:r>
-            <a:endParaRPr lang="en-US" dirty="0"/>
+              <a:rPr lang="en-US" dirty="0"/>
+              <a:t>June 7, 2019</a:t>
+            </a:r>
           </a:p>
         </p:txBody>
       </p:sp>
@@ -3041,10 +3036,32 @@
             <p:ph type="title"/>
           </p:nvPr>
         </p:nvSpPr>
+        <p:spPr/>
+        <p:txBody>
+          <a:bodyPr/>
+          <a:lstStyle/>
+          <a:p>
+            <a:r>
+              <a:rPr lang="en-US" dirty="0"/>
+              <a:t>Examples</a:t>
+            </a:r>
+          </a:p>
+        </p:txBody>
+      </p:sp>
+      <p:sp>
+        <p:nvSpPr>
+          <p:cNvPr id="3" name="Content Placeholder 2"/>
+          <p:cNvSpPr>
+            <a:spLocks noGrp="1"/>
+          </p:cNvSpPr>
+          <p:nvPr>
+            <p:ph idx="1"/>
+          </p:nvPr>
+        </p:nvSpPr>
         <p:spPr>
           <a:xfrm>
-            <a:off x="628650" y="123768"/>
-            <a:ext cx="7886700" cy="1325563"/>
+            <a:off x="628650" y="1690689"/>
+            <a:ext cx="7886700" cy="4351338"/>
           </a:xfrm>
         </p:spPr>
         <p:txBody>
@@ -3052,392 +3069,111 @@
           <a:lstStyle/>
           <a:p>
             <a:r>
-              <a:rPr lang="en-US" dirty="0" smtClean="0"/>
-              <a:t>type</a:t>
+              <a:rPr lang="en-US" dirty="0"/>
+              <a:t>type </a:t>
+            </a:r>
+            <a:r>
+              <a:rPr lang="mr-IN" dirty="0"/>
+              <a:t>–</a:t>
+            </a:r>
+            <a:r>
+              <a:rPr lang="en-US" dirty="0"/>
+              <a:t> ZCL level model that has multiple timers</a:t>
+            </a:r>
+          </a:p>
+          <a:p>
+            <a:r>
+              <a:rPr lang="en-US" dirty="0"/>
+              <a:t>include </a:t>
+            </a:r>
+            <a:r>
+              <a:rPr lang="mr-IN" dirty="0"/>
+              <a:t>–</a:t>
+            </a:r>
+            <a:r>
+              <a:rPr lang="en-US" dirty="0"/>
+              <a:t> printer and scanner things with common power control</a:t>
+            </a:r>
+          </a:p>
+          <a:p>
+            <a:r>
+              <a:rPr lang="en-US" dirty="0"/>
+              <a:t>include type </a:t>
+            </a:r>
+            <a:r>
+              <a:rPr lang="mr-IN" dirty="0"/>
+              <a:t>–</a:t>
+            </a:r>
+            <a:r>
+              <a:rPr lang="en-US" dirty="0"/>
+              <a:t> ipso 3300 Object model that reuses definitions of </a:t>
+            </a:r>
+            <a:r>
+              <a:rPr lang="en-US" dirty="0" err="1"/>
+              <a:t>odmProperties</a:t>
             </a:r>
             <a:endParaRPr lang="en-US" dirty="0"/>
           </a:p>
-        </p:txBody>
-      </p:sp>
-      <p:sp>
-        <p:nvSpPr>
-          <p:cNvPr id="3" name="Content Placeholder 2"/>
-          <p:cNvSpPr>
-            <a:spLocks noGrp="1"/>
-          </p:cNvSpPr>
-          <p:nvPr>
-            <p:ph idx="1"/>
-          </p:nvPr>
-        </p:nvSpPr>
-        <p:spPr>
-          <a:xfrm>
-            <a:off x="628650" y="1449331"/>
-            <a:ext cx="7886700" cy="2223861"/>
-          </a:xfrm>
-        </p:spPr>
-        <p:txBody>
-          <a:bodyPr/>
-          <a:lstStyle/>
-          <a:p>
-            <a:r>
-              <a:rPr lang="en-US" dirty="0" smtClean="0"/>
-              <a:t>use an </a:t>
-            </a:r>
-            <a:r>
-              <a:rPr lang="en-US" dirty="0" err="1" smtClean="0"/>
-              <a:t>exsiting</a:t>
-            </a:r>
-            <a:r>
-              <a:rPr lang="en-US" dirty="0" smtClean="0"/>
-              <a:t> definition as a template for a new definition</a:t>
-            </a:r>
-            <a:endParaRPr lang="en-US" dirty="0"/>
-          </a:p>
-        </p:txBody>
-      </p:sp>
-      <p:sp>
-        <p:nvSpPr>
-          <p:cNvPr id="4" name="Rectangle 3"/>
-          <p:cNvSpPr/>
-          <p:nvPr/>
-        </p:nvSpPr>
-        <p:spPr>
-          <a:xfrm>
-            <a:off x="1087210" y="2561261"/>
-            <a:ext cx="6969578" cy="1754326"/>
-          </a:xfrm>
-          <a:prstGeom prst="rect">
-            <a:avLst/>
-          </a:prstGeom>
-        </p:spPr>
-        <p:txBody>
-          <a:bodyPr wrap="square">
-            <a:spAutoFit/>
-          </a:bodyPr>
-          <a:lstStyle/>
-          <a:p>
-            <a:r>
-              <a:rPr lang="en-US" dirty="0">
-                <a:latin typeface="Courier" charset="0"/>
-                <a:ea typeface="Courier" charset="0"/>
-                <a:cs typeface="Courier" charset="0"/>
-              </a:rPr>
-              <a:t>"</a:t>
-            </a:r>
-            <a:r>
-              <a:rPr lang="en-US" dirty="0" err="1">
-                <a:latin typeface="Courier" charset="0"/>
-                <a:ea typeface="Courier" charset="0"/>
-                <a:cs typeface="Courier" charset="0"/>
-              </a:rPr>
-              <a:t>odmObject</a:t>
-            </a:r>
-            <a:r>
-              <a:rPr lang="en-US" dirty="0">
-                <a:latin typeface="Courier" charset="0"/>
-                <a:ea typeface="Courier" charset="0"/>
-                <a:cs typeface="Courier" charset="0"/>
-              </a:rPr>
-              <a:t>": {</a:t>
-            </a:r>
-          </a:p>
-          <a:p>
-            <a:r>
-              <a:rPr lang="en-US" dirty="0" smtClean="0">
-                <a:latin typeface="Courier" charset="0"/>
-                <a:ea typeface="Courier" charset="0"/>
-                <a:cs typeface="Courier" charset="0"/>
-              </a:rPr>
-              <a:t>  "</a:t>
-            </a:r>
-            <a:r>
-              <a:rPr lang="en-US" dirty="0">
-                <a:latin typeface="Courier" charset="0"/>
-                <a:ea typeface="Courier" charset="0"/>
-                <a:cs typeface="Courier" charset="0"/>
-              </a:rPr>
-              <a:t>3300/0": {</a:t>
-            </a:r>
-          </a:p>
-          <a:p>
-            <a:r>
-              <a:rPr lang="en-US" dirty="0" smtClean="0">
-                <a:latin typeface="Courier" charset="0"/>
-                <a:ea typeface="Courier" charset="0"/>
-                <a:cs typeface="Courier" charset="0"/>
-              </a:rPr>
-              <a:t>    "</a:t>
-            </a:r>
-            <a:r>
-              <a:rPr lang="en-US" dirty="0">
-                <a:latin typeface="Courier" charset="0"/>
-                <a:ea typeface="Courier" charset="0"/>
-                <a:cs typeface="Courier" charset="0"/>
-              </a:rPr>
-              <a:t>type": {</a:t>
-            </a:r>
-          </a:p>
-          <a:p>
-            <a:r>
-              <a:rPr lang="en-US" dirty="0" smtClean="0">
-                <a:latin typeface="Courier" charset="0"/>
-                <a:ea typeface="Courier" charset="0"/>
-                <a:cs typeface="Courier" charset="0"/>
-              </a:rPr>
-              <a:t>      "$</a:t>
-            </a:r>
-            <a:r>
-              <a:rPr lang="en-US" dirty="0">
-                <a:latin typeface="Courier" charset="0"/>
-                <a:ea typeface="Courier" charset="0"/>
-                <a:cs typeface="Courier" charset="0"/>
-              </a:rPr>
-              <a:t>ref</a:t>
-            </a:r>
-            <a:r>
-              <a:rPr lang="en-US" dirty="0" smtClean="0">
-                <a:latin typeface="Courier" charset="0"/>
-                <a:ea typeface="Courier" charset="0"/>
-                <a:cs typeface="Courier" charset="0"/>
-              </a:rPr>
-              <a:t>": "#/</a:t>
-            </a:r>
-            <a:r>
-              <a:rPr lang="en-US" dirty="0" err="1">
-                <a:latin typeface="Courier" charset="0"/>
-                <a:ea typeface="Courier" charset="0"/>
-                <a:cs typeface="Courier" charset="0"/>
-              </a:rPr>
-              <a:t>odmObject</a:t>
-            </a:r>
-            <a:r>
-              <a:rPr lang="en-US" dirty="0">
-                <a:latin typeface="Courier" charset="0"/>
-                <a:ea typeface="Courier" charset="0"/>
-                <a:cs typeface="Courier" charset="0"/>
-              </a:rPr>
-              <a:t>/</a:t>
-            </a:r>
-            <a:r>
-              <a:rPr lang="en-US" dirty="0" err="1">
-                <a:latin typeface="Courier" charset="0"/>
-                <a:ea typeface="Courier" charset="0"/>
-                <a:cs typeface="Courier" charset="0"/>
-              </a:rPr>
-              <a:t>genericSensor</a:t>
-            </a:r>
-            <a:r>
-              <a:rPr lang="en-US" dirty="0">
-                <a:latin typeface="Courier" charset="0"/>
-                <a:ea typeface="Courier" charset="0"/>
-                <a:cs typeface="Courier" charset="0"/>
-              </a:rPr>
-              <a:t>"</a:t>
-            </a:r>
-          </a:p>
-          <a:p>
-            <a:r>
-              <a:rPr lang="en-US" dirty="0" smtClean="0">
-                <a:latin typeface="Courier" charset="0"/>
-                <a:ea typeface="Courier" charset="0"/>
-                <a:cs typeface="Courier" charset="0"/>
-              </a:rPr>
-              <a:t>    }, </a:t>
-            </a:r>
-            <a:endParaRPr lang="en-US" dirty="0">
-              <a:latin typeface="Courier" charset="0"/>
-              <a:ea typeface="Courier" charset="0"/>
-              <a:cs typeface="Courier" charset="0"/>
-            </a:endParaRPr>
-          </a:p>
-          <a:p>
-            <a:r>
-              <a:rPr lang="en-US" dirty="0" smtClean="0">
-                <a:latin typeface="Courier" charset="0"/>
-                <a:ea typeface="Courier" charset="0"/>
-                <a:cs typeface="Courier" charset="0"/>
-              </a:rPr>
-              <a:t>    "</a:t>
-            </a:r>
-            <a:r>
-              <a:rPr lang="en-US" dirty="0">
-                <a:latin typeface="Courier" charset="0"/>
-                <a:ea typeface="Courier" charset="0"/>
-                <a:cs typeface="Courier" charset="0"/>
-              </a:rPr>
-              <a:t>optional": false, </a:t>
-            </a:r>
-            <a:endParaRPr lang="en-US" b="0" dirty="0">
-              <a:effectLst/>
-              <a:latin typeface="Courier" charset="0"/>
-              <a:ea typeface="Courier" charset="0"/>
-              <a:cs typeface="Courier" charset="0"/>
-            </a:endParaRPr>
-          </a:p>
-        </p:txBody>
-      </p:sp>
-      <p:sp>
-        <p:nvSpPr>
-          <p:cNvPr id="5" name="Rectangle 4"/>
-          <p:cNvSpPr/>
-          <p:nvPr/>
-        </p:nvSpPr>
-        <p:spPr>
-          <a:xfrm>
-            <a:off x="1087210" y="4715215"/>
-            <a:ext cx="6619875" cy="1477328"/>
-          </a:xfrm>
-          <a:prstGeom prst="rect">
-            <a:avLst/>
-          </a:prstGeom>
-        </p:spPr>
-        <p:txBody>
-          <a:bodyPr wrap="square">
-            <a:spAutoFit/>
-          </a:bodyPr>
-          <a:lstStyle/>
-          <a:p>
-            <a:r>
-              <a:rPr lang="en-US" dirty="0">
-                <a:latin typeface="Courier" charset="0"/>
-                <a:ea typeface="Courier" charset="0"/>
-                <a:cs typeface="Courier" charset="0"/>
-              </a:rPr>
-              <a:t>"</a:t>
-            </a:r>
-            <a:r>
-              <a:rPr lang="en-US" dirty="0" err="1">
-                <a:latin typeface="Courier" charset="0"/>
-                <a:ea typeface="Courier" charset="0"/>
-                <a:cs typeface="Courier" charset="0"/>
-              </a:rPr>
-              <a:t>odmProperty</a:t>
-            </a:r>
-            <a:r>
-              <a:rPr lang="en-US" dirty="0">
-                <a:latin typeface="Courier" charset="0"/>
-                <a:ea typeface="Courier" charset="0"/>
-                <a:cs typeface="Courier" charset="0"/>
-              </a:rPr>
-              <a:t>": {</a:t>
-            </a:r>
-          </a:p>
-          <a:p>
-            <a:r>
-              <a:rPr lang="en-US" dirty="0" smtClean="0">
-                <a:latin typeface="Courier" charset="0"/>
-                <a:ea typeface="Courier" charset="0"/>
-                <a:cs typeface="Courier" charset="0"/>
-              </a:rPr>
-              <a:t>  "</a:t>
-            </a:r>
-            <a:r>
-              <a:rPr lang="en-US" dirty="0" err="1">
-                <a:latin typeface="Courier" charset="0"/>
-                <a:ea typeface="Courier" charset="0"/>
-                <a:cs typeface="Courier" charset="0"/>
-              </a:rPr>
-              <a:t>OnOffTransitionTime</a:t>
-            </a:r>
-            <a:r>
-              <a:rPr lang="en-US" dirty="0">
-                <a:latin typeface="Courier" charset="0"/>
-                <a:ea typeface="Courier" charset="0"/>
-                <a:cs typeface="Courier" charset="0"/>
-              </a:rPr>
-              <a:t>": {</a:t>
-            </a:r>
-          </a:p>
-          <a:p>
-            <a:r>
-              <a:rPr lang="en-US" dirty="0" smtClean="0">
-                <a:latin typeface="Courier" charset="0"/>
-                <a:ea typeface="Courier" charset="0"/>
-                <a:cs typeface="Courier" charset="0"/>
-              </a:rPr>
-              <a:t>    "</a:t>
-            </a:r>
-            <a:r>
-              <a:rPr lang="en-US" dirty="0">
-                <a:latin typeface="Courier" charset="0"/>
-                <a:ea typeface="Courier" charset="0"/>
-                <a:cs typeface="Courier" charset="0"/>
-              </a:rPr>
-              <a:t>type": {</a:t>
-            </a:r>
-          </a:p>
-          <a:p>
-            <a:r>
-              <a:rPr lang="en-US" dirty="0" smtClean="0">
-                <a:latin typeface="Courier" charset="0"/>
-                <a:ea typeface="Courier" charset="0"/>
-                <a:cs typeface="Courier" charset="0"/>
-              </a:rPr>
-              <a:t>      "$</a:t>
-            </a:r>
-            <a:r>
-              <a:rPr lang="en-US" dirty="0">
-                <a:latin typeface="Courier" charset="0"/>
-                <a:ea typeface="Courier" charset="0"/>
-                <a:cs typeface="Courier" charset="0"/>
-              </a:rPr>
-              <a:t>ref": "#/</a:t>
-            </a:r>
-            <a:r>
-              <a:rPr lang="en-US" dirty="0" err="1">
-                <a:latin typeface="Courier" charset="0"/>
-                <a:ea typeface="Courier" charset="0"/>
-                <a:cs typeface="Courier" charset="0"/>
-              </a:rPr>
-              <a:t>odmData</a:t>
-            </a:r>
-            <a:r>
-              <a:rPr lang="en-US" dirty="0">
-                <a:latin typeface="Courier" charset="0"/>
-                <a:ea typeface="Courier" charset="0"/>
-                <a:cs typeface="Courier" charset="0"/>
-              </a:rPr>
-              <a:t>/</a:t>
-            </a:r>
-            <a:r>
-              <a:rPr lang="en-US" dirty="0" err="1">
-                <a:latin typeface="Courier" charset="0"/>
-                <a:ea typeface="Courier" charset="0"/>
-                <a:cs typeface="Courier" charset="0"/>
-              </a:rPr>
-              <a:t>transitiontimedata</a:t>
-            </a:r>
-            <a:r>
-              <a:rPr lang="en-US" dirty="0">
-                <a:latin typeface="Courier" charset="0"/>
-                <a:ea typeface="Courier" charset="0"/>
-                <a:cs typeface="Courier" charset="0"/>
-              </a:rPr>
-              <a:t>"</a:t>
-            </a:r>
-          </a:p>
-          <a:p>
-            <a:r>
-              <a:rPr lang="en-US" dirty="0" smtClean="0">
-                <a:latin typeface="Courier" charset="0"/>
-                <a:ea typeface="Courier" charset="0"/>
-                <a:cs typeface="Courier" charset="0"/>
-              </a:rPr>
-              <a:t>    }, </a:t>
-            </a:r>
-            <a:endParaRPr lang="en-US" b="0" dirty="0">
-              <a:effectLst/>
-              <a:latin typeface="Courier" charset="0"/>
-              <a:ea typeface="Courier" charset="0"/>
-              <a:cs typeface="Courier" charset="0"/>
-            </a:endParaRPr>
+          <a:p>
+            <a:r>
+              <a:rPr lang="en-US" dirty="0" err="1"/>
+              <a:t>odmProduct</a:t>
+            </a:r>
+            <a:r>
+              <a:rPr lang="en-US" dirty="0"/>
+              <a:t> </a:t>
+            </a:r>
+            <a:r>
+              <a:rPr lang="mr-IN" dirty="0"/>
+              <a:t>–</a:t>
+            </a:r>
+            <a:r>
+              <a:rPr lang="en-US" dirty="0"/>
+              <a:t> ipso model of a vacuum gauge with two specialized 3300 type sensor Objects</a:t>
+            </a:r>
+          </a:p>
+          <a:p>
+            <a:r>
+              <a:rPr lang="en-US" dirty="0" err="1"/>
+              <a:t>odmThing</a:t>
+            </a:r>
+            <a:r>
+              <a:rPr lang="en-US" dirty="0"/>
+              <a:t> </a:t>
+            </a:r>
+            <a:r>
+              <a:rPr lang="mr-IN" dirty="0"/>
+              <a:t>–</a:t>
+            </a:r>
+            <a:r>
+              <a:rPr lang="en-US" dirty="0"/>
+              <a:t> a plug element of an outlet strip </a:t>
+            </a:r>
+          </a:p>
+          <a:p>
+            <a:r>
+              <a:rPr lang="en-US" dirty="0" err="1"/>
+              <a:t>odmView</a:t>
+            </a:r>
+            <a:r>
+              <a:rPr lang="en-US" dirty="0"/>
+              <a:t> </a:t>
+            </a:r>
+            <a:r>
+              <a:rPr lang="mr-IN" dirty="0"/>
+              <a:t>–</a:t>
+            </a:r>
+            <a:r>
+              <a:rPr lang="en-US" dirty="0"/>
+              <a:t> a definition of an OCF interface</a:t>
+            </a:r>
           </a:p>
         </p:txBody>
       </p:sp>
     </p:spTree>
     <p:extLst>
       <p:ext uri="{BB962C8B-B14F-4D97-AF65-F5344CB8AC3E}">
-        <p14:creationId xmlns:p14="http://schemas.microsoft.com/office/powerpoint/2010/main" val="1322695632"/>
+        <p14:creationId xmlns:p14="http://schemas.microsoft.com/office/powerpoint/2010/main" val="1854872866"/>
       </p:ext>
     </p:extLst>
   </p:cSld>
@@ -3476,7 +3212,7 @@
         </p:nvSpPr>
         <p:spPr>
           <a:xfrm>
-            <a:off x="628650" y="152892"/>
+            <a:off x="628650" y="123768"/>
             <a:ext cx="7886700" cy="1325563"/>
           </a:xfrm>
         </p:spPr>
@@ -3485,10 +3221,9 @@
           <a:lstStyle/>
           <a:p>
             <a:r>
-              <a:rPr lang="en-US" dirty="0" smtClean="0"/>
-              <a:t>include</a:t>
-            </a:r>
-            <a:endParaRPr lang="en-US" dirty="0"/>
+              <a:rPr lang="en-US" dirty="0"/>
+              <a:t>type</a:t>
+            </a:r>
           </a:p>
         </p:txBody>
       </p:sp>
@@ -3504,8 +3239,8 @@
         </p:nvSpPr>
         <p:spPr>
           <a:xfrm>
-            <a:off x="628650" y="1478455"/>
-            <a:ext cx="7886700" cy="1188545"/>
+            <a:off x="628650" y="1449331"/>
+            <a:ext cx="7886700" cy="2223861"/>
           </a:xfrm>
         </p:spPr>
         <p:txBody>
@@ -3514,15 +3249,16 @@
           <a:p>
             <a:r>
               <a:rPr lang="en-US" dirty="0"/>
-              <a:t>I</a:t>
-            </a:r>
-            <a:r>
-              <a:rPr lang="en-US" dirty="0" smtClean="0"/>
-              <a:t>nclude an instance of an ODM element from another part of the definition</a:t>
-            </a:r>
-          </a:p>
-          <a:p>
-            <a:endParaRPr lang="en-US" dirty="0"/>
+              <a:t>use an </a:t>
+            </a:r>
+            <a:r>
+              <a:rPr lang="en-US" dirty="0" err="1"/>
+              <a:t>exsiting</a:t>
+            </a:r>
+            <a:r>
+              <a:rPr lang="en-US" dirty="0"/>
+              <a:t> definition as a template for a new definition</a:t>
+            </a:r>
           </a:p>
         </p:txBody>
       </p:sp>
@@ -3534,8 +3270,8 @@
         </p:nvSpPr>
         <p:spPr>
           <a:xfrm>
-            <a:off x="772886" y="2667000"/>
-            <a:ext cx="8371114" cy="3416320"/>
+            <a:off x="1087210" y="2561261"/>
+            <a:ext cx="6969578" cy="1754326"/>
           </a:xfrm>
           <a:prstGeom prst="rect">
             <a:avLst/>
@@ -3561,7 +3297,7 @@
                 <a:ea typeface="Courier" charset="0"/>
                 <a:cs typeface="Courier" charset="0"/>
               </a:rPr>
-              <a:t>odmView</a:t>
+              <a:t>odmObject</a:t>
             </a:r>
             <a:r>
               <a:rPr lang="en-US" dirty="0">
@@ -3574,74 +3310,35 @@
           </a:p>
           <a:p>
             <a:r>
-              <a:rPr lang="en-US" dirty="0" smtClean="0">
-                <a:latin typeface="Courier" charset="0"/>
-                <a:ea typeface="Courier" charset="0"/>
-                <a:cs typeface="Courier" charset="0"/>
-              </a:rPr>
-              <a:t>  "</a:t>
-            </a:r>
-            <a:r>
               <a:rPr lang="en-US" dirty="0">
                 <a:latin typeface="Courier" charset="0"/>
                 <a:ea typeface="Courier" charset="0"/>
                 <a:cs typeface="Courier" charset="0"/>
               </a:rPr>
-              <a:t>sensor": {</a:t>
-            </a:r>
-          </a:p>
-          <a:p>
-            <a:r>
-              <a:rPr lang="en-US" dirty="0" smtClean="0">
-                <a:latin typeface="Courier" charset="0"/>
-                <a:ea typeface="Courier" charset="0"/>
-                <a:cs typeface="Courier" charset="0"/>
-              </a:rPr>
-              <a:t>    "</a:t>
-            </a:r>
+              <a:t>  "3300/0": {</a:t>
+            </a:r>
+          </a:p>
+          <a:p>
             <a:r>
               <a:rPr lang="en-US" dirty="0">
                 <a:latin typeface="Courier" charset="0"/>
                 <a:ea typeface="Courier" charset="0"/>
                 <a:cs typeface="Courier" charset="0"/>
               </a:rPr>
-              <a:t>include": [</a:t>
-            </a:r>
-          </a:p>
-          <a:p>
-            <a:r>
-              <a:rPr lang="en-US" dirty="0" smtClean="0">
-                <a:latin typeface="Courier" charset="0"/>
-                <a:ea typeface="Courier" charset="0"/>
-                <a:cs typeface="Courier" charset="0"/>
-              </a:rPr>
-              <a:t>      {</a:t>
-            </a:r>
-            <a:endParaRPr lang="en-US" dirty="0">
-              <a:latin typeface="Courier" charset="0"/>
-              <a:ea typeface="Courier" charset="0"/>
-              <a:cs typeface="Courier" charset="0"/>
-            </a:endParaRPr>
-          </a:p>
-          <a:p>
-            <a:r>
-              <a:rPr lang="en-US" dirty="0" smtClean="0">
-                <a:latin typeface="Courier" charset="0"/>
-                <a:ea typeface="Courier" charset="0"/>
-                <a:cs typeface="Courier" charset="0"/>
-              </a:rPr>
-              <a:t>        "$</a:t>
-            </a:r>
+              <a:t>    "type": {</a:t>
+            </a:r>
+          </a:p>
+          <a:p>
             <a:r>
               <a:rPr lang="en-US" dirty="0">
                 <a:latin typeface="Courier" charset="0"/>
                 <a:ea typeface="Courier" charset="0"/>
                 <a:cs typeface="Courier" charset="0"/>
               </a:rPr>
-              <a:t>ref": "#/</a:t>
-            </a:r>
-            <a:r>
-              <a:rPr lang="en-US" dirty="0" err="1" smtClean="0">
+              <a:t>      "$ref": "#/</a:t>
+            </a:r>
+            <a:r>
+              <a:rPr lang="en-US" dirty="0" err="1">
                 <a:latin typeface="Courier" charset="0"/>
                 <a:ea typeface="Courier" charset="0"/>
                 <a:cs typeface="Courier" charset="0"/>
@@ -3649,164 +3346,48 @@
               <a:t>odmObject</a:t>
             </a:r>
             <a:r>
-              <a:rPr lang="en-US" dirty="0" smtClean="0">
-                <a:latin typeface="Courier" charset="0"/>
-                <a:ea typeface="Courier" charset="0"/>
-                <a:cs typeface="Courier" charset="0"/>
-              </a:rPr>
-              <a:t>/temperature/</a:t>
-            </a:r>
-            <a:r>
-              <a:rPr lang="en-US" dirty="0" err="1" smtClean="0">
-                <a:latin typeface="Courier" charset="0"/>
-                <a:ea typeface="Courier" charset="0"/>
-                <a:cs typeface="Courier" charset="0"/>
-              </a:rPr>
-              <a:t>odmProperty</a:t>
-            </a:r>
-            <a:r>
-              <a:rPr lang="en-US" dirty="0" smtClean="0">
-                <a:latin typeface="Courier" charset="0"/>
-                <a:ea typeface="Courier" charset="0"/>
-                <a:cs typeface="Courier" charset="0"/>
-              </a:rPr>
-              <a:t>/temperature</a:t>
-            </a:r>
-            <a:r>
               <a:rPr lang="en-US" dirty="0">
                 <a:latin typeface="Courier" charset="0"/>
                 <a:ea typeface="Courier" charset="0"/>
                 <a:cs typeface="Courier" charset="0"/>
               </a:rPr>
+              <a:t>/</a:t>
+            </a:r>
+            <a:r>
+              <a:rPr lang="en-US" dirty="0" err="1">
+                <a:latin typeface="Courier" charset="0"/>
+                <a:ea typeface="Courier" charset="0"/>
+                <a:cs typeface="Courier" charset="0"/>
+              </a:rPr>
+              <a:t>genericSensor</a:t>
+            </a:r>
+            <a:r>
+              <a:rPr lang="en-US" dirty="0">
+                <a:latin typeface="Courier" charset="0"/>
+                <a:ea typeface="Courier" charset="0"/>
+                <a:cs typeface="Courier" charset="0"/>
+              </a:rPr>
               <a:t>"</a:t>
             </a:r>
           </a:p>
           <a:p>
             <a:r>
-              <a:rPr lang="en-US" dirty="0" smtClean="0">
-                <a:latin typeface="Courier" charset="0"/>
-                <a:ea typeface="Courier" charset="0"/>
-                <a:cs typeface="Courier" charset="0"/>
-              </a:rPr>
-              <a:t>      }, </a:t>
-            </a:r>
-            <a:endParaRPr lang="en-US" dirty="0">
-              <a:latin typeface="Courier" charset="0"/>
-              <a:ea typeface="Courier" charset="0"/>
-              <a:cs typeface="Courier" charset="0"/>
-            </a:endParaRPr>
-          </a:p>
-          <a:p>
-            <a:r>
-              <a:rPr lang="en-US" dirty="0" smtClean="0">
-                <a:latin typeface="Courier" charset="0"/>
-                <a:ea typeface="Courier" charset="0"/>
-                <a:cs typeface="Courier" charset="0"/>
-              </a:rPr>
-              <a:t>      {</a:t>
-            </a:r>
-            <a:endParaRPr lang="en-US" dirty="0">
-              <a:latin typeface="Courier" charset="0"/>
-              <a:ea typeface="Courier" charset="0"/>
-              <a:cs typeface="Courier" charset="0"/>
-            </a:endParaRPr>
-          </a:p>
-          <a:p>
-            <a:r>
-              <a:rPr lang="en-US" dirty="0" smtClean="0">
-                <a:latin typeface="Courier" charset="0"/>
-                <a:ea typeface="Courier" charset="0"/>
-                <a:cs typeface="Courier" charset="0"/>
-              </a:rPr>
-              <a:t>        "$</a:t>
-            </a:r>
-            <a:r>
               <a:rPr lang="en-US" dirty="0">
                 <a:latin typeface="Courier" charset="0"/>
                 <a:ea typeface="Courier" charset="0"/>
                 <a:cs typeface="Courier" charset="0"/>
               </a:rPr>
-              <a:t>ref": "#/</a:t>
-            </a:r>
-            <a:r>
-              <a:rPr lang="en-US" dirty="0" err="1" smtClean="0">
-                <a:latin typeface="Courier" charset="0"/>
-                <a:ea typeface="Courier" charset="0"/>
-                <a:cs typeface="Courier" charset="0"/>
-              </a:rPr>
-              <a:t>odmObject</a:t>
-            </a:r>
-            <a:r>
-              <a:rPr lang="en-US" dirty="0" smtClean="0">
-                <a:latin typeface="Courier" charset="0"/>
-                <a:ea typeface="Courier" charset="0"/>
-                <a:cs typeface="Courier" charset="0"/>
-              </a:rPr>
-              <a:t>/temperature/</a:t>
-            </a:r>
-            <a:r>
-              <a:rPr lang="en-US" dirty="0" err="1" smtClean="0">
-                <a:latin typeface="Courier" charset="0"/>
-                <a:ea typeface="Courier" charset="0"/>
-                <a:cs typeface="Courier" charset="0"/>
-              </a:rPr>
-              <a:t>odmProperty</a:t>
-            </a:r>
-            <a:r>
-              <a:rPr lang="en-US" dirty="0" smtClean="0">
-                <a:latin typeface="Courier" charset="0"/>
-                <a:ea typeface="Courier" charset="0"/>
-                <a:cs typeface="Courier" charset="0"/>
-              </a:rPr>
-              <a:t>/units</a:t>
-            </a:r>
+              <a:t>    }, </a:t>
+            </a:r>
+          </a:p>
+          <a:p>
             <a:r>
               <a:rPr lang="en-US" dirty="0">
                 <a:latin typeface="Courier" charset="0"/>
                 <a:ea typeface="Courier" charset="0"/>
                 <a:cs typeface="Courier" charset="0"/>
               </a:rPr>
-              <a:t>"</a:t>
-            </a:r>
-          </a:p>
-          <a:p>
-            <a:r>
-              <a:rPr lang="en-US" dirty="0" smtClean="0">
-                <a:latin typeface="Courier" charset="0"/>
-                <a:ea typeface="Courier" charset="0"/>
-                <a:cs typeface="Courier" charset="0"/>
-              </a:rPr>
-              <a:t>      }</a:t>
-            </a:r>
-            <a:endParaRPr lang="en-US" dirty="0">
-              <a:latin typeface="Courier" charset="0"/>
-              <a:ea typeface="Courier" charset="0"/>
-              <a:cs typeface="Courier" charset="0"/>
-            </a:endParaRPr>
-          </a:p>
-          <a:p>
-            <a:r>
-              <a:rPr lang="en-US" dirty="0" smtClean="0">
-                <a:latin typeface="Courier" charset="0"/>
-                <a:ea typeface="Courier" charset="0"/>
-                <a:cs typeface="Courier" charset="0"/>
-              </a:rPr>
-              <a:t>    ]</a:t>
-            </a:r>
-            <a:endParaRPr lang="en-US" dirty="0">
-              <a:latin typeface="Courier" charset="0"/>
-              <a:ea typeface="Courier" charset="0"/>
-              <a:cs typeface="Courier" charset="0"/>
-            </a:endParaRPr>
-          </a:p>
-          <a:p>
-            <a:r>
-              <a:rPr lang="en-US" dirty="0" smtClean="0">
-                <a:latin typeface="Courier" charset="0"/>
-                <a:ea typeface="Courier" charset="0"/>
-                <a:cs typeface="Courier" charset="0"/>
-              </a:rPr>
-              <a:t>  }, </a:t>
+              <a:t>    "optional": false, </a:t>
             </a:r>
             <a:endParaRPr lang="en-US" b="0" dirty="0">
               <a:effectLst/>
@@ -3817,10 +3398,152 @@
           </a:p>
         </p:txBody>
       </p:sp>
+      <p:sp>
+        <p:nvSpPr>
+          <p:cNvPr id="5" name="Rectangle 4"/>
+          <p:cNvSpPr/>
+          <p:nvPr/>
+        </p:nvSpPr>
+        <p:spPr>
+          <a:xfrm>
+            <a:off x="1087210" y="4715215"/>
+            <a:ext cx="6619875" cy="1477328"/>
+          </a:xfrm>
+          <a:prstGeom prst="rect">
+            <a:avLst/>
+          </a:prstGeom>
+        </p:spPr>
+        <p:txBody>
+          <a:bodyPr wrap="square">
+            <a:spAutoFit/>
+          </a:bodyPr>
+          <a:lstStyle/>
+          <a:p>
+            <a:r>
+              <a:rPr lang="en-US" dirty="0">
+                <a:latin typeface="Courier" charset="0"/>
+                <a:ea typeface="Courier" charset="0"/>
+                <a:cs typeface="Courier" charset="0"/>
+              </a:rPr>
+              <a:t>"</a:t>
+            </a:r>
+            <a:r>
+              <a:rPr lang="en-US" dirty="0" err="1">
+                <a:latin typeface="Courier" charset="0"/>
+                <a:ea typeface="Courier" charset="0"/>
+                <a:cs typeface="Courier" charset="0"/>
+              </a:rPr>
+              <a:t>odmProperty</a:t>
+            </a:r>
+            <a:r>
+              <a:rPr lang="en-US" dirty="0">
+                <a:latin typeface="Courier" charset="0"/>
+                <a:ea typeface="Courier" charset="0"/>
+                <a:cs typeface="Courier" charset="0"/>
+              </a:rPr>
+              <a:t>": {</a:t>
+            </a:r>
+          </a:p>
+          <a:p>
+            <a:r>
+              <a:rPr lang="en-US" dirty="0">
+                <a:latin typeface="Courier" charset="0"/>
+                <a:ea typeface="Courier" charset="0"/>
+                <a:cs typeface="Courier" charset="0"/>
+              </a:rPr>
+              <a:t>  "</a:t>
+            </a:r>
+            <a:r>
+              <a:rPr lang="en-US" dirty="0" err="1">
+                <a:latin typeface="Courier" charset="0"/>
+                <a:ea typeface="Courier" charset="0"/>
+                <a:cs typeface="Courier" charset="0"/>
+              </a:rPr>
+              <a:t>OnOffTransitionTime</a:t>
+            </a:r>
+            <a:r>
+              <a:rPr lang="en-US" dirty="0">
+                <a:latin typeface="Courier" charset="0"/>
+                <a:ea typeface="Courier" charset="0"/>
+                <a:cs typeface="Courier" charset="0"/>
+              </a:rPr>
+              <a:t>": {</a:t>
+            </a:r>
+          </a:p>
+          <a:p>
+            <a:r>
+              <a:rPr lang="en-US" dirty="0">
+                <a:latin typeface="Courier" charset="0"/>
+                <a:ea typeface="Courier" charset="0"/>
+                <a:cs typeface="Courier" charset="0"/>
+              </a:rPr>
+              <a:t>    "type": {</a:t>
+            </a:r>
+          </a:p>
+          <a:p>
+            <a:r>
+              <a:rPr lang="en-US" dirty="0">
+                <a:latin typeface="Courier" charset="0"/>
+                <a:ea typeface="Courier" charset="0"/>
+                <a:cs typeface="Courier" charset="0"/>
+              </a:rPr>
+              <a:t>      "$ref": "#/</a:t>
+            </a:r>
+            <a:r>
+              <a:rPr lang="en-US" dirty="0" err="1">
+                <a:latin typeface="Courier" charset="0"/>
+                <a:ea typeface="Courier" charset="0"/>
+                <a:cs typeface="Courier" charset="0"/>
+              </a:rPr>
+              <a:t>odmData</a:t>
+            </a:r>
+            <a:r>
+              <a:rPr lang="en-US" dirty="0">
+                <a:latin typeface="Courier" charset="0"/>
+                <a:ea typeface="Courier" charset="0"/>
+                <a:cs typeface="Courier" charset="0"/>
+              </a:rPr>
+              <a:t>/</a:t>
+            </a:r>
+            <a:r>
+              <a:rPr lang="en-US" dirty="0" err="1">
+                <a:latin typeface="Courier" charset="0"/>
+                <a:ea typeface="Courier" charset="0"/>
+                <a:cs typeface="Courier" charset="0"/>
+              </a:rPr>
+              <a:t>transitiontimedata</a:t>
+            </a:r>
+            <a:r>
+              <a:rPr lang="en-US" dirty="0">
+                <a:latin typeface="Courier" charset="0"/>
+                <a:ea typeface="Courier" charset="0"/>
+                <a:cs typeface="Courier" charset="0"/>
+              </a:rPr>
+              <a:t>"</a:t>
+            </a:r>
+          </a:p>
+          <a:p>
+            <a:r>
+              <a:rPr lang="en-US" dirty="0">
+                <a:latin typeface="Courier" charset="0"/>
+                <a:ea typeface="Courier" charset="0"/>
+                <a:cs typeface="Courier" charset="0"/>
+              </a:rPr>
+              <a:t>    }, </a:t>
+            </a:r>
+            <a:endParaRPr lang="en-US" b="0" dirty="0">
+              <a:effectLst/>
+              <a:latin typeface="Courier" charset="0"/>
+              <a:ea typeface="Courier" charset="0"/>
+              <a:cs typeface="Courier" charset="0"/>
+            </a:endParaRPr>
+          </a:p>
+        </p:txBody>
+      </p:sp>
     </p:spTree>
     <p:extLst>
       <p:ext uri="{BB962C8B-B14F-4D97-AF65-F5344CB8AC3E}">
-        <p14:creationId xmlns:p14="http://schemas.microsoft.com/office/powerpoint/2010/main" val="1729979457"/>
+        <p14:creationId xmlns:p14="http://schemas.microsoft.com/office/powerpoint/2010/main" val="1322695632"/>
       </p:ext>
     </p:extLst>
   </p:cSld>
@@ -3857,33 +3580,10 @@
             <p:ph type="title"/>
           </p:nvPr>
         </p:nvSpPr>
-        <p:spPr/>
-        <p:txBody>
-          <a:bodyPr/>
-          <a:lstStyle/>
-          <a:p>
-            <a:r>
-              <a:rPr lang="en-US" dirty="0" smtClean="0"/>
-              <a:t>include + type</a:t>
-            </a:r>
-            <a:endParaRPr lang="en-US" dirty="0"/>
-          </a:p>
-        </p:txBody>
-      </p:sp>
-      <p:sp>
-        <p:nvSpPr>
-          <p:cNvPr id="3" name="Content Placeholder 2"/>
-          <p:cNvSpPr>
-            <a:spLocks noGrp="1"/>
-          </p:cNvSpPr>
-          <p:nvPr>
-            <p:ph idx="1"/>
-          </p:nvPr>
-        </p:nvSpPr>
         <p:spPr>
           <a:xfrm>
-            <a:off x="628650" y="1564368"/>
-            <a:ext cx="7886700" cy="1407432"/>
+            <a:off x="628650" y="152892"/>
+            <a:ext cx="7886700" cy="1325563"/>
           </a:xfrm>
         </p:spPr>
         <p:txBody>
@@ -3891,9 +3591,38 @@
           <a:lstStyle/>
           <a:p>
             <a:r>
-              <a:rPr lang="en-US" dirty="0" smtClean="0"/>
-              <a:t>Use an element from another part of the definition, including its name, as a new definition in the current context</a:t>
-            </a:r>
+              <a:rPr lang="en-US" dirty="0"/>
+              <a:t>include</a:t>
+            </a:r>
+          </a:p>
+        </p:txBody>
+      </p:sp>
+      <p:sp>
+        <p:nvSpPr>
+          <p:cNvPr id="3" name="Content Placeholder 2"/>
+          <p:cNvSpPr>
+            <a:spLocks noGrp="1"/>
+          </p:cNvSpPr>
+          <p:nvPr>
+            <p:ph idx="1"/>
+          </p:nvPr>
+        </p:nvSpPr>
+        <p:spPr>
+          <a:xfrm>
+            <a:off x="628650" y="1478455"/>
+            <a:ext cx="7886700" cy="1188545"/>
+          </a:xfrm>
+        </p:spPr>
+        <p:txBody>
+          <a:bodyPr/>
+          <a:lstStyle/>
+          <a:p>
+            <a:r>
+              <a:rPr lang="en-US" dirty="0"/>
+              <a:t>Include an instance of an ODM element from another part of the definition</a:t>
+            </a:r>
+          </a:p>
+          <a:p>
             <a:endParaRPr lang="en-US" dirty="0"/>
           </a:p>
         </p:txBody>
@@ -3906,8 +3635,8 @@
         </p:nvSpPr>
         <p:spPr>
           <a:xfrm>
-            <a:off x="819151" y="3154740"/>
-            <a:ext cx="6765471" cy="2862322"/>
+            <a:off x="772886" y="2667000"/>
+            <a:ext cx="8371114" cy="3416320"/>
           </a:xfrm>
           <a:prstGeom prst="rect">
             <a:avLst/>
@@ -3933,6 +3662,62 @@
                 <a:ea typeface="Courier" charset="0"/>
                 <a:cs typeface="Courier" charset="0"/>
               </a:rPr>
+              <a:t>odmView</a:t>
+            </a:r>
+            <a:r>
+              <a:rPr lang="en-US" dirty="0">
+                <a:latin typeface="Courier" charset="0"/>
+                <a:ea typeface="Courier" charset="0"/>
+                <a:cs typeface="Courier" charset="0"/>
+              </a:rPr>
+              <a:t>": {</a:t>
+            </a:r>
+          </a:p>
+          <a:p>
+            <a:r>
+              <a:rPr lang="en-US" dirty="0">
+                <a:latin typeface="Courier" charset="0"/>
+                <a:ea typeface="Courier" charset="0"/>
+                <a:cs typeface="Courier" charset="0"/>
+              </a:rPr>
+              <a:t>  "sensor": {</a:t>
+            </a:r>
+          </a:p>
+          <a:p>
+            <a:r>
+              <a:rPr lang="en-US" dirty="0">
+                <a:latin typeface="Courier" charset="0"/>
+                <a:ea typeface="Courier" charset="0"/>
+                <a:cs typeface="Courier" charset="0"/>
+              </a:rPr>
+              <a:t>    "include": [</a:t>
+            </a:r>
+          </a:p>
+          <a:p>
+            <a:r>
+              <a:rPr lang="en-US" dirty="0">
+                <a:latin typeface="Courier" charset="0"/>
+                <a:ea typeface="Courier" charset="0"/>
+                <a:cs typeface="Courier" charset="0"/>
+              </a:rPr>
+              <a:t>      {</a:t>
+            </a:r>
+          </a:p>
+          <a:p>
+            <a:r>
+              <a:rPr lang="en-US" dirty="0">
+                <a:latin typeface="Courier" charset="0"/>
+                <a:ea typeface="Courier" charset="0"/>
+                <a:cs typeface="Courier" charset="0"/>
+              </a:rPr>
+              <a:t>        "$ref": "#/</a:t>
+            </a:r>
+            <a:r>
+              <a:rPr lang="en-US" dirty="0" err="1">
+                <a:latin typeface="Courier" charset="0"/>
+                <a:ea typeface="Courier" charset="0"/>
+                <a:cs typeface="Courier" charset="0"/>
+              </a:rPr>
               <a:t>odmObject</a:t>
             </a:r>
             <a:r>
@@ -3941,17 +3726,7 @@
                 <a:ea typeface="Courier" charset="0"/>
                 <a:cs typeface="Courier" charset="0"/>
               </a:rPr>
-              <a:t>": {</a:t>
-            </a:r>
-          </a:p>
-          <a:p>
-            <a:r>
-              <a:rPr lang="en-US" dirty="0" smtClean="0">
-                <a:latin typeface="Courier" charset="0"/>
-                <a:ea typeface="Courier" charset="0"/>
-                <a:cs typeface="Courier" charset="0"/>
-              </a:rPr>
-              <a:t>  "</a:t>
+              <a:t>/temperature/</a:t>
             </a:r>
             <a:r>
               <a:rPr lang="en-US" dirty="0" err="1">
@@ -3959,7 +3734,7 @@
                 <a:ea typeface="Courier" charset="0"/>
                 <a:cs typeface="Courier" charset="0"/>
               </a:rPr>
-              <a:t>genericSensor</a:t>
+              <a:t>odmProperty</a:t>
             </a:r>
             <a:r>
               <a:rPr lang="en-US" dirty="0">
@@ -3967,86 +3742,45 @@
                 <a:ea typeface="Courier" charset="0"/>
                 <a:cs typeface="Courier" charset="0"/>
               </a:rPr>
-              <a:t>": {</a:t>
-            </a:r>
-          </a:p>
-          <a:p>
-            <a:r>
-              <a:rPr lang="en-US" dirty="0" smtClean="0">
-                <a:latin typeface="Courier" charset="0"/>
-                <a:ea typeface="Courier" charset="0"/>
-                <a:cs typeface="Courier" charset="0"/>
-              </a:rPr>
-              <a:t>    "</a:t>
-            </a:r>
+              <a:t>/temperature"</a:t>
+            </a:r>
+          </a:p>
+          <a:p>
             <a:r>
               <a:rPr lang="en-US" dirty="0">
                 <a:latin typeface="Courier" charset="0"/>
                 <a:ea typeface="Courier" charset="0"/>
                 <a:cs typeface="Courier" charset="0"/>
               </a:rPr>
-              <a:t>id": 3300, </a:t>
-            </a:r>
-          </a:p>
-          <a:p>
-            <a:r>
-              <a:rPr lang="en-US" dirty="0" smtClean="0">
-                <a:latin typeface="Courier" charset="0"/>
-                <a:ea typeface="Courier" charset="0"/>
-                <a:cs typeface="Courier" charset="0"/>
-              </a:rPr>
-              <a:t>    "</a:t>
-            </a:r>
+              <a:t>      }, </a:t>
+            </a:r>
+          </a:p>
+          <a:p>
             <a:r>
               <a:rPr lang="en-US" dirty="0">
                 <a:latin typeface="Courier" charset="0"/>
                 <a:ea typeface="Courier" charset="0"/>
                 <a:cs typeface="Courier" charset="0"/>
               </a:rPr>
-              <a:t>include": [</a:t>
-            </a:r>
-          </a:p>
-          <a:p>
-            <a:r>
-              <a:rPr lang="en-US" dirty="0" smtClean="0">
-                <a:latin typeface="Courier" charset="0"/>
-                <a:ea typeface="Courier" charset="0"/>
-                <a:cs typeface="Courier" charset="0"/>
-              </a:rPr>
               <a:t>      {</a:t>
             </a:r>
-            <a:endParaRPr lang="en-US" dirty="0">
-              <a:latin typeface="Courier" charset="0"/>
-              <a:ea typeface="Courier" charset="0"/>
-              <a:cs typeface="Courier" charset="0"/>
-            </a:endParaRPr>
-          </a:p>
-          <a:p>
-            <a:r>
-              <a:rPr lang="en-US" dirty="0" smtClean="0">
-                <a:latin typeface="Courier" charset="0"/>
-                <a:ea typeface="Courier" charset="0"/>
-                <a:cs typeface="Courier" charset="0"/>
-              </a:rPr>
-              <a:t>        "</a:t>
-            </a:r>
+          </a:p>
+          <a:p>
             <a:r>
               <a:rPr lang="en-US" dirty="0">
                 <a:latin typeface="Courier" charset="0"/>
                 <a:ea typeface="Courier" charset="0"/>
                 <a:cs typeface="Courier" charset="0"/>
               </a:rPr>
-              <a:t>type": {</a:t>
-            </a:r>
-          </a:p>
-          <a:p>
-            <a:r>
-              <a:rPr lang="en-US" dirty="0" smtClean="0">
-                <a:latin typeface="Courier" charset="0"/>
-                <a:ea typeface="Courier" charset="0"/>
-                <a:cs typeface="Courier" charset="0"/>
-              </a:rPr>
-              <a:t>          "$</a:t>
+              <a:t>        "$ref": "#/</a:t>
+            </a:r>
+            <a:r>
+              <a:rPr lang="en-US" dirty="0" err="1">
+                <a:latin typeface="Courier" charset="0"/>
+                <a:ea typeface="Courier" charset="0"/>
+                <a:cs typeface="Courier" charset="0"/>
+              </a:rPr>
+              <a:t>odmObject</a:t>
             </a:r>
             <a:r>
               <a:rPr lang="en-US" dirty="0">
@@ -4054,7 +3788,7 @@
                 <a:ea typeface="Courier" charset="0"/>
                 <a:cs typeface="Courier" charset="0"/>
               </a:rPr>
-              <a:t>ref": "#/</a:t>
+              <a:t>/temperature/</a:t>
             </a:r>
             <a:r>
               <a:rPr lang="en-US" dirty="0" err="1">
@@ -4070,66 +3804,37 @@
                 <a:ea typeface="Courier" charset="0"/>
                 <a:cs typeface="Courier" charset="0"/>
               </a:rPr>
-              <a:t>/</a:t>
-            </a:r>
-            <a:r>
-              <a:rPr lang="en-US" dirty="0" err="1">
-                <a:latin typeface="Courier" charset="0"/>
-                <a:ea typeface="Courier" charset="0"/>
-                <a:cs typeface="Courier" charset="0"/>
-              </a:rPr>
-              <a:t>sensorValue</a:t>
-            </a:r>
+              <a:t>/units"</a:t>
+            </a:r>
+          </a:p>
+          <a:p>
             <a:r>
               <a:rPr lang="en-US" dirty="0">
                 <a:latin typeface="Courier" charset="0"/>
                 <a:ea typeface="Courier" charset="0"/>
                 <a:cs typeface="Courier" charset="0"/>
               </a:rPr>
-              <a:t>"</a:t>
-            </a:r>
-          </a:p>
-          <a:p>
-            <a:r>
-              <a:rPr lang="en-US" dirty="0" smtClean="0">
-                <a:latin typeface="Courier" charset="0"/>
-                <a:ea typeface="Courier" charset="0"/>
-                <a:cs typeface="Courier" charset="0"/>
-              </a:rPr>
-              <a:t>         }, </a:t>
-            </a:r>
-            <a:endParaRPr lang="en-US" dirty="0">
-              <a:latin typeface="Courier" charset="0"/>
-              <a:ea typeface="Courier" charset="0"/>
-              <a:cs typeface="Courier" charset="0"/>
-            </a:endParaRPr>
-          </a:p>
-          <a:p>
-            <a:r>
-              <a:rPr lang="en-US" dirty="0" smtClean="0">
-                <a:latin typeface="Courier" charset="0"/>
-                <a:ea typeface="Courier" charset="0"/>
-                <a:cs typeface="Courier" charset="0"/>
-              </a:rPr>
-              <a:t>         "</a:t>
-            </a:r>
+              <a:t>      }</a:t>
+            </a:r>
+          </a:p>
+          <a:p>
             <a:r>
               <a:rPr lang="en-US" dirty="0">
                 <a:latin typeface="Courier" charset="0"/>
                 <a:ea typeface="Courier" charset="0"/>
                 <a:cs typeface="Courier" charset="0"/>
               </a:rPr>
-              <a:t>optional": false</a:t>
-            </a:r>
-          </a:p>
-          <a:p>
-            <a:r>
-              <a:rPr lang="en-US" dirty="0" smtClean="0">
-                <a:latin typeface="Courier" charset="0"/>
-                <a:ea typeface="Courier" charset="0"/>
-                <a:cs typeface="Courier" charset="0"/>
-              </a:rPr>
-              <a:t>      }, </a:t>
+              <a:t>    ]</a:t>
+            </a:r>
+          </a:p>
+          <a:p>
+            <a:r>
+              <a:rPr lang="en-US" dirty="0">
+                <a:latin typeface="Courier" charset="0"/>
+                <a:ea typeface="Courier" charset="0"/>
+                <a:cs typeface="Courier" charset="0"/>
+              </a:rPr>
+              <a:t>  }, </a:t>
             </a:r>
             <a:endParaRPr lang="en-US" b="0" dirty="0">
               <a:effectLst/>
@@ -4143,7 +3848,7 @@
     </p:spTree>
     <p:extLst>
       <p:ext uri="{BB962C8B-B14F-4D97-AF65-F5344CB8AC3E}">
-        <p14:creationId xmlns:p14="http://schemas.microsoft.com/office/powerpoint/2010/main" val="1502628381"/>
+        <p14:creationId xmlns:p14="http://schemas.microsoft.com/office/powerpoint/2010/main" val="1729979457"/>
       </p:ext>
     </p:extLst>
   </p:cSld>
@@ -4186,18 +3891,9 @@
           <a:lstStyle/>
           <a:p>
             <a:r>
-              <a:rPr lang="en-US" dirty="0" smtClean="0"/>
-              <a:t>Issue </a:t>
-            </a:r>
-            <a:r>
-              <a:rPr lang="mr-IN" dirty="0" smtClean="0"/>
-              <a:t>–</a:t>
-            </a:r>
-            <a:r>
-              <a:rPr lang="en-US" dirty="0" smtClean="0"/>
-              <a:t> Name vs. JSON tag</a:t>
-            </a:r>
-            <a:endParaRPr lang="en-US" dirty="0"/>
+              <a:rPr lang="en-US" dirty="0"/>
+              <a:t>include + type</a:t>
+            </a:r>
           </a:p>
         </p:txBody>
       </p:sp>
@@ -4211,32 +3907,311 @@
             <p:ph idx="1"/>
           </p:nvPr>
         </p:nvSpPr>
-        <p:spPr/>
-        <p:txBody>
-          <a:bodyPr/>
-          <a:lstStyle/>
-          <a:p>
-            <a:r>
-              <a:rPr lang="en-US" dirty="0" smtClean="0"/>
-              <a:t>Our definition format allows the following</a:t>
-            </a:r>
-          </a:p>
-          <a:p>
-            <a:pPr marL="0" indent="0">
-              <a:buNone/>
-            </a:pPr>
-            <a:endParaRPr lang="en-US" sz="2000" dirty="0" smtClean="0">
+        <p:spPr>
+          <a:xfrm>
+            <a:off x="628650" y="1564368"/>
+            <a:ext cx="7886700" cy="1407432"/>
+          </a:xfrm>
+        </p:spPr>
+        <p:txBody>
+          <a:bodyPr/>
+          <a:lstStyle/>
+          <a:p>
+            <a:r>
+              <a:rPr lang="en-US" dirty="0"/>
+              <a:t>Use an element from another part of the definition, including its name, as a new definition in the current context</a:t>
+            </a:r>
+          </a:p>
+        </p:txBody>
+      </p:sp>
+      <p:sp>
+        <p:nvSpPr>
+          <p:cNvPr id="4" name="Rectangle 3"/>
+          <p:cNvSpPr/>
+          <p:nvPr/>
+        </p:nvSpPr>
+        <p:spPr>
+          <a:xfrm>
+            <a:off x="819151" y="3154740"/>
+            <a:ext cx="6765471" cy="2862322"/>
+          </a:xfrm>
+          <a:prstGeom prst="rect">
+            <a:avLst/>
+          </a:prstGeom>
+        </p:spPr>
+        <p:txBody>
+          <a:bodyPr wrap="square">
+            <a:spAutoFit/>
+          </a:bodyPr>
+          <a:lstStyle/>
+          <a:p>
+            <a:r>
+              <a:rPr lang="en-US" dirty="0">
+                <a:latin typeface="Courier" charset="0"/>
+                <a:ea typeface="Courier" charset="0"/>
+                <a:cs typeface="Courier" charset="0"/>
+              </a:rPr>
+              <a:t>"</a:t>
+            </a:r>
+            <a:r>
+              <a:rPr lang="en-US" dirty="0" err="1">
+                <a:latin typeface="Courier" charset="0"/>
+                <a:ea typeface="Courier" charset="0"/>
+                <a:cs typeface="Courier" charset="0"/>
+              </a:rPr>
+              <a:t>odmObject</a:t>
+            </a:r>
+            <a:r>
+              <a:rPr lang="en-US" dirty="0">
+                <a:latin typeface="Courier" charset="0"/>
+                <a:ea typeface="Courier" charset="0"/>
+                <a:cs typeface="Courier" charset="0"/>
+              </a:rPr>
+              <a:t>": {</a:t>
+            </a:r>
+          </a:p>
+          <a:p>
+            <a:r>
+              <a:rPr lang="en-US" dirty="0">
+                <a:latin typeface="Courier" charset="0"/>
+                <a:ea typeface="Courier" charset="0"/>
+                <a:cs typeface="Courier" charset="0"/>
+              </a:rPr>
+              <a:t>  "</a:t>
+            </a:r>
+            <a:r>
+              <a:rPr lang="en-US" dirty="0" err="1">
+                <a:latin typeface="Courier" charset="0"/>
+                <a:ea typeface="Courier" charset="0"/>
+                <a:cs typeface="Courier" charset="0"/>
+              </a:rPr>
+              <a:t>genericSensor</a:t>
+            </a:r>
+            <a:r>
+              <a:rPr lang="en-US" dirty="0">
+                <a:latin typeface="Courier" charset="0"/>
+                <a:ea typeface="Courier" charset="0"/>
+                <a:cs typeface="Courier" charset="0"/>
+              </a:rPr>
+              <a:t>": {</a:t>
+            </a:r>
+          </a:p>
+          <a:p>
+            <a:r>
+              <a:rPr lang="en-US" dirty="0">
+                <a:latin typeface="Courier" charset="0"/>
+                <a:ea typeface="Courier" charset="0"/>
+                <a:cs typeface="Courier" charset="0"/>
+              </a:rPr>
+              <a:t>    "id": 3300, </a:t>
+            </a:r>
+          </a:p>
+          <a:p>
+            <a:r>
+              <a:rPr lang="en-US" dirty="0">
+                <a:latin typeface="Courier" charset="0"/>
+                <a:ea typeface="Courier" charset="0"/>
+                <a:cs typeface="Courier" charset="0"/>
+              </a:rPr>
+              <a:t>    "include": [</a:t>
+            </a:r>
+          </a:p>
+          <a:p>
+            <a:r>
+              <a:rPr lang="en-US" dirty="0">
+                <a:latin typeface="Courier" charset="0"/>
+                <a:ea typeface="Courier" charset="0"/>
+                <a:cs typeface="Courier" charset="0"/>
+              </a:rPr>
+              <a:t>      {</a:t>
+            </a:r>
+          </a:p>
+          <a:p>
+            <a:r>
+              <a:rPr lang="en-US" dirty="0">
+                <a:latin typeface="Courier" charset="0"/>
+                <a:ea typeface="Courier" charset="0"/>
+                <a:cs typeface="Courier" charset="0"/>
+              </a:rPr>
+              <a:t>        "type": {</a:t>
+            </a:r>
+          </a:p>
+          <a:p>
+            <a:r>
+              <a:rPr lang="en-US" dirty="0">
+                <a:latin typeface="Courier" charset="0"/>
+                <a:ea typeface="Courier" charset="0"/>
+                <a:cs typeface="Courier" charset="0"/>
+              </a:rPr>
+              <a:t>          "$ref": "#/</a:t>
+            </a:r>
+            <a:r>
+              <a:rPr lang="en-US" dirty="0" err="1">
+                <a:latin typeface="Courier" charset="0"/>
+                <a:ea typeface="Courier" charset="0"/>
+                <a:cs typeface="Courier" charset="0"/>
+              </a:rPr>
+              <a:t>odmProperty</a:t>
+            </a:r>
+            <a:r>
+              <a:rPr lang="en-US" dirty="0">
+                <a:latin typeface="Courier" charset="0"/>
+                <a:ea typeface="Courier" charset="0"/>
+                <a:cs typeface="Courier" charset="0"/>
+              </a:rPr>
+              <a:t>/</a:t>
+            </a:r>
+            <a:r>
+              <a:rPr lang="en-US" dirty="0" err="1">
+                <a:latin typeface="Courier" charset="0"/>
+                <a:ea typeface="Courier" charset="0"/>
+                <a:cs typeface="Courier" charset="0"/>
+              </a:rPr>
+              <a:t>sensorValue</a:t>
+            </a:r>
+            <a:r>
+              <a:rPr lang="en-US" dirty="0">
+                <a:latin typeface="Courier" charset="0"/>
+                <a:ea typeface="Courier" charset="0"/>
+                <a:cs typeface="Courier" charset="0"/>
+              </a:rPr>
+              <a:t>"</a:t>
+            </a:r>
+          </a:p>
+          <a:p>
+            <a:r>
+              <a:rPr lang="en-US" dirty="0">
+                <a:latin typeface="Courier" charset="0"/>
+                <a:ea typeface="Courier" charset="0"/>
+                <a:cs typeface="Courier" charset="0"/>
+              </a:rPr>
+              <a:t>         }, </a:t>
+            </a:r>
+          </a:p>
+          <a:p>
+            <a:r>
+              <a:rPr lang="en-US" dirty="0">
+                <a:latin typeface="Courier" charset="0"/>
+                <a:ea typeface="Courier" charset="0"/>
+                <a:cs typeface="Courier" charset="0"/>
+              </a:rPr>
+              <a:t>         "optional": false</a:t>
+            </a:r>
+          </a:p>
+          <a:p>
+            <a:r>
+              <a:rPr lang="en-US" dirty="0">
+                <a:latin typeface="Courier" charset="0"/>
+                <a:ea typeface="Courier" charset="0"/>
+                <a:cs typeface="Courier" charset="0"/>
+              </a:rPr>
+              <a:t>      }, </a:t>
+            </a:r>
+            <a:endParaRPr lang="en-US" b="0" dirty="0">
+              <a:effectLst/>
               <a:latin typeface="Courier" charset="0"/>
               <a:ea typeface="Courier" charset="0"/>
               <a:cs typeface="Courier" charset="0"/>
             </a:endParaRPr>
           </a:p>
+        </p:txBody>
+      </p:sp>
+    </p:spTree>
+    <p:extLst>
+      <p:ext uri="{BB962C8B-B14F-4D97-AF65-F5344CB8AC3E}">
+        <p14:creationId xmlns:p14="http://schemas.microsoft.com/office/powerpoint/2010/main" val="1502628381"/>
+      </p:ext>
+    </p:extLst>
+  </p:cSld>
+  <p:clrMapOvr>
+    <a:masterClrMapping/>
+  </p:clrMapOvr>
+</p:sld>
+</file>
+
+<file path=ppt/slides/slide14.xml><?xml version="1.0" encoding="utf-8"?>
+<p:sld xmlns:a="http://schemas.openxmlformats.org/drawingml/2006/main" xmlns:r="http://schemas.openxmlformats.org/officeDocument/2006/relationships" xmlns:p="http://schemas.openxmlformats.org/presentationml/2006/main">
+  <p:cSld>
+    <p:spTree>
+      <p:nvGrpSpPr>
+        <p:cNvPr id="1" name=""/>
+        <p:cNvGrpSpPr/>
+        <p:nvPr/>
+      </p:nvGrpSpPr>
+      <p:grpSpPr>
+        <a:xfrm>
+          <a:off x="0" y="0"/>
+          <a:ext cx="0" cy="0"/>
+          <a:chOff x="0" y="0"/>
+          <a:chExt cx="0" cy="0"/>
+        </a:xfrm>
+      </p:grpSpPr>
+      <p:sp>
+        <p:nvSpPr>
+          <p:cNvPr id="2" name="Title 1"/>
+          <p:cNvSpPr>
+            <a:spLocks noGrp="1"/>
+          </p:cNvSpPr>
+          <p:nvPr>
+            <p:ph type="title"/>
+          </p:nvPr>
+        </p:nvSpPr>
+        <p:spPr/>
+        <p:txBody>
+          <a:bodyPr/>
+          <a:lstStyle/>
+          <a:p>
+            <a:r>
+              <a:rPr lang="en-US" dirty="0"/>
+              <a:t>Issue </a:t>
+            </a:r>
+            <a:r>
+              <a:rPr lang="mr-IN" dirty="0"/>
+              <a:t>–</a:t>
+            </a:r>
+            <a:r>
+              <a:rPr lang="en-US" dirty="0"/>
+              <a:t> Name vs. JSON tag</a:t>
+            </a:r>
+          </a:p>
+        </p:txBody>
+      </p:sp>
+      <p:sp>
+        <p:nvSpPr>
+          <p:cNvPr id="3" name="Content Placeholder 2"/>
+          <p:cNvSpPr>
+            <a:spLocks noGrp="1"/>
+          </p:cNvSpPr>
+          <p:nvPr>
+            <p:ph idx="1"/>
+          </p:nvPr>
+        </p:nvSpPr>
+        <p:spPr/>
+        <p:txBody>
+          <a:bodyPr/>
+          <a:lstStyle/>
+          <a:p>
+            <a:r>
+              <a:rPr lang="en-US" dirty="0"/>
+              <a:t>Our definition format allows the following</a:t>
+            </a:r>
+          </a:p>
           <a:p>
             <a:pPr marL="0" indent="0">
               <a:buNone/>
             </a:pPr>
-            <a:r>
-              <a:rPr lang="en-US" sz="2000" dirty="0" smtClean="0">
+            <a:endParaRPr lang="en-US" sz="2000" dirty="0">
+              <a:latin typeface="Courier" charset="0"/>
+              <a:ea typeface="Courier" charset="0"/>
+              <a:cs typeface="Courier" charset="0"/>
+            </a:endParaRPr>
+          </a:p>
+          <a:p>
+            <a:pPr marL="0" indent="0">
+              <a:buNone/>
+            </a:pPr>
+            <a:r>
+              <a:rPr lang="en-US" sz="2000" dirty="0">
                 <a:latin typeface="Courier" charset="0"/>
                 <a:ea typeface="Courier" charset="0"/>
                 <a:cs typeface="Courier" charset="0"/>
@@ -4244,7 +4219,7 @@
               <a:t>"</a:t>
             </a:r>
             <a:r>
-              <a:rPr lang="en-US" sz="2000" dirty="0" err="1" smtClean="0">
+              <a:rPr lang="en-US" sz="2000" dirty="0" err="1">
                 <a:latin typeface="Courier" charset="0"/>
                 <a:ea typeface="Courier" charset="0"/>
                 <a:cs typeface="Courier" charset="0"/>
@@ -4252,7 +4227,7 @@
               <a:t>odmProperty</a:t>
             </a:r>
             <a:r>
-              <a:rPr lang="en-US" sz="2000" dirty="0" smtClean="0">
+              <a:rPr lang="en-US" sz="2000" dirty="0">
                 <a:latin typeface="Courier" charset="0"/>
                 <a:ea typeface="Courier" charset="0"/>
                 <a:cs typeface="Courier" charset="0"/>
@@ -4270,18 +4245,10 @@
                 <a:ea typeface="Courier" charset="0"/>
                 <a:cs typeface="Courier" charset="0"/>
               </a:rPr>
-              <a:t> </a:t>
-            </a:r>
-            <a:r>
-              <a:rPr lang="en-US" sz="2000" dirty="0" smtClean="0">
-                <a:latin typeface="Courier" charset="0"/>
-                <a:ea typeface="Courier" charset="0"/>
-                <a:cs typeface="Courier" charset="0"/>
-              </a:rPr>
-              <a:t> "</a:t>
-            </a:r>
-            <a:r>
-              <a:rPr lang="en-US" sz="2000" dirty="0" err="1" smtClean="0">
+              <a:t>  "</a:t>
+            </a:r>
+            <a:r>
+              <a:rPr lang="en-US" sz="2000" dirty="0" err="1">
                 <a:latin typeface="Courier" charset="0"/>
                 <a:ea typeface="Courier" charset="0"/>
                 <a:cs typeface="Courier" charset="0"/>
@@ -4289,7 +4256,7 @@
               <a:t>onOffState</a:t>
             </a:r>
             <a:r>
-              <a:rPr lang="en-US" sz="2000" dirty="0" smtClean="0">
+              <a:rPr lang="en-US" sz="2000" dirty="0">
                 <a:latin typeface="Courier" charset="0"/>
                 <a:ea typeface="Courier" charset="0"/>
                 <a:cs typeface="Courier" charset="0"/>
@@ -4307,18 +4274,10 @@
                 <a:ea typeface="Courier" charset="0"/>
                 <a:cs typeface="Courier" charset="0"/>
               </a:rPr>
-              <a:t> </a:t>
-            </a:r>
-            <a:r>
-              <a:rPr lang="en-US" sz="2000" dirty="0" smtClean="0">
-                <a:latin typeface="Courier" charset="0"/>
-                <a:ea typeface="Courier" charset="0"/>
-                <a:cs typeface="Courier" charset="0"/>
-              </a:rPr>
-              <a:t>   "name": "</a:t>
-            </a:r>
-            <a:r>
-              <a:rPr lang="en-US" sz="2000" dirty="0" err="1" smtClean="0">
+              <a:t>    "name": "</a:t>
+            </a:r>
+            <a:r>
+              <a:rPr lang="en-US" sz="2000" dirty="0" err="1">
                 <a:latin typeface="Courier" charset="0"/>
                 <a:ea typeface="Courier" charset="0"/>
                 <a:cs typeface="Courier" charset="0"/>
@@ -4326,7 +4285,7 @@
               <a:t>onOffState</a:t>
             </a:r>
             <a:r>
-              <a:rPr lang="en-US" sz="2000" dirty="0" smtClean="0">
+              <a:rPr lang="en-US" sz="2000" dirty="0">
                 <a:latin typeface="Courier" charset="0"/>
                 <a:ea typeface="Courier" charset="0"/>
                 <a:cs typeface="Courier" charset="0"/>
@@ -4344,15 +4303,7 @@
                 <a:ea typeface="Courier" charset="0"/>
                 <a:cs typeface="Courier" charset="0"/>
               </a:rPr>
-              <a:t> </a:t>
-            </a:r>
-            <a:r>
-              <a:rPr lang="en-US" sz="2000" dirty="0" smtClean="0">
-                <a:latin typeface="Courier" charset="0"/>
-                <a:ea typeface="Courier" charset="0"/>
-                <a:cs typeface="Courier" charset="0"/>
-              </a:rPr>
-              <a:t>   "id": 3</a:t>
+              <a:t>    "id": 3</a:t>
             </a:r>
           </a:p>
           <a:p>
@@ -4365,15 +4316,7 @@
                 <a:ea typeface="Courier" charset="0"/>
                 <a:cs typeface="Courier" charset="0"/>
               </a:rPr>
-              <a:t> </a:t>
-            </a:r>
-            <a:r>
-              <a:rPr lang="en-US" sz="2000" dirty="0" smtClean="0">
-                <a:latin typeface="Courier" charset="0"/>
-                <a:ea typeface="Courier" charset="0"/>
-                <a:cs typeface="Courier" charset="0"/>
-              </a:rPr>
-              <a:t> }</a:t>
+              <a:t>  }</a:t>
             </a:r>
           </a:p>
           <a:p>
@@ -4414,10 +4357,9 @@
           <a:lstStyle/>
           <a:p>
             <a:r>
-              <a:rPr lang="en-US" b="1" dirty="0" smtClean="0"/>
+              <a:rPr lang="en-US" b="1" dirty="0"/>
               <a:t>The JSON tag is the definition and the reference</a:t>
             </a:r>
-            <a:endParaRPr lang="en-US" b="1" dirty="0"/>
           </a:p>
         </p:txBody>
       </p:sp>
@@ -4518,470 +4460,6 @@
 </p:sld>
 </file>
 
-<file path=ppt/slides/slide14.xml><?xml version="1.0" encoding="utf-8"?>
-<p:sld xmlns:a="http://schemas.openxmlformats.org/drawingml/2006/main" xmlns:r="http://schemas.openxmlformats.org/officeDocument/2006/relationships" xmlns:p="http://schemas.openxmlformats.org/presentationml/2006/main">
-  <p:cSld>
-    <p:spTree>
-      <p:nvGrpSpPr>
-        <p:cNvPr id="1" name=""/>
-        <p:cNvGrpSpPr/>
-        <p:nvPr/>
-      </p:nvGrpSpPr>
-      <p:grpSpPr>
-        <a:xfrm>
-          <a:off x="0" y="0"/>
-          <a:ext cx="0" cy="0"/>
-          <a:chOff x="0" y="0"/>
-          <a:chExt cx="0" cy="0"/>
-        </a:xfrm>
-      </p:grpSpPr>
-      <p:sp>
-        <p:nvSpPr>
-          <p:cNvPr id="2" name="Title 1"/>
-          <p:cNvSpPr>
-            <a:spLocks noGrp="1"/>
-          </p:cNvSpPr>
-          <p:nvPr>
-            <p:ph type="title"/>
-          </p:nvPr>
-        </p:nvSpPr>
-        <p:spPr>
-          <a:xfrm>
-            <a:off x="628650" y="125640"/>
-            <a:ext cx="7886700" cy="1325563"/>
-          </a:xfrm>
-        </p:spPr>
-        <p:txBody>
-          <a:bodyPr/>
-          <a:lstStyle/>
-          <a:p>
-            <a:r>
-              <a:rPr lang="en-US" dirty="0" smtClean="0"/>
-              <a:t>Issue </a:t>
-            </a:r>
-            <a:r>
-              <a:rPr lang="mr-IN" dirty="0" smtClean="0"/>
-              <a:t>–</a:t>
-            </a:r>
-            <a:r>
-              <a:rPr lang="en-US" dirty="0" smtClean="0"/>
-              <a:t> Use of </a:t>
-            </a:r>
-            <a:r>
-              <a:rPr lang="en-US" dirty="0" err="1" smtClean="0"/>
-              <a:t>oneOf</a:t>
-            </a:r>
-            <a:r>
-              <a:rPr lang="en-US" dirty="0" smtClean="0"/>
-              <a:t> outside schemas</a:t>
-            </a:r>
-            <a:endParaRPr lang="en-US" dirty="0"/>
-          </a:p>
-        </p:txBody>
-      </p:sp>
-      <p:sp>
-        <p:nvSpPr>
-          <p:cNvPr id="3" name="Content Placeholder 2"/>
-          <p:cNvSpPr>
-            <a:spLocks noGrp="1"/>
-          </p:cNvSpPr>
-          <p:nvPr>
-            <p:ph idx="1"/>
-          </p:nvPr>
-        </p:nvSpPr>
-        <p:spPr>
-          <a:xfrm>
-            <a:off x="3241222" y="1146402"/>
-            <a:ext cx="5369379" cy="5363254"/>
-          </a:xfrm>
-        </p:spPr>
-        <p:txBody>
-          <a:bodyPr/>
-          <a:lstStyle/>
-          <a:p>
-            <a:pPr marL="0" indent="0">
-              <a:buNone/>
-            </a:pPr>
-            <a:r>
-              <a:rPr lang="en-US" sz="1800" dirty="0" smtClean="0">
-                <a:latin typeface="Courier" charset="0"/>
-                <a:ea typeface="Courier" charset="0"/>
-                <a:cs typeface="Courier" charset="0"/>
-              </a:rPr>
-              <a:t>"</a:t>
-            </a:r>
-            <a:r>
-              <a:rPr lang="en-US" sz="1800" dirty="0" err="1" smtClean="0">
-                <a:latin typeface="Courier" charset="0"/>
-                <a:ea typeface="Courier" charset="0"/>
-                <a:cs typeface="Courier" charset="0"/>
-              </a:rPr>
-              <a:t>odmProperty</a:t>
-            </a:r>
-            <a:r>
-              <a:rPr lang="en-US" sz="1800" dirty="0" smtClean="0">
-                <a:latin typeface="Courier" charset="0"/>
-                <a:ea typeface="Courier" charset="0"/>
-                <a:cs typeface="Courier" charset="0"/>
-              </a:rPr>
-              <a:t>":  {</a:t>
-            </a:r>
-          </a:p>
-          <a:p>
-            <a:pPr marL="0" indent="0">
-              <a:buNone/>
-            </a:pPr>
-            <a:r>
-              <a:rPr lang="en-US" sz="1800" dirty="0">
-                <a:latin typeface="Courier" charset="0"/>
-                <a:ea typeface="Courier" charset="0"/>
-                <a:cs typeface="Courier" charset="0"/>
-              </a:rPr>
-              <a:t> </a:t>
-            </a:r>
-            <a:r>
-              <a:rPr lang="en-US" sz="1800" dirty="0" smtClean="0">
-                <a:latin typeface="Courier" charset="0"/>
-                <a:ea typeface="Courier" charset="0"/>
-                <a:cs typeface="Courier" charset="0"/>
-              </a:rPr>
-              <a:t> "temperature": { </a:t>
-            </a:r>
-          </a:p>
-          <a:p>
-            <a:pPr marL="0" indent="0">
-              <a:buNone/>
-            </a:pPr>
-            <a:r>
-              <a:rPr lang="en-US" sz="1800" dirty="0">
-                <a:latin typeface="Courier" charset="0"/>
-                <a:ea typeface="Courier" charset="0"/>
-                <a:cs typeface="Courier" charset="0"/>
-              </a:rPr>
-              <a:t> </a:t>
-            </a:r>
-            <a:r>
-              <a:rPr lang="en-US" sz="1800" dirty="0" smtClean="0">
-                <a:latin typeface="Courier" charset="0"/>
-                <a:ea typeface="Courier" charset="0"/>
-                <a:cs typeface="Courier" charset="0"/>
-              </a:rPr>
-              <a:t>   "</a:t>
-            </a:r>
-            <a:r>
-              <a:rPr lang="en-US" sz="1800" dirty="0" err="1" smtClean="0">
-                <a:latin typeface="Courier" charset="0"/>
-                <a:ea typeface="Courier" charset="0"/>
-                <a:cs typeface="Courier" charset="0"/>
-              </a:rPr>
-              <a:t>oneOf</a:t>
-            </a:r>
-            <a:r>
-              <a:rPr lang="en-US" sz="1800" dirty="0" smtClean="0">
-                <a:latin typeface="Courier" charset="0"/>
-                <a:ea typeface="Courier" charset="0"/>
-                <a:cs typeface="Courier" charset="0"/>
-              </a:rPr>
-              <a:t>": [</a:t>
-            </a:r>
-          </a:p>
-          <a:p>
-            <a:pPr marL="0" indent="0">
-              <a:buNone/>
-            </a:pPr>
-            <a:r>
-              <a:rPr lang="en-US" sz="1800" dirty="0">
-                <a:latin typeface="Courier" charset="0"/>
-                <a:ea typeface="Courier" charset="0"/>
-                <a:cs typeface="Courier" charset="0"/>
-              </a:rPr>
-              <a:t> </a:t>
-            </a:r>
-            <a:r>
-              <a:rPr lang="en-US" sz="1800" dirty="0" smtClean="0">
-                <a:latin typeface="Courier" charset="0"/>
-                <a:ea typeface="Courier" charset="0"/>
-                <a:cs typeface="Courier" charset="0"/>
-              </a:rPr>
-              <a:t>     {</a:t>
-            </a:r>
-          </a:p>
-          <a:p>
-            <a:pPr marL="0" indent="0">
-              <a:buNone/>
-            </a:pPr>
-            <a:r>
-              <a:rPr lang="en-US" sz="1800" dirty="0">
-                <a:latin typeface="Courier" charset="0"/>
-                <a:ea typeface="Courier" charset="0"/>
-                <a:cs typeface="Courier" charset="0"/>
-              </a:rPr>
-              <a:t> </a:t>
-            </a:r>
-            <a:r>
-              <a:rPr lang="en-US" sz="1800" dirty="0" smtClean="0">
-                <a:latin typeface="Courier" charset="0"/>
-                <a:ea typeface="Courier" charset="0"/>
-                <a:cs typeface="Courier" charset="0"/>
-              </a:rPr>
-              <a:t>       "type": "number",</a:t>
-            </a:r>
-          </a:p>
-          <a:p>
-            <a:pPr marL="0" indent="0">
-              <a:buNone/>
-            </a:pPr>
-            <a:r>
-              <a:rPr lang="en-US" sz="1800" dirty="0">
-                <a:latin typeface="Courier" charset="0"/>
-                <a:ea typeface="Courier" charset="0"/>
-                <a:cs typeface="Courier" charset="0"/>
-              </a:rPr>
-              <a:t> </a:t>
-            </a:r>
-            <a:r>
-              <a:rPr lang="en-US" sz="1800" dirty="0" smtClean="0">
-                <a:latin typeface="Courier" charset="0"/>
-                <a:ea typeface="Courier" charset="0"/>
-                <a:cs typeface="Courier" charset="0"/>
-              </a:rPr>
-              <a:t>       "name": "value",</a:t>
-            </a:r>
-          </a:p>
-          <a:p>
-            <a:pPr marL="0" indent="0">
-              <a:buNone/>
-            </a:pPr>
-            <a:r>
-              <a:rPr lang="en-US" sz="1800" dirty="0">
-                <a:latin typeface="Courier" charset="0"/>
-                <a:ea typeface="Courier" charset="0"/>
-                <a:cs typeface="Courier" charset="0"/>
-              </a:rPr>
-              <a:t> </a:t>
-            </a:r>
-            <a:r>
-              <a:rPr lang="en-US" sz="1800" dirty="0" smtClean="0">
-                <a:latin typeface="Courier" charset="0"/>
-                <a:ea typeface="Courier" charset="0"/>
-                <a:cs typeface="Courier" charset="0"/>
-              </a:rPr>
-              <a:t>       "id": 1</a:t>
-            </a:r>
-            <a:r>
-              <a:rPr lang="en-US" sz="1800" dirty="0">
-                <a:latin typeface="Courier" charset="0"/>
-                <a:ea typeface="Courier" charset="0"/>
-                <a:cs typeface="Courier" charset="0"/>
-              </a:rPr>
-              <a:t> </a:t>
-            </a:r>
-            <a:endParaRPr lang="en-US" sz="1800" dirty="0" smtClean="0">
-              <a:latin typeface="Courier" charset="0"/>
-              <a:ea typeface="Courier" charset="0"/>
-              <a:cs typeface="Courier" charset="0"/>
-            </a:endParaRPr>
-          </a:p>
-          <a:p>
-            <a:pPr marL="0" indent="0">
-              <a:buNone/>
-            </a:pPr>
-            <a:r>
-              <a:rPr lang="en-US" sz="1800" dirty="0">
-                <a:latin typeface="Courier" charset="0"/>
-                <a:ea typeface="Courier" charset="0"/>
-                <a:cs typeface="Courier" charset="0"/>
-              </a:rPr>
-              <a:t> </a:t>
-            </a:r>
-            <a:r>
-              <a:rPr lang="en-US" sz="1800" dirty="0" smtClean="0">
-                <a:latin typeface="Courier" charset="0"/>
-                <a:ea typeface="Courier" charset="0"/>
-                <a:cs typeface="Courier" charset="0"/>
-              </a:rPr>
-              <a:t>     },</a:t>
-            </a:r>
-          </a:p>
-          <a:p>
-            <a:pPr marL="0" indent="0">
-              <a:buNone/>
-            </a:pPr>
-            <a:r>
-              <a:rPr lang="en-US" sz="1800" dirty="0">
-                <a:latin typeface="Courier" charset="0"/>
-                <a:ea typeface="Courier" charset="0"/>
-                <a:cs typeface="Courier" charset="0"/>
-              </a:rPr>
-              <a:t>      {</a:t>
-            </a:r>
-          </a:p>
-          <a:p>
-            <a:pPr marL="0" indent="0">
-              <a:buNone/>
-            </a:pPr>
-            <a:r>
-              <a:rPr lang="en-US" sz="1800" dirty="0">
-                <a:latin typeface="Courier" charset="0"/>
-                <a:ea typeface="Courier" charset="0"/>
-                <a:cs typeface="Courier" charset="0"/>
-              </a:rPr>
-              <a:t>        "type": </a:t>
-            </a:r>
-            <a:r>
-              <a:rPr lang="en-US" sz="1800" dirty="0" smtClean="0">
-                <a:latin typeface="Courier" charset="0"/>
-                <a:ea typeface="Courier" charset="0"/>
-                <a:cs typeface="Courier" charset="0"/>
-              </a:rPr>
-              <a:t>"number",</a:t>
-            </a:r>
-          </a:p>
-          <a:p>
-            <a:pPr marL="0" indent="0">
-              <a:buNone/>
-            </a:pPr>
-            <a:r>
-              <a:rPr lang="en-US" sz="1800" dirty="0">
-                <a:latin typeface="Courier" charset="0"/>
-                <a:ea typeface="Courier" charset="0"/>
-                <a:cs typeface="Courier" charset="0"/>
-              </a:rPr>
-              <a:t> </a:t>
-            </a:r>
-            <a:r>
-              <a:rPr lang="en-US" sz="1800" dirty="0" smtClean="0">
-                <a:latin typeface="Courier" charset="0"/>
-                <a:ea typeface="Courier" charset="0"/>
-                <a:cs typeface="Courier" charset="0"/>
-              </a:rPr>
-              <a:t>       "</a:t>
-            </a:r>
-            <a:r>
-              <a:rPr lang="en-US" sz="1800" dirty="0" err="1" smtClean="0">
-                <a:latin typeface="Courier" charset="0"/>
-                <a:ea typeface="Courier" charset="0"/>
-                <a:cs typeface="Courier" charset="0"/>
-              </a:rPr>
-              <a:t>enum</a:t>
-            </a:r>
-            <a:r>
-              <a:rPr lang="en-US" sz="1800" dirty="0" smtClean="0">
-                <a:latin typeface="Courier" charset="0"/>
-                <a:ea typeface="Courier" charset="0"/>
-                <a:cs typeface="Courier" charset="0"/>
-              </a:rPr>
-              <a:t>": [1,2,3,4],</a:t>
-            </a:r>
-            <a:endParaRPr lang="en-US" sz="1800" dirty="0">
-              <a:latin typeface="Courier" charset="0"/>
-              <a:ea typeface="Courier" charset="0"/>
-              <a:cs typeface="Courier" charset="0"/>
-            </a:endParaRPr>
-          </a:p>
-          <a:p>
-            <a:pPr marL="0" indent="0">
-              <a:buNone/>
-            </a:pPr>
-            <a:r>
-              <a:rPr lang="en-US" sz="1800" dirty="0">
-                <a:latin typeface="Courier" charset="0"/>
-                <a:ea typeface="Courier" charset="0"/>
-                <a:cs typeface="Courier" charset="0"/>
-              </a:rPr>
-              <a:t>        "name": </a:t>
-            </a:r>
-            <a:r>
-              <a:rPr lang="en-US" sz="1800" dirty="0" smtClean="0">
-                <a:latin typeface="Courier" charset="0"/>
-                <a:ea typeface="Courier" charset="0"/>
-                <a:cs typeface="Courier" charset="0"/>
-              </a:rPr>
-              <a:t>"index",</a:t>
-            </a:r>
-            <a:endParaRPr lang="en-US" sz="1800" dirty="0">
-              <a:latin typeface="Courier" charset="0"/>
-              <a:ea typeface="Courier" charset="0"/>
-              <a:cs typeface="Courier" charset="0"/>
-            </a:endParaRPr>
-          </a:p>
-          <a:p>
-            <a:pPr marL="0" indent="0">
-              <a:buNone/>
-            </a:pPr>
-            <a:r>
-              <a:rPr lang="en-US" sz="1800" dirty="0">
-                <a:latin typeface="Courier" charset="0"/>
-                <a:ea typeface="Courier" charset="0"/>
-                <a:cs typeface="Courier" charset="0"/>
-              </a:rPr>
-              <a:t>        "id": </a:t>
-            </a:r>
-            <a:r>
-              <a:rPr lang="en-US" sz="1800" dirty="0" smtClean="0">
-                <a:latin typeface="Courier" charset="0"/>
-                <a:ea typeface="Courier" charset="0"/>
-                <a:cs typeface="Courier" charset="0"/>
-              </a:rPr>
-              <a:t>2 </a:t>
-            </a:r>
-            <a:endParaRPr lang="en-US" sz="1800" dirty="0">
-              <a:latin typeface="Courier" charset="0"/>
-              <a:ea typeface="Courier" charset="0"/>
-              <a:cs typeface="Courier" charset="0"/>
-            </a:endParaRPr>
-          </a:p>
-          <a:p>
-            <a:pPr marL="0" indent="0">
-              <a:buNone/>
-            </a:pPr>
-            <a:r>
-              <a:rPr lang="en-US" sz="1800" dirty="0">
-                <a:latin typeface="Courier" charset="0"/>
-                <a:ea typeface="Courier" charset="0"/>
-                <a:cs typeface="Courier" charset="0"/>
-              </a:rPr>
-              <a:t>      </a:t>
-            </a:r>
-            <a:r>
-              <a:rPr lang="en-US" sz="1800" dirty="0" smtClean="0">
-                <a:latin typeface="Courier" charset="0"/>
-                <a:ea typeface="Courier" charset="0"/>
-                <a:cs typeface="Courier" charset="0"/>
-              </a:rPr>
-              <a:t>}</a:t>
-            </a:r>
-            <a:endParaRPr lang="en-US" sz="1800" dirty="0">
-              <a:latin typeface="Courier" charset="0"/>
-              <a:ea typeface="Courier" charset="0"/>
-              <a:cs typeface="Courier" charset="0"/>
-            </a:endParaRPr>
-          </a:p>
-          <a:p>
-            <a:pPr marL="0" indent="0">
-              <a:buNone/>
-            </a:pPr>
-            <a:endParaRPr lang="en-US" sz="1800" dirty="0" smtClean="0">
-              <a:latin typeface="Courier" charset="0"/>
-              <a:ea typeface="Courier" charset="0"/>
-              <a:cs typeface="Courier" charset="0"/>
-            </a:endParaRPr>
-          </a:p>
-        </p:txBody>
-      </p:sp>
-    </p:spTree>
-    <p:extLst>
-      <p:ext uri="{BB962C8B-B14F-4D97-AF65-F5344CB8AC3E}">
-        <p14:creationId xmlns:p14="http://schemas.microsoft.com/office/powerpoint/2010/main" val="443175550"/>
-      </p:ext>
-    </p:extLst>
-  </p:cSld>
-  <p:clrMapOvr>
-    <a:masterClrMapping/>
-  </p:clrMapOvr>
-</p:sld>
-</file>
-
 <file path=ppt/slides/slide15.xml><?xml version="1.0" encoding="utf-8"?>
 <p:sld xmlns:a="http://schemas.openxmlformats.org/drawingml/2006/main" xmlns:r="http://schemas.openxmlformats.org/officeDocument/2006/relationships" xmlns:p="http://schemas.openxmlformats.org/presentationml/2006/main">
   <p:cSld>
@@ -5011,7 +4489,7 @@
         </p:nvSpPr>
         <p:spPr>
           <a:xfrm>
-            <a:off x="628650" y="288926"/>
+            <a:off x="628650" y="125640"/>
             <a:ext cx="7886700" cy="1325563"/>
           </a:xfrm>
         </p:spPr>
@@ -5020,14 +4498,25 @@
           <a:lstStyle/>
           <a:p>
             <a:r>
-              <a:rPr lang="en-US" dirty="0" smtClean="0"/>
-              <a:t>Issue - </a:t>
-            </a:r>
-            <a:r>
-              <a:rPr lang="en-US" dirty="0" err="1" smtClean="0"/>
-              <a:t>Nullability</a:t>
-            </a:r>
-            <a:endParaRPr lang="en-US" dirty="0"/>
+              <a:rPr lang="en-US" dirty="0"/>
+              <a:t>Issue </a:t>
+            </a:r>
+            <a:r>
+              <a:rPr lang="mr-IN" dirty="0"/>
+              <a:t>–</a:t>
+            </a:r>
+            <a:r>
+              <a:rPr lang="en-US" dirty="0"/>
+              <a:t> Use of </a:t>
+            </a:r>
+            <a:r>
+              <a:rPr lang="en-US" dirty="0" err="1"/>
+              <a:t>oneOf</a:t>
+            </a:r>
+            <a:r>
+              <a:rPr lang="en-US" dirty="0"/>
+              <a:t> outside schemas</a:t>
+            </a:r>
           </a:p>
         </p:txBody>
       </p:sp>
@@ -5043,68 +4532,259 @@
         </p:nvSpPr>
         <p:spPr>
           <a:xfrm>
-            <a:off x="628650" y="1614489"/>
-            <a:ext cx="7886700" cy="4351338"/>
+            <a:off x="3241222" y="1146402"/>
+            <a:ext cx="5369379" cy="5363254"/>
           </a:xfrm>
         </p:spPr>
         <p:txBody>
           <a:bodyPr/>
           <a:lstStyle/>
           <a:p>
-            <a:r>
-              <a:rPr lang="en-US" dirty="0" smtClean="0"/>
-              <a:t>We allow "</a:t>
-            </a:r>
-            <a:r>
-              <a:rPr lang="en-US" dirty="0" err="1" smtClean="0"/>
-              <a:t>nullability"as</a:t>
-            </a:r>
-            <a:r>
-              <a:rPr lang="en-US" dirty="0" smtClean="0"/>
-              <a:t> a quality, meaning that the value (property or data parameter) can be represented as a null value</a:t>
-            </a:r>
-          </a:p>
-          <a:p>
-            <a:r>
-              <a:rPr lang="en-US" dirty="0" smtClean="0"/>
-              <a:t>Null value representation is serialization dependent and includes many ad-hoc schemes such as reserved values</a:t>
-            </a:r>
-          </a:p>
-          <a:p>
-            <a:r>
-              <a:rPr lang="en-US" dirty="0" smtClean="0"/>
-              <a:t>JSON null is both a type and a value</a:t>
-            </a:r>
-          </a:p>
-          <a:p>
-            <a:r>
-              <a:rPr lang="en-US" dirty="0" smtClean="0"/>
-              <a:t>We need to allow null, so may define an implicit "</a:t>
-            </a:r>
-            <a:r>
-              <a:rPr lang="en-US" dirty="0" err="1" smtClean="0"/>
+            <a:pPr marL="0" indent="0">
+              <a:buNone/>
+            </a:pPr>
+            <a:r>
+              <a:rPr lang="en-US" sz="1800" dirty="0">
+                <a:latin typeface="Courier" charset="0"/>
+                <a:ea typeface="Courier" charset="0"/>
+                <a:cs typeface="Courier" charset="0"/>
+              </a:rPr>
+              <a:t>"</a:t>
+            </a:r>
+            <a:r>
+              <a:rPr lang="en-US" sz="1800" dirty="0" err="1">
+                <a:latin typeface="Courier" charset="0"/>
+                <a:ea typeface="Courier" charset="0"/>
+                <a:cs typeface="Courier" charset="0"/>
+              </a:rPr>
+              <a:t>odmProperty</a:t>
+            </a:r>
+            <a:r>
+              <a:rPr lang="en-US" sz="1800" dirty="0">
+                <a:latin typeface="Courier" charset="0"/>
+                <a:ea typeface="Courier" charset="0"/>
+                <a:cs typeface="Courier" charset="0"/>
+              </a:rPr>
+              <a:t>":  {</a:t>
+            </a:r>
+          </a:p>
+          <a:p>
+            <a:pPr marL="0" indent="0">
+              <a:buNone/>
+            </a:pPr>
+            <a:r>
+              <a:rPr lang="en-US" sz="1800" dirty="0">
+                <a:latin typeface="Courier" charset="0"/>
+                <a:ea typeface="Courier" charset="0"/>
+                <a:cs typeface="Courier" charset="0"/>
+              </a:rPr>
+              <a:t>  "temperature": { </a:t>
+            </a:r>
+          </a:p>
+          <a:p>
+            <a:pPr marL="0" indent="0">
+              <a:buNone/>
+            </a:pPr>
+            <a:r>
+              <a:rPr lang="en-US" sz="1800" dirty="0">
+                <a:latin typeface="Courier" charset="0"/>
+                <a:ea typeface="Courier" charset="0"/>
+                <a:cs typeface="Courier" charset="0"/>
+              </a:rPr>
+              <a:t>    "</a:t>
+            </a:r>
+            <a:r>
+              <a:rPr lang="en-US" sz="1800" dirty="0" err="1">
+                <a:latin typeface="Courier" charset="0"/>
+                <a:ea typeface="Courier" charset="0"/>
+                <a:cs typeface="Courier" charset="0"/>
+              </a:rPr>
               <a:t>oneOf</a:t>
             </a:r>
             <a:r>
-              <a:rPr lang="en-US" dirty="0" smtClean="0"/>
-              <a:t>" in the schema for </a:t>
-            </a:r>
-            <a:r>
-              <a:rPr lang="en-US" dirty="0" err="1" smtClean="0"/>
-              <a:t>nullable</a:t>
-            </a:r>
-            <a:r>
-              <a:rPr lang="en-US" dirty="0" smtClean="0"/>
-              <a:t> values to enable a default JSON implementation</a:t>
-            </a:r>
-            <a:endParaRPr lang="en-US" dirty="0"/>
+              <a:rPr lang="en-US" sz="1800" dirty="0">
+                <a:latin typeface="Courier" charset="0"/>
+                <a:ea typeface="Courier" charset="0"/>
+                <a:cs typeface="Courier" charset="0"/>
+              </a:rPr>
+              <a:t>": [</a:t>
+            </a:r>
+          </a:p>
+          <a:p>
+            <a:pPr marL="0" indent="0">
+              <a:buNone/>
+            </a:pPr>
+            <a:r>
+              <a:rPr lang="en-US" sz="1800" dirty="0">
+                <a:latin typeface="Courier" charset="0"/>
+                <a:ea typeface="Courier" charset="0"/>
+                <a:cs typeface="Courier" charset="0"/>
+              </a:rPr>
+              <a:t>      {</a:t>
+            </a:r>
+          </a:p>
+          <a:p>
+            <a:pPr marL="0" indent="0">
+              <a:buNone/>
+            </a:pPr>
+            <a:r>
+              <a:rPr lang="en-US" sz="1800" dirty="0">
+                <a:latin typeface="Courier" charset="0"/>
+                <a:ea typeface="Courier" charset="0"/>
+                <a:cs typeface="Courier" charset="0"/>
+              </a:rPr>
+              <a:t>        "type": "number",</a:t>
+            </a:r>
+          </a:p>
+          <a:p>
+            <a:pPr marL="0" indent="0">
+              <a:buNone/>
+            </a:pPr>
+            <a:r>
+              <a:rPr lang="en-US" sz="1800" dirty="0">
+                <a:latin typeface="Courier" charset="0"/>
+                <a:ea typeface="Courier" charset="0"/>
+                <a:cs typeface="Courier" charset="0"/>
+              </a:rPr>
+              <a:t>        "name": "value",</a:t>
+            </a:r>
+          </a:p>
+          <a:p>
+            <a:pPr marL="0" indent="0">
+              <a:buNone/>
+            </a:pPr>
+            <a:r>
+              <a:rPr lang="en-US" sz="1800" dirty="0">
+                <a:latin typeface="Courier" charset="0"/>
+                <a:ea typeface="Courier" charset="0"/>
+                <a:cs typeface="Courier" charset="0"/>
+              </a:rPr>
+              <a:t>        "id": 1 </a:t>
+            </a:r>
+          </a:p>
+          <a:p>
+            <a:pPr marL="0" indent="0">
+              <a:buNone/>
+            </a:pPr>
+            <a:r>
+              <a:rPr lang="en-US" sz="1800" dirty="0">
+                <a:latin typeface="Courier" charset="0"/>
+                <a:ea typeface="Courier" charset="0"/>
+                <a:cs typeface="Courier" charset="0"/>
+              </a:rPr>
+              <a:t>      },</a:t>
+            </a:r>
+          </a:p>
+          <a:p>
+            <a:pPr marL="0" indent="0">
+              <a:buNone/>
+            </a:pPr>
+            <a:r>
+              <a:rPr lang="en-US" sz="1800" dirty="0">
+                <a:latin typeface="Courier" charset="0"/>
+                <a:ea typeface="Courier" charset="0"/>
+                <a:cs typeface="Courier" charset="0"/>
+              </a:rPr>
+              <a:t>      {</a:t>
+            </a:r>
+          </a:p>
+          <a:p>
+            <a:pPr marL="0" indent="0">
+              <a:buNone/>
+            </a:pPr>
+            <a:r>
+              <a:rPr lang="en-US" sz="1800" dirty="0">
+                <a:latin typeface="Courier" charset="0"/>
+                <a:ea typeface="Courier" charset="0"/>
+                <a:cs typeface="Courier" charset="0"/>
+              </a:rPr>
+              <a:t>        "type": "number",</a:t>
+            </a:r>
+          </a:p>
+          <a:p>
+            <a:pPr marL="0" indent="0">
+              <a:buNone/>
+            </a:pPr>
+            <a:r>
+              <a:rPr lang="en-US" sz="1800" dirty="0">
+                <a:latin typeface="Courier" charset="0"/>
+                <a:ea typeface="Courier" charset="0"/>
+                <a:cs typeface="Courier" charset="0"/>
+              </a:rPr>
+              <a:t>        "</a:t>
+            </a:r>
+            <a:r>
+              <a:rPr lang="en-US" sz="1800" dirty="0" err="1">
+                <a:latin typeface="Courier" charset="0"/>
+                <a:ea typeface="Courier" charset="0"/>
+                <a:cs typeface="Courier" charset="0"/>
+              </a:rPr>
+              <a:t>enum</a:t>
+            </a:r>
+            <a:r>
+              <a:rPr lang="en-US" sz="1800" dirty="0">
+                <a:latin typeface="Courier" charset="0"/>
+                <a:ea typeface="Courier" charset="0"/>
+                <a:cs typeface="Courier" charset="0"/>
+              </a:rPr>
+              <a:t>": [1,2,3,4],</a:t>
+            </a:r>
+          </a:p>
+          <a:p>
+            <a:pPr marL="0" indent="0">
+              <a:buNone/>
+            </a:pPr>
+            <a:r>
+              <a:rPr lang="en-US" sz="1800" dirty="0">
+                <a:latin typeface="Courier" charset="0"/>
+                <a:ea typeface="Courier" charset="0"/>
+                <a:cs typeface="Courier" charset="0"/>
+              </a:rPr>
+              <a:t>        "name": "index",</a:t>
+            </a:r>
+          </a:p>
+          <a:p>
+            <a:pPr marL="0" indent="0">
+              <a:buNone/>
+            </a:pPr>
+            <a:r>
+              <a:rPr lang="en-US" sz="1800" dirty="0">
+                <a:latin typeface="Courier" charset="0"/>
+                <a:ea typeface="Courier" charset="0"/>
+                <a:cs typeface="Courier" charset="0"/>
+              </a:rPr>
+              <a:t>        "id": 2 </a:t>
+            </a:r>
+          </a:p>
+          <a:p>
+            <a:pPr marL="0" indent="0">
+              <a:buNone/>
+            </a:pPr>
+            <a:r>
+              <a:rPr lang="en-US" sz="1800" dirty="0">
+                <a:latin typeface="Courier" charset="0"/>
+                <a:ea typeface="Courier" charset="0"/>
+                <a:cs typeface="Courier" charset="0"/>
+              </a:rPr>
+              <a:t>      }</a:t>
+            </a:r>
+          </a:p>
+          <a:p>
+            <a:pPr marL="0" indent="0">
+              <a:buNone/>
+            </a:pPr>
+            <a:endParaRPr lang="en-US" sz="1800" dirty="0">
+              <a:latin typeface="Courier" charset="0"/>
+              <a:ea typeface="Courier" charset="0"/>
+              <a:cs typeface="Courier" charset="0"/>
+            </a:endParaRPr>
           </a:p>
         </p:txBody>
       </p:sp>
     </p:spTree>
     <p:extLst>
       <p:ext uri="{BB962C8B-B14F-4D97-AF65-F5344CB8AC3E}">
-        <p14:creationId xmlns:p14="http://schemas.microsoft.com/office/powerpoint/2010/main" val="266588995"/>
+        <p14:creationId xmlns:p14="http://schemas.microsoft.com/office/powerpoint/2010/main" val="443175550"/>
       </p:ext>
     </p:extLst>
   </p:cSld>
@@ -5141,16 +4821,146 @@
             <p:ph type="title"/>
           </p:nvPr>
         </p:nvSpPr>
+        <p:spPr>
+          <a:xfrm>
+            <a:off x="628650" y="288926"/>
+            <a:ext cx="7886700" cy="1325563"/>
+          </a:xfrm>
+        </p:spPr>
+        <p:txBody>
+          <a:bodyPr/>
+          <a:lstStyle/>
+          <a:p>
+            <a:r>
+              <a:rPr lang="en-US" dirty="0"/>
+              <a:t>Issue - </a:t>
+            </a:r>
+            <a:r>
+              <a:rPr lang="en-US" dirty="0" err="1"/>
+              <a:t>Nullability</a:t>
+            </a:r>
+            <a:endParaRPr lang="en-US" dirty="0"/>
+          </a:p>
+        </p:txBody>
+      </p:sp>
+      <p:sp>
+        <p:nvSpPr>
+          <p:cNvPr id="3" name="Content Placeholder 2"/>
+          <p:cNvSpPr>
+            <a:spLocks noGrp="1"/>
+          </p:cNvSpPr>
+          <p:nvPr>
+            <p:ph idx="1"/>
+          </p:nvPr>
+        </p:nvSpPr>
+        <p:spPr>
+          <a:xfrm>
+            <a:off x="628650" y="1614489"/>
+            <a:ext cx="7886700" cy="4351338"/>
+          </a:xfrm>
+        </p:spPr>
+        <p:txBody>
+          <a:bodyPr/>
+          <a:lstStyle/>
+          <a:p>
+            <a:r>
+              <a:rPr lang="en-US" dirty="0"/>
+              <a:t>We allow "</a:t>
+            </a:r>
+            <a:r>
+              <a:rPr lang="en-US" dirty="0" err="1"/>
+              <a:t>nullability"as</a:t>
+            </a:r>
+            <a:r>
+              <a:rPr lang="en-US" dirty="0"/>
+              <a:t> a quality, meaning that the value (property or data parameter) can be represented as a null value</a:t>
+            </a:r>
+          </a:p>
+          <a:p>
+            <a:r>
+              <a:rPr lang="en-US" dirty="0"/>
+              <a:t>Null value representation is serialization dependent and includes many ad-hoc schemes such as reserved values</a:t>
+            </a:r>
+          </a:p>
+          <a:p>
+            <a:r>
+              <a:rPr lang="en-US" dirty="0"/>
+              <a:t>JSON null is both a type and a value</a:t>
+            </a:r>
+          </a:p>
+          <a:p>
+            <a:r>
+              <a:rPr lang="en-US" dirty="0"/>
+              <a:t>We need to allow null, so may define an implicit "</a:t>
+            </a:r>
+            <a:r>
+              <a:rPr lang="en-US" dirty="0" err="1"/>
+              <a:t>oneOf</a:t>
+            </a:r>
+            <a:r>
+              <a:rPr lang="en-US" dirty="0"/>
+              <a:t>" in the schema for </a:t>
+            </a:r>
+            <a:r>
+              <a:rPr lang="en-US" dirty="0" err="1"/>
+              <a:t>nullable</a:t>
+            </a:r>
+            <a:r>
+              <a:rPr lang="en-US" dirty="0"/>
+              <a:t> values to enable a default JSON implementation</a:t>
+            </a:r>
+          </a:p>
+        </p:txBody>
+      </p:sp>
+    </p:spTree>
+    <p:extLst>
+      <p:ext uri="{BB962C8B-B14F-4D97-AF65-F5344CB8AC3E}">
+        <p14:creationId xmlns:p14="http://schemas.microsoft.com/office/powerpoint/2010/main" val="266588995"/>
+      </p:ext>
+    </p:extLst>
+  </p:cSld>
+  <p:clrMapOvr>
+    <a:masterClrMapping/>
+  </p:clrMapOvr>
+</p:sld>
+</file>
+
+<file path=ppt/slides/slide17.xml><?xml version="1.0" encoding="utf-8"?>
+<p:sld xmlns:a="http://schemas.openxmlformats.org/drawingml/2006/main" xmlns:r="http://schemas.openxmlformats.org/officeDocument/2006/relationships" xmlns:p="http://schemas.openxmlformats.org/presentationml/2006/main">
+  <p:cSld>
+    <p:spTree>
+      <p:nvGrpSpPr>
+        <p:cNvPr id="1" name=""/>
+        <p:cNvGrpSpPr/>
+        <p:nvPr/>
+      </p:nvGrpSpPr>
+      <p:grpSpPr>
+        <a:xfrm>
+          <a:off x="0" y="0"/>
+          <a:ext cx="0" cy="0"/>
+          <a:chOff x="0" y="0"/>
+          <a:chExt cx="0" cy="0"/>
+        </a:xfrm>
+      </p:grpSpPr>
+      <p:sp>
+        <p:nvSpPr>
+          <p:cNvPr id="2" name="Title 1"/>
+          <p:cNvSpPr>
+            <a:spLocks noGrp="1"/>
+          </p:cNvSpPr>
+          <p:nvPr>
+            <p:ph type="title"/>
+          </p:nvPr>
+        </p:nvSpPr>
         <p:spPr/>
         <p:txBody>
           <a:bodyPr/>
           <a:lstStyle/>
           <a:p>
             <a:r>
-              <a:rPr lang="en-US" dirty="0" smtClean="0"/>
+              <a:rPr lang="en-US" dirty="0"/>
               <a:t>Full examples</a:t>
             </a:r>
-            <a:endParaRPr lang="en-US" dirty="0"/>
           </a:p>
         </p:txBody>
       </p:sp>
@@ -5174,37 +4984,25 @@
             <a:pPr marL="0" indent="0">
               <a:buNone/>
             </a:pPr>
-            <a:endParaRPr lang="en-US" sz="1800" dirty="0" smtClean="0"/>
+            <a:endParaRPr lang="en-US" sz="1800" dirty="0"/>
           </a:p>
           <a:p>
             <a:pPr marL="0" indent="0">
               <a:buNone/>
             </a:pPr>
-            <a:r>
-              <a:rPr lang="en-US" sz="1800" dirty="0" smtClean="0">
-                <a:hlinkClick r:id="rId2"/>
-              </a:rPr>
-              <a:t>https</a:t>
-            </a:r>
             <a:r>
               <a:rPr lang="en-US" sz="1800" dirty="0">
                 <a:hlinkClick r:id="rId2"/>
               </a:rPr>
-              <a:t>://</a:t>
-            </a:r>
-            <a:r>
-              <a:rPr lang="en-US" sz="1800" dirty="0" smtClean="0">
-                <a:hlinkClick r:id="rId2"/>
-              </a:rPr>
-              <a:t>github.com/mjkoster/ODM-Examples/blob/master/tdl/level.sdf.json</a:t>
-            </a:r>
-            <a:endParaRPr lang="en-US" sz="1800" dirty="0" smtClean="0"/>
+              <a:t>https://github.com/mjkoster/ODM-Examples/blob/master/tdl/level.sdf.json</a:t>
+            </a:r>
+            <a:endParaRPr lang="en-US" sz="1800" dirty="0"/>
           </a:p>
           <a:p>
             <a:pPr marL="0" indent="0">
               <a:buNone/>
             </a:pPr>
-            <a:endParaRPr lang="en-US" sz="1800" dirty="0" smtClean="0">
+            <a:endParaRPr lang="en-US" sz="1800" dirty="0">
               <a:hlinkClick r:id="rId3"/>
             </a:endParaRPr>
           </a:p>
@@ -5213,30 +5011,18 @@
               <a:buNone/>
             </a:pPr>
             <a:r>
-              <a:rPr lang="en-US" sz="1800" dirty="0" smtClean="0">
-                <a:hlinkClick r:id="rId3"/>
-              </a:rPr>
-              <a:t>https</a:t>
-            </a:r>
-            <a:r>
               <a:rPr lang="en-US" sz="1800" dirty="0">
                 <a:hlinkClick r:id="rId3"/>
               </a:rPr>
-              <a:t>://</a:t>
-            </a:r>
-            <a:r>
-              <a:rPr lang="en-US" sz="1800" dirty="0" smtClean="0">
-                <a:hlinkClick r:id="rId3"/>
-              </a:rPr>
-              <a:t>github.com/mjkoster/ODM-Examples/blob/master/tdl/ocf-example.sdf.json</a:t>
-            </a:r>
-            <a:endParaRPr lang="en-US" sz="1800" dirty="0" smtClean="0"/>
+              <a:t>https://github.com/mjkoster/ODM-Examples/blob/master/tdl/ocf-example.sdf.json</a:t>
+            </a:r>
+            <a:endParaRPr lang="en-US" sz="1800" dirty="0"/>
           </a:p>
           <a:p>
             <a:pPr marL="0" indent="0">
               <a:buNone/>
             </a:pPr>
-            <a:endParaRPr lang="en-US" sz="1800" dirty="0" smtClean="0">
+            <a:endParaRPr lang="en-US" sz="1800" dirty="0">
               <a:hlinkClick r:id="rId4"/>
             </a:endParaRPr>
           </a:p>
@@ -5245,16 +5031,10 @@
               <a:buNone/>
             </a:pPr>
             <a:r>
-              <a:rPr lang="en-US" sz="1800" dirty="0" smtClean="0">
-                <a:hlinkClick r:id="rId4"/>
-              </a:rPr>
-              <a:t>https</a:t>
-            </a:r>
-            <a:r>
               <a:rPr lang="en-US" sz="1800" dirty="0">
                 <a:hlinkClick r:id="rId4"/>
               </a:rPr>
-              <a:t>://github.com/mjkoster/ODM-Examples/blob/master/tdl/ipso3300.sdf.json</a:t>
+              <a:t>https://github.com/mjkoster/ODM-Examples/blob/master/tdl/ipso3300.sdf.json</a:t>
             </a:r>
             <a:endParaRPr lang="en-US" sz="1800" dirty="0"/>
           </a:p>
@@ -5306,10 +5086,9 @@
           <a:lstStyle/>
           <a:p>
             <a:r>
-              <a:rPr lang="en-US" dirty="0" smtClean="0"/>
+              <a:rPr lang="en-US" dirty="0"/>
               <a:t>The Problem</a:t>
             </a:r>
-            <a:endParaRPr lang="en-US" dirty="0"/>
           </a:p>
         </p:txBody>
       </p:sp>
@@ -5329,21 +5108,21 @@
           <a:lstStyle/>
           <a:p>
             <a:r>
-              <a:rPr lang="en-US" dirty="0" smtClean="0"/>
+              <a:rPr lang="en-US" dirty="0"/>
               <a:t>How to represent complex things while retaining the atomic integrity of Object definitions</a:t>
             </a:r>
           </a:p>
           <a:p>
             <a:pPr lvl="1"/>
             <a:r>
-              <a:rPr lang="en-US" dirty="0" smtClean="0"/>
+              <a:rPr lang="en-US" dirty="0"/>
               <a:t>Compositions that can represent modular products</a:t>
             </a:r>
           </a:p>
           <a:p>
             <a:pPr lvl="1"/>
             <a:r>
-              <a:rPr lang="en-US" dirty="0" smtClean="0"/>
+              <a:rPr lang="en-US" dirty="0"/>
               <a:t>Constraints that apply to standardized product types</a:t>
             </a:r>
           </a:p>
@@ -5357,14 +5136,14 @@
           <a:p>
             <a:pPr lvl="1"/>
             <a:r>
-              <a:rPr lang="en-US" dirty="0" smtClean="0"/>
+              <a:rPr lang="en-US" dirty="0"/>
               <a:t>Ability to set qualities like units, range, and scale on a product or product type basis</a:t>
             </a:r>
           </a:p>
           <a:p>
             <a:pPr lvl="1"/>
             <a:r>
-              <a:rPr lang="en-US" dirty="0" smtClean="0"/>
+              <a:rPr lang="en-US" dirty="0"/>
               <a:t>Ability to create specialized "Views" into the functionality of a product or product type</a:t>
             </a:r>
           </a:p>
@@ -5416,10 +5195,9 @@
           <a:lstStyle/>
           <a:p>
             <a:r>
-              <a:rPr lang="en-US" dirty="0" smtClean="0"/>
+              <a:rPr lang="en-US" dirty="0"/>
               <a:t>Illustrative Examples</a:t>
             </a:r>
-            <a:endParaRPr lang="en-US" dirty="0"/>
           </a:p>
         </p:txBody>
       </p:sp>
@@ -5440,52 +5218,53 @@
           </a:xfrm>
         </p:spPr>
         <p:txBody>
-          <a:bodyPr/>
-          <a:lstStyle/>
-          <a:p>
-            <a:r>
-              <a:rPr lang="en-US" dirty="0" smtClean="0"/>
+          <a:bodyPr>
+            <a:normAutofit lnSpcReduction="10000"/>
+          </a:bodyPr>
+          <a:lstStyle/>
+          <a:p>
+            <a:r>
+              <a:rPr lang="en-US" dirty="0"/>
               <a:t>A power strip with some number of individually controllable plugs</a:t>
             </a:r>
           </a:p>
           <a:p>
             <a:pPr lvl="1"/>
             <a:r>
-              <a:rPr lang="en-US" dirty="0" smtClean="0"/>
+              <a:rPr lang="en-US" dirty="0"/>
               <a:t>A plug is composed of on/off control, energy monitor, and dimming Objects</a:t>
             </a:r>
           </a:p>
           <a:p>
             <a:pPr lvl="1"/>
             <a:r>
-              <a:rPr lang="en-US" dirty="0" smtClean="0"/>
+              <a:rPr lang="en-US" dirty="0"/>
               <a:t>There is an Object that controls and monitors power on all plugs</a:t>
             </a:r>
           </a:p>
           <a:p>
             <a:r>
-              <a:rPr lang="en-US" dirty="0" smtClean="0"/>
+              <a:rPr lang="en-US" dirty="0"/>
               <a:t>A multifunction printer + scanner product</a:t>
             </a:r>
           </a:p>
           <a:p>
             <a:pPr lvl="1"/>
             <a:r>
-              <a:rPr lang="en-US" dirty="0" smtClean="0"/>
+              <a:rPr lang="en-US" dirty="0"/>
               <a:t>Printing and scanning are separately controlled</a:t>
             </a:r>
           </a:p>
           <a:p>
             <a:pPr lvl="1"/>
             <a:r>
-              <a:rPr lang="en-US" dirty="0" smtClean="0"/>
+              <a:rPr lang="en-US" dirty="0"/>
               <a:t>Main power can be controlled by either printer or scanner controls</a:t>
             </a:r>
-            <a:endParaRPr lang="en-US" dirty="0"/>
-          </a:p>
-          <a:p>
-            <a:r>
-              <a:rPr lang="en-US" dirty="0" smtClean="0"/>
+          </a:p>
+          <a:p>
+            <a:r>
+              <a:rPr lang="en-US" dirty="0"/>
               <a:t>Reusable definitions</a:t>
             </a:r>
           </a:p>
@@ -5537,14 +5316,9 @@
           <a:lstStyle/>
           <a:p>
             <a:r>
-              <a:rPr lang="en-US" dirty="0" smtClean="0"/>
-              <a:t>Use </a:t>
-            </a:r>
-            <a:r>
-              <a:rPr lang="en-US" dirty="0" smtClean="0"/>
-              <a:t>case categories</a:t>
-            </a:r>
-            <a:endParaRPr lang="en-US" dirty="0"/>
+              <a:rPr lang="en-US" dirty="0"/>
+              <a:t>Use case categories</a:t>
+            </a:r>
           </a:p>
         </p:txBody>
       </p:sp>
@@ -5569,64 +5343,64 @@
           <a:lstStyle/>
           <a:p>
             <a:r>
-              <a:rPr lang="en-US" dirty="0" smtClean="0"/>
+              <a:rPr lang="en-US" dirty="0"/>
               <a:t>Define a reusable composition of </a:t>
             </a:r>
             <a:r>
-              <a:rPr lang="en-US" dirty="0" err="1" smtClean="0"/>
+              <a:rPr lang="en-US" dirty="0" err="1"/>
               <a:t>odmObjects</a:t>
             </a:r>
             <a:r>
-              <a:rPr lang="en-US" dirty="0" smtClean="0"/>
+              <a:rPr lang="en-US" dirty="0"/>
               <a:t> that work together to provide a function</a:t>
             </a:r>
           </a:p>
           <a:p>
             <a:pPr lvl="1"/>
             <a:r>
-              <a:rPr lang="en-US" dirty="0" err="1" smtClean="0"/>
+              <a:rPr lang="en-US" dirty="0" err="1"/>
               <a:t>odmThing</a:t>
             </a:r>
-            <a:endParaRPr lang="en-US" dirty="0" smtClean="0"/>
-          </a:p>
-          <a:p>
-            <a:r>
-              <a:rPr lang="en-US" dirty="0" smtClean="0"/>
+            <a:endParaRPr lang="en-US" dirty="0"/>
+          </a:p>
+          <a:p>
+            <a:r>
+              <a:rPr lang="en-US" dirty="0"/>
               <a:t>Define a mandatory set of Objects, Qualities, and settings for interoperability like Device Type</a:t>
             </a:r>
           </a:p>
           <a:p>
             <a:pPr lvl="1"/>
             <a:r>
-              <a:rPr lang="en-US" dirty="0" smtClean="0"/>
+              <a:rPr lang="en-US" dirty="0"/>
               <a:t>also </a:t>
             </a:r>
             <a:r>
-              <a:rPr lang="en-US" dirty="0" err="1" smtClean="0"/>
+              <a:rPr lang="en-US" dirty="0" err="1"/>
               <a:t>odmThing</a:t>
             </a:r>
             <a:r>
-              <a:rPr lang="en-US" dirty="0" smtClean="0"/>
+              <a:rPr lang="en-US" dirty="0"/>
               <a:t>?</a:t>
             </a:r>
           </a:p>
           <a:p>
             <a:r>
-              <a:rPr lang="en-US" dirty="0" smtClean="0"/>
+              <a:rPr lang="en-US" dirty="0"/>
               <a:t>Define a specific product configuration, ability to model the composition of a SKU level entity.</a:t>
             </a:r>
           </a:p>
           <a:p>
             <a:pPr lvl="1"/>
             <a:r>
-              <a:rPr lang="en-US" dirty="0" smtClean="0"/>
+              <a:rPr lang="en-US" dirty="0"/>
               <a:t>composed of Objects and Things</a:t>
             </a:r>
           </a:p>
           <a:p>
             <a:pPr lvl="1"/>
             <a:r>
-              <a:rPr lang="en-US" dirty="0" err="1" smtClean="0"/>
+              <a:rPr lang="en-US" dirty="0" err="1"/>
               <a:t>odmProduct</a:t>
             </a:r>
             <a:endParaRPr lang="en-US" dirty="0"/>
@@ -5679,10 +5453,9 @@
           <a:lstStyle/>
           <a:p>
             <a:r>
-              <a:rPr lang="en-US" dirty="0" smtClean="0"/>
+              <a:rPr lang="en-US" dirty="0"/>
               <a:t>Design Elements</a:t>
             </a:r>
-            <a:endParaRPr lang="en-US" dirty="0"/>
           </a:p>
         </p:txBody>
       </p:sp>
@@ -5702,75 +5475,68 @@
           <a:lstStyle/>
           <a:p>
             <a:r>
-              <a:rPr lang="en-US" dirty="0" smtClean="0"/>
+              <a:rPr lang="en-US" dirty="0"/>
               <a:t>Path construction in models and definitions</a:t>
             </a:r>
           </a:p>
           <a:p>
             <a:r>
-              <a:rPr lang="en-US" dirty="0" smtClean="0"/>
+              <a:rPr lang="en-US" dirty="0"/>
               <a:t>Re-use and Recursion</a:t>
             </a:r>
           </a:p>
           <a:p>
             <a:pPr lvl="1"/>
             <a:r>
-              <a:rPr lang="en-US" dirty="0" smtClean="0"/>
+              <a:rPr lang="en-US" dirty="0"/>
               <a:t>"type"</a:t>
             </a:r>
-            <a:endParaRPr lang="en-US" dirty="0" smtClean="0"/>
           </a:p>
           <a:p>
             <a:pPr lvl="1"/>
             <a:r>
-              <a:rPr lang="en-US" dirty="0" smtClean="0"/>
+              <a:rPr lang="en-US" dirty="0"/>
               <a:t>"include"</a:t>
             </a:r>
-            <a:endParaRPr lang="en-US" dirty="0" smtClean="0"/>
-          </a:p>
-          <a:p>
-            <a:r>
-              <a:rPr lang="en-US" dirty="0" smtClean="0"/>
+          </a:p>
+          <a:p>
+            <a:r>
+              <a:rPr lang="en-US" dirty="0"/>
               <a:t>Composed types</a:t>
             </a:r>
           </a:p>
           <a:p>
             <a:pPr lvl="1"/>
             <a:r>
-              <a:rPr lang="en-US" dirty="0" err="1" smtClean="0"/>
+              <a:rPr lang="en-US" dirty="0" err="1"/>
               <a:t>odmThing</a:t>
             </a:r>
             <a:r>
-              <a:rPr lang="en-US" dirty="0" smtClean="0"/>
+              <a:rPr lang="en-US" dirty="0"/>
               <a:t> (a composition of objects with optionality)</a:t>
             </a:r>
           </a:p>
           <a:p>
             <a:pPr lvl="1"/>
             <a:r>
-              <a:rPr lang="en-US" dirty="0" err="1" smtClean="0"/>
+              <a:rPr lang="en-US" dirty="0" err="1"/>
               <a:t>odmProduct</a:t>
             </a:r>
             <a:r>
-              <a:rPr lang="en-US" dirty="0" smtClean="0"/>
-              <a:t> (also a thing, but has specific qualities and </a:t>
-            </a:r>
-            <a:r>
-              <a:rPr lang="en-US" dirty="0" smtClean="0"/>
-              <a:t>optionality, represents a SKU)</a:t>
+              <a:rPr lang="en-US" dirty="0"/>
+              <a:t> (also a thing, but has specific qualities and optionality, represents a SKU)</a:t>
             </a:r>
           </a:p>
           <a:p>
             <a:pPr lvl="1"/>
             <a:r>
-              <a:rPr lang="en-US" dirty="0" err="1" smtClean="0"/>
+              <a:rPr lang="en-US" dirty="0" err="1"/>
               <a:t>odmView</a:t>
             </a:r>
             <a:r>
-              <a:rPr lang="en-US" dirty="0" smtClean="0"/>
+              <a:rPr lang="en-US" dirty="0"/>
               <a:t> (an element, may only include references to instances of objects, properties, events, and actions)</a:t>
             </a:r>
-            <a:endParaRPr lang="en-US" dirty="0"/>
           </a:p>
         </p:txBody>
       </p:sp>
@@ -5825,10 +5591,9 @@
           <a:lstStyle/>
           <a:p>
             <a:r>
-              <a:rPr lang="en-US" dirty="0" smtClean="0"/>
+              <a:rPr lang="en-US" dirty="0"/>
               <a:t>Path Construction in a Definition</a:t>
             </a:r>
-            <a:endParaRPr lang="en-US" dirty="0"/>
           </a:p>
         </p:txBody>
       </p:sp>
@@ -5864,7 +5629,7 @@
           </a:p>
           <a:p>
             <a:r>
-              <a:rPr lang="en-US" sz="1600" dirty="0" smtClean="0">
+              <a:rPr lang="en-US" sz="1600" dirty="0">
                 <a:latin typeface="Courier" charset="0"/>
                 <a:ea typeface="Courier" charset="0"/>
                 <a:cs typeface="Courier" charset="0"/>
@@ -5874,7 +5639,7 @@
           </a:p>
           <a:p>
             <a:r>
-              <a:rPr lang="en-US" sz="1600" dirty="0" smtClean="0">
+              <a:rPr lang="en-US" sz="1600" dirty="0">
                 <a:latin typeface="Courier" charset="0"/>
                 <a:ea typeface="Courier" charset="0"/>
                 <a:cs typeface="Courier" charset="0"/>
@@ -5882,7 +5647,7 @@
               <a:t>    "</a:t>
             </a:r>
             <a:r>
-              <a:rPr lang="en-US" sz="1600" dirty="0" err="1" smtClean="0">
+              <a:rPr lang="en-US" sz="1600" dirty="0" err="1">
                 <a:latin typeface="Courier" charset="0"/>
                 <a:ea typeface="Courier" charset="0"/>
                 <a:cs typeface="Courier" charset="0"/>
@@ -5890,7 +5655,7 @@
               <a:t>st</a:t>
             </a:r>
             <a:r>
-              <a:rPr lang="en-US" sz="1600" dirty="0" smtClean="0">
+              <a:rPr lang="en-US" sz="1600" dirty="0">
                 <a:latin typeface="Courier" charset="0"/>
                 <a:ea typeface="Courier" charset="0"/>
                 <a:cs typeface="Courier" charset="0"/>
@@ -5898,7 +5663,7 @@
               <a:t>": "http://</a:t>
             </a:r>
             <a:r>
-              <a:rPr lang="en-US" sz="1600" dirty="0" err="1" smtClean="0">
+              <a:rPr lang="en-US" sz="1600" dirty="0" err="1">
                 <a:latin typeface="Courier" charset="0"/>
                 <a:ea typeface="Courier" charset="0"/>
                 <a:cs typeface="Courier" charset="0"/>
@@ -5906,7 +5671,7 @@
               <a:t>example.com</a:t>
             </a:r>
             <a:r>
-              <a:rPr lang="en-US" sz="1600" dirty="0" smtClean="0">
+              <a:rPr lang="en-US" sz="1600" dirty="0">
                 <a:latin typeface="Courier" charset="0"/>
                 <a:ea typeface="Courier" charset="0"/>
                 <a:cs typeface="Courier" charset="0"/>
@@ -5914,7 +5679,7 @@
               <a:t>/capability/</a:t>
             </a:r>
             <a:r>
-              <a:rPr lang="en-US" sz="1600" dirty="0" err="1" smtClean="0">
+              <a:rPr lang="en-US" sz="1600" dirty="0" err="1">
                 <a:latin typeface="Courier" charset="0"/>
                 <a:ea typeface="Courier" charset="0"/>
                 <a:cs typeface="Courier" charset="0"/>
@@ -5922,7 +5687,7 @@
               <a:t>odm</a:t>
             </a:r>
             <a:r>
-              <a:rPr lang="en-US" sz="1600" dirty="0" smtClean="0">
+              <a:rPr lang="en-US" sz="1600" dirty="0">
                 <a:latin typeface="Courier" charset="0"/>
                 <a:ea typeface="Courier" charset="0"/>
                 <a:cs typeface="Courier" charset="0"/>
@@ -5932,7 +5697,7 @@
           </a:p>
           <a:p>
             <a:r>
-              <a:rPr lang="en-US" sz="1600" dirty="0" smtClean="0">
+              <a:rPr lang="en-US" sz="1600" dirty="0">
                 <a:latin typeface="Courier" charset="0"/>
                 <a:ea typeface="Courier" charset="0"/>
                 <a:cs typeface="Courier" charset="0"/>
@@ -5942,7 +5707,7 @@
           </a:p>
           <a:p>
             <a:r>
-              <a:rPr lang="en-US" sz="1600" dirty="0" smtClean="0">
+              <a:rPr lang="en-US" sz="1600" dirty="0">
                 <a:latin typeface="Courier" charset="0"/>
                 <a:ea typeface="Courier" charset="0"/>
                 <a:cs typeface="Courier" charset="0"/>
@@ -5950,7 +5715,7 @@
               <a:t>  "</a:t>
             </a:r>
             <a:r>
-              <a:rPr lang="en-US" sz="1600" dirty="0" err="1" smtClean="0">
+              <a:rPr lang="en-US" sz="1600" dirty="0" err="1">
                 <a:latin typeface="Courier" charset="0"/>
                 <a:ea typeface="Courier" charset="0"/>
                 <a:cs typeface="Courier" charset="0"/>
@@ -5958,7 +5723,7 @@
               <a:t>defaultNamespace</a:t>
             </a:r>
             <a:r>
-              <a:rPr lang="en-US" sz="1600" dirty="0" smtClean="0">
+              <a:rPr lang="en-US" sz="1600" dirty="0">
                 <a:latin typeface="Courier" charset="0"/>
                 <a:ea typeface="Courier" charset="0"/>
                 <a:cs typeface="Courier" charset="0"/>
@@ -5966,7 +5731,7 @@
               <a:t>": "</a:t>
             </a:r>
             <a:r>
-              <a:rPr lang="en-US" sz="1600" dirty="0" err="1" smtClean="0">
+              <a:rPr lang="en-US" sz="1600" dirty="0" err="1">
                 <a:latin typeface="Courier" charset="0"/>
                 <a:ea typeface="Courier" charset="0"/>
                 <a:cs typeface="Courier" charset="0"/>
@@ -5974,7 +5739,7 @@
               <a:t>st</a:t>
             </a:r>
             <a:r>
-              <a:rPr lang="en-US" sz="1600" dirty="0" smtClean="0">
+              <a:rPr lang="en-US" sz="1600" dirty="0">
                 <a:latin typeface="Courier" charset="0"/>
                 <a:ea typeface="Courier" charset="0"/>
                 <a:cs typeface="Courier" charset="0"/>
@@ -5984,7 +5749,7 @@
           </a:p>
           <a:p>
             <a:r>
-              <a:rPr lang="en-US" sz="1600" dirty="0" smtClean="0">
+              <a:rPr lang="en-US" sz="1600" dirty="0">
                 <a:latin typeface="Courier" charset="0"/>
                 <a:ea typeface="Courier" charset="0"/>
                 <a:cs typeface="Courier" charset="0"/>
@@ -6321,28 +6086,6 @@
           <a:lstStyle/>
           <a:p>
             <a:r>
-              <a:rPr lang="en-US" sz="1600" dirty="0" smtClean="0">
-                <a:solidFill>
-                  <a:srgbClr val="FF0000"/>
-                </a:solidFill>
-                <a:latin typeface="Courier" charset="0"/>
-                <a:ea typeface="Courier" charset="0"/>
-                <a:cs typeface="Courier" charset="0"/>
-              </a:rPr>
-              <a:t>#/</a:t>
-            </a:r>
-            <a:r>
-              <a:rPr lang="en-US" sz="1600" dirty="0" err="1" smtClean="0">
-                <a:solidFill>
-                  <a:srgbClr val="FF0000"/>
-                </a:solidFill>
-                <a:latin typeface="Courier" charset="0"/>
-                <a:ea typeface="Courier" charset="0"/>
-                <a:cs typeface="Courier" charset="0"/>
-              </a:rPr>
-              <a:t>odmObject</a:t>
-            </a:r>
-            <a:r>
               <a:rPr lang="en-US" sz="1600" dirty="0">
                 <a:solidFill>
                   <a:srgbClr val="FF0000"/>
@@ -6351,10 +6094,10 @@
                 <a:ea typeface="Courier" charset="0"/>
                 <a:cs typeface="Courier" charset="0"/>
               </a:rPr>
-              <a:t>/Switch or </a:t>
-            </a:r>
-            <a:r>
-              <a:rPr lang="en-US" sz="1600" dirty="0" err="1" smtClean="0">
+              <a:t>#/</a:t>
+            </a:r>
+            <a:r>
+              <a:rPr lang="en-US" sz="1600" dirty="0" err="1">
                 <a:solidFill>
                   <a:srgbClr val="FF0000"/>
                 </a:solidFill>
@@ -6362,10 +6105,10 @@
                 <a:ea typeface="Courier" charset="0"/>
                 <a:cs typeface="Courier" charset="0"/>
               </a:rPr>
-              <a:t>st</a:t>
-            </a:r>
-            <a:r>
-              <a:rPr lang="en-US" sz="1600" dirty="0" smtClean="0">
+              <a:t>odmObject</a:t>
+            </a:r>
+            <a:r>
+              <a:rPr lang="en-US" sz="1600" dirty="0">
                 <a:solidFill>
                   <a:srgbClr val="FF0000"/>
                 </a:solidFill>
@@ -6373,10 +6116,10 @@
                 <a:ea typeface="Courier" charset="0"/>
                 <a:cs typeface="Courier" charset="0"/>
               </a:rPr>
-              <a:t>:/</a:t>
-            </a:r>
-            <a:r>
-              <a:rPr lang="en-US" sz="1600" dirty="0" err="1" smtClean="0">
+              <a:t>/Switch or </a:t>
+            </a:r>
+            <a:r>
+              <a:rPr lang="en-US" sz="1600" dirty="0" err="1">
                 <a:solidFill>
                   <a:srgbClr val="FF0000"/>
                 </a:solidFill>
@@ -6384,10 +6127,32 @@
                 <a:ea typeface="Courier" charset="0"/>
                 <a:cs typeface="Courier" charset="0"/>
               </a:rPr>
+              <a:t>st</a:t>
+            </a:r>
+            <a:r>
+              <a:rPr lang="en-US" sz="1600" dirty="0">
+                <a:solidFill>
+                  <a:srgbClr val="FF0000"/>
+                </a:solidFill>
+                <a:latin typeface="Courier" charset="0"/>
+                <a:ea typeface="Courier" charset="0"/>
+                <a:cs typeface="Courier" charset="0"/>
+              </a:rPr>
+              <a:t>:/</a:t>
+            </a:r>
+            <a:r>
+              <a:rPr lang="en-US" sz="1600" dirty="0" err="1">
+                <a:solidFill>
+                  <a:srgbClr val="FF0000"/>
+                </a:solidFill>
+                <a:latin typeface="Courier" charset="0"/>
+                <a:ea typeface="Courier" charset="0"/>
+                <a:cs typeface="Courier" charset="0"/>
+              </a:rPr>
               <a:t>odmObject</a:t>
             </a:r>
             <a:r>
-              <a:rPr lang="en-US" sz="1600" dirty="0" smtClean="0">
+              <a:rPr lang="en-US" sz="1600" dirty="0">
                 <a:solidFill>
                   <a:srgbClr val="FF0000"/>
                 </a:solidFill>
@@ -6427,7 +6192,7 @@
           <a:lstStyle/>
           <a:p>
             <a:r>
-              <a:rPr lang="en-US" sz="1600" dirty="0" smtClean="0">
+              <a:rPr lang="en-US" sz="1600" dirty="0">
                 <a:solidFill>
                   <a:srgbClr val="FF0000"/>
                 </a:solidFill>
@@ -6438,7 +6203,7 @@
               <a:t>#/</a:t>
             </a:r>
             <a:r>
-              <a:rPr lang="en-US" sz="1600" dirty="0" err="1" smtClean="0">
+              <a:rPr lang="en-US" sz="1600" dirty="0" err="1">
                 <a:solidFill>
                   <a:srgbClr val="FF0000"/>
                 </a:solidFill>
@@ -6449,7 +6214,7 @@
               <a:t>odmObject</a:t>
             </a:r>
             <a:r>
-              <a:rPr lang="en-US" sz="1600" dirty="0" smtClean="0">
+              <a:rPr lang="en-US" sz="1600" dirty="0">
                 <a:solidFill>
                   <a:srgbClr val="FF0000"/>
                 </a:solidFill>
@@ -6460,7 +6225,7 @@
               <a:t>/Switch/</a:t>
             </a:r>
             <a:r>
-              <a:rPr lang="en-US" sz="1600" dirty="0" err="1" smtClean="0">
+              <a:rPr lang="en-US" sz="1600" dirty="0" err="1">
                 <a:solidFill>
                   <a:srgbClr val="FF0000"/>
                 </a:solidFill>
@@ -6471,7 +6236,7 @@
               <a:t>odmProperty</a:t>
             </a:r>
             <a:r>
-              <a:rPr lang="en-US" sz="1600" dirty="0" smtClean="0">
+              <a:rPr lang="en-US" sz="1600" dirty="0">
                 <a:solidFill>
                   <a:srgbClr val="FF0000"/>
                 </a:solidFill>
@@ -6511,7 +6276,7 @@
           <a:lstStyle/>
           <a:p>
             <a:r>
-              <a:rPr lang="en-US" sz="1600" dirty="0" smtClean="0">
+              <a:rPr lang="en-US" sz="1600" dirty="0">
                 <a:solidFill>
                   <a:srgbClr val="FF0000"/>
                 </a:solidFill>
@@ -6522,7 +6287,7 @@
               <a:t>#/</a:t>
             </a:r>
             <a:r>
-              <a:rPr lang="en-US" sz="1600" dirty="0" err="1" smtClean="0">
+              <a:rPr lang="en-US" sz="1600" dirty="0" err="1">
                 <a:solidFill>
                   <a:srgbClr val="FF0000"/>
                 </a:solidFill>
@@ -6533,7 +6298,7 @@
               <a:t>odmObject</a:t>
             </a:r>
             <a:r>
-              <a:rPr lang="en-US" sz="1600" dirty="0" smtClean="0">
+              <a:rPr lang="en-US" sz="1600" dirty="0">
                 <a:solidFill>
                   <a:srgbClr val="FF0000"/>
                 </a:solidFill>
@@ -6544,7 +6309,7 @@
               <a:t>/Switch/</a:t>
             </a:r>
             <a:r>
-              <a:rPr lang="en-US" sz="1600" dirty="0" err="1" smtClean="0">
+              <a:rPr lang="en-US" sz="1600" dirty="0" err="1">
                 <a:solidFill>
                   <a:srgbClr val="FF0000"/>
                 </a:solidFill>
@@ -6555,7 +6320,7 @@
               <a:t>odmAction</a:t>
             </a:r>
             <a:r>
-              <a:rPr lang="en-US" sz="1600" dirty="0" smtClean="0">
+              <a:rPr lang="en-US" sz="1600" dirty="0">
                 <a:solidFill>
                   <a:srgbClr val="FF0000"/>
                 </a:solidFill>
@@ -6606,7 +6371,7 @@
               <a:t>#/</a:t>
             </a:r>
             <a:r>
-              <a:rPr lang="en-US" sz="1600" dirty="0" err="1" smtClean="0">
+              <a:rPr lang="en-US" sz="1600" dirty="0" err="1">
                 <a:solidFill>
                   <a:srgbClr val="FF0000"/>
                 </a:solidFill>
@@ -6617,7 +6382,7 @@
               <a:t>odmObject</a:t>
             </a:r>
             <a:r>
-              <a:rPr lang="en-US" sz="1600" dirty="0" smtClean="0">
+              <a:rPr lang="en-US" sz="1600" dirty="0">
                 <a:solidFill>
                   <a:srgbClr val="FF0000"/>
                 </a:solidFill>
@@ -6628,7 +6393,7 @@
               <a:t>/Switch/</a:t>
             </a:r>
             <a:r>
-              <a:rPr lang="en-US" sz="1600" dirty="0" err="1" smtClean="0">
+              <a:rPr lang="en-US" sz="1600" dirty="0" err="1">
                 <a:solidFill>
                   <a:srgbClr val="FF0000"/>
                 </a:solidFill>
@@ -6639,7 +6404,7 @@
               <a:t>odmAction</a:t>
             </a:r>
             <a:r>
-              <a:rPr lang="en-US" sz="1600" dirty="0" smtClean="0">
+              <a:rPr lang="en-US" sz="1600" dirty="0">
                 <a:solidFill>
                   <a:srgbClr val="FF0000"/>
                 </a:solidFill>
@@ -6689,7 +6454,13 @@
       </p:grpSpPr>
       <p:sp>
         <p:nvSpPr>
-          <p:cNvPr id="2" name="Title 1"/>
+          <p:cNvPr id="2" name="Title 1">
+            <a:extLst>
+              <a:ext uri="{FF2B5EF4-FFF2-40B4-BE49-F238E27FC236}">
+                <a16:creationId xmlns:a16="http://schemas.microsoft.com/office/drawing/2014/main" id="{75568556-2C31-0C4E-A37C-E9645ACFCD56}"/>
+              </a:ext>
+            </a:extLst>
+          </p:cNvPr>
           <p:cNvSpPr>
             <a:spLocks noGrp="1"/>
           </p:cNvSpPr>
@@ -6699,7 +6470,7 @@
         </p:nvSpPr>
         <p:spPr>
           <a:xfrm>
-            <a:off x="628650" y="111786"/>
+            <a:off x="628650" y="202882"/>
             <a:ext cx="7886700" cy="1325563"/>
           </a:xfrm>
         </p:spPr>
@@ -6708,16 +6479,21 @@
           <a:lstStyle/>
           <a:p>
             <a:r>
-              <a:rPr lang="en-US" dirty="0" smtClean="0"/>
-              <a:t>Re-use and Recursion</a:t>
-            </a:r>
-            <a:endParaRPr lang="en-US" dirty="0"/>
-          </a:p>
-        </p:txBody>
-      </p:sp>
-      <p:sp>
-        <p:nvSpPr>
-          <p:cNvPr id="3" name="Content Placeholder 2"/>
+              <a:rPr lang="en-US" dirty="0"/>
+              <a:t>JSON Pointer Namespace Prefix</a:t>
+            </a:r>
+          </a:p>
+        </p:txBody>
+      </p:sp>
+      <p:sp>
+        <p:nvSpPr>
+          <p:cNvPr id="3" name="Content Placeholder 2">
+            <a:extLst>
+              <a:ext uri="{FF2B5EF4-FFF2-40B4-BE49-F238E27FC236}">
+                <a16:creationId xmlns:a16="http://schemas.microsoft.com/office/drawing/2014/main" id="{6A1CC774-6959-2C42-8147-1E22750CC8C5}"/>
+              </a:ext>
+            </a:extLst>
+          </p:cNvPr>
           <p:cNvSpPr>
             <a:spLocks noGrp="1"/>
           </p:cNvSpPr>
@@ -6727,131 +6503,135 @@
         </p:nvSpPr>
         <p:spPr>
           <a:xfrm>
-            <a:off x="413657" y="1394241"/>
-            <a:ext cx="8414657" cy="4974337"/>
+            <a:off x="628650" y="1642745"/>
+            <a:ext cx="7886700" cy="4351338"/>
           </a:xfrm>
         </p:spPr>
         <p:txBody>
-          <a:bodyPr/>
-          <a:lstStyle/>
-          <a:p>
-            <a:r>
-              <a:rPr lang="en-US" dirty="0" smtClean="0"/>
-              <a:t>type</a:t>
-            </a:r>
-            <a:endParaRPr lang="en-US" dirty="0" smtClean="0"/>
-          </a:p>
-          <a:p>
-            <a:pPr lvl="1"/>
-            <a:r>
-              <a:rPr lang="en-US" dirty="0" smtClean="0"/>
-              <a:t>Use an existing definition as a type for a new definition</a:t>
-            </a:r>
-          </a:p>
-          <a:p>
-            <a:pPr lvl="1"/>
-            <a:r>
-              <a:rPr lang="en-US" dirty="0" smtClean="0"/>
-              <a:t>"type": { "$ref": </a:t>
-            </a:r>
-            <a:r>
-              <a:rPr lang="en-US" dirty="0" smtClean="0"/>
-              <a:t> "#/</a:t>
-            </a:r>
-            <a:r>
-              <a:rPr lang="en-US" dirty="0" err="1" smtClean="0"/>
-              <a:t>odmData</a:t>
-            </a:r>
-            <a:r>
-              <a:rPr lang="en-US" dirty="0" smtClean="0"/>
+          <a:bodyPr>
+            <a:normAutofit lnSpcReduction="10000"/>
+          </a:bodyPr>
+          <a:lstStyle/>
+          <a:p>
+            <a:r>
+              <a:rPr lang="en-US" dirty="0"/>
+              <a:t>Add a namespace prefix to JSON Pointers used to identify model elements in different files</a:t>
+            </a:r>
+          </a:p>
+          <a:p>
+            <a:r>
+              <a:rPr lang="en-US" dirty="0"/>
+              <a:t>The namespace prefix may be used in place of document paths in a filesystem</a:t>
+            </a:r>
+          </a:p>
+          <a:p>
+            <a:r>
+              <a:rPr lang="en-US" dirty="0"/>
+              <a:t>Cross-document paths start with the namespace prefix</a:t>
+            </a:r>
+          </a:p>
+          <a:p>
+            <a:pPr marL="0" indent="0">
+              <a:buNone/>
+            </a:pPr>
+            <a:r>
+              <a:rPr lang="en-US" sz="1800" dirty="0">
+                <a:latin typeface="Courier" pitchFamily="2" charset="0"/>
+              </a:rPr>
+              <a:t>"namespace": {</a:t>
+            </a:r>
+          </a:p>
+          <a:p>
+            <a:pPr marL="0" indent="0">
+              <a:buNone/>
+            </a:pPr>
+            <a:r>
+              <a:rPr lang="en-US" sz="1800" dirty="0">
+                <a:latin typeface="Courier" pitchFamily="2" charset="0"/>
+              </a:rPr>
+              <a:t>  "ex": "</a:t>
+            </a:r>
+            <a:r>
+              <a:rPr lang="en-US" sz="1800" dirty="0">
+                <a:latin typeface="Courier" pitchFamily="2" charset="0"/>
+                <a:hlinkClick r:id="rId2"/>
+              </a:rPr>
+              <a:t>https://example.com</a:t>
+            </a:r>
+            <a:r>
+              <a:rPr lang="en-US" sz="1800" dirty="0">
+                <a:latin typeface="Courier" pitchFamily="2" charset="0"/>
+              </a:rPr>
+              <a:t>"</a:t>
+            </a:r>
+          </a:p>
+          <a:p>
+            <a:pPr marL="0" indent="0">
+              <a:buNone/>
+            </a:pPr>
+            <a:r>
+              <a:rPr lang="en-US" sz="1800" dirty="0">
+                <a:latin typeface="Courier" pitchFamily="2" charset="0"/>
+              </a:rPr>
+              <a:t>}</a:t>
+            </a:r>
+          </a:p>
+          <a:p>
+            <a:pPr marL="0" indent="0">
+              <a:buNone/>
+            </a:pPr>
+            <a:r>
+              <a:rPr lang="en-US" sz="1800" dirty="0">
+                <a:latin typeface="Courier" pitchFamily="2" charset="0"/>
+              </a:rPr>
+              <a:t>JSON pointer expression "ex:/</a:t>
+            </a:r>
+            <a:r>
+              <a:rPr lang="en-US" sz="1800" dirty="0" err="1">
+                <a:latin typeface="Courier" pitchFamily="2" charset="0"/>
+              </a:rPr>
+              <a:t>odmObject</a:t>
+            </a:r>
+            <a:r>
+              <a:rPr lang="en-US" sz="1800" dirty="0">
+                <a:latin typeface="Courier" pitchFamily="2" charset="0"/>
+              </a:rPr>
+              <a:t>/temperature"</a:t>
+            </a:r>
+          </a:p>
+          <a:p>
+            <a:pPr marL="0" indent="0">
+              <a:buNone/>
+            </a:pPr>
+            <a:r>
+              <a:rPr lang="en-US" sz="1800" dirty="0">
+                <a:latin typeface="Courier" pitchFamily="2" charset="0"/>
+              </a:rPr>
+              <a:t>Expands to "https://</a:t>
+            </a:r>
+            <a:r>
+              <a:rPr lang="en-US" sz="1800" dirty="0" err="1">
+                <a:latin typeface="Courier" pitchFamily="2" charset="0"/>
+              </a:rPr>
+              <a:t>example.com</a:t>
+            </a:r>
+            <a:r>
+              <a:rPr lang="en-US" sz="1800" dirty="0">
+                <a:latin typeface="Courier" pitchFamily="2" charset="0"/>
+              </a:rPr>
               <a:t>/</a:t>
             </a:r>
             <a:r>
-              <a:rPr lang="en-US" dirty="0" err="1" smtClean="0"/>
-              <a:t>temperatureData</a:t>
-            </a:r>
-            <a:r>
-              <a:rPr lang="en-US" dirty="0" smtClean="0"/>
-              <a:t>" }</a:t>
-            </a:r>
-            <a:endParaRPr lang="en-US" dirty="0" smtClean="0"/>
-          </a:p>
-          <a:p>
-            <a:r>
-              <a:rPr lang="en-US" dirty="0" smtClean="0"/>
-              <a:t>include</a:t>
-            </a:r>
-            <a:endParaRPr lang="en-US" dirty="0" smtClean="0"/>
-          </a:p>
-          <a:p>
-            <a:pPr lvl="1"/>
-            <a:r>
-              <a:rPr lang="en-US" dirty="0"/>
-              <a:t>I</a:t>
-            </a:r>
-            <a:r>
-              <a:rPr lang="en-US" dirty="0" smtClean="0"/>
-              <a:t>nclude an existing definition (instance) in this context</a:t>
-            </a:r>
-          </a:p>
-          <a:p>
-            <a:pPr lvl="1"/>
-            <a:r>
-              <a:rPr lang="en-US" dirty="0" smtClean="0"/>
-              <a:t>"include":  [ { "$ref": "#</a:t>
-            </a:r>
-            <a:r>
-              <a:rPr lang="en-US" dirty="0" err="1" smtClean="0"/>
+              <a:rPr lang="en-US" sz="1800" dirty="0" err="1">
+                <a:latin typeface="Courier" pitchFamily="2" charset="0"/>
+              </a:rPr>
               <a:t>odmObject</a:t>
             </a:r>
             <a:r>
-              <a:rPr lang="en-US" dirty="0" smtClean="0"/>
-              <a:t>/</a:t>
-            </a:r>
-            <a:r>
-              <a:rPr lang="en-US" dirty="0" err="1" smtClean="0"/>
-              <a:t>PowerStateControl</a:t>
-            </a:r>
-            <a:r>
-              <a:rPr lang="en-US" dirty="0" smtClean="0"/>
-              <a:t>" } ]</a:t>
-            </a:r>
-            <a:endParaRPr lang="en-US" dirty="0"/>
-          </a:p>
-          <a:p>
-            <a:r>
-              <a:rPr lang="en-US" dirty="0" smtClean="0"/>
-              <a:t>include + type</a:t>
-            </a:r>
-          </a:p>
-          <a:p>
-            <a:pPr lvl="1"/>
-            <a:r>
-              <a:rPr lang="en-US" dirty="0" smtClean="0"/>
-              <a:t>Use an existing definition, including its name, in a new definition in the current context (IPSO style re-use)</a:t>
-            </a:r>
-          </a:p>
-          <a:p>
-            <a:pPr lvl="1"/>
-            <a:r>
-              <a:rPr lang="en-US" dirty="0" smtClean="0"/>
-              <a:t>"include": [ { "type": { "$ref": "#/</a:t>
-            </a:r>
-            <a:r>
-              <a:rPr lang="en-US" dirty="0" err="1" smtClean="0"/>
-              <a:t>odmProperty</a:t>
-            </a:r>
-            <a:r>
-              <a:rPr lang="en-US" dirty="0" smtClean="0"/>
-              <a:t>/</a:t>
-            </a:r>
-            <a:r>
-              <a:rPr lang="en-US" dirty="0" err="1" smtClean="0"/>
-              <a:t>sensorValue</a:t>
-            </a:r>
-            <a:r>
-              <a:rPr lang="en-US" dirty="0" smtClean="0"/>
-              <a:t>" } } ]</a:t>
+              <a:rPr lang="en-US" sz="1800" dirty="0">
+                <a:latin typeface="Courier" pitchFamily="2" charset="0"/>
+              </a:rPr>
+              <a:t>/temperature"</a:t>
             </a:r>
           </a:p>
         </p:txBody>
@@ -6859,7 +6639,7 @@
     </p:spTree>
     <p:extLst>
       <p:ext uri="{BB962C8B-B14F-4D97-AF65-F5344CB8AC3E}">
-        <p14:creationId xmlns:p14="http://schemas.microsoft.com/office/powerpoint/2010/main" val="1589057351"/>
+        <p14:creationId xmlns:p14="http://schemas.microsoft.com/office/powerpoint/2010/main" val="1201046654"/>
       </p:ext>
     </p:extLst>
   </p:cSld>
@@ -6898,7 +6678,7 @@
         </p:nvSpPr>
         <p:spPr>
           <a:xfrm>
-            <a:off x="628650" y="103869"/>
+            <a:off x="628650" y="111786"/>
             <a:ext cx="7886700" cy="1325563"/>
           </a:xfrm>
         </p:spPr>
@@ -6907,10 +6687,9 @@
           <a:lstStyle/>
           <a:p>
             <a:r>
-              <a:rPr lang="en-US" dirty="0" smtClean="0"/>
-              <a:t>Composed Types</a:t>
-            </a:r>
-            <a:endParaRPr lang="en-US" dirty="0"/>
+              <a:rPr lang="en-US" dirty="0"/>
+              <a:t>Re-use and Recursion</a:t>
+            </a:r>
           </a:p>
         </p:txBody>
       </p:sp>
@@ -6926,8 +6705,8 @@
         </p:nvSpPr>
         <p:spPr>
           <a:xfrm>
-            <a:off x="628650" y="1356635"/>
-            <a:ext cx="7886700" cy="4351338"/>
+            <a:off x="413657" y="1394241"/>
+            <a:ext cx="8414657" cy="4974337"/>
           </a:xfrm>
         </p:spPr>
         <p:txBody>
@@ -6935,106 +6714,110 @@
           <a:lstStyle/>
           <a:p>
             <a:r>
-              <a:rPr lang="en-US" dirty="0" err="1" smtClean="0"/>
-              <a:t>odmThing</a:t>
-            </a:r>
-            <a:endParaRPr lang="en-US" dirty="0" smtClean="0"/>
+              <a:rPr lang="en-US" dirty="0"/>
+              <a:t>type</a:t>
+            </a:r>
           </a:p>
           <a:p>
             <a:pPr lvl="1"/>
             <a:r>
-              <a:rPr lang="en-US" dirty="0" smtClean="0"/>
-              <a:t>Encapsulates a set of </a:t>
-            </a:r>
-            <a:r>
-              <a:rPr lang="en-US" dirty="0" err="1" smtClean="0"/>
-              <a:t>odmObjects</a:t>
-            </a:r>
-            <a:r>
-              <a:rPr lang="en-US" dirty="0" smtClean="0"/>
-              <a:t> and selects optionality</a:t>
+              <a:rPr lang="en-US" dirty="0"/>
+              <a:t>Use an existing definition as a type for a new definition</a:t>
             </a:r>
           </a:p>
           <a:p>
             <a:pPr lvl="1"/>
             <a:r>
-              <a:rPr lang="en-US" dirty="0" smtClean="0"/>
-              <a:t>May extend definitions and add new definitions</a:t>
+              <a:rPr lang="en-US" dirty="0"/>
+              <a:t>"type": { "$ref":  "#/</a:t>
+            </a:r>
+            <a:r>
+              <a:rPr lang="en-US" dirty="0" err="1"/>
+              <a:t>odmData</a:t>
+            </a:r>
+            <a:r>
+              <a:rPr lang="en-US" dirty="0"/>
+              <a:t>/</a:t>
+            </a:r>
+            <a:r>
+              <a:rPr lang="en-US" dirty="0" err="1"/>
+              <a:t>temperatureData</a:t>
+            </a:r>
+            <a:r>
+              <a:rPr lang="en-US" dirty="0"/>
+              <a:t>" }</a:t>
+            </a:r>
+          </a:p>
+          <a:p>
+            <a:r>
+              <a:rPr lang="en-US" dirty="0"/>
+              <a:t>include</a:t>
             </a:r>
           </a:p>
           <a:p>
             <a:pPr lvl="1"/>
             <a:r>
-              <a:rPr lang="en-US" dirty="0" smtClean="0"/>
-              <a:t>"</a:t>
-            </a:r>
-            <a:r>
-              <a:rPr lang="en-US" dirty="0" smtClean="0"/>
-              <a:t>Device </a:t>
-            </a:r>
-            <a:r>
-              <a:rPr lang="en-US" dirty="0"/>
-              <a:t>Type</a:t>
-            </a:r>
-            <a:r>
-              <a:rPr lang="en-US" smtClean="0"/>
-              <a:t>" specification</a:t>
-            </a:r>
-            <a:endParaRPr lang="en-US" dirty="0" smtClean="0"/>
-          </a:p>
-          <a:p>
-            <a:r>
-              <a:rPr lang="en-US" dirty="0" err="1" smtClean="0"/>
-              <a:t>odmProduct</a:t>
-            </a:r>
-            <a:endParaRPr lang="en-US" dirty="0" smtClean="0"/>
+              <a:rPr lang="en-US" dirty="0"/>
+              <a:t>Include an existing definition (instance) in this context</a:t>
+            </a:r>
           </a:p>
           <a:p>
             <a:pPr lvl="1"/>
             <a:r>
-              <a:rPr lang="en-US" dirty="0" smtClean="0"/>
-              <a:t>Product, </a:t>
-            </a:r>
-            <a:r>
-              <a:rPr lang="en-US" dirty="0" smtClean="0"/>
-              <a:t>composed from standardized </a:t>
-            </a:r>
-            <a:r>
-              <a:rPr lang="en-US" dirty="0" smtClean="0"/>
-              <a:t>functionality</a:t>
+              <a:rPr lang="en-US" dirty="0"/>
+              <a:t>"include":  [ { "$ref": "#/</a:t>
+            </a:r>
+            <a:r>
+              <a:rPr lang="en-US" dirty="0" err="1"/>
+              <a:t>odmObject</a:t>
+            </a:r>
+            <a:r>
+              <a:rPr lang="en-US" dirty="0"/>
+              <a:t>/</a:t>
+            </a:r>
+            <a:r>
+              <a:rPr lang="en-US" dirty="0" err="1"/>
+              <a:t>PowerStateControl</a:t>
+            </a:r>
+            <a:r>
+              <a:rPr lang="en-US" dirty="0"/>
+              <a:t>" } ]</a:t>
+            </a:r>
+          </a:p>
+          <a:p>
+            <a:r>
+              <a:rPr lang="en-US" dirty="0"/>
+              <a:t>include + type</a:t>
             </a:r>
           </a:p>
           <a:p>
             <a:pPr lvl="1"/>
             <a:r>
-              <a:rPr lang="en-US" dirty="0" smtClean="0"/>
-              <a:t>Encapsulates Objects and Components and selects optionality</a:t>
+              <a:rPr lang="en-US" dirty="0"/>
+              <a:t>Use an existing definition, including its name, in a new definition in the current context (IPSO style re-use)</a:t>
             </a:r>
           </a:p>
           <a:p>
             <a:pPr lvl="1"/>
             <a:r>
-              <a:rPr lang="en-US" dirty="0" smtClean="0"/>
-              <a:t>May extend </a:t>
-            </a:r>
-            <a:r>
-              <a:rPr lang="en-US" dirty="0" smtClean="0"/>
-              <a:t>and add new definitions</a:t>
-            </a:r>
-            <a:endParaRPr lang="en-US" dirty="0"/>
-          </a:p>
-          <a:p>
-            <a:r>
-              <a:rPr lang="en-US" dirty="0" err="1" smtClean="0"/>
-              <a:t>odmView</a:t>
-            </a:r>
-            <a:endParaRPr lang="en-US" dirty="0" smtClean="0"/>
-          </a:p>
-          <a:p>
-            <a:pPr lvl="1"/>
-            <a:r>
-              <a:rPr lang="en-US" dirty="0" smtClean="0"/>
-              <a:t>Consists a set of elements that use the include pattern to create a view of instances of elements</a:t>
+              <a:rPr lang="en-US" dirty="0"/>
+              <a:t>"include": [ { "type": { "$ref": "#/</a:t>
+            </a:r>
+            <a:r>
+              <a:rPr lang="en-US" dirty="0" err="1"/>
+              <a:t>odmProperty</a:t>
+            </a:r>
+            <a:r>
+              <a:rPr lang="en-US" dirty="0"/>
+              <a:t>/</a:t>
+            </a:r>
+            <a:r>
+              <a:rPr lang="en-US" dirty="0" err="1"/>
+              <a:t>sensorValue</a:t>
+            </a:r>
+            <a:r>
+              <a:rPr lang="en-US" dirty="0"/>
+              <a:t>" } } ]</a:t>
             </a:r>
           </a:p>
         </p:txBody>
@@ -7042,7 +6825,7 @@
     </p:spTree>
     <p:extLst>
       <p:ext uri="{BB962C8B-B14F-4D97-AF65-F5344CB8AC3E}">
-        <p14:creationId xmlns:p14="http://schemas.microsoft.com/office/powerpoint/2010/main" val="1180264165"/>
+        <p14:creationId xmlns:p14="http://schemas.microsoft.com/office/powerpoint/2010/main" val="1589057351"/>
       </p:ext>
     </p:extLst>
   </p:cSld>
@@ -7079,185 +6862,133 @@
             <p:ph type="title"/>
           </p:nvPr>
         </p:nvSpPr>
-        <p:spPr/>
-        <p:txBody>
-          <a:bodyPr/>
-          <a:lstStyle/>
-          <a:p>
-            <a:r>
-              <a:rPr lang="en-US" dirty="0" smtClean="0"/>
-              <a:t>Examples</a:t>
-            </a:r>
-            <a:endParaRPr lang="en-US" dirty="0"/>
-          </a:p>
-        </p:txBody>
-      </p:sp>
-      <p:sp>
-        <p:nvSpPr>
-          <p:cNvPr id="3" name="Content Placeholder 2"/>
-          <p:cNvSpPr>
-            <a:spLocks noGrp="1"/>
-          </p:cNvSpPr>
-          <p:nvPr>
-            <p:ph idx="1"/>
-          </p:nvPr>
-        </p:nvSpPr>
         <p:spPr>
           <a:xfrm>
-            <a:off x="628650" y="1690689"/>
+            <a:off x="628650" y="103869"/>
+            <a:ext cx="7886700" cy="1325563"/>
+          </a:xfrm>
+        </p:spPr>
+        <p:txBody>
+          <a:bodyPr/>
+          <a:lstStyle/>
+          <a:p>
+            <a:r>
+              <a:rPr lang="en-US" dirty="0"/>
+              <a:t>Composed Types</a:t>
+            </a:r>
+          </a:p>
+        </p:txBody>
+      </p:sp>
+      <p:sp>
+        <p:nvSpPr>
+          <p:cNvPr id="3" name="Content Placeholder 2"/>
+          <p:cNvSpPr>
+            <a:spLocks noGrp="1"/>
+          </p:cNvSpPr>
+          <p:nvPr>
+            <p:ph idx="1"/>
+          </p:nvPr>
+        </p:nvSpPr>
+        <p:spPr>
+          <a:xfrm>
+            <a:off x="628650" y="1356635"/>
             <a:ext cx="7886700" cy="4351338"/>
           </a:xfrm>
         </p:spPr>
         <p:txBody>
-          <a:bodyPr/>
-          <a:lstStyle/>
-          <a:p>
-            <a:r>
-              <a:rPr lang="en-US" dirty="0" smtClean="0"/>
-              <a:t>type </a:t>
-            </a:r>
-            <a:r>
-              <a:rPr lang="mr-IN" dirty="0" smtClean="0"/>
-              <a:t>–</a:t>
-            </a:r>
-            <a:r>
-              <a:rPr lang="en-US" dirty="0" smtClean="0"/>
-              <a:t> ZCL level model that has multiple timers</a:t>
-            </a:r>
-          </a:p>
-          <a:p>
-            <a:r>
-              <a:rPr lang="en-US" dirty="0" smtClean="0"/>
-              <a:t>include </a:t>
-            </a:r>
-            <a:r>
-              <a:rPr lang="mr-IN" dirty="0" smtClean="0"/>
-              <a:t>–</a:t>
-            </a:r>
-            <a:r>
-              <a:rPr lang="en-US" dirty="0" smtClean="0"/>
-              <a:t> </a:t>
-            </a:r>
-            <a:r>
-              <a:rPr lang="en-US" dirty="0" smtClean="0"/>
-              <a:t>printer and scanner things with common power control</a:t>
-            </a:r>
-            <a:endParaRPr lang="en-US" dirty="0" smtClean="0"/>
-          </a:p>
-          <a:p>
-            <a:r>
-              <a:rPr lang="en-US" dirty="0"/>
-              <a:t>include type </a:t>
-            </a:r>
-            <a:r>
-              <a:rPr lang="mr-IN" dirty="0" smtClean="0"/>
-              <a:t>–</a:t>
-            </a:r>
-            <a:r>
-              <a:rPr lang="en-US" dirty="0" smtClean="0"/>
-              <a:t> ipso 3300 Object model </a:t>
-            </a:r>
-            <a:r>
-              <a:rPr lang="en-US" dirty="0"/>
-              <a:t>that reuses </a:t>
-            </a:r>
-            <a:r>
-              <a:rPr lang="en-US" dirty="0" smtClean="0"/>
-              <a:t>definitions of </a:t>
-            </a:r>
-            <a:r>
-              <a:rPr lang="en-US" dirty="0" err="1" smtClean="0"/>
-              <a:t>odmProperties</a:t>
+          <a:bodyPr>
+            <a:normAutofit fontScale="92500"/>
+          </a:bodyPr>
+          <a:lstStyle/>
+          <a:p>
+            <a:r>
+              <a:rPr lang="en-US" dirty="0" err="1"/>
+              <a:t>odmThing</a:t>
             </a:r>
             <a:endParaRPr lang="en-US" dirty="0"/>
           </a:p>
           <a:p>
-            <a:r>
-              <a:rPr lang="en-US" dirty="0" err="1" smtClean="0"/>
+            <a:pPr lvl="1"/>
+            <a:r>
+              <a:rPr lang="en-US" dirty="0"/>
+              <a:t>Encapsulates a set of </a:t>
+            </a:r>
+            <a:r>
+              <a:rPr lang="en-US" dirty="0" err="1"/>
+              <a:t>odmObjects</a:t>
+            </a:r>
+            <a:r>
+              <a:rPr lang="en-US" dirty="0"/>
+              <a:t> and selects optionality</a:t>
+            </a:r>
+          </a:p>
+          <a:p>
+            <a:pPr lvl="1"/>
+            <a:r>
+              <a:rPr lang="en-US" dirty="0"/>
+              <a:t>May extend definitions and add new definitions</a:t>
+            </a:r>
+          </a:p>
+          <a:p>
+            <a:pPr lvl="1"/>
+            <a:r>
+              <a:rPr lang="en-US" dirty="0"/>
+              <a:t>"Device Type</a:t>
+            </a:r>
+            <a:r>
+              <a:rPr lang="en-US"/>
+              <a:t>" specification</a:t>
+            </a:r>
+            <a:endParaRPr lang="en-US" dirty="0"/>
+          </a:p>
+          <a:p>
+            <a:r>
+              <a:rPr lang="en-US" dirty="0" err="1"/>
               <a:t>odmProduct</a:t>
             </a:r>
-            <a:r>
-              <a:rPr lang="en-US" dirty="0" smtClean="0"/>
-              <a:t> </a:t>
-            </a:r>
-            <a:r>
-              <a:rPr lang="mr-IN" dirty="0" smtClean="0"/>
-              <a:t>–</a:t>
-            </a:r>
-            <a:r>
-              <a:rPr lang="en-US" dirty="0" smtClean="0"/>
-              <a:t> </a:t>
-            </a:r>
-            <a:r>
-              <a:rPr lang="en-US" dirty="0" smtClean="0"/>
-              <a:t>ipso </a:t>
-            </a:r>
-            <a:r>
-              <a:rPr lang="en-US" dirty="0" smtClean="0"/>
-              <a:t>model of a vacuum gauge with two </a:t>
-            </a:r>
-            <a:r>
-              <a:rPr lang="en-US" dirty="0" smtClean="0"/>
-              <a:t>specialized </a:t>
-            </a:r>
-            <a:r>
-              <a:rPr lang="en-US" dirty="0" smtClean="0"/>
-              <a:t>3300 type sensor Objects</a:t>
-            </a:r>
-            <a:endParaRPr lang="en-US" dirty="0" smtClean="0"/>
-          </a:p>
-          <a:p>
-            <a:r>
-              <a:rPr lang="en-US" dirty="0" err="1" smtClean="0"/>
-              <a:t>odmThing</a:t>
-            </a:r>
-            <a:r>
-              <a:rPr lang="en-US" dirty="0" smtClean="0"/>
-              <a:t> </a:t>
-            </a:r>
-            <a:r>
-              <a:rPr lang="mr-IN" dirty="0" smtClean="0"/>
-              <a:t>–</a:t>
-            </a:r>
-            <a:r>
-              <a:rPr lang="en-US" dirty="0" smtClean="0"/>
-              <a:t> </a:t>
-            </a:r>
-            <a:r>
-              <a:rPr lang="en-US" dirty="0" smtClean="0"/>
-              <a:t>a plug element of an outlet </a:t>
-            </a:r>
-            <a:r>
-              <a:rPr lang="en-US" dirty="0" smtClean="0"/>
-              <a:t>strip </a:t>
-            </a:r>
-            <a:endParaRPr lang="en-US" dirty="0" smtClean="0"/>
-          </a:p>
-          <a:p>
-            <a:r>
-              <a:rPr lang="en-US" dirty="0" err="1" smtClean="0"/>
+            <a:endParaRPr lang="en-US" dirty="0"/>
+          </a:p>
+          <a:p>
+            <a:pPr lvl="1"/>
+            <a:r>
+              <a:rPr lang="en-US" dirty="0"/>
+              <a:t>Product, composed from standardized functionality</a:t>
+            </a:r>
+          </a:p>
+          <a:p>
+            <a:pPr lvl="1"/>
+            <a:r>
+              <a:rPr lang="en-US" dirty="0"/>
+              <a:t>Encapsulates Objects and Components and selects optionality</a:t>
+            </a:r>
+          </a:p>
+          <a:p>
+            <a:pPr lvl="1"/>
+            <a:r>
+              <a:rPr lang="en-US" dirty="0"/>
+              <a:t>May extend and add new definitions</a:t>
+            </a:r>
+          </a:p>
+          <a:p>
+            <a:r>
+              <a:rPr lang="en-US" dirty="0" err="1"/>
               <a:t>odmView</a:t>
             </a:r>
-            <a:r>
-              <a:rPr lang="en-US" dirty="0" smtClean="0"/>
-              <a:t> </a:t>
-            </a:r>
-            <a:r>
-              <a:rPr lang="mr-IN" dirty="0" smtClean="0"/>
-              <a:t>–</a:t>
-            </a:r>
-            <a:r>
-              <a:rPr lang="en-US" dirty="0" smtClean="0"/>
-              <a:t> a definition of an OCF interface</a:t>
-            </a:r>
             <a:endParaRPr lang="en-US" dirty="0"/>
+          </a:p>
+          <a:p>
+            <a:pPr lvl="1"/>
+            <a:r>
+              <a:rPr lang="en-US" dirty="0"/>
+              <a:t>Consists a set of elements that use the include pattern to create a view of instances of elements</a:t>
+            </a:r>
           </a:p>
         </p:txBody>
       </p:sp>
     </p:spTree>
     <p:extLst>
       <p:ext uri="{BB962C8B-B14F-4D97-AF65-F5344CB8AC3E}">
-        <p14:creationId xmlns:p14="http://schemas.microsoft.com/office/powerpoint/2010/main" val="1854872866"/>
+        <p14:creationId xmlns:p14="http://schemas.microsoft.com/office/powerpoint/2010/main" val="1180264165"/>
       </p:ext>
     </p:extLst>
   </p:cSld>

--- a/sdf-extensions.pptx
+++ b/sdf-extensions.pptx
@@ -6,22 +6,24 @@
   </p:sldMasterIdLst>
   <p:sldIdLst>
     <p:sldId id="256" r:id="rId2"/>
-    <p:sldId id="257" r:id="rId3"/>
-    <p:sldId id="258" r:id="rId4"/>
-    <p:sldId id="264" r:id="rId5"/>
-    <p:sldId id="260" r:id="rId6"/>
-    <p:sldId id="261" r:id="rId7"/>
-    <p:sldId id="274" r:id="rId8"/>
-    <p:sldId id="262" r:id="rId9"/>
-    <p:sldId id="263" r:id="rId10"/>
-    <p:sldId id="265" r:id="rId11"/>
-    <p:sldId id="270" r:id="rId12"/>
+    <p:sldId id="276" r:id="rId3"/>
+    <p:sldId id="257" r:id="rId4"/>
+    <p:sldId id="258" r:id="rId5"/>
+    <p:sldId id="264" r:id="rId6"/>
+    <p:sldId id="260" r:id="rId7"/>
+    <p:sldId id="261" r:id="rId8"/>
+    <p:sldId id="274" r:id="rId9"/>
+    <p:sldId id="262" r:id="rId10"/>
+    <p:sldId id="270" r:id="rId11"/>
+    <p:sldId id="272" r:id="rId12"/>
     <p:sldId id="271" r:id="rId13"/>
-    <p:sldId id="272" r:id="rId14"/>
-    <p:sldId id="266" r:id="rId15"/>
-    <p:sldId id="267" r:id="rId16"/>
-    <p:sldId id="268" r:id="rId17"/>
-    <p:sldId id="273" r:id="rId18"/>
+    <p:sldId id="263" r:id="rId14"/>
+    <p:sldId id="275" r:id="rId15"/>
+    <p:sldId id="265" r:id="rId16"/>
+    <p:sldId id="266" r:id="rId17"/>
+    <p:sldId id="267" r:id="rId18"/>
+    <p:sldId id="268" r:id="rId19"/>
+    <p:sldId id="273" r:id="rId20"/>
   </p:sldIdLst>
   <p:sldSz cx="9144000" cy="6858000" type="letter"/>
   <p:notesSz cx="6858000" cy="9144000"/>
@@ -259,7 +261,7 @@
           <a:p>
             <a:fld id="{B59606BF-8F0F-2444-A31E-943E88B76D1B}" type="datetimeFigureOut">
               <a:rPr lang="en-US" smtClean="0"/>
-              <a:t>6/6/19</a:t>
+              <a:t>6/13/19</a:t>
             </a:fld>
             <a:endParaRPr lang="en-US"/>
           </a:p>
@@ -424,7 +426,7 @@
           <a:p>
             <a:fld id="{B59606BF-8F0F-2444-A31E-943E88B76D1B}" type="datetimeFigureOut">
               <a:rPr lang="en-US" smtClean="0"/>
-              <a:t>6/6/19</a:t>
+              <a:t>6/13/19</a:t>
             </a:fld>
             <a:endParaRPr lang="en-US"/>
           </a:p>
@@ -599,7 +601,7 @@
           <a:p>
             <a:fld id="{B59606BF-8F0F-2444-A31E-943E88B76D1B}" type="datetimeFigureOut">
               <a:rPr lang="en-US" smtClean="0"/>
-              <a:t>6/6/19</a:t>
+              <a:t>6/13/19</a:t>
             </a:fld>
             <a:endParaRPr lang="en-US"/>
           </a:p>
@@ -764,7 +766,7 @@
           <a:p>
             <a:fld id="{B59606BF-8F0F-2444-A31E-943E88B76D1B}" type="datetimeFigureOut">
               <a:rPr lang="en-US" smtClean="0"/>
-              <a:t>6/6/19</a:t>
+              <a:t>6/13/19</a:t>
             </a:fld>
             <a:endParaRPr lang="en-US"/>
           </a:p>
@@ -1003,7 +1005,7 @@
           <a:p>
             <a:fld id="{B59606BF-8F0F-2444-A31E-943E88B76D1B}" type="datetimeFigureOut">
               <a:rPr lang="en-US" smtClean="0"/>
-              <a:t>6/6/19</a:t>
+              <a:t>6/13/19</a:t>
             </a:fld>
             <a:endParaRPr lang="en-US"/>
           </a:p>
@@ -1230,7 +1232,7 @@
           <a:p>
             <a:fld id="{B59606BF-8F0F-2444-A31E-943E88B76D1B}" type="datetimeFigureOut">
               <a:rPr lang="en-US" smtClean="0"/>
-              <a:t>6/6/19</a:t>
+              <a:t>6/13/19</a:t>
             </a:fld>
             <a:endParaRPr lang="en-US"/>
           </a:p>
@@ -1592,7 +1594,7 @@
           <a:p>
             <a:fld id="{B59606BF-8F0F-2444-A31E-943E88B76D1B}" type="datetimeFigureOut">
               <a:rPr lang="en-US" smtClean="0"/>
-              <a:t>6/6/19</a:t>
+              <a:t>6/13/19</a:t>
             </a:fld>
             <a:endParaRPr lang="en-US"/>
           </a:p>
@@ -1705,7 +1707,7 @@
           <a:p>
             <a:fld id="{B59606BF-8F0F-2444-A31E-943E88B76D1B}" type="datetimeFigureOut">
               <a:rPr lang="en-US" smtClean="0"/>
-              <a:t>6/6/19</a:t>
+              <a:t>6/13/19</a:t>
             </a:fld>
             <a:endParaRPr lang="en-US"/>
           </a:p>
@@ -1795,7 +1797,7 @@
           <a:p>
             <a:fld id="{B59606BF-8F0F-2444-A31E-943E88B76D1B}" type="datetimeFigureOut">
               <a:rPr lang="en-US" smtClean="0"/>
-              <a:t>6/6/19</a:t>
+              <a:t>6/13/19</a:t>
             </a:fld>
             <a:endParaRPr lang="en-US"/>
           </a:p>
@@ -2067,7 +2069,7 @@
           <a:p>
             <a:fld id="{B59606BF-8F0F-2444-A31E-943E88B76D1B}" type="datetimeFigureOut">
               <a:rPr lang="en-US" smtClean="0"/>
-              <a:t>6/6/19</a:t>
+              <a:t>6/13/19</a:t>
             </a:fld>
             <a:endParaRPr lang="en-US"/>
           </a:p>
@@ -2319,7 +2321,7 @@
           <a:p>
             <a:fld id="{B59606BF-8F0F-2444-A31E-943E88B76D1B}" type="datetimeFigureOut">
               <a:rPr lang="en-US" smtClean="0"/>
-              <a:t>6/6/19</a:t>
+              <a:t>6/13/19</a:t>
             </a:fld>
             <a:endParaRPr lang="en-US"/>
           </a:p>
@@ -2527,7 +2529,7 @@
           <a:p>
             <a:fld id="{B59606BF-8F0F-2444-A31E-943E88B76D1B}" type="datetimeFigureOut">
               <a:rPr lang="en-US" smtClean="0"/>
-              <a:t>6/6/19</a:t>
+              <a:t>6/13/19</a:t>
             </a:fld>
             <a:endParaRPr lang="en-US"/>
           </a:p>
@@ -2991,7 +2993,15 @@
           <a:p>
             <a:r>
               <a:rPr lang="en-US" dirty="0"/>
-              <a:t>June 7, 2019</a:t>
+              <a:t>June </a:t>
+            </a:r>
+            <a:r>
+              <a:rPr lang="en-US" dirty="0" smtClean="0"/>
+              <a:t>14, </a:t>
+            </a:r>
+            <a:r>
+              <a:rPr lang="en-US" dirty="0"/>
+              <a:t>2019</a:t>
             </a:r>
           </a:p>
         </p:txBody>
@@ -3036,32 +3046,10 @@
             <p:ph type="title"/>
           </p:nvPr>
         </p:nvSpPr>
-        <p:spPr/>
-        <p:txBody>
-          <a:bodyPr/>
-          <a:lstStyle/>
-          <a:p>
-            <a:r>
-              <a:rPr lang="en-US" dirty="0"/>
-              <a:t>Examples</a:t>
-            </a:r>
-          </a:p>
-        </p:txBody>
-      </p:sp>
-      <p:sp>
-        <p:nvSpPr>
-          <p:cNvPr id="3" name="Content Placeholder 2"/>
-          <p:cNvSpPr>
-            <a:spLocks noGrp="1"/>
-          </p:cNvSpPr>
-          <p:nvPr>
-            <p:ph idx="1"/>
-          </p:nvPr>
-        </p:nvSpPr>
         <p:spPr>
           <a:xfrm>
-            <a:off x="628650" y="1690689"/>
-            <a:ext cx="7886700" cy="4351338"/>
+            <a:off x="628650" y="123768"/>
+            <a:ext cx="7886700" cy="1325563"/>
           </a:xfrm>
         </p:spPr>
         <p:txBody>
@@ -3070,110 +3058,328 @@
           <a:p>
             <a:r>
               <a:rPr lang="en-US" dirty="0"/>
-              <a:t>type </a:t>
-            </a:r>
-            <a:r>
-              <a:rPr lang="mr-IN" dirty="0"/>
-              <a:t>–</a:t>
-            </a:r>
-            <a:r>
-              <a:rPr lang="en-US" dirty="0"/>
-              <a:t> ZCL level model that has multiple timers</a:t>
-            </a:r>
-          </a:p>
-          <a:p>
-            <a:r>
-              <a:rPr lang="en-US" dirty="0"/>
-              <a:t>include </a:t>
-            </a:r>
-            <a:r>
-              <a:rPr lang="mr-IN" dirty="0"/>
-              <a:t>–</a:t>
-            </a:r>
-            <a:r>
-              <a:rPr lang="en-US" dirty="0"/>
-              <a:t> printer and scanner things with common power control</a:t>
-            </a:r>
-          </a:p>
-          <a:p>
-            <a:r>
-              <a:rPr lang="en-US" dirty="0"/>
-              <a:t>include type </a:t>
-            </a:r>
-            <a:r>
-              <a:rPr lang="mr-IN" dirty="0"/>
-              <a:t>–</a:t>
-            </a:r>
-            <a:r>
-              <a:rPr lang="en-US" dirty="0"/>
-              <a:t> ipso 3300 Object model that reuses definitions of </a:t>
+              <a:t>type</a:t>
+            </a:r>
+          </a:p>
+        </p:txBody>
+      </p:sp>
+      <p:sp>
+        <p:nvSpPr>
+          <p:cNvPr id="3" name="Content Placeholder 2"/>
+          <p:cNvSpPr>
+            <a:spLocks noGrp="1"/>
+          </p:cNvSpPr>
+          <p:nvPr>
+            <p:ph idx="1"/>
+          </p:nvPr>
+        </p:nvSpPr>
+        <p:spPr>
+          <a:xfrm>
+            <a:off x="628650" y="1449331"/>
+            <a:ext cx="7886700" cy="2223861"/>
+          </a:xfrm>
+        </p:spPr>
+        <p:txBody>
+          <a:bodyPr/>
+          <a:lstStyle/>
+          <a:p>
+            <a:r>
+              <a:rPr lang="en-US" dirty="0"/>
+              <a:t>use an </a:t>
             </a:r>
             <a:r>
               <a:rPr lang="en-US" dirty="0" err="1"/>
-              <a:t>odmProperties</a:t>
-            </a:r>
-            <a:endParaRPr lang="en-US" dirty="0"/>
-          </a:p>
-          <a:p>
-            <a:r>
-              <a:rPr lang="en-US" dirty="0" err="1"/>
-              <a:t>odmProduct</a:t>
-            </a:r>
-            <a:r>
-              <a:rPr lang="en-US" dirty="0"/>
-              <a:t> </a:t>
-            </a:r>
-            <a:r>
-              <a:rPr lang="mr-IN" dirty="0"/>
-              <a:t>–</a:t>
-            </a:r>
-            <a:r>
-              <a:rPr lang="en-US" dirty="0"/>
-              <a:t> ipso model of a vacuum gauge with two specialized 3300 type sensor Objects</a:t>
-            </a:r>
-          </a:p>
-          <a:p>
-            <a:r>
-              <a:rPr lang="en-US" dirty="0" err="1"/>
-              <a:t>odmThing</a:t>
-            </a:r>
-            <a:r>
-              <a:rPr lang="en-US" dirty="0"/>
-              <a:t> </a:t>
-            </a:r>
-            <a:r>
-              <a:rPr lang="mr-IN" dirty="0"/>
-              <a:t>–</a:t>
-            </a:r>
-            <a:r>
-              <a:rPr lang="en-US" dirty="0"/>
-              <a:t> a plug element of an outlet strip </a:t>
-            </a:r>
-          </a:p>
-          <a:p>
-            <a:r>
-              <a:rPr lang="en-US" dirty="0" err="1"/>
-              <a:t>odmView</a:t>
-            </a:r>
-            <a:r>
-              <a:rPr lang="en-US" dirty="0"/>
-              <a:t> </a:t>
-            </a:r>
-            <a:r>
-              <a:rPr lang="mr-IN" dirty="0"/>
-              <a:t>–</a:t>
-            </a:r>
-            <a:r>
-              <a:rPr lang="en-US" dirty="0"/>
-              <a:t> a definition of an OCF interface</a:t>
-            </a:r>
+              <a:t>exsiting</a:t>
+            </a:r>
+            <a:r>
+              <a:rPr lang="en-US" dirty="0"/>
+              <a:t> definition as a template for a new definition</a:t>
+            </a:r>
+          </a:p>
+        </p:txBody>
+      </p:sp>
+      <p:sp>
+        <p:nvSpPr>
+          <p:cNvPr id="4" name="Rectangle 3"/>
+          <p:cNvSpPr/>
+          <p:nvPr/>
+        </p:nvSpPr>
+        <p:spPr>
+          <a:xfrm>
+            <a:off x="1087210" y="2561261"/>
+            <a:ext cx="6969578" cy="1754326"/>
+          </a:xfrm>
+          <a:prstGeom prst="rect">
+            <a:avLst/>
+          </a:prstGeom>
+        </p:spPr>
+        <p:txBody>
+          <a:bodyPr wrap="square">
+            <a:spAutoFit/>
+          </a:bodyPr>
+          <a:lstStyle/>
+          <a:p>
+            <a:r>
+              <a:rPr lang="en-US" dirty="0">
+                <a:latin typeface="Courier" charset="0"/>
+                <a:ea typeface="Courier" charset="0"/>
+                <a:cs typeface="Courier" charset="0"/>
+              </a:rPr>
+              <a:t>"</a:t>
+            </a:r>
+            <a:r>
+              <a:rPr lang="en-US" dirty="0" err="1">
+                <a:latin typeface="Courier" charset="0"/>
+                <a:ea typeface="Courier" charset="0"/>
+                <a:cs typeface="Courier" charset="0"/>
+              </a:rPr>
+              <a:t>odmObject</a:t>
+            </a:r>
+            <a:r>
+              <a:rPr lang="en-US" dirty="0">
+                <a:latin typeface="Courier" charset="0"/>
+                <a:ea typeface="Courier" charset="0"/>
+                <a:cs typeface="Courier" charset="0"/>
+              </a:rPr>
+              <a:t>": {</a:t>
+            </a:r>
+          </a:p>
+          <a:p>
+            <a:r>
+              <a:rPr lang="en-US" dirty="0">
+                <a:latin typeface="Courier" charset="0"/>
+                <a:ea typeface="Courier" charset="0"/>
+                <a:cs typeface="Courier" charset="0"/>
+              </a:rPr>
+              <a:t>  "3300/0": {</a:t>
+            </a:r>
+          </a:p>
+          <a:p>
+            <a:r>
+              <a:rPr lang="en-US" dirty="0">
+                <a:latin typeface="Courier" charset="0"/>
+                <a:ea typeface="Courier" charset="0"/>
+                <a:cs typeface="Courier" charset="0"/>
+              </a:rPr>
+              <a:t>    "type": {</a:t>
+            </a:r>
+          </a:p>
+          <a:p>
+            <a:r>
+              <a:rPr lang="en-US" dirty="0">
+                <a:latin typeface="Courier" charset="0"/>
+                <a:ea typeface="Courier" charset="0"/>
+                <a:cs typeface="Courier" charset="0"/>
+              </a:rPr>
+              <a:t>      "$ref": "#/</a:t>
+            </a:r>
+            <a:r>
+              <a:rPr lang="en-US" dirty="0" err="1">
+                <a:latin typeface="Courier" charset="0"/>
+                <a:ea typeface="Courier" charset="0"/>
+                <a:cs typeface="Courier" charset="0"/>
+              </a:rPr>
+              <a:t>odmObject</a:t>
+            </a:r>
+            <a:r>
+              <a:rPr lang="en-US" dirty="0">
+                <a:latin typeface="Courier" charset="0"/>
+                <a:ea typeface="Courier" charset="0"/>
+                <a:cs typeface="Courier" charset="0"/>
+              </a:rPr>
+              <a:t>/</a:t>
+            </a:r>
+            <a:r>
+              <a:rPr lang="en-US" dirty="0" err="1">
+                <a:latin typeface="Courier" charset="0"/>
+                <a:ea typeface="Courier" charset="0"/>
+                <a:cs typeface="Courier" charset="0"/>
+              </a:rPr>
+              <a:t>genericSensor</a:t>
+            </a:r>
+            <a:r>
+              <a:rPr lang="en-US" dirty="0">
+                <a:latin typeface="Courier" charset="0"/>
+                <a:ea typeface="Courier" charset="0"/>
+                <a:cs typeface="Courier" charset="0"/>
+              </a:rPr>
+              <a:t>"</a:t>
+            </a:r>
+          </a:p>
+          <a:p>
+            <a:r>
+              <a:rPr lang="en-US" dirty="0">
+                <a:latin typeface="Courier" charset="0"/>
+                <a:ea typeface="Courier" charset="0"/>
+                <a:cs typeface="Courier" charset="0"/>
+              </a:rPr>
+              <a:t>    }, </a:t>
+            </a:r>
+          </a:p>
+          <a:p>
+            <a:r>
+              <a:rPr lang="en-US" dirty="0">
+                <a:latin typeface="Courier" charset="0"/>
+                <a:ea typeface="Courier" charset="0"/>
+                <a:cs typeface="Courier" charset="0"/>
+              </a:rPr>
+              <a:t>    "optional": false, </a:t>
+            </a:r>
+            <a:endParaRPr lang="en-US" b="0" dirty="0">
+              <a:effectLst/>
+              <a:latin typeface="Courier" charset="0"/>
+              <a:ea typeface="Courier" charset="0"/>
+              <a:cs typeface="Courier" charset="0"/>
+            </a:endParaRPr>
+          </a:p>
+        </p:txBody>
+      </p:sp>
+      <p:sp>
+        <p:nvSpPr>
+          <p:cNvPr id="5" name="Rectangle 4"/>
+          <p:cNvSpPr/>
+          <p:nvPr/>
+        </p:nvSpPr>
+        <p:spPr>
+          <a:xfrm>
+            <a:off x="1087210" y="4715215"/>
+            <a:ext cx="6619875" cy="1477328"/>
+          </a:xfrm>
+          <a:prstGeom prst="rect">
+            <a:avLst/>
+          </a:prstGeom>
+        </p:spPr>
+        <p:txBody>
+          <a:bodyPr wrap="square">
+            <a:spAutoFit/>
+          </a:bodyPr>
+          <a:lstStyle/>
+          <a:p>
+            <a:r>
+              <a:rPr lang="en-US" dirty="0">
+                <a:latin typeface="Courier" charset="0"/>
+                <a:ea typeface="Courier" charset="0"/>
+                <a:cs typeface="Courier" charset="0"/>
+              </a:rPr>
+              <a:t>"</a:t>
+            </a:r>
+            <a:r>
+              <a:rPr lang="en-US" dirty="0" err="1">
+                <a:latin typeface="Courier" charset="0"/>
+                <a:ea typeface="Courier" charset="0"/>
+                <a:cs typeface="Courier" charset="0"/>
+              </a:rPr>
+              <a:t>odmProperty</a:t>
+            </a:r>
+            <a:r>
+              <a:rPr lang="en-US" dirty="0">
+                <a:latin typeface="Courier" charset="0"/>
+                <a:ea typeface="Courier" charset="0"/>
+                <a:cs typeface="Courier" charset="0"/>
+              </a:rPr>
+              <a:t>": {</a:t>
+            </a:r>
+          </a:p>
+          <a:p>
+            <a:r>
+              <a:rPr lang="en-US" dirty="0">
+                <a:latin typeface="Courier" charset="0"/>
+                <a:ea typeface="Courier" charset="0"/>
+                <a:cs typeface="Courier" charset="0"/>
+              </a:rPr>
+              <a:t>  "</a:t>
+            </a:r>
+            <a:r>
+              <a:rPr lang="en-US" dirty="0" err="1">
+                <a:latin typeface="Courier" charset="0"/>
+                <a:ea typeface="Courier" charset="0"/>
+                <a:cs typeface="Courier" charset="0"/>
+              </a:rPr>
+              <a:t>OnOffTransitionTime</a:t>
+            </a:r>
+            <a:r>
+              <a:rPr lang="en-US" dirty="0">
+                <a:latin typeface="Courier" charset="0"/>
+                <a:ea typeface="Courier" charset="0"/>
+                <a:cs typeface="Courier" charset="0"/>
+              </a:rPr>
+              <a:t>": {</a:t>
+            </a:r>
+          </a:p>
+          <a:p>
+            <a:r>
+              <a:rPr lang="en-US" dirty="0">
+                <a:latin typeface="Courier" charset="0"/>
+                <a:ea typeface="Courier" charset="0"/>
+                <a:cs typeface="Courier" charset="0"/>
+              </a:rPr>
+              <a:t>    "type": {</a:t>
+            </a:r>
+          </a:p>
+          <a:p>
+            <a:r>
+              <a:rPr lang="en-US" dirty="0">
+                <a:latin typeface="Courier" charset="0"/>
+                <a:ea typeface="Courier" charset="0"/>
+                <a:cs typeface="Courier" charset="0"/>
+              </a:rPr>
+              <a:t>      "$ref": "#/</a:t>
+            </a:r>
+            <a:r>
+              <a:rPr lang="en-US" dirty="0" err="1">
+                <a:latin typeface="Courier" charset="0"/>
+                <a:ea typeface="Courier" charset="0"/>
+                <a:cs typeface="Courier" charset="0"/>
+              </a:rPr>
+              <a:t>odmData</a:t>
+            </a:r>
+            <a:r>
+              <a:rPr lang="en-US" dirty="0">
+                <a:latin typeface="Courier" charset="0"/>
+                <a:ea typeface="Courier" charset="0"/>
+                <a:cs typeface="Courier" charset="0"/>
+              </a:rPr>
+              <a:t>/</a:t>
+            </a:r>
+            <a:r>
+              <a:rPr lang="en-US" dirty="0" err="1">
+                <a:latin typeface="Courier" charset="0"/>
+                <a:ea typeface="Courier" charset="0"/>
+                <a:cs typeface="Courier" charset="0"/>
+              </a:rPr>
+              <a:t>transitiontimedata</a:t>
+            </a:r>
+            <a:r>
+              <a:rPr lang="en-US" dirty="0">
+                <a:latin typeface="Courier" charset="0"/>
+                <a:ea typeface="Courier" charset="0"/>
+                <a:cs typeface="Courier" charset="0"/>
+              </a:rPr>
+              <a:t>"</a:t>
+            </a:r>
+          </a:p>
+          <a:p>
+            <a:r>
+              <a:rPr lang="en-US" dirty="0">
+                <a:latin typeface="Courier" charset="0"/>
+                <a:ea typeface="Courier" charset="0"/>
+                <a:cs typeface="Courier" charset="0"/>
+              </a:rPr>
+              <a:t>    }, </a:t>
+            </a:r>
+            <a:endParaRPr lang="en-US" b="0" dirty="0">
+              <a:effectLst/>
+              <a:latin typeface="Courier" charset="0"/>
+              <a:ea typeface="Courier" charset="0"/>
+              <a:cs typeface="Courier" charset="0"/>
+            </a:endParaRPr>
           </a:p>
         </p:txBody>
       </p:sp>
     </p:spTree>
     <p:extLst>
       <p:ext uri="{BB962C8B-B14F-4D97-AF65-F5344CB8AC3E}">
-        <p14:creationId xmlns:p14="http://schemas.microsoft.com/office/powerpoint/2010/main" val="1854872866"/>
+        <p14:creationId xmlns:p14="http://schemas.microsoft.com/office/powerpoint/2010/main" val="1322695632"/>
       </p:ext>
     </p:extLst>
   </p:cSld>
@@ -3210,10 +3416,41 @@
             <p:ph type="title"/>
           </p:nvPr>
         </p:nvSpPr>
+        <p:spPr/>
+        <p:txBody>
+          <a:bodyPr/>
+          <a:lstStyle/>
+          <a:p>
+            <a:r>
+              <a:rPr lang="en-US" dirty="0" smtClean="0">
+                <a:solidFill>
+                  <a:srgbClr val="FF0000"/>
+                </a:solidFill>
+              </a:rPr>
+              <a:t>To re-use a named definition</a:t>
+            </a:r>
+            <a:endParaRPr lang="en-US" dirty="0">
+              <a:solidFill>
+                <a:srgbClr val="FF0000"/>
+              </a:solidFill>
+            </a:endParaRPr>
+          </a:p>
+        </p:txBody>
+      </p:sp>
+      <p:sp>
+        <p:nvSpPr>
+          <p:cNvPr id="3" name="Content Placeholder 2"/>
+          <p:cNvSpPr>
+            <a:spLocks noGrp="1"/>
+          </p:cNvSpPr>
+          <p:nvPr>
+            <p:ph idx="1"/>
+          </p:nvPr>
+        </p:nvSpPr>
         <p:spPr>
           <a:xfrm>
-            <a:off x="628650" y="123768"/>
-            <a:ext cx="7886700" cy="1325563"/>
+            <a:off x="628650" y="1564368"/>
+            <a:ext cx="7886700" cy="1407432"/>
           </a:xfrm>
         </p:spPr>
         <p:txBody>
@@ -3221,44 +3458,18 @@
           <a:lstStyle/>
           <a:p>
             <a:r>
-              <a:rPr lang="en-US" dirty="0"/>
-              <a:t>type</a:t>
-            </a:r>
-          </a:p>
-        </p:txBody>
-      </p:sp>
-      <p:sp>
-        <p:nvSpPr>
-          <p:cNvPr id="3" name="Content Placeholder 2"/>
-          <p:cNvSpPr>
-            <a:spLocks noGrp="1"/>
-          </p:cNvSpPr>
-          <p:nvPr>
-            <p:ph idx="1"/>
-          </p:nvPr>
-        </p:nvSpPr>
-        <p:spPr>
-          <a:xfrm>
-            <a:off x="628650" y="1449331"/>
-            <a:ext cx="7886700" cy="2223861"/>
-          </a:xfrm>
-        </p:spPr>
-        <p:txBody>
-          <a:bodyPr/>
-          <a:lstStyle/>
-          <a:p>
-            <a:r>
-              <a:rPr lang="en-US" dirty="0"/>
-              <a:t>use an </a:t>
-            </a:r>
-            <a:r>
-              <a:rPr lang="en-US" dirty="0" err="1"/>
-              <a:t>exsiting</a:t>
-            </a:r>
-            <a:r>
-              <a:rPr lang="en-US" dirty="0"/>
-              <a:t> definition as a template for a new definition</a:t>
-            </a:r>
+              <a:rPr lang="en-US" dirty="0" smtClean="0">
+                <a:solidFill>
+                  <a:srgbClr val="FF0000"/>
+                </a:solidFill>
+              </a:rPr>
+              <a:t>To re-use a named definition, as in IPSO Smart Objects, simply duplicate the name. The ID will be the same as the linked definition</a:t>
+            </a:r>
+            <a:endParaRPr lang="en-US" dirty="0">
+              <a:solidFill>
+                <a:srgbClr val="FF0000"/>
+              </a:solidFill>
+            </a:endParaRPr>
           </a:p>
         </p:txBody>
       </p:sp>
@@ -3270,8 +3481,8 @@
         </p:nvSpPr>
         <p:spPr>
           <a:xfrm>
-            <a:off x="1087210" y="2561261"/>
-            <a:ext cx="6969578" cy="1754326"/>
+            <a:off x="819151" y="3154740"/>
+            <a:ext cx="6765471" cy="2862322"/>
           </a:xfrm>
           <a:prstGeom prst="rect">
             <a:avLst/>
@@ -3315,17 +3526,23 @@
                 <a:ea typeface="Courier" charset="0"/>
                 <a:cs typeface="Courier" charset="0"/>
               </a:rPr>
-              <a:t>  "3300/0": {</a:t>
-            </a:r>
-          </a:p>
-          <a:p>
+              <a:t>  "</a:t>
+            </a:r>
+            <a:r>
+              <a:rPr lang="en-US" dirty="0" err="1">
+                <a:latin typeface="Courier" charset="0"/>
+                <a:ea typeface="Courier" charset="0"/>
+                <a:cs typeface="Courier" charset="0"/>
+              </a:rPr>
+              <a:t>genericSensor</a:t>
+            </a:r>
             <a:r>
               <a:rPr lang="en-US" dirty="0">
                 <a:latin typeface="Courier" charset="0"/>
                 <a:ea typeface="Courier" charset="0"/>
                 <a:cs typeface="Courier" charset="0"/>
               </a:rPr>
-              <a:t>    "type": {</a:t>
+              <a:t>": {</a:t>
             </a:r>
           </a:p>
           <a:p>
@@ -3335,7 +3552,17 @@
                 <a:ea typeface="Courier" charset="0"/>
                 <a:cs typeface="Courier" charset="0"/>
               </a:rPr>
-              <a:t>      "$ref": "#/</a:t>
+              <a:t>    "id": 3300, </a:t>
+            </a:r>
+          </a:p>
+          <a:p>
+            <a:r>
+              <a:rPr lang="en-US" dirty="0" smtClean="0">
+                <a:latin typeface="Courier" charset="0"/>
+                <a:ea typeface="Courier" charset="0"/>
+                <a:cs typeface="Courier" charset="0"/>
+              </a:rPr>
+              <a:t>    "</a:t>
             </a:r>
             <a:r>
               <a:rPr lang="en-US" dirty="0" err="1">
@@ -3343,7 +3570,7 @@
                 <a:ea typeface="Courier" charset="0"/>
                 <a:cs typeface="Courier" charset="0"/>
               </a:rPr>
-              <a:t>odmObject</a:t>
+              <a:t>odmProperty</a:t>
             </a:r>
             <a:r>
               <a:rPr lang="en-US" dirty="0">
@@ -3351,15 +3578,99 @@
                 <a:ea typeface="Courier" charset="0"/>
                 <a:cs typeface="Courier" charset="0"/>
               </a:rPr>
+              <a:t>": {</a:t>
+            </a:r>
+          </a:p>
+          <a:p>
+            <a:r>
+              <a:rPr lang="en-US" dirty="0" smtClean="0">
+                <a:latin typeface="Courier" charset="0"/>
+                <a:ea typeface="Courier" charset="0"/>
+                <a:cs typeface="Courier" charset="0"/>
+              </a:rPr>
+              <a:t>      "</a:t>
+            </a:r>
+            <a:r>
+              <a:rPr lang="en-US" dirty="0" err="1">
+                <a:solidFill>
+                  <a:srgbClr val="FF0000"/>
+                </a:solidFill>
+                <a:latin typeface="Courier" charset="0"/>
+                <a:ea typeface="Courier" charset="0"/>
+                <a:cs typeface="Courier" charset="0"/>
+              </a:rPr>
+              <a:t>sensorValue</a:t>
+            </a:r>
+            <a:r>
+              <a:rPr lang="en-US" dirty="0">
+                <a:latin typeface="Courier" charset="0"/>
+                <a:ea typeface="Courier" charset="0"/>
+                <a:cs typeface="Courier" charset="0"/>
+              </a:rPr>
+              <a:t>": {</a:t>
+            </a:r>
+          </a:p>
+          <a:p>
+            <a:r>
+              <a:rPr lang="en-US" dirty="0" smtClean="0">
+                <a:latin typeface="Courier" charset="0"/>
+                <a:ea typeface="Courier" charset="0"/>
+                <a:cs typeface="Courier" charset="0"/>
+              </a:rPr>
+              <a:t>        "</a:t>
+            </a:r>
+            <a:r>
+              <a:rPr lang="en-US" dirty="0">
+                <a:latin typeface="Courier" charset="0"/>
+                <a:ea typeface="Courier" charset="0"/>
+                <a:cs typeface="Courier" charset="0"/>
+              </a:rPr>
+              <a:t>type": {</a:t>
+            </a:r>
+          </a:p>
+          <a:p>
+            <a:r>
+              <a:rPr lang="en-US" dirty="0" smtClean="0">
+                <a:latin typeface="Courier" charset="0"/>
+                <a:ea typeface="Courier" charset="0"/>
+                <a:cs typeface="Courier" charset="0"/>
+              </a:rPr>
+              <a:t>        "$</a:t>
+            </a:r>
+            <a:r>
+              <a:rPr lang="en-US" dirty="0">
+                <a:latin typeface="Courier" charset="0"/>
+                <a:ea typeface="Courier" charset="0"/>
+                <a:cs typeface="Courier" charset="0"/>
+              </a:rPr>
+              <a:t>ref": "#/</a:t>
+            </a:r>
+            <a:r>
+              <a:rPr lang="en-US" dirty="0" err="1">
+                <a:latin typeface="Courier" charset="0"/>
+                <a:ea typeface="Courier" charset="0"/>
+                <a:cs typeface="Courier" charset="0"/>
+              </a:rPr>
+              <a:t>odmProperty</a:t>
+            </a:r>
+            <a:r>
+              <a:rPr lang="en-US" dirty="0">
+                <a:latin typeface="Courier" charset="0"/>
+                <a:ea typeface="Courier" charset="0"/>
+                <a:cs typeface="Courier" charset="0"/>
+              </a:rPr>
               <a:t>/</a:t>
             </a:r>
             <a:r>
               <a:rPr lang="en-US" dirty="0" err="1">
-                <a:latin typeface="Courier" charset="0"/>
-                <a:ea typeface="Courier" charset="0"/>
-                <a:cs typeface="Courier" charset="0"/>
-              </a:rPr>
-              <a:t>genericSensor</a:t>
+                <a:solidFill>
+                  <a:srgbClr val="FF0000"/>
+                </a:solidFill>
+                <a:latin typeface="Courier" charset="0"/>
+                <a:ea typeface="Courier" charset="0"/>
+                <a:cs typeface="Courier" charset="0"/>
+              </a:rPr>
+              <a:t>sensorValue</a:t>
             </a:r>
             <a:r>
               <a:rPr lang="en-US" dirty="0">
@@ -3372,25 +3683,42 @@
           </a:p>
           <a:p>
             <a:r>
+              <a:rPr lang="en-US" dirty="0" smtClean="0">
+                <a:latin typeface="Courier" charset="0"/>
+                <a:ea typeface="Courier" charset="0"/>
+                <a:cs typeface="Courier" charset="0"/>
+              </a:rPr>
+              <a:t>        }</a:t>
+            </a:r>
+          </a:p>
+          <a:p>
+            <a:r>
               <a:rPr lang="en-US" dirty="0">
                 <a:latin typeface="Courier" charset="0"/>
                 <a:ea typeface="Courier" charset="0"/>
                 <a:cs typeface="Courier" charset="0"/>
               </a:rPr>
-              <a:t>    }, </a:t>
-            </a:r>
-          </a:p>
-          <a:p>
-            <a:r>
-              <a:rPr lang="en-US" dirty="0">
-                <a:latin typeface="Courier" charset="0"/>
-                <a:ea typeface="Courier" charset="0"/>
-                <a:cs typeface="Courier" charset="0"/>
-              </a:rPr>
-              <a:t>    "optional": false, </a:t>
-            </a:r>
-            <a:endParaRPr lang="en-US" b="0" dirty="0">
-              <a:effectLst/>
+              <a:t> </a:t>
+            </a:r>
+            <a:r>
+              <a:rPr lang="en-US" dirty="0" smtClean="0">
+                <a:latin typeface="Courier" charset="0"/>
+                <a:ea typeface="Courier" charset="0"/>
+                <a:cs typeface="Courier" charset="0"/>
+              </a:rPr>
+              <a:t>     },</a:t>
+            </a:r>
+          </a:p>
+          <a:p>
+            <a:r>
+              <a:rPr lang="en-US" dirty="0" smtClean="0">
+                <a:latin typeface="Courier" charset="0"/>
+                <a:ea typeface="Courier" charset="0"/>
+                <a:cs typeface="Courier" charset="0"/>
+              </a:rPr>
+              <a:t>      (...) </a:t>
+            </a:r>
+            <a:endParaRPr lang="en-US" dirty="0">
               <a:latin typeface="Courier" charset="0"/>
               <a:ea typeface="Courier" charset="0"/>
               <a:cs typeface="Courier" charset="0"/>
@@ -3398,152 +3726,10 @@
           </a:p>
         </p:txBody>
       </p:sp>
-      <p:sp>
-        <p:nvSpPr>
-          <p:cNvPr id="5" name="Rectangle 4"/>
-          <p:cNvSpPr/>
-          <p:nvPr/>
-        </p:nvSpPr>
-        <p:spPr>
-          <a:xfrm>
-            <a:off x="1087210" y="4715215"/>
-            <a:ext cx="6619875" cy="1477328"/>
-          </a:xfrm>
-          <a:prstGeom prst="rect">
-            <a:avLst/>
-          </a:prstGeom>
-        </p:spPr>
-        <p:txBody>
-          <a:bodyPr wrap="square">
-            <a:spAutoFit/>
-          </a:bodyPr>
-          <a:lstStyle/>
-          <a:p>
-            <a:r>
-              <a:rPr lang="en-US" dirty="0">
-                <a:latin typeface="Courier" charset="0"/>
-                <a:ea typeface="Courier" charset="0"/>
-                <a:cs typeface="Courier" charset="0"/>
-              </a:rPr>
-              <a:t>"</a:t>
-            </a:r>
-            <a:r>
-              <a:rPr lang="en-US" dirty="0" err="1">
-                <a:latin typeface="Courier" charset="0"/>
-                <a:ea typeface="Courier" charset="0"/>
-                <a:cs typeface="Courier" charset="0"/>
-              </a:rPr>
-              <a:t>odmProperty</a:t>
-            </a:r>
-            <a:r>
-              <a:rPr lang="en-US" dirty="0">
-                <a:latin typeface="Courier" charset="0"/>
-                <a:ea typeface="Courier" charset="0"/>
-                <a:cs typeface="Courier" charset="0"/>
-              </a:rPr>
-              <a:t>": {</a:t>
-            </a:r>
-          </a:p>
-          <a:p>
-            <a:r>
-              <a:rPr lang="en-US" dirty="0">
-                <a:latin typeface="Courier" charset="0"/>
-                <a:ea typeface="Courier" charset="0"/>
-                <a:cs typeface="Courier" charset="0"/>
-              </a:rPr>
-              <a:t>  "</a:t>
-            </a:r>
-            <a:r>
-              <a:rPr lang="en-US" dirty="0" err="1">
-                <a:latin typeface="Courier" charset="0"/>
-                <a:ea typeface="Courier" charset="0"/>
-                <a:cs typeface="Courier" charset="0"/>
-              </a:rPr>
-              <a:t>OnOffTransitionTime</a:t>
-            </a:r>
-            <a:r>
-              <a:rPr lang="en-US" dirty="0">
-                <a:latin typeface="Courier" charset="0"/>
-                <a:ea typeface="Courier" charset="0"/>
-                <a:cs typeface="Courier" charset="0"/>
-              </a:rPr>
-              <a:t>": {</a:t>
-            </a:r>
-          </a:p>
-          <a:p>
-            <a:r>
-              <a:rPr lang="en-US" dirty="0">
-                <a:latin typeface="Courier" charset="0"/>
-                <a:ea typeface="Courier" charset="0"/>
-                <a:cs typeface="Courier" charset="0"/>
-              </a:rPr>
-              <a:t>    "type": {</a:t>
-            </a:r>
-          </a:p>
-          <a:p>
-            <a:r>
-              <a:rPr lang="en-US" dirty="0">
-                <a:latin typeface="Courier" charset="0"/>
-                <a:ea typeface="Courier" charset="0"/>
-                <a:cs typeface="Courier" charset="0"/>
-              </a:rPr>
-              <a:t>      "$ref": "#/</a:t>
-            </a:r>
-            <a:r>
-              <a:rPr lang="en-US" dirty="0" err="1">
-                <a:latin typeface="Courier" charset="0"/>
-                <a:ea typeface="Courier" charset="0"/>
-                <a:cs typeface="Courier" charset="0"/>
-              </a:rPr>
-              <a:t>odmData</a:t>
-            </a:r>
-            <a:r>
-              <a:rPr lang="en-US" dirty="0">
-                <a:latin typeface="Courier" charset="0"/>
-                <a:ea typeface="Courier" charset="0"/>
-                <a:cs typeface="Courier" charset="0"/>
-              </a:rPr>
-              <a:t>/</a:t>
-            </a:r>
-            <a:r>
-              <a:rPr lang="en-US" dirty="0" err="1">
-                <a:latin typeface="Courier" charset="0"/>
-                <a:ea typeface="Courier" charset="0"/>
-                <a:cs typeface="Courier" charset="0"/>
-              </a:rPr>
-              <a:t>transitiontimedata</a:t>
-            </a:r>
-            <a:r>
-              <a:rPr lang="en-US" dirty="0">
-                <a:latin typeface="Courier" charset="0"/>
-                <a:ea typeface="Courier" charset="0"/>
-                <a:cs typeface="Courier" charset="0"/>
-              </a:rPr>
-              <a:t>"</a:t>
-            </a:r>
-          </a:p>
-          <a:p>
-            <a:r>
-              <a:rPr lang="en-US" dirty="0">
-                <a:latin typeface="Courier" charset="0"/>
-                <a:ea typeface="Courier" charset="0"/>
-                <a:cs typeface="Courier" charset="0"/>
-              </a:rPr>
-              <a:t>    }, </a:t>
-            </a:r>
-            <a:endParaRPr lang="en-US" b="0" dirty="0">
-              <a:effectLst/>
-              <a:latin typeface="Courier" charset="0"/>
-              <a:ea typeface="Courier" charset="0"/>
-              <a:cs typeface="Courier" charset="0"/>
-            </a:endParaRPr>
-          </a:p>
-        </p:txBody>
-      </p:sp>
     </p:spTree>
     <p:extLst>
       <p:ext uri="{BB962C8B-B14F-4D97-AF65-F5344CB8AC3E}">
-        <p14:creationId xmlns:p14="http://schemas.microsoft.com/office/powerpoint/2010/main" val="1322695632"/>
+        <p14:creationId xmlns:p14="http://schemas.microsoft.com/office/powerpoint/2010/main" val="1502628381"/>
       </p:ext>
     </p:extLst>
   </p:cSld>
@@ -3635,8 +3821,8 @@
         </p:nvSpPr>
         <p:spPr>
           <a:xfrm>
-            <a:off x="772886" y="2667000"/>
-            <a:ext cx="8371114" cy="3416320"/>
+            <a:off x="0" y="2667000"/>
+            <a:ext cx="9144000" cy="3139321"/>
           </a:xfrm>
           <a:prstGeom prst="rect">
             <a:avLst/>
@@ -3885,32 +4071,10 @@
             <p:ph type="title"/>
           </p:nvPr>
         </p:nvSpPr>
-        <p:spPr/>
-        <p:txBody>
-          <a:bodyPr/>
-          <a:lstStyle/>
-          <a:p>
-            <a:r>
-              <a:rPr lang="en-US" dirty="0"/>
-              <a:t>include + type</a:t>
-            </a:r>
-          </a:p>
-        </p:txBody>
-      </p:sp>
-      <p:sp>
-        <p:nvSpPr>
-          <p:cNvPr id="3" name="Content Placeholder 2"/>
-          <p:cNvSpPr>
-            <a:spLocks noGrp="1"/>
-          </p:cNvSpPr>
-          <p:nvPr>
-            <p:ph idx="1"/>
-          </p:nvPr>
-        </p:nvSpPr>
         <p:spPr>
           <a:xfrm>
-            <a:off x="628650" y="1564368"/>
-            <a:ext cx="7886700" cy="1407432"/>
+            <a:off x="628650" y="103869"/>
+            <a:ext cx="7886700" cy="1325563"/>
           </a:xfrm>
         </p:spPr>
         <p:txBody>
@@ -3919,207 +4083,120 @@
           <a:p>
             <a:r>
               <a:rPr lang="en-US" dirty="0"/>
-              <a:t>Use an element from another part of the definition, including its name, as a new definition in the current context</a:t>
-            </a:r>
-          </a:p>
-        </p:txBody>
-      </p:sp>
-      <p:sp>
-        <p:nvSpPr>
-          <p:cNvPr id="4" name="Rectangle 3"/>
-          <p:cNvSpPr/>
-          <p:nvPr/>
+              <a:t>Composed Types</a:t>
+            </a:r>
+          </a:p>
+        </p:txBody>
+      </p:sp>
+      <p:sp>
+        <p:nvSpPr>
+          <p:cNvPr id="3" name="Content Placeholder 2"/>
+          <p:cNvSpPr>
+            <a:spLocks noGrp="1"/>
+          </p:cNvSpPr>
+          <p:nvPr>
+            <p:ph idx="1"/>
+          </p:nvPr>
         </p:nvSpPr>
         <p:spPr>
           <a:xfrm>
-            <a:off x="819151" y="3154740"/>
-            <a:ext cx="6765471" cy="2862322"/>
+            <a:off x="628650" y="1356635"/>
+            <a:ext cx="7886700" cy="4351338"/>
           </a:xfrm>
-          <a:prstGeom prst="rect">
-            <a:avLst/>
-          </a:prstGeom>
         </p:spPr>
         <p:txBody>
-          <a:bodyPr wrap="square">
-            <a:spAutoFit/>
+          <a:bodyPr>
+            <a:normAutofit fontScale="92500"/>
           </a:bodyPr>
           <a:lstStyle/>
           <a:p>
             <a:r>
-              <a:rPr lang="en-US" dirty="0">
-                <a:latin typeface="Courier" charset="0"/>
-                <a:ea typeface="Courier" charset="0"/>
-                <a:cs typeface="Courier" charset="0"/>
-              </a:rPr>
-              <a:t>"</a:t>
-            </a:r>
-            <a:r>
-              <a:rPr lang="en-US" dirty="0" err="1">
-                <a:latin typeface="Courier" charset="0"/>
-                <a:ea typeface="Courier" charset="0"/>
-                <a:cs typeface="Courier" charset="0"/>
-              </a:rPr>
-              <a:t>odmObject</a:t>
-            </a:r>
-            <a:r>
-              <a:rPr lang="en-US" dirty="0">
-                <a:latin typeface="Courier" charset="0"/>
-                <a:ea typeface="Courier" charset="0"/>
-                <a:cs typeface="Courier" charset="0"/>
-              </a:rPr>
-              <a:t>": {</a:t>
-            </a:r>
-          </a:p>
-          <a:p>
-            <a:r>
-              <a:rPr lang="en-US" dirty="0">
-                <a:latin typeface="Courier" charset="0"/>
-                <a:ea typeface="Courier" charset="0"/>
-                <a:cs typeface="Courier" charset="0"/>
-              </a:rPr>
-              <a:t>  "</a:t>
-            </a:r>
-            <a:r>
-              <a:rPr lang="en-US" dirty="0" err="1">
-                <a:latin typeface="Courier" charset="0"/>
-                <a:ea typeface="Courier" charset="0"/>
-                <a:cs typeface="Courier" charset="0"/>
-              </a:rPr>
-              <a:t>genericSensor</a:t>
-            </a:r>
-            <a:r>
-              <a:rPr lang="en-US" dirty="0">
-                <a:latin typeface="Courier" charset="0"/>
-                <a:ea typeface="Courier" charset="0"/>
-                <a:cs typeface="Courier" charset="0"/>
-              </a:rPr>
-              <a:t>": {</a:t>
-            </a:r>
-          </a:p>
-          <a:p>
-            <a:r>
-              <a:rPr lang="en-US" dirty="0">
-                <a:latin typeface="Courier" charset="0"/>
-                <a:ea typeface="Courier" charset="0"/>
-                <a:cs typeface="Courier" charset="0"/>
-              </a:rPr>
-              <a:t>    "id": 3300, </a:t>
-            </a:r>
-          </a:p>
-          <a:p>
-            <a:r>
-              <a:rPr lang="en-US" dirty="0">
-                <a:latin typeface="Courier" charset="0"/>
-                <a:ea typeface="Courier" charset="0"/>
-                <a:cs typeface="Courier" charset="0"/>
-              </a:rPr>
-              <a:t>    "include": [</a:t>
-            </a:r>
-          </a:p>
-          <a:p>
-            <a:r>
-              <a:rPr lang="en-US" dirty="0">
-                <a:latin typeface="Courier" charset="0"/>
-                <a:ea typeface="Courier" charset="0"/>
-                <a:cs typeface="Courier" charset="0"/>
-              </a:rPr>
-              <a:t>      {</a:t>
-            </a:r>
-          </a:p>
-          <a:p>
-            <a:r>
-              <a:rPr lang="en-US" dirty="0">
-                <a:latin typeface="Courier" charset="0"/>
-                <a:ea typeface="Courier" charset="0"/>
-                <a:cs typeface="Courier" charset="0"/>
-              </a:rPr>
-              <a:t>        "type": {</a:t>
-            </a:r>
-          </a:p>
-          <a:p>
-            <a:r>
-              <a:rPr lang="en-US" dirty="0">
-                <a:latin typeface="Courier" charset="0"/>
-                <a:ea typeface="Courier" charset="0"/>
-                <a:cs typeface="Courier" charset="0"/>
-              </a:rPr>
-              <a:t>          "$ref": "#/</a:t>
-            </a:r>
-            <a:r>
-              <a:rPr lang="en-US" dirty="0" err="1">
-                <a:latin typeface="Courier" charset="0"/>
-                <a:ea typeface="Courier" charset="0"/>
-                <a:cs typeface="Courier" charset="0"/>
-              </a:rPr>
-              <a:t>odmProperty</a:t>
-            </a:r>
-            <a:r>
-              <a:rPr lang="en-US" dirty="0">
-                <a:latin typeface="Courier" charset="0"/>
-                <a:ea typeface="Courier" charset="0"/>
-                <a:cs typeface="Courier" charset="0"/>
-              </a:rPr>
-              <a:t>/</a:t>
-            </a:r>
-            <a:r>
-              <a:rPr lang="en-US" dirty="0" err="1">
-                <a:latin typeface="Courier" charset="0"/>
-                <a:ea typeface="Courier" charset="0"/>
-                <a:cs typeface="Courier" charset="0"/>
-              </a:rPr>
-              <a:t>sensorValue</a:t>
-            </a:r>
-            <a:r>
-              <a:rPr lang="en-US" dirty="0">
-                <a:latin typeface="Courier" charset="0"/>
-                <a:ea typeface="Courier" charset="0"/>
-                <a:cs typeface="Courier" charset="0"/>
-              </a:rPr>
-              <a:t>"</a:t>
-            </a:r>
-          </a:p>
-          <a:p>
-            <a:r>
-              <a:rPr lang="en-US" dirty="0">
-                <a:latin typeface="Courier" charset="0"/>
-                <a:ea typeface="Courier" charset="0"/>
-                <a:cs typeface="Courier" charset="0"/>
-              </a:rPr>
-              <a:t>         }, </a:t>
-            </a:r>
-          </a:p>
-          <a:p>
-            <a:r>
-              <a:rPr lang="en-US" dirty="0">
-                <a:latin typeface="Courier" charset="0"/>
-                <a:ea typeface="Courier" charset="0"/>
-                <a:cs typeface="Courier" charset="0"/>
-              </a:rPr>
-              <a:t>         "optional": false</a:t>
-            </a:r>
-          </a:p>
-          <a:p>
-            <a:r>
-              <a:rPr lang="en-US" dirty="0">
-                <a:latin typeface="Courier" charset="0"/>
-                <a:ea typeface="Courier" charset="0"/>
-                <a:cs typeface="Courier" charset="0"/>
-              </a:rPr>
-              <a:t>      }, </a:t>
-            </a:r>
-            <a:endParaRPr lang="en-US" b="0" dirty="0">
-              <a:effectLst/>
-              <a:latin typeface="Courier" charset="0"/>
-              <a:ea typeface="Courier" charset="0"/>
-              <a:cs typeface="Courier" charset="0"/>
-            </a:endParaRPr>
+              <a:rPr lang="en-US" dirty="0" err="1"/>
+              <a:t>odmThing</a:t>
+            </a:r>
+            <a:endParaRPr lang="en-US" dirty="0"/>
+          </a:p>
+          <a:p>
+            <a:pPr lvl="1"/>
+            <a:r>
+              <a:rPr lang="en-US" dirty="0"/>
+              <a:t>Encapsulates a set of </a:t>
+            </a:r>
+            <a:r>
+              <a:rPr lang="en-US" dirty="0" err="1"/>
+              <a:t>odmObjects</a:t>
+            </a:r>
+            <a:r>
+              <a:rPr lang="en-US" dirty="0"/>
+              <a:t> and selects optionality</a:t>
+            </a:r>
+          </a:p>
+          <a:p>
+            <a:pPr lvl="1"/>
+            <a:r>
+              <a:rPr lang="en-US" dirty="0"/>
+              <a:t>May extend definitions and add new definitions</a:t>
+            </a:r>
+          </a:p>
+          <a:p>
+            <a:pPr lvl="1"/>
+            <a:r>
+              <a:rPr lang="en-US" dirty="0"/>
+              <a:t>"Device Type" specification</a:t>
+            </a:r>
+          </a:p>
+          <a:p>
+            <a:r>
+              <a:rPr lang="en-US" dirty="0" err="1"/>
+              <a:t>odmProduct</a:t>
+            </a:r>
+            <a:endParaRPr lang="en-US" dirty="0"/>
+          </a:p>
+          <a:p>
+            <a:pPr lvl="1"/>
+            <a:r>
+              <a:rPr lang="en-US" dirty="0"/>
+              <a:t>Product, composed from standardized functionality</a:t>
+            </a:r>
+          </a:p>
+          <a:p>
+            <a:pPr lvl="1"/>
+            <a:r>
+              <a:rPr lang="en-US" dirty="0"/>
+              <a:t>Encapsulates Objects and Components and selects optionality</a:t>
+            </a:r>
+          </a:p>
+          <a:p>
+            <a:pPr lvl="1"/>
+            <a:r>
+              <a:rPr lang="en-US" dirty="0"/>
+              <a:t>May extend and add new definitions</a:t>
+            </a:r>
+          </a:p>
+          <a:p>
+            <a:r>
+              <a:rPr lang="en-US" dirty="0" err="1"/>
+              <a:t>odmView</a:t>
+            </a:r>
+            <a:endParaRPr lang="en-US" dirty="0"/>
+          </a:p>
+          <a:p>
+            <a:pPr lvl="1"/>
+            <a:r>
+              <a:rPr lang="en-US" dirty="0"/>
+              <a:t>Consists a set of elements that use the include pattern to create a view of instances of </a:t>
+            </a:r>
+            <a:r>
+              <a:rPr lang="en-US" dirty="0" smtClean="0"/>
+              <a:t>elements</a:t>
+            </a:r>
           </a:p>
         </p:txBody>
       </p:sp>
     </p:spTree>
     <p:extLst>
       <p:ext uri="{BB962C8B-B14F-4D97-AF65-F5344CB8AC3E}">
-        <p14:creationId xmlns:p14="http://schemas.microsoft.com/office/powerpoint/2010/main" val="1502628381"/>
+        <p14:creationId xmlns:p14="http://schemas.microsoft.com/office/powerpoint/2010/main" val="1180264165"/>
       </p:ext>
     </p:extLst>
   </p:cSld>
@@ -4130,6 +4207,421 @@
 </file>
 
 <file path=ppt/slides/slide14.xml><?xml version="1.0" encoding="utf-8"?>
+<p:sld xmlns:a="http://schemas.openxmlformats.org/drawingml/2006/main" xmlns:r="http://schemas.openxmlformats.org/officeDocument/2006/relationships" xmlns:p="http://schemas.openxmlformats.org/presentationml/2006/main">
+  <p:cSld>
+    <p:spTree>
+      <p:nvGrpSpPr>
+        <p:cNvPr id="1" name=""/>
+        <p:cNvGrpSpPr/>
+        <p:nvPr/>
+      </p:nvGrpSpPr>
+      <p:grpSpPr>
+        <a:xfrm>
+          <a:off x="0" y="0"/>
+          <a:ext cx="0" cy="0"/>
+          <a:chOff x="0" y="0"/>
+          <a:chExt cx="0" cy="0"/>
+        </a:xfrm>
+      </p:grpSpPr>
+      <p:sp>
+        <p:nvSpPr>
+          <p:cNvPr id="2" name="Title 1"/>
+          <p:cNvSpPr>
+            <a:spLocks noGrp="1"/>
+          </p:cNvSpPr>
+          <p:nvPr>
+            <p:ph type="title"/>
+          </p:nvPr>
+        </p:nvSpPr>
+        <p:spPr>
+          <a:xfrm>
+            <a:off x="628650" y="114754"/>
+            <a:ext cx="7886700" cy="1325563"/>
+          </a:xfrm>
+        </p:spPr>
+        <p:txBody>
+          <a:bodyPr/>
+          <a:lstStyle/>
+          <a:p>
+            <a:r>
+              <a:rPr lang="en-US" dirty="0" smtClean="0">
+                <a:solidFill>
+                  <a:srgbClr val="FF0000"/>
+                </a:solidFill>
+              </a:rPr>
+              <a:t>Questions and Issues</a:t>
+            </a:r>
+            <a:endParaRPr lang="en-US" dirty="0">
+              <a:solidFill>
+                <a:srgbClr val="FF0000"/>
+              </a:solidFill>
+            </a:endParaRPr>
+          </a:p>
+        </p:txBody>
+      </p:sp>
+      <p:sp>
+        <p:nvSpPr>
+          <p:cNvPr id="3" name="Content Placeholder 2"/>
+          <p:cNvSpPr>
+            <a:spLocks noGrp="1"/>
+          </p:cNvSpPr>
+          <p:nvPr>
+            <p:ph idx="1"/>
+          </p:nvPr>
+        </p:nvSpPr>
+        <p:spPr>
+          <a:xfrm>
+            <a:off x="628650" y="1440317"/>
+            <a:ext cx="7886700" cy="4705804"/>
+          </a:xfrm>
+        </p:spPr>
+        <p:txBody>
+          <a:bodyPr/>
+          <a:lstStyle/>
+          <a:p>
+            <a:r>
+              <a:rPr lang="en-US" dirty="0" err="1" smtClean="0"/>
+              <a:t>odmView</a:t>
+            </a:r>
+            <a:r>
+              <a:rPr lang="en-US" dirty="0" smtClean="0"/>
+              <a:t> is just an </a:t>
+            </a:r>
+            <a:r>
+              <a:rPr lang="en-US" dirty="0" err="1" smtClean="0"/>
+              <a:t>odmThing</a:t>
+            </a:r>
+            <a:r>
+              <a:rPr lang="en-US" dirty="0" smtClean="0"/>
+              <a:t> that only references other instances of </a:t>
+            </a:r>
+            <a:r>
+              <a:rPr lang="en-US" dirty="0" err="1" smtClean="0"/>
+              <a:t>odmThing</a:t>
+            </a:r>
+            <a:r>
+              <a:rPr lang="en-US" dirty="0" smtClean="0"/>
+              <a:t> and </a:t>
+            </a:r>
+            <a:r>
+              <a:rPr lang="en-US" dirty="0" err="1" smtClean="0"/>
+              <a:t>odmObject</a:t>
+            </a:r>
+            <a:r>
+              <a:rPr lang="en-US" dirty="0" smtClean="0"/>
+              <a:t> </a:t>
+            </a:r>
+            <a:r>
+              <a:rPr lang="mr-IN" dirty="0" smtClean="0"/>
+              <a:t>–</a:t>
+            </a:r>
+            <a:r>
+              <a:rPr lang="en-US" dirty="0" smtClean="0"/>
+              <a:t> can we just use </a:t>
+            </a:r>
+            <a:r>
+              <a:rPr lang="en-US" dirty="0" err="1" smtClean="0"/>
+              <a:t>odmThing</a:t>
+            </a:r>
+            <a:r>
+              <a:rPr lang="en-US" dirty="0" smtClean="0"/>
+              <a:t>?</a:t>
+            </a:r>
+          </a:p>
+          <a:p>
+            <a:r>
+              <a:rPr lang="en-US" dirty="0" err="1" smtClean="0"/>
+              <a:t>odmThing</a:t>
+            </a:r>
+            <a:r>
+              <a:rPr lang="en-US" dirty="0" smtClean="0"/>
+              <a:t> can contain </a:t>
+            </a:r>
+            <a:r>
+              <a:rPr lang="en-US" dirty="0" err="1" smtClean="0"/>
+              <a:t>odmThing</a:t>
+            </a:r>
+            <a:r>
+              <a:rPr lang="en-US" dirty="0" smtClean="0"/>
+              <a:t> </a:t>
+            </a:r>
+            <a:r>
+              <a:rPr lang="mr-IN" dirty="0" smtClean="0"/>
+              <a:t>–</a:t>
+            </a:r>
+            <a:r>
+              <a:rPr lang="en-US" dirty="0" smtClean="0"/>
+              <a:t> for example, the OCF collection pattern in </a:t>
+            </a:r>
+            <a:r>
+              <a:rPr lang="en-US" dirty="0" err="1" smtClean="0"/>
+              <a:t>oic.r.airflowcontrol</a:t>
+            </a:r>
+            <a:endParaRPr lang="en-US" dirty="0" smtClean="0"/>
+          </a:p>
+          <a:p>
+            <a:r>
+              <a:rPr lang="en-US" dirty="0" smtClean="0"/>
+              <a:t>Do we agree on the pattern for defining </a:t>
+            </a:r>
+            <a:r>
+              <a:rPr lang="en-US" dirty="0" err="1" smtClean="0"/>
+              <a:t>enums</a:t>
+            </a:r>
+            <a:r>
+              <a:rPr lang="en-US" dirty="0" smtClean="0"/>
+              <a:t> that includes both string and number?</a:t>
+            </a:r>
+          </a:p>
+          <a:p>
+            <a:pPr marL="0" indent="0">
+              <a:buNone/>
+            </a:pPr>
+            <a:r>
+              <a:rPr lang="en-US" sz="1800" dirty="0" smtClean="0">
+                <a:latin typeface="Courier" charset="0"/>
+                <a:ea typeface="Courier" charset="0"/>
+                <a:cs typeface="Courier" charset="0"/>
+              </a:rPr>
+              <a:t>  {</a:t>
+            </a:r>
+          </a:p>
+          <a:p>
+            <a:pPr marL="0" indent="0">
+              <a:buNone/>
+            </a:pPr>
+            <a:r>
+              <a:rPr lang="en-US" sz="1800" dirty="0">
+                <a:latin typeface="Courier" charset="0"/>
+                <a:ea typeface="Courier" charset="0"/>
+                <a:cs typeface="Courier" charset="0"/>
+              </a:rPr>
+              <a:t> </a:t>
+            </a:r>
+            <a:r>
+              <a:rPr lang="en-US" sz="1800" dirty="0" smtClean="0">
+                <a:latin typeface="Courier" charset="0"/>
+                <a:ea typeface="Courier" charset="0"/>
+                <a:cs typeface="Courier" charset="0"/>
+              </a:rPr>
+              <a:t>   "type": "object",</a:t>
+            </a:r>
+          </a:p>
+          <a:p>
+            <a:pPr marL="0" indent="0">
+              <a:buNone/>
+            </a:pPr>
+            <a:r>
+              <a:rPr lang="en-US" sz="1800" dirty="0" smtClean="0">
+                <a:latin typeface="Courier" charset="0"/>
+                <a:ea typeface="Courier" charset="0"/>
+                <a:cs typeface="Courier" charset="0"/>
+              </a:rPr>
+              <a:t>    "</a:t>
+            </a:r>
+            <a:r>
+              <a:rPr lang="en-US" sz="1800" dirty="0" err="1" smtClean="0">
+                <a:latin typeface="Courier" charset="0"/>
+                <a:ea typeface="Courier" charset="0"/>
+                <a:cs typeface="Courier" charset="0"/>
+              </a:rPr>
+              <a:t>enum</a:t>
+            </a:r>
+            <a:r>
+              <a:rPr lang="en-US" sz="1800" dirty="0" smtClean="0">
+                <a:latin typeface="Courier" charset="0"/>
+                <a:ea typeface="Courier" charset="0"/>
+                <a:cs typeface="Courier" charset="0"/>
+              </a:rPr>
+              <a:t>": [ {"run": 1}, {"stop": 2}, {"jog": 3} ]</a:t>
+            </a:r>
+          </a:p>
+          <a:p>
+            <a:pPr marL="0" indent="0">
+              <a:buNone/>
+            </a:pPr>
+            <a:r>
+              <a:rPr lang="en-US" sz="1800" dirty="0">
+                <a:latin typeface="Courier" charset="0"/>
+                <a:ea typeface="Courier" charset="0"/>
+                <a:cs typeface="Courier" charset="0"/>
+              </a:rPr>
+              <a:t> </a:t>
+            </a:r>
+            <a:r>
+              <a:rPr lang="en-US" sz="1800" dirty="0" smtClean="0">
+                <a:latin typeface="Courier" charset="0"/>
+                <a:ea typeface="Courier" charset="0"/>
+                <a:cs typeface="Courier" charset="0"/>
+              </a:rPr>
+              <a:t> }</a:t>
+            </a:r>
+          </a:p>
+          <a:p>
+            <a:endParaRPr lang="en-US" dirty="0" smtClean="0"/>
+          </a:p>
+        </p:txBody>
+      </p:sp>
+    </p:spTree>
+    <p:extLst>
+      <p:ext uri="{BB962C8B-B14F-4D97-AF65-F5344CB8AC3E}">
+        <p14:creationId xmlns:p14="http://schemas.microsoft.com/office/powerpoint/2010/main" val="421164559"/>
+      </p:ext>
+    </p:extLst>
+  </p:cSld>
+  <p:clrMapOvr>
+    <a:masterClrMapping/>
+  </p:clrMapOvr>
+</p:sld>
+</file>
+
+<file path=ppt/slides/slide15.xml><?xml version="1.0" encoding="utf-8"?>
+<p:sld xmlns:a="http://schemas.openxmlformats.org/drawingml/2006/main" xmlns:r="http://schemas.openxmlformats.org/officeDocument/2006/relationships" xmlns:p="http://schemas.openxmlformats.org/presentationml/2006/main">
+  <p:cSld>
+    <p:spTree>
+      <p:nvGrpSpPr>
+        <p:cNvPr id="1" name=""/>
+        <p:cNvGrpSpPr/>
+        <p:nvPr/>
+      </p:nvGrpSpPr>
+      <p:grpSpPr>
+        <a:xfrm>
+          <a:off x="0" y="0"/>
+          <a:ext cx="0" cy="0"/>
+          <a:chOff x="0" y="0"/>
+          <a:chExt cx="0" cy="0"/>
+        </a:xfrm>
+      </p:grpSpPr>
+      <p:sp>
+        <p:nvSpPr>
+          <p:cNvPr id="2" name="Title 1"/>
+          <p:cNvSpPr>
+            <a:spLocks noGrp="1"/>
+          </p:cNvSpPr>
+          <p:nvPr>
+            <p:ph type="title"/>
+          </p:nvPr>
+        </p:nvSpPr>
+        <p:spPr/>
+        <p:txBody>
+          <a:bodyPr/>
+          <a:lstStyle/>
+          <a:p>
+            <a:r>
+              <a:rPr lang="en-US" dirty="0"/>
+              <a:t>Examples</a:t>
+            </a:r>
+          </a:p>
+        </p:txBody>
+      </p:sp>
+      <p:sp>
+        <p:nvSpPr>
+          <p:cNvPr id="3" name="Content Placeholder 2"/>
+          <p:cNvSpPr>
+            <a:spLocks noGrp="1"/>
+          </p:cNvSpPr>
+          <p:nvPr>
+            <p:ph idx="1"/>
+          </p:nvPr>
+        </p:nvSpPr>
+        <p:spPr>
+          <a:xfrm>
+            <a:off x="628650" y="1690689"/>
+            <a:ext cx="7886700" cy="4351338"/>
+          </a:xfrm>
+        </p:spPr>
+        <p:txBody>
+          <a:bodyPr/>
+          <a:lstStyle/>
+          <a:p>
+            <a:r>
+              <a:rPr lang="en-US" dirty="0"/>
+              <a:t>type </a:t>
+            </a:r>
+            <a:r>
+              <a:rPr lang="mr-IN" dirty="0"/>
+              <a:t>–</a:t>
+            </a:r>
+            <a:r>
+              <a:rPr lang="en-US" dirty="0"/>
+              <a:t> ZCL level model that has multiple timers</a:t>
+            </a:r>
+          </a:p>
+          <a:p>
+            <a:r>
+              <a:rPr lang="en-US" dirty="0" smtClean="0"/>
+              <a:t>named </a:t>
+            </a:r>
+            <a:r>
+              <a:rPr lang="en-US" dirty="0"/>
+              <a:t>type </a:t>
+            </a:r>
+            <a:r>
+              <a:rPr lang="mr-IN" dirty="0"/>
+              <a:t>–</a:t>
+            </a:r>
+            <a:r>
+              <a:rPr lang="en-US" dirty="0"/>
+              <a:t> ipso 3300 Object model that reuses definitions of </a:t>
+            </a:r>
+            <a:r>
+              <a:rPr lang="en-US" dirty="0" err="1"/>
+              <a:t>odmProperties</a:t>
+            </a:r>
+            <a:endParaRPr lang="en-US" dirty="0"/>
+          </a:p>
+          <a:p>
+            <a:r>
+              <a:rPr lang="en-US" dirty="0" err="1"/>
+              <a:t>odmProduct</a:t>
+            </a:r>
+            <a:r>
+              <a:rPr lang="en-US" dirty="0"/>
+              <a:t> </a:t>
+            </a:r>
+            <a:r>
+              <a:rPr lang="mr-IN" dirty="0"/>
+              <a:t>–</a:t>
+            </a:r>
+            <a:r>
+              <a:rPr lang="en-US" dirty="0"/>
+              <a:t> ipso model of a vacuum gauge with two specialized 3300 type sensor Objects</a:t>
+            </a:r>
+          </a:p>
+          <a:p>
+            <a:r>
+              <a:rPr lang="en-US" dirty="0" err="1" smtClean="0"/>
+              <a:t>odmView</a:t>
+            </a:r>
+            <a:r>
+              <a:rPr lang="en-US" dirty="0" smtClean="0"/>
+              <a:t> </a:t>
+            </a:r>
+            <a:r>
+              <a:rPr lang="mr-IN" dirty="0"/>
+              <a:t>–</a:t>
+            </a:r>
+            <a:r>
+              <a:rPr lang="en-US" dirty="0"/>
+              <a:t> a definition of an OCF interface</a:t>
+            </a:r>
+          </a:p>
+        </p:txBody>
+      </p:sp>
+    </p:spTree>
+    <p:extLst>
+      <p:ext uri="{BB962C8B-B14F-4D97-AF65-F5344CB8AC3E}">
+        <p14:creationId xmlns:p14="http://schemas.microsoft.com/office/powerpoint/2010/main" val="1854872866"/>
+      </p:ext>
+    </p:extLst>
+  </p:cSld>
+  <p:clrMapOvr>
+    <a:masterClrMapping/>
+  </p:clrMapOvr>
+</p:sld>
+</file>
+
+<file path=ppt/slides/slide16.xml><?xml version="1.0" encoding="utf-8"?>
 <p:sld xmlns:a="http://schemas.openxmlformats.org/drawingml/2006/main" xmlns:r="http://schemas.openxmlformats.org/officeDocument/2006/relationships" xmlns:p="http://schemas.openxmlformats.org/presentationml/2006/main">
   <p:cSld>
     <p:spTree>
@@ -4460,7 +4952,7 @@
 </p:sld>
 </file>
 
-<file path=ppt/slides/slide15.xml><?xml version="1.0" encoding="utf-8"?>
+<file path=ppt/slides/slide17.xml><?xml version="1.0" encoding="utf-8"?>
 <p:sld xmlns:a="http://schemas.openxmlformats.org/drawingml/2006/main" xmlns:r="http://schemas.openxmlformats.org/officeDocument/2006/relationships" xmlns:p="http://schemas.openxmlformats.org/presentationml/2006/main">
   <p:cSld>
     <p:spTree>
@@ -4794,7 +5286,7 @@
 </p:sld>
 </file>
 
-<file path=ppt/slides/slide16.xml><?xml version="1.0" encoding="utf-8"?>
+<file path=ppt/slides/slide18.xml><?xml version="1.0" encoding="utf-8"?>
 <p:sld xmlns:a="http://schemas.openxmlformats.org/drawingml/2006/main" xmlns:r="http://schemas.openxmlformats.org/officeDocument/2006/relationships" xmlns:p="http://schemas.openxmlformats.org/presentationml/2006/main">
   <p:cSld>
     <p:spTree>
@@ -4925,7 +5417,7 @@
 </p:sld>
 </file>
 
-<file path=ppt/slides/slide17.xml><?xml version="1.0" encoding="utf-8"?>
+<file path=ppt/slides/slide19.xml><?xml version="1.0" encoding="utf-8"?>
 <p:sld xmlns:a="http://schemas.openxmlformats.org/drawingml/2006/main" xmlns:r="http://schemas.openxmlformats.org/officeDocument/2006/relationships" xmlns:p="http://schemas.openxmlformats.org/presentationml/2006/main">
   <p:cSld>
     <p:spTree>
@@ -5086,9 +5578,10 @@
           <a:lstStyle/>
           <a:p>
             <a:r>
-              <a:rPr lang="en-US" dirty="0"/>
-              <a:t>The Problem</a:t>
-            </a:r>
+              <a:rPr lang="en-US" dirty="0" smtClean="0"/>
+              <a:t>Updates</a:t>
+            </a:r>
+            <a:endParaRPr lang="en-US" dirty="0"/>
           </a:p>
         </p:txBody>
       </p:sp>
@@ -5108,51 +5601,44 @@
           <a:lstStyle/>
           <a:p>
             <a:r>
-              <a:rPr lang="en-US" dirty="0"/>
-              <a:t>How to represent complex things while retaining the atomic integrity of Object definitions</a:t>
-            </a:r>
-          </a:p>
-          <a:p>
-            <a:pPr lvl="1"/>
-            <a:r>
-              <a:rPr lang="en-US" dirty="0"/>
-              <a:t>Compositions that can represent modular products</a:t>
-            </a:r>
-          </a:p>
-          <a:p>
-            <a:pPr lvl="1"/>
-            <a:r>
-              <a:rPr lang="en-US" dirty="0"/>
-              <a:t>Constraints that apply to standardized product types</a:t>
-            </a:r>
-          </a:p>
-          <a:p>
-            <a:pPr lvl="1"/>
-            <a:r>
-              <a:rPr lang="en-US" dirty="0"/>
-              <a:t>Reuse definitions of Objects and standardized Object compositions</a:t>
-            </a:r>
-          </a:p>
-          <a:p>
-            <a:pPr lvl="1"/>
-            <a:r>
-              <a:rPr lang="en-US" dirty="0"/>
-              <a:t>Ability to set qualities like units, range, and scale on a product or product type basis</a:t>
-            </a:r>
-          </a:p>
-          <a:p>
-            <a:pPr lvl="1"/>
-            <a:r>
-              <a:rPr lang="en-US" dirty="0"/>
-              <a:t>Ability to create specialized "Views" into the functionality of a product or product type</a:t>
-            </a:r>
+              <a:rPr lang="en-US" dirty="0" smtClean="0"/>
+              <a:t>Don't need to use Include + Type </a:t>
+            </a:r>
+          </a:p>
+          <a:p>
+            <a:r>
+              <a:rPr lang="en-US" dirty="0" err="1" smtClean="0"/>
+              <a:t>odmThing</a:t>
+            </a:r>
+            <a:r>
+              <a:rPr lang="en-US" dirty="0" smtClean="0"/>
+              <a:t> has more potential </a:t>
+            </a:r>
+            <a:r>
+              <a:rPr lang="en-US" dirty="0" smtClean="0"/>
+              <a:t>scope</a:t>
+            </a:r>
+          </a:p>
+          <a:p>
+            <a:r>
+              <a:rPr lang="en-US" dirty="0" err="1" smtClean="0"/>
+              <a:t>enum</a:t>
+            </a:r>
+            <a:r>
+              <a:rPr lang="en-US" dirty="0" smtClean="0"/>
+              <a:t> pattern</a:t>
+            </a:r>
+            <a:endParaRPr lang="en-US" dirty="0" smtClean="0"/>
+          </a:p>
+          <a:p>
+            <a:endParaRPr lang="en-US" dirty="0"/>
           </a:p>
         </p:txBody>
       </p:sp>
     </p:spTree>
     <p:extLst>
       <p:ext uri="{BB962C8B-B14F-4D97-AF65-F5344CB8AC3E}">
-        <p14:creationId xmlns:p14="http://schemas.microsoft.com/office/powerpoint/2010/main" val="313509816"/>
+        <p14:creationId xmlns:p14="http://schemas.microsoft.com/office/powerpoint/2010/main" val="842286383"/>
       </p:ext>
     </p:extLst>
   </p:cSld>
@@ -5196,7 +5682,7 @@
           <a:p>
             <a:r>
               <a:rPr lang="en-US" dirty="0"/>
-              <a:t>Illustrative Examples</a:t>
+              <a:t>The Problem</a:t>
             </a:r>
           </a:p>
         </p:txBody>
@@ -5211,61 +5697,49 @@
             <p:ph idx="1"/>
           </p:nvPr>
         </p:nvSpPr>
-        <p:spPr>
-          <a:xfrm>
-            <a:off x="628650" y="1603603"/>
-            <a:ext cx="7886700" cy="4351338"/>
-          </a:xfrm>
-        </p:spPr>
-        <p:txBody>
-          <a:bodyPr>
-            <a:normAutofit lnSpcReduction="10000"/>
-          </a:bodyPr>
-          <a:lstStyle/>
-          <a:p>
-            <a:r>
-              <a:rPr lang="en-US" dirty="0"/>
-              <a:t>A power strip with some number of individually controllable plugs</a:t>
+        <p:spPr/>
+        <p:txBody>
+          <a:bodyPr/>
+          <a:lstStyle/>
+          <a:p>
+            <a:r>
+              <a:rPr lang="en-US" dirty="0"/>
+              <a:t>How to represent complex things while retaining the atomic integrity of Object definitions</a:t>
             </a:r>
           </a:p>
           <a:p>
             <a:pPr lvl="1"/>
             <a:r>
               <a:rPr lang="en-US" dirty="0"/>
-              <a:t>A plug is composed of on/off control, energy monitor, and dimming Objects</a:t>
+              <a:t>Compositions that can represent modular products</a:t>
             </a:r>
           </a:p>
           <a:p>
             <a:pPr lvl="1"/>
             <a:r>
               <a:rPr lang="en-US" dirty="0"/>
-              <a:t>There is an Object that controls and monitors power on all plugs</a:t>
-            </a:r>
-          </a:p>
-          <a:p>
-            <a:r>
-              <a:rPr lang="en-US" dirty="0"/>
-              <a:t>A multifunction printer + scanner product</a:t>
+              <a:t>Constraints that apply to standardized product types</a:t>
             </a:r>
           </a:p>
           <a:p>
             <a:pPr lvl="1"/>
             <a:r>
               <a:rPr lang="en-US" dirty="0"/>
-              <a:t>Printing and scanning are separately controlled</a:t>
+              <a:t>Reuse definitions of Objects and standardized Object compositions</a:t>
             </a:r>
           </a:p>
           <a:p>
             <a:pPr lvl="1"/>
             <a:r>
               <a:rPr lang="en-US" dirty="0"/>
-              <a:t>Main power can be controlled by either printer or scanner controls</a:t>
-            </a:r>
-          </a:p>
-          <a:p>
-            <a:r>
-              <a:rPr lang="en-US" dirty="0"/>
-              <a:t>Reusable definitions</a:t>
+              <a:t>Ability to set qualities like units, range, and scale on a product or product type basis</a:t>
+            </a:r>
+          </a:p>
+          <a:p>
+            <a:pPr lvl="1"/>
+            <a:r>
+              <a:rPr lang="en-US" dirty="0"/>
+              <a:t>Ability to create specialized "Views" into the functionality of a product or product type</a:t>
             </a:r>
           </a:p>
         </p:txBody>
@@ -5273,7 +5747,7 @@
     </p:spTree>
     <p:extLst>
       <p:ext uri="{BB962C8B-B14F-4D97-AF65-F5344CB8AC3E}">
-        <p14:creationId xmlns:p14="http://schemas.microsoft.com/office/powerpoint/2010/main" val="437919308"/>
+        <p14:creationId xmlns:p14="http://schemas.microsoft.com/office/powerpoint/2010/main" val="313509816"/>
       </p:ext>
     </p:extLst>
   </p:cSld>
@@ -5317,7 +5791,7 @@
           <a:p>
             <a:r>
               <a:rPr lang="en-US" dirty="0"/>
-              <a:t>Use case categories</a:t>
+              <a:t>Illustrative Examples</a:t>
             </a:r>
           </a:p>
         </p:txBody>
@@ -5334,83 +5808,67 @@
         </p:nvSpPr>
         <p:spPr>
           <a:xfrm>
-            <a:off x="628650" y="1690689"/>
+            <a:off x="628650" y="1603603"/>
             <a:ext cx="7886700" cy="4351338"/>
           </a:xfrm>
         </p:spPr>
         <p:txBody>
-          <a:bodyPr/>
-          <a:lstStyle/>
-          <a:p>
-            <a:r>
-              <a:rPr lang="en-US" dirty="0"/>
-              <a:t>Define a reusable composition of </a:t>
-            </a:r>
-            <a:r>
-              <a:rPr lang="en-US" dirty="0" err="1"/>
-              <a:t>odmObjects</a:t>
-            </a:r>
-            <a:r>
-              <a:rPr lang="en-US" dirty="0"/>
-              <a:t> that work together to provide a function</a:t>
+          <a:bodyPr>
+            <a:normAutofit lnSpcReduction="10000"/>
+          </a:bodyPr>
+          <a:lstStyle/>
+          <a:p>
+            <a:r>
+              <a:rPr lang="en-US" dirty="0"/>
+              <a:t>A power strip with some number of individually controllable plugs</a:t>
             </a:r>
           </a:p>
           <a:p>
             <a:pPr lvl="1"/>
             <a:r>
-              <a:rPr lang="en-US" dirty="0" err="1"/>
-              <a:t>odmThing</a:t>
-            </a:r>
-            <a:endParaRPr lang="en-US" dirty="0"/>
-          </a:p>
-          <a:p>
-            <a:r>
-              <a:rPr lang="en-US" dirty="0"/>
-              <a:t>Define a mandatory set of Objects, Qualities, and settings for interoperability like Device Type</a:t>
+              <a:rPr lang="en-US" dirty="0"/>
+              <a:t>A plug is composed of on/off control, energy monitor, and dimming Objects</a:t>
             </a:r>
           </a:p>
           <a:p>
             <a:pPr lvl="1"/>
             <a:r>
               <a:rPr lang="en-US" dirty="0"/>
-              <a:t>also </a:t>
-            </a:r>
-            <a:r>
-              <a:rPr lang="en-US" dirty="0" err="1"/>
-              <a:t>odmThing</a:t>
-            </a:r>
-            <a:r>
-              <a:rPr lang="en-US" dirty="0"/>
-              <a:t>?</a:t>
-            </a:r>
-          </a:p>
-          <a:p>
-            <a:r>
-              <a:rPr lang="en-US" dirty="0"/>
-              <a:t>Define a specific product configuration, ability to model the composition of a SKU level entity.</a:t>
+              <a:t>There is an Object that controls and monitors power on all plugs</a:t>
+            </a:r>
+          </a:p>
+          <a:p>
+            <a:r>
+              <a:rPr lang="en-US" dirty="0"/>
+              <a:t>A multifunction printer + scanner product</a:t>
             </a:r>
           </a:p>
           <a:p>
             <a:pPr lvl="1"/>
             <a:r>
               <a:rPr lang="en-US" dirty="0"/>
-              <a:t>composed of Objects and Things</a:t>
+              <a:t>Printing and scanning are separately controlled</a:t>
             </a:r>
           </a:p>
           <a:p>
             <a:pPr lvl="1"/>
             <a:r>
-              <a:rPr lang="en-US" dirty="0" err="1"/>
-              <a:t>odmProduct</a:t>
-            </a:r>
-            <a:endParaRPr lang="en-US" dirty="0"/>
+              <a:rPr lang="en-US" dirty="0"/>
+              <a:t>Main power can be controlled by either printer or scanner controls</a:t>
+            </a:r>
+          </a:p>
+          <a:p>
+            <a:r>
+              <a:rPr lang="en-US" dirty="0"/>
+              <a:t>Reusable definitions</a:t>
+            </a:r>
           </a:p>
         </p:txBody>
       </p:sp>
     </p:spTree>
     <p:extLst>
       <p:ext uri="{BB962C8B-B14F-4D97-AF65-F5344CB8AC3E}">
-        <p14:creationId xmlns:p14="http://schemas.microsoft.com/office/powerpoint/2010/main" val="1993987258"/>
+        <p14:creationId xmlns:p14="http://schemas.microsoft.com/office/powerpoint/2010/main" val="437919308"/>
       </p:ext>
     </p:extLst>
   </p:cSld>
@@ -5454,7 +5912,7 @@
           <a:p>
             <a:r>
               <a:rPr lang="en-US" dirty="0"/>
-              <a:t>Design Elements</a:t>
+              <a:t>Use case categories</a:t>
             </a:r>
           </a:p>
         </p:txBody>
@@ -5469,40 +5927,27 @@
             <p:ph idx="1"/>
           </p:nvPr>
         </p:nvSpPr>
-        <p:spPr/>
-        <p:txBody>
-          <a:bodyPr/>
-          <a:lstStyle/>
-          <a:p>
-            <a:r>
-              <a:rPr lang="en-US" dirty="0"/>
-              <a:t>Path construction in models and definitions</a:t>
-            </a:r>
-          </a:p>
-          <a:p>
-            <a:r>
-              <a:rPr lang="en-US" dirty="0"/>
-              <a:t>Re-use and Recursion</a:t>
-            </a:r>
-          </a:p>
-          <a:p>
-            <a:pPr lvl="1"/>
-            <a:r>
-              <a:rPr lang="en-US" dirty="0"/>
-              <a:t>"type"</a:t>
-            </a:r>
-          </a:p>
-          <a:p>
-            <a:pPr lvl="1"/>
-            <a:r>
-              <a:rPr lang="en-US" dirty="0"/>
-              <a:t>"include"</a:t>
-            </a:r>
-          </a:p>
-          <a:p>
-            <a:r>
-              <a:rPr lang="en-US" dirty="0"/>
-              <a:t>Composed types</a:t>
+        <p:spPr>
+          <a:xfrm>
+            <a:off x="628650" y="1690689"/>
+            <a:ext cx="7886700" cy="4351338"/>
+          </a:xfrm>
+        </p:spPr>
+        <p:txBody>
+          <a:bodyPr/>
+          <a:lstStyle/>
+          <a:p>
+            <a:r>
+              <a:rPr lang="en-US" dirty="0"/>
+              <a:t>Define a reusable composition of </a:t>
+            </a:r>
+            <a:r>
+              <a:rPr lang="en-US" dirty="0" err="1"/>
+              <a:t>odmObjects</a:t>
+            </a:r>
+            <a:r>
+              <a:rPr lang="en-US" dirty="0"/>
+              <a:t> that work together to provide a function</a:t>
             </a:r>
           </a:p>
           <a:p>
@@ -5511,9 +5956,40 @@
               <a:rPr lang="en-US" dirty="0" err="1"/>
               <a:t>odmThing</a:t>
             </a:r>
-            <a:r>
-              <a:rPr lang="en-US" dirty="0"/>
-              <a:t> (a composition of objects with optionality)</a:t>
+            <a:endParaRPr lang="en-US" dirty="0"/>
+          </a:p>
+          <a:p>
+            <a:r>
+              <a:rPr lang="en-US" dirty="0"/>
+              <a:t>Define a mandatory set of Objects, Qualities, and settings for interoperability like Device Type</a:t>
+            </a:r>
+          </a:p>
+          <a:p>
+            <a:pPr lvl="1"/>
+            <a:r>
+              <a:rPr lang="en-US" dirty="0"/>
+              <a:t>also </a:t>
+            </a:r>
+            <a:r>
+              <a:rPr lang="en-US" dirty="0" err="1"/>
+              <a:t>odmThing</a:t>
+            </a:r>
+            <a:r>
+              <a:rPr lang="en-US" dirty="0"/>
+              <a:t>?</a:t>
+            </a:r>
+          </a:p>
+          <a:p>
+            <a:r>
+              <a:rPr lang="en-US" dirty="0"/>
+              <a:t>Define a specific product configuration, ability to model the composition of a SKU level entity.</a:t>
+            </a:r>
+          </a:p>
+          <a:p>
+            <a:pPr lvl="1"/>
+            <a:r>
+              <a:rPr lang="en-US" dirty="0"/>
+              <a:t>composed of Objects and Things</a:t>
             </a:r>
           </a:p>
           <a:p>
@@ -5522,28 +5998,14 @@
               <a:rPr lang="en-US" dirty="0" err="1"/>
               <a:t>odmProduct</a:t>
             </a:r>
-            <a:r>
-              <a:rPr lang="en-US" dirty="0"/>
-              <a:t> (also a thing, but has specific qualities and optionality, represents a SKU)</a:t>
-            </a:r>
-          </a:p>
-          <a:p>
-            <a:pPr lvl="1"/>
-            <a:r>
-              <a:rPr lang="en-US" dirty="0" err="1"/>
-              <a:t>odmView</a:t>
-            </a:r>
-            <a:r>
-              <a:rPr lang="en-US" dirty="0"/>
-              <a:t> (an element, may only include references to instances of objects, properties, events, and actions)</a:t>
-            </a:r>
+            <a:endParaRPr lang="en-US" dirty="0"/>
           </a:p>
         </p:txBody>
       </p:sp>
     </p:spTree>
     <p:extLst>
       <p:ext uri="{BB962C8B-B14F-4D97-AF65-F5344CB8AC3E}">
-        <p14:creationId xmlns:p14="http://schemas.microsoft.com/office/powerpoint/2010/main" val="1376300819"/>
+        <p14:creationId xmlns:p14="http://schemas.microsoft.com/office/powerpoint/2010/main" val="1993987258"/>
       </p:ext>
     </p:extLst>
   </p:cSld>
@@ -5580,852 +6042,103 @@
             <p:ph type="title"/>
           </p:nvPr>
         </p:nvSpPr>
-        <p:spPr>
-          <a:xfrm>
-            <a:off x="639040" y="126086"/>
-            <a:ext cx="7886700" cy="1325563"/>
-          </a:xfrm>
-        </p:spPr>
-        <p:txBody>
-          <a:bodyPr/>
-          <a:lstStyle/>
-          <a:p>
-            <a:r>
-              <a:rPr lang="en-US" dirty="0"/>
-              <a:t>Path Construction in a Definition</a:t>
-            </a:r>
-          </a:p>
-        </p:txBody>
-      </p:sp>
-      <p:sp>
-        <p:nvSpPr>
-          <p:cNvPr id="4" name="Rectangle 3"/>
-          <p:cNvSpPr/>
-          <p:nvPr/>
-        </p:nvSpPr>
-        <p:spPr>
-          <a:xfrm>
-            <a:off x="540329" y="1300581"/>
-            <a:ext cx="8042565" cy="5016758"/>
-          </a:xfrm>
-          <a:prstGeom prst="rect">
-            <a:avLst/>
-          </a:prstGeom>
-        </p:spPr>
-        <p:txBody>
-          <a:bodyPr wrap="square">
-            <a:spAutoFit/>
-          </a:bodyPr>
-          <a:lstStyle/>
-          <a:p>
-            <a:r>
-              <a:rPr lang="en-US" sz="1600" dirty="0">
-                <a:latin typeface="Courier" charset="0"/>
-                <a:ea typeface="Courier" charset="0"/>
-                <a:cs typeface="Courier" charset="0"/>
-              </a:rPr>
-              <a:t>{</a:t>
-            </a:r>
-          </a:p>
-          <a:p>
-            <a:r>
-              <a:rPr lang="en-US" sz="1600" dirty="0">
-                <a:latin typeface="Courier" charset="0"/>
-                <a:ea typeface="Courier" charset="0"/>
-                <a:cs typeface="Courier" charset="0"/>
-              </a:rPr>
-              <a:t>  "namespace": {</a:t>
-            </a:r>
-          </a:p>
-          <a:p>
-            <a:r>
-              <a:rPr lang="en-US" sz="1600" dirty="0">
-                <a:latin typeface="Courier" charset="0"/>
-                <a:ea typeface="Courier" charset="0"/>
-                <a:cs typeface="Courier" charset="0"/>
-              </a:rPr>
-              <a:t>    "</a:t>
-            </a:r>
-            <a:r>
-              <a:rPr lang="en-US" sz="1600" dirty="0" err="1">
-                <a:latin typeface="Courier" charset="0"/>
-                <a:ea typeface="Courier" charset="0"/>
-                <a:cs typeface="Courier" charset="0"/>
-              </a:rPr>
-              <a:t>st</a:t>
-            </a:r>
-            <a:r>
-              <a:rPr lang="en-US" sz="1600" dirty="0">
-                <a:latin typeface="Courier" charset="0"/>
-                <a:ea typeface="Courier" charset="0"/>
-                <a:cs typeface="Courier" charset="0"/>
-              </a:rPr>
-              <a:t>": "http://</a:t>
-            </a:r>
-            <a:r>
-              <a:rPr lang="en-US" sz="1600" dirty="0" err="1">
-                <a:latin typeface="Courier" charset="0"/>
-                <a:ea typeface="Courier" charset="0"/>
-                <a:cs typeface="Courier" charset="0"/>
-              </a:rPr>
-              <a:t>example.com</a:t>
-            </a:r>
-            <a:r>
-              <a:rPr lang="en-US" sz="1600" dirty="0">
-                <a:latin typeface="Courier" charset="0"/>
-                <a:ea typeface="Courier" charset="0"/>
-                <a:cs typeface="Courier" charset="0"/>
-              </a:rPr>
-              <a:t>/capability/</a:t>
-            </a:r>
-            <a:r>
-              <a:rPr lang="en-US" sz="1600" dirty="0" err="1">
-                <a:latin typeface="Courier" charset="0"/>
-                <a:ea typeface="Courier" charset="0"/>
-                <a:cs typeface="Courier" charset="0"/>
-              </a:rPr>
-              <a:t>odm</a:t>
-            </a:r>
-            <a:r>
-              <a:rPr lang="en-US" sz="1600" dirty="0">
-                <a:latin typeface="Courier" charset="0"/>
-                <a:ea typeface="Courier" charset="0"/>
-                <a:cs typeface="Courier" charset="0"/>
-              </a:rPr>
-              <a:t>"</a:t>
-            </a:r>
-          </a:p>
-          <a:p>
-            <a:r>
-              <a:rPr lang="en-US" sz="1600" dirty="0">
-                <a:latin typeface="Courier" charset="0"/>
-                <a:ea typeface="Courier" charset="0"/>
-                <a:cs typeface="Courier" charset="0"/>
-              </a:rPr>
-              <a:t>  },</a:t>
-            </a:r>
-          </a:p>
-          <a:p>
-            <a:r>
-              <a:rPr lang="en-US" sz="1600" dirty="0">
-                <a:latin typeface="Courier" charset="0"/>
-                <a:ea typeface="Courier" charset="0"/>
-                <a:cs typeface="Courier" charset="0"/>
-              </a:rPr>
-              <a:t>  "</a:t>
-            </a:r>
-            <a:r>
-              <a:rPr lang="en-US" sz="1600" dirty="0" err="1">
-                <a:latin typeface="Courier" charset="0"/>
-                <a:ea typeface="Courier" charset="0"/>
-                <a:cs typeface="Courier" charset="0"/>
-              </a:rPr>
-              <a:t>defaultNamespace</a:t>
-            </a:r>
-            <a:r>
-              <a:rPr lang="en-US" sz="1600" dirty="0">
-                <a:latin typeface="Courier" charset="0"/>
-                <a:ea typeface="Courier" charset="0"/>
-                <a:cs typeface="Courier" charset="0"/>
-              </a:rPr>
-              <a:t>": "</a:t>
-            </a:r>
-            <a:r>
-              <a:rPr lang="en-US" sz="1600" dirty="0" err="1">
-                <a:latin typeface="Courier" charset="0"/>
-                <a:ea typeface="Courier" charset="0"/>
-                <a:cs typeface="Courier" charset="0"/>
-              </a:rPr>
-              <a:t>st</a:t>
-            </a:r>
-            <a:r>
-              <a:rPr lang="en-US" sz="1600" dirty="0">
-                <a:latin typeface="Courier" charset="0"/>
-                <a:ea typeface="Courier" charset="0"/>
-                <a:cs typeface="Courier" charset="0"/>
-              </a:rPr>
-              <a:t>",</a:t>
-            </a:r>
-          </a:p>
-          <a:p>
-            <a:r>
-              <a:rPr lang="en-US" sz="1600" dirty="0">
-                <a:latin typeface="Courier" charset="0"/>
-                <a:ea typeface="Courier" charset="0"/>
-                <a:cs typeface="Courier" charset="0"/>
-              </a:rPr>
-              <a:t>  </a:t>
-            </a:r>
-            <a:r>
-              <a:rPr lang="mr-IN" sz="1600" dirty="0">
-                <a:latin typeface="Courier" charset="0"/>
-                <a:ea typeface="Courier" charset="0"/>
-                <a:cs typeface="Courier" charset="0"/>
-              </a:rPr>
-              <a:t>"</a:t>
-            </a:r>
-            <a:r>
-              <a:rPr lang="en-US" sz="1600" dirty="0" err="1">
-                <a:latin typeface="Courier" charset="0"/>
-                <a:ea typeface="Courier" charset="0"/>
-                <a:cs typeface="Courier" charset="0"/>
-              </a:rPr>
-              <a:t>odmObject</a:t>
-            </a:r>
-            <a:r>
-              <a:rPr lang="en-US" sz="1600" dirty="0">
-                <a:latin typeface="Courier" charset="0"/>
-                <a:ea typeface="Courier" charset="0"/>
-                <a:cs typeface="Courier" charset="0"/>
-              </a:rPr>
-              <a:t>": {</a:t>
-            </a:r>
-          </a:p>
-          <a:p>
-            <a:r>
-              <a:rPr lang="en-US" sz="1600" dirty="0">
-                <a:latin typeface="Courier" charset="0"/>
-                <a:ea typeface="Courier" charset="0"/>
-                <a:cs typeface="Courier" charset="0"/>
-              </a:rPr>
-              <a:t>    "</a:t>
-            </a:r>
-            <a:r>
-              <a:rPr lang="en-US" sz="1600" dirty="0">
-                <a:solidFill>
-                  <a:srgbClr val="FF0000"/>
-                </a:solidFill>
-                <a:latin typeface="Courier" charset="0"/>
-                <a:ea typeface="Courier" charset="0"/>
-                <a:cs typeface="Courier" charset="0"/>
-              </a:rPr>
-              <a:t>Switch</a:t>
-            </a:r>
-            <a:r>
-              <a:rPr lang="en-US" sz="1600" dirty="0">
-                <a:latin typeface="Courier" charset="0"/>
-                <a:ea typeface="Courier" charset="0"/>
-                <a:cs typeface="Courier" charset="0"/>
-              </a:rPr>
-              <a:t>": { </a:t>
-            </a:r>
-          </a:p>
-          <a:p>
-            <a:r>
-              <a:rPr lang="en-US" sz="1600" dirty="0">
-                <a:latin typeface="Courier" charset="0"/>
-                <a:ea typeface="Courier" charset="0"/>
-                <a:cs typeface="Courier" charset="0"/>
-              </a:rPr>
-              <a:t>      </a:t>
-            </a:r>
-            <a:r>
-              <a:rPr lang="mr-IN" sz="1600" dirty="0">
-                <a:latin typeface="Courier" charset="0"/>
-                <a:ea typeface="Courier" charset="0"/>
-                <a:cs typeface="Courier" charset="0"/>
-              </a:rPr>
-              <a:t>"</a:t>
-            </a:r>
-            <a:r>
-              <a:rPr lang="en-US" sz="1600" dirty="0" err="1">
-                <a:latin typeface="Courier" charset="0"/>
-                <a:ea typeface="Courier" charset="0"/>
-                <a:cs typeface="Courier" charset="0"/>
-              </a:rPr>
-              <a:t>odmProperty</a:t>
-            </a:r>
-            <a:r>
-              <a:rPr lang="en-US" sz="1600" dirty="0">
-                <a:latin typeface="Courier" charset="0"/>
-                <a:ea typeface="Courier" charset="0"/>
-                <a:cs typeface="Courier" charset="0"/>
-              </a:rPr>
-              <a:t>": {</a:t>
-            </a:r>
-          </a:p>
-          <a:p>
-            <a:r>
-              <a:rPr lang="en-US" sz="1600" dirty="0">
-                <a:latin typeface="Courier" charset="0"/>
-                <a:ea typeface="Courier" charset="0"/>
-                <a:cs typeface="Courier" charset="0"/>
-              </a:rPr>
-              <a:t>        "</a:t>
-            </a:r>
-            <a:r>
-              <a:rPr lang="en-US" sz="1600" dirty="0">
-                <a:solidFill>
-                  <a:srgbClr val="FF0000"/>
-                </a:solidFill>
-                <a:latin typeface="Courier" charset="0"/>
-                <a:ea typeface="Courier" charset="0"/>
-                <a:cs typeface="Courier" charset="0"/>
-              </a:rPr>
-              <a:t>value</a:t>
-            </a:r>
-            <a:r>
-              <a:rPr lang="en-US" sz="1600" dirty="0">
-                <a:latin typeface="Courier" charset="0"/>
-                <a:ea typeface="Courier" charset="0"/>
-                <a:cs typeface="Courier" charset="0"/>
-              </a:rPr>
-              <a:t>": {</a:t>
-            </a:r>
-          </a:p>
-          <a:p>
-            <a:r>
-              <a:rPr lang="en-US" sz="1600" dirty="0">
-                <a:latin typeface="Courier" charset="0"/>
-                <a:ea typeface="Courier" charset="0"/>
-                <a:cs typeface="Courier" charset="0"/>
-              </a:rPr>
-              <a:t>          "type": "string",</a:t>
-            </a:r>
-          </a:p>
-          <a:p>
-            <a:r>
-              <a:rPr lang="en-US" sz="1600" dirty="0">
-                <a:latin typeface="Courier" charset="0"/>
-                <a:ea typeface="Courier" charset="0"/>
-                <a:cs typeface="Courier" charset="0"/>
-              </a:rPr>
-              <a:t>          "</a:t>
-            </a:r>
-            <a:r>
-              <a:rPr lang="en-US" sz="1600" dirty="0" err="1">
-                <a:latin typeface="Courier" charset="0"/>
-                <a:ea typeface="Courier" charset="0"/>
-                <a:cs typeface="Courier" charset="0"/>
-              </a:rPr>
-              <a:t>enum</a:t>
-            </a:r>
-            <a:r>
-              <a:rPr lang="en-US" sz="1600" dirty="0">
-                <a:latin typeface="Courier" charset="0"/>
-                <a:ea typeface="Courier" charset="0"/>
-                <a:cs typeface="Courier" charset="0"/>
-              </a:rPr>
-              <a:t>": ["on", "off"]</a:t>
-            </a:r>
-          </a:p>
-          <a:p>
-            <a:r>
-              <a:rPr lang="en-US" sz="1600" dirty="0">
-                <a:latin typeface="Courier" charset="0"/>
-                <a:ea typeface="Courier" charset="0"/>
-                <a:cs typeface="Courier" charset="0"/>
-              </a:rPr>
-              <a:t>        }</a:t>
-            </a:r>
-          </a:p>
-          <a:p>
-            <a:r>
-              <a:rPr lang="en-US" sz="1600" dirty="0">
-                <a:latin typeface="Courier" charset="0"/>
-                <a:ea typeface="Courier" charset="0"/>
-                <a:cs typeface="Courier" charset="0"/>
-              </a:rPr>
-              <a:t>      },</a:t>
-            </a:r>
-          </a:p>
-          <a:p>
-            <a:r>
-              <a:rPr lang="en-US" sz="1600" dirty="0">
-                <a:latin typeface="Courier" charset="0"/>
-                <a:ea typeface="Courier" charset="0"/>
-                <a:cs typeface="Courier" charset="0"/>
-              </a:rPr>
-              <a:t>      </a:t>
-            </a:r>
-            <a:r>
-              <a:rPr lang="mr-IN" sz="1600" dirty="0">
-                <a:latin typeface="Courier" charset="0"/>
-                <a:ea typeface="Courier" charset="0"/>
-                <a:cs typeface="Courier" charset="0"/>
-              </a:rPr>
-              <a:t>"</a:t>
-            </a:r>
-            <a:r>
-              <a:rPr lang="en-US" sz="1600" dirty="0" err="1">
-                <a:latin typeface="Courier" charset="0"/>
-                <a:ea typeface="Courier" charset="0"/>
-                <a:cs typeface="Courier" charset="0"/>
-              </a:rPr>
-              <a:t>odmAction</a:t>
-            </a:r>
-            <a:r>
-              <a:rPr lang="en-US" sz="1600" dirty="0">
-                <a:latin typeface="Courier" charset="0"/>
-                <a:ea typeface="Courier" charset="0"/>
-                <a:cs typeface="Courier" charset="0"/>
-              </a:rPr>
-              <a:t>": {</a:t>
-            </a:r>
-          </a:p>
-          <a:p>
-            <a:r>
-              <a:rPr lang="en-US" sz="1600" dirty="0">
-                <a:latin typeface="Courier" charset="0"/>
-                <a:ea typeface="Courier" charset="0"/>
-                <a:cs typeface="Courier" charset="0"/>
-              </a:rPr>
-              <a:t>        "</a:t>
-            </a:r>
-            <a:r>
-              <a:rPr lang="en-US" sz="1600" dirty="0">
-                <a:solidFill>
-                  <a:srgbClr val="FF0000"/>
-                </a:solidFill>
-                <a:latin typeface="Courier" charset="0"/>
-                <a:ea typeface="Courier" charset="0"/>
-                <a:cs typeface="Courier" charset="0"/>
-              </a:rPr>
-              <a:t>on</a:t>
-            </a:r>
-            <a:r>
-              <a:rPr lang="en-US" sz="1600" dirty="0">
-                <a:latin typeface="Courier" charset="0"/>
-                <a:ea typeface="Courier" charset="0"/>
-                <a:cs typeface="Courier" charset="0"/>
-              </a:rPr>
-              <a:t>": {},</a:t>
-            </a:r>
-          </a:p>
-          <a:p>
-            <a:r>
-              <a:rPr lang="en-US" sz="1600" dirty="0">
-                <a:latin typeface="Courier" charset="0"/>
-                <a:ea typeface="Courier" charset="0"/>
-                <a:cs typeface="Courier" charset="0"/>
-              </a:rPr>
-              <a:t>        "</a:t>
-            </a:r>
-            <a:r>
-              <a:rPr lang="en-US" sz="1600" dirty="0">
-                <a:solidFill>
-                  <a:srgbClr val="FF0000"/>
-                </a:solidFill>
-                <a:latin typeface="Courier" charset="0"/>
-                <a:ea typeface="Courier" charset="0"/>
-                <a:cs typeface="Courier" charset="0"/>
-              </a:rPr>
-              <a:t>off</a:t>
-            </a:r>
-            <a:r>
-              <a:rPr lang="en-US" sz="1600" dirty="0">
-                <a:latin typeface="Courier" charset="0"/>
-                <a:ea typeface="Courier" charset="0"/>
-                <a:cs typeface="Courier" charset="0"/>
-              </a:rPr>
-              <a:t>": {}</a:t>
-            </a:r>
-          </a:p>
-          <a:p>
-            <a:r>
-              <a:rPr lang="en-US" sz="1600" dirty="0">
-                <a:latin typeface="Courier" charset="0"/>
-                <a:ea typeface="Courier" charset="0"/>
-                <a:cs typeface="Courier" charset="0"/>
-              </a:rPr>
-              <a:t>      }</a:t>
-            </a:r>
-          </a:p>
-          <a:p>
-            <a:r>
-              <a:rPr lang="en-US" sz="1600" dirty="0">
-                <a:latin typeface="Courier" charset="0"/>
-                <a:ea typeface="Courier" charset="0"/>
-                <a:cs typeface="Courier" charset="0"/>
-              </a:rPr>
-              <a:t>    }</a:t>
-            </a:r>
-          </a:p>
-          <a:p>
-            <a:r>
-              <a:rPr lang="en-US" sz="1600" dirty="0">
-                <a:latin typeface="Courier" charset="0"/>
-                <a:ea typeface="Courier" charset="0"/>
-                <a:cs typeface="Courier" charset="0"/>
-              </a:rPr>
-              <a:t>  }</a:t>
-            </a:r>
-          </a:p>
-          <a:p>
-            <a:r>
-              <a:rPr lang="en-US" sz="1600" dirty="0">
-                <a:effectLst/>
-                <a:latin typeface="Courier" charset="0"/>
-                <a:ea typeface="Courier" charset="0"/>
-                <a:cs typeface="Courier" charset="0"/>
-              </a:rPr>
-              <a:t>}</a:t>
-            </a:r>
-          </a:p>
-        </p:txBody>
-      </p:sp>
-      <p:sp>
-        <p:nvSpPr>
-          <p:cNvPr id="5" name="Rectangle 4"/>
-          <p:cNvSpPr/>
-          <p:nvPr/>
-        </p:nvSpPr>
-        <p:spPr>
-          <a:xfrm>
-            <a:off x="2754089" y="2731763"/>
-            <a:ext cx="5382491" cy="338554"/>
-          </a:xfrm>
-          <a:prstGeom prst="rect">
-            <a:avLst/>
-          </a:prstGeom>
-        </p:spPr>
-        <p:txBody>
-          <a:bodyPr wrap="square">
-            <a:spAutoFit/>
-          </a:bodyPr>
-          <a:lstStyle/>
-          <a:p>
-            <a:r>
-              <a:rPr lang="en-US" sz="1600" dirty="0">
-                <a:solidFill>
-                  <a:srgbClr val="FF0000"/>
-                </a:solidFill>
-                <a:latin typeface="Courier" charset="0"/>
-                <a:ea typeface="Courier" charset="0"/>
-                <a:cs typeface="Courier" charset="0"/>
-              </a:rPr>
-              <a:t>#/</a:t>
-            </a:r>
-            <a:r>
-              <a:rPr lang="en-US" sz="1600" dirty="0" err="1">
-                <a:solidFill>
-                  <a:srgbClr val="FF0000"/>
-                </a:solidFill>
-                <a:latin typeface="Courier" charset="0"/>
-                <a:ea typeface="Courier" charset="0"/>
-                <a:cs typeface="Courier" charset="0"/>
-              </a:rPr>
-              <a:t>odmObject</a:t>
-            </a:r>
-            <a:r>
-              <a:rPr lang="en-US" sz="1600" dirty="0">
-                <a:solidFill>
-                  <a:srgbClr val="FF0000"/>
-                </a:solidFill>
-                <a:latin typeface="Courier" charset="0"/>
-                <a:ea typeface="Courier" charset="0"/>
-                <a:cs typeface="Courier" charset="0"/>
-              </a:rPr>
-              <a:t>/Switch or </a:t>
-            </a:r>
-            <a:r>
-              <a:rPr lang="en-US" sz="1600" dirty="0" err="1">
-                <a:solidFill>
-                  <a:srgbClr val="FF0000"/>
-                </a:solidFill>
-                <a:latin typeface="Courier" charset="0"/>
-                <a:ea typeface="Courier" charset="0"/>
-                <a:cs typeface="Courier" charset="0"/>
-              </a:rPr>
-              <a:t>st</a:t>
-            </a:r>
-            <a:r>
-              <a:rPr lang="en-US" sz="1600" dirty="0">
-                <a:solidFill>
-                  <a:srgbClr val="FF0000"/>
-                </a:solidFill>
-                <a:latin typeface="Courier" charset="0"/>
-                <a:ea typeface="Courier" charset="0"/>
-                <a:cs typeface="Courier" charset="0"/>
-              </a:rPr>
-              <a:t>:/</a:t>
-            </a:r>
-            <a:r>
-              <a:rPr lang="en-US" sz="1600" dirty="0" err="1">
-                <a:solidFill>
-                  <a:srgbClr val="FF0000"/>
-                </a:solidFill>
-                <a:latin typeface="Courier" charset="0"/>
-                <a:ea typeface="Courier" charset="0"/>
-                <a:cs typeface="Courier" charset="0"/>
-              </a:rPr>
-              <a:t>odmObject</a:t>
-            </a:r>
-            <a:r>
-              <a:rPr lang="en-US" sz="1600" dirty="0">
-                <a:solidFill>
-                  <a:srgbClr val="FF0000"/>
-                </a:solidFill>
-                <a:latin typeface="Courier" charset="0"/>
-                <a:ea typeface="Courier" charset="0"/>
-                <a:cs typeface="Courier" charset="0"/>
-              </a:rPr>
-              <a:t>/Switch</a:t>
-            </a:r>
-            <a:endParaRPr lang="en-US" sz="1600" dirty="0">
-              <a:solidFill>
-                <a:srgbClr val="FF0000"/>
-              </a:solidFill>
-            </a:endParaRPr>
-          </a:p>
-        </p:txBody>
-      </p:sp>
-      <p:sp>
-        <p:nvSpPr>
-          <p:cNvPr id="6" name="Rectangle 5"/>
-          <p:cNvSpPr/>
-          <p:nvPr/>
-        </p:nvSpPr>
-        <p:spPr>
-          <a:xfrm>
-            <a:off x="3197437" y="3227063"/>
-            <a:ext cx="4716478" cy="338554"/>
-          </a:xfrm>
-          <a:prstGeom prst="rect">
-            <a:avLst/>
-          </a:prstGeom>
-        </p:spPr>
-        <p:txBody>
-          <a:bodyPr wrap="square">
-            <a:spAutoFit/>
-          </a:bodyPr>
-          <a:lstStyle/>
-          <a:p>
-            <a:r>
-              <a:rPr lang="en-US" sz="1600" dirty="0">
-                <a:solidFill>
-                  <a:srgbClr val="FF0000"/>
-                </a:solidFill>
-                <a:latin typeface="Courier" charset="0"/>
-                <a:ea typeface="Courier" charset="0"/>
-                <a:cs typeface="Courier" charset="0"/>
-              </a:rPr>
-              <a:t>#/</a:t>
-            </a:r>
-            <a:r>
-              <a:rPr lang="en-US" sz="1600" dirty="0" err="1">
-                <a:solidFill>
-                  <a:srgbClr val="FF0000"/>
-                </a:solidFill>
-                <a:latin typeface="Courier" charset="0"/>
-                <a:ea typeface="Courier" charset="0"/>
-                <a:cs typeface="Courier" charset="0"/>
-              </a:rPr>
-              <a:t>odmObject</a:t>
-            </a:r>
-            <a:r>
-              <a:rPr lang="en-US" sz="1600" dirty="0">
-                <a:solidFill>
-                  <a:srgbClr val="FF0000"/>
-                </a:solidFill>
-                <a:latin typeface="Courier" charset="0"/>
-                <a:ea typeface="Courier" charset="0"/>
-                <a:cs typeface="Courier" charset="0"/>
-              </a:rPr>
-              <a:t>/Switch/</a:t>
-            </a:r>
-            <a:r>
-              <a:rPr lang="en-US" sz="1600" dirty="0" err="1">
-                <a:solidFill>
-                  <a:srgbClr val="FF0000"/>
-                </a:solidFill>
-                <a:latin typeface="Courier" charset="0"/>
-                <a:ea typeface="Courier" charset="0"/>
-                <a:cs typeface="Courier" charset="0"/>
-              </a:rPr>
-              <a:t>odmProperty</a:t>
-            </a:r>
-            <a:r>
-              <a:rPr lang="en-US" sz="1600" dirty="0">
-                <a:solidFill>
-                  <a:srgbClr val="FF0000"/>
-                </a:solidFill>
-                <a:latin typeface="Courier" charset="0"/>
-                <a:ea typeface="Courier" charset="0"/>
-                <a:cs typeface="Courier" charset="0"/>
-              </a:rPr>
-              <a:t>/value</a:t>
-            </a:r>
-            <a:endParaRPr lang="en-US" sz="1600" dirty="0">
-              <a:solidFill>
-                <a:srgbClr val="FF0000"/>
-              </a:solidFill>
-            </a:endParaRPr>
-          </a:p>
-        </p:txBody>
-      </p:sp>
-      <p:sp>
-        <p:nvSpPr>
-          <p:cNvPr id="7" name="Rectangle 6"/>
-          <p:cNvSpPr/>
-          <p:nvPr/>
-        </p:nvSpPr>
-        <p:spPr>
-          <a:xfrm>
-            <a:off x="2754090" y="4666014"/>
-            <a:ext cx="5839693" cy="338554"/>
-          </a:xfrm>
-          <a:prstGeom prst="rect">
-            <a:avLst/>
-          </a:prstGeom>
-        </p:spPr>
-        <p:txBody>
-          <a:bodyPr wrap="square">
-            <a:spAutoFit/>
-          </a:bodyPr>
-          <a:lstStyle/>
-          <a:p>
-            <a:r>
-              <a:rPr lang="en-US" sz="1600" dirty="0">
-                <a:solidFill>
-                  <a:srgbClr val="FF0000"/>
-                </a:solidFill>
-                <a:latin typeface="Courier" charset="0"/>
-                <a:ea typeface="Courier" charset="0"/>
-                <a:cs typeface="Courier" charset="0"/>
-              </a:rPr>
-              <a:t>#/</a:t>
-            </a:r>
-            <a:r>
-              <a:rPr lang="en-US" sz="1600" dirty="0" err="1">
-                <a:solidFill>
-                  <a:srgbClr val="FF0000"/>
-                </a:solidFill>
-                <a:latin typeface="Courier" charset="0"/>
-                <a:ea typeface="Courier" charset="0"/>
-                <a:cs typeface="Courier" charset="0"/>
-              </a:rPr>
-              <a:t>odmObject</a:t>
-            </a:r>
-            <a:r>
-              <a:rPr lang="en-US" sz="1600" dirty="0">
-                <a:solidFill>
-                  <a:srgbClr val="FF0000"/>
-                </a:solidFill>
-                <a:latin typeface="Courier" charset="0"/>
-                <a:ea typeface="Courier" charset="0"/>
-                <a:cs typeface="Courier" charset="0"/>
-              </a:rPr>
-              <a:t>/Switch/</a:t>
-            </a:r>
-            <a:r>
-              <a:rPr lang="en-US" sz="1600" dirty="0" err="1">
-                <a:solidFill>
-                  <a:srgbClr val="FF0000"/>
-                </a:solidFill>
-                <a:latin typeface="Courier" charset="0"/>
-                <a:ea typeface="Courier" charset="0"/>
-                <a:cs typeface="Courier" charset="0"/>
-              </a:rPr>
-              <a:t>odmAction</a:t>
-            </a:r>
-            <a:r>
-              <a:rPr lang="en-US" sz="1600" dirty="0">
-                <a:solidFill>
-                  <a:srgbClr val="FF0000"/>
-                </a:solidFill>
-                <a:latin typeface="Courier" charset="0"/>
-                <a:ea typeface="Courier" charset="0"/>
-                <a:cs typeface="Courier" charset="0"/>
-              </a:rPr>
-              <a:t>/on</a:t>
-            </a:r>
-            <a:endParaRPr lang="en-US" sz="1600" dirty="0">
-              <a:solidFill>
-                <a:srgbClr val="FF0000"/>
-              </a:solidFill>
-            </a:endParaRPr>
-          </a:p>
-        </p:txBody>
-      </p:sp>
-      <p:sp>
-        <p:nvSpPr>
-          <p:cNvPr id="8" name="Rectangle 7"/>
-          <p:cNvSpPr/>
-          <p:nvPr/>
-        </p:nvSpPr>
-        <p:spPr>
-          <a:xfrm>
-            <a:off x="2754089" y="4992037"/>
-            <a:ext cx="5839693" cy="338554"/>
-          </a:xfrm>
-          <a:prstGeom prst="rect">
-            <a:avLst/>
-          </a:prstGeom>
-        </p:spPr>
-        <p:txBody>
-          <a:bodyPr wrap="square">
-            <a:spAutoFit/>
-          </a:bodyPr>
-          <a:lstStyle/>
-          <a:p>
-            <a:r>
-              <a:rPr lang="en-US" sz="1600" dirty="0">
-                <a:solidFill>
-                  <a:srgbClr val="FF0000"/>
-                </a:solidFill>
-                <a:latin typeface="Courier" charset="0"/>
-                <a:ea typeface="Courier" charset="0"/>
-                <a:cs typeface="Courier" charset="0"/>
-              </a:rPr>
-              <a:t>#/</a:t>
-            </a:r>
-            <a:r>
-              <a:rPr lang="en-US" sz="1600" dirty="0" err="1">
-                <a:solidFill>
-                  <a:srgbClr val="FF0000"/>
-                </a:solidFill>
-                <a:latin typeface="Courier" charset="0"/>
-                <a:ea typeface="Courier" charset="0"/>
-                <a:cs typeface="Courier" charset="0"/>
-              </a:rPr>
-              <a:t>odmObject</a:t>
-            </a:r>
-            <a:r>
-              <a:rPr lang="en-US" sz="1600" dirty="0">
-                <a:solidFill>
-                  <a:srgbClr val="FF0000"/>
-                </a:solidFill>
-                <a:latin typeface="Courier" charset="0"/>
-                <a:ea typeface="Courier" charset="0"/>
-                <a:cs typeface="Courier" charset="0"/>
-              </a:rPr>
-              <a:t>/Switch/</a:t>
-            </a:r>
-            <a:r>
-              <a:rPr lang="en-US" sz="1600" dirty="0" err="1">
-                <a:solidFill>
-                  <a:srgbClr val="FF0000"/>
-                </a:solidFill>
-                <a:latin typeface="Courier" charset="0"/>
-                <a:ea typeface="Courier" charset="0"/>
-                <a:cs typeface="Courier" charset="0"/>
-              </a:rPr>
-              <a:t>odmAction</a:t>
-            </a:r>
-            <a:r>
-              <a:rPr lang="en-US" sz="1600" dirty="0">
-                <a:solidFill>
-                  <a:srgbClr val="FF0000"/>
-                </a:solidFill>
-                <a:latin typeface="Courier" charset="0"/>
-                <a:ea typeface="Courier" charset="0"/>
-                <a:cs typeface="Courier" charset="0"/>
-              </a:rPr>
-              <a:t>/off</a:t>
-            </a:r>
-            <a:endParaRPr lang="en-US" sz="1600" dirty="0">
-              <a:solidFill>
-                <a:srgbClr val="FF0000"/>
-              </a:solidFill>
-            </a:endParaRPr>
+        <p:spPr/>
+        <p:txBody>
+          <a:bodyPr/>
+          <a:lstStyle/>
+          <a:p>
+            <a:r>
+              <a:rPr lang="en-US" dirty="0"/>
+              <a:t>Design Elements</a:t>
+            </a:r>
+          </a:p>
+        </p:txBody>
+      </p:sp>
+      <p:sp>
+        <p:nvSpPr>
+          <p:cNvPr id="3" name="Content Placeholder 2"/>
+          <p:cNvSpPr>
+            <a:spLocks noGrp="1"/>
+          </p:cNvSpPr>
+          <p:nvPr>
+            <p:ph idx="1"/>
+          </p:nvPr>
+        </p:nvSpPr>
+        <p:spPr/>
+        <p:txBody>
+          <a:bodyPr/>
+          <a:lstStyle/>
+          <a:p>
+            <a:r>
+              <a:rPr lang="en-US" dirty="0"/>
+              <a:t>Path construction in models and definitions</a:t>
+            </a:r>
+          </a:p>
+          <a:p>
+            <a:r>
+              <a:rPr lang="en-US" dirty="0"/>
+              <a:t>Re-use and Recursion</a:t>
+            </a:r>
+          </a:p>
+          <a:p>
+            <a:pPr lvl="1"/>
+            <a:r>
+              <a:rPr lang="en-US" dirty="0"/>
+              <a:t>"type"</a:t>
+            </a:r>
+          </a:p>
+          <a:p>
+            <a:pPr lvl="1"/>
+            <a:r>
+              <a:rPr lang="en-US" dirty="0"/>
+              <a:t>"include"</a:t>
+            </a:r>
+          </a:p>
+          <a:p>
+            <a:r>
+              <a:rPr lang="en-US" dirty="0"/>
+              <a:t>Composed types</a:t>
+            </a:r>
+          </a:p>
+          <a:p>
+            <a:pPr lvl="1"/>
+            <a:r>
+              <a:rPr lang="en-US" dirty="0" err="1"/>
+              <a:t>odmThing</a:t>
+            </a:r>
+            <a:r>
+              <a:rPr lang="en-US" dirty="0"/>
+              <a:t> (a composition of objects with optionality)</a:t>
+            </a:r>
+          </a:p>
+          <a:p>
+            <a:pPr lvl="1"/>
+            <a:r>
+              <a:rPr lang="en-US" dirty="0" err="1"/>
+              <a:t>odmProduct</a:t>
+            </a:r>
+            <a:r>
+              <a:rPr lang="en-US" dirty="0"/>
+              <a:t> (also a thing, but has specific qualities and optionality, represents a SKU)</a:t>
+            </a:r>
+          </a:p>
+          <a:p>
+            <a:pPr lvl="1"/>
+            <a:r>
+              <a:rPr lang="en-US" dirty="0" err="1"/>
+              <a:t>odmView</a:t>
+            </a:r>
+            <a:r>
+              <a:rPr lang="en-US" dirty="0"/>
+              <a:t> (an element, may only include references to instances of objects, properties, events, and actions)</a:t>
+            </a:r>
           </a:p>
         </p:txBody>
       </p:sp>
     </p:spTree>
     <p:extLst>
       <p:ext uri="{BB962C8B-B14F-4D97-AF65-F5344CB8AC3E}">
-        <p14:creationId xmlns:p14="http://schemas.microsoft.com/office/powerpoint/2010/main" val="1577521574"/>
+        <p14:creationId xmlns:p14="http://schemas.microsoft.com/office/powerpoint/2010/main" val="1376300819"/>
       </p:ext>
     </p:extLst>
   </p:cSld>
@@ -6454,13 +6167,7 @@
       </p:grpSpPr>
       <p:sp>
         <p:nvSpPr>
-          <p:cNvPr id="2" name="Title 1">
-            <a:extLst>
-              <a:ext uri="{FF2B5EF4-FFF2-40B4-BE49-F238E27FC236}">
-                <a16:creationId xmlns:a16="http://schemas.microsoft.com/office/drawing/2014/main" id="{75568556-2C31-0C4E-A37C-E9645ACFCD56}"/>
-              </a:ext>
-            </a:extLst>
-          </p:cNvPr>
+          <p:cNvPr id="2" name="Title 1"/>
           <p:cNvSpPr>
             <a:spLocks noGrp="1"/>
           </p:cNvSpPr>
@@ -6470,7 +6177,7 @@
         </p:nvSpPr>
         <p:spPr>
           <a:xfrm>
-            <a:off x="628650" y="202882"/>
+            <a:off x="639040" y="126086"/>
             <a:ext cx="7886700" cy="1325563"/>
           </a:xfrm>
         </p:spPr>
@@ -6480,166 +6187,840 @@
           <a:p>
             <a:r>
               <a:rPr lang="en-US" dirty="0"/>
-              <a:t>JSON Pointer Namespace Prefix</a:t>
-            </a:r>
-          </a:p>
-        </p:txBody>
-      </p:sp>
-      <p:sp>
-        <p:nvSpPr>
-          <p:cNvPr id="3" name="Content Placeholder 2">
-            <a:extLst>
-              <a:ext uri="{FF2B5EF4-FFF2-40B4-BE49-F238E27FC236}">
-                <a16:creationId xmlns:a16="http://schemas.microsoft.com/office/drawing/2014/main" id="{6A1CC774-6959-2C42-8147-1E22750CC8C5}"/>
-              </a:ext>
-            </a:extLst>
-          </p:cNvPr>
-          <p:cNvSpPr>
-            <a:spLocks noGrp="1"/>
-          </p:cNvSpPr>
-          <p:nvPr>
-            <p:ph idx="1"/>
-          </p:nvPr>
+              <a:t>Path Construction in a Definition</a:t>
+            </a:r>
+          </a:p>
+        </p:txBody>
+      </p:sp>
+      <p:sp>
+        <p:nvSpPr>
+          <p:cNvPr id="4" name="Rectangle 3"/>
+          <p:cNvSpPr/>
+          <p:nvPr/>
         </p:nvSpPr>
         <p:spPr>
           <a:xfrm>
-            <a:off x="628650" y="1642745"/>
-            <a:ext cx="7886700" cy="4351338"/>
+            <a:off x="540329" y="1300581"/>
+            <a:ext cx="8042565" cy="5016758"/>
           </a:xfrm>
+          <a:prstGeom prst="rect">
+            <a:avLst/>
+          </a:prstGeom>
         </p:spPr>
         <p:txBody>
-          <a:bodyPr>
-            <a:normAutofit lnSpcReduction="10000"/>
+          <a:bodyPr wrap="square">
+            <a:spAutoFit/>
           </a:bodyPr>
           <a:lstStyle/>
           <a:p>
             <a:r>
-              <a:rPr lang="en-US" dirty="0"/>
-              <a:t>Add a namespace prefix to JSON Pointers used to identify model elements in different files</a:t>
-            </a:r>
-          </a:p>
-          <a:p>
-            <a:r>
-              <a:rPr lang="en-US" dirty="0"/>
-              <a:t>The namespace prefix may be used in place of document paths in a filesystem</a:t>
-            </a:r>
-          </a:p>
-          <a:p>
-            <a:r>
-              <a:rPr lang="en-US" dirty="0"/>
-              <a:t>Cross-document paths start with the namespace prefix</a:t>
-            </a:r>
-          </a:p>
-          <a:p>
-            <a:pPr marL="0" indent="0">
-              <a:buNone/>
-            </a:pPr>
-            <a:r>
-              <a:rPr lang="en-US" sz="1800" dirty="0">
-                <a:latin typeface="Courier" pitchFamily="2" charset="0"/>
-              </a:rPr>
-              <a:t>"namespace": {</a:t>
-            </a:r>
-          </a:p>
-          <a:p>
-            <a:pPr marL="0" indent="0">
-              <a:buNone/>
-            </a:pPr>
-            <a:r>
-              <a:rPr lang="en-US" sz="1800" dirty="0">
-                <a:latin typeface="Courier" pitchFamily="2" charset="0"/>
-              </a:rPr>
-              <a:t>  "ex": "</a:t>
-            </a:r>
-            <a:r>
-              <a:rPr lang="en-US" sz="1800" dirty="0">
-                <a:latin typeface="Courier" pitchFamily="2" charset="0"/>
-                <a:hlinkClick r:id="rId2"/>
-              </a:rPr>
-              <a:t>https://example.com</a:t>
-            </a:r>
-            <a:r>
-              <a:rPr lang="en-US" sz="1800" dirty="0">
-                <a:latin typeface="Courier" pitchFamily="2" charset="0"/>
+              <a:rPr lang="en-US" sz="1600" dirty="0">
+                <a:latin typeface="Courier" charset="0"/>
+                <a:ea typeface="Courier" charset="0"/>
+                <a:cs typeface="Courier" charset="0"/>
+              </a:rPr>
+              <a:t>{</a:t>
+            </a:r>
+          </a:p>
+          <a:p>
+            <a:r>
+              <a:rPr lang="en-US" sz="1600" dirty="0">
+                <a:latin typeface="Courier" charset="0"/>
+                <a:ea typeface="Courier" charset="0"/>
+                <a:cs typeface="Courier" charset="0"/>
+              </a:rPr>
+              <a:t>  "namespace": {</a:t>
+            </a:r>
+          </a:p>
+          <a:p>
+            <a:r>
+              <a:rPr lang="en-US" sz="1600" dirty="0">
+                <a:latin typeface="Courier" charset="0"/>
+                <a:ea typeface="Courier" charset="0"/>
+                <a:cs typeface="Courier" charset="0"/>
+              </a:rPr>
+              <a:t>    "</a:t>
+            </a:r>
+            <a:r>
+              <a:rPr lang="en-US" sz="1600" dirty="0" err="1">
+                <a:latin typeface="Courier" charset="0"/>
+                <a:ea typeface="Courier" charset="0"/>
+                <a:cs typeface="Courier" charset="0"/>
+              </a:rPr>
+              <a:t>st</a:t>
+            </a:r>
+            <a:r>
+              <a:rPr lang="en-US" sz="1600" dirty="0">
+                <a:latin typeface="Courier" charset="0"/>
+                <a:ea typeface="Courier" charset="0"/>
+                <a:cs typeface="Courier" charset="0"/>
+              </a:rPr>
+              <a:t>": "http://</a:t>
+            </a:r>
+            <a:r>
+              <a:rPr lang="en-US" sz="1600" dirty="0" err="1">
+                <a:latin typeface="Courier" charset="0"/>
+                <a:ea typeface="Courier" charset="0"/>
+                <a:cs typeface="Courier" charset="0"/>
+              </a:rPr>
+              <a:t>example.com</a:t>
+            </a:r>
+            <a:r>
+              <a:rPr lang="en-US" sz="1600" dirty="0">
+                <a:latin typeface="Courier" charset="0"/>
+                <a:ea typeface="Courier" charset="0"/>
+                <a:cs typeface="Courier" charset="0"/>
+              </a:rPr>
+              <a:t>/capability/</a:t>
+            </a:r>
+            <a:r>
+              <a:rPr lang="en-US" sz="1600" dirty="0" err="1">
+                <a:latin typeface="Courier" charset="0"/>
+                <a:ea typeface="Courier" charset="0"/>
+                <a:cs typeface="Courier" charset="0"/>
+              </a:rPr>
+              <a:t>odm</a:t>
+            </a:r>
+            <a:r>
+              <a:rPr lang="en-US" sz="1600" dirty="0">
+                <a:latin typeface="Courier" charset="0"/>
+                <a:ea typeface="Courier" charset="0"/>
+                <a:cs typeface="Courier" charset="0"/>
               </a:rPr>
               <a:t>"</a:t>
             </a:r>
           </a:p>
           <a:p>
-            <a:pPr marL="0" indent="0">
-              <a:buNone/>
-            </a:pPr>
-            <a:r>
-              <a:rPr lang="en-US" sz="1800" dirty="0">
-                <a:latin typeface="Courier" pitchFamily="2" charset="0"/>
+            <a:r>
+              <a:rPr lang="en-US" sz="1600" dirty="0">
+                <a:latin typeface="Courier" charset="0"/>
+                <a:ea typeface="Courier" charset="0"/>
+                <a:cs typeface="Courier" charset="0"/>
+              </a:rPr>
+              <a:t>  },</a:t>
+            </a:r>
+          </a:p>
+          <a:p>
+            <a:r>
+              <a:rPr lang="en-US" sz="1600" dirty="0">
+                <a:latin typeface="Courier" charset="0"/>
+                <a:ea typeface="Courier" charset="0"/>
+                <a:cs typeface="Courier" charset="0"/>
+              </a:rPr>
+              <a:t>  "</a:t>
+            </a:r>
+            <a:r>
+              <a:rPr lang="en-US" sz="1600" dirty="0" err="1">
+                <a:latin typeface="Courier" charset="0"/>
+                <a:ea typeface="Courier" charset="0"/>
+                <a:cs typeface="Courier" charset="0"/>
+              </a:rPr>
+              <a:t>defaultNamespace</a:t>
+            </a:r>
+            <a:r>
+              <a:rPr lang="en-US" sz="1600" dirty="0">
+                <a:latin typeface="Courier" charset="0"/>
+                <a:ea typeface="Courier" charset="0"/>
+                <a:cs typeface="Courier" charset="0"/>
+              </a:rPr>
+              <a:t>": "</a:t>
+            </a:r>
+            <a:r>
+              <a:rPr lang="en-US" sz="1600" dirty="0" err="1">
+                <a:latin typeface="Courier" charset="0"/>
+                <a:ea typeface="Courier" charset="0"/>
+                <a:cs typeface="Courier" charset="0"/>
+              </a:rPr>
+              <a:t>st</a:t>
+            </a:r>
+            <a:r>
+              <a:rPr lang="en-US" sz="1600" dirty="0">
+                <a:latin typeface="Courier" charset="0"/>
+                <a:ea typeface="Courier" charset="0"/>
+                <a:cs typeface="Courier" charset="0"/>
+              </a:rPr>
+              <a:t>",</a:t>
+            </a:r>
+          </a:p>
+          <a:p>
+            <a:r>
+              <a:rPr lang="en-US" sz="1600" dirty="0">
+                <a:latin typeface="Courier" charset="0"/>
+                <a:ea typeface="Courier" charset="0"/>
+                <a:cs typeface="Courier" charset="0"/>
+              </a:rPr>
+              <a:t>  </a:t>
+            </a:r>
+            <a:r>
+              <a:rPr lang="mr-IN" sz="1600" dirty="0">
+                <a:latin typeface="Courier" charset="0"/>
+                <a:ea typeface="Courier" charset="0"/>
+                <a:cs typeface="Courier" charset="0"/>
+              </a:rPr>
+              <a:t>"</a:t>
+            </a:r>
+            <a:r>
+              <a:rPr lang="en-US" sz="1600" dirty="0" err="1">
+                <a:latin typeface="Courier" charset="0"/>
+                <a:ea typeface="Courier" charset="0"/>
+                <a:cs typeface="Courier" charset="0"/>
+              </a:rPr>
+              <a:t>odmObject</a:t>
+            </a:r>
+            <a:r>
+              <a:rPr lang="en-US" sz="1600" dirty="0">
+                <a:latin typeface="Courier" charset="0"/>
+                <a:ea typeface="Courier" charset="0"/>
+                <a:cs typeface="Courier" charset="0"/>
+              </a:rPr>
+              <a:t>": {</a:t>
+            </a:r>
+          </a:p>
+          <a:p>
+            <a:r>
+              <a:rPr lang="en-US" sz="1600" dirty="0">
+                <a:latin typeface="Courier" charset="0"/>
+                <a:ea typeface="Courier" charset="0"/>
+                <a:cs typeface="Courier" charset="0"/>
+              </a:rPr>
+              <a:t>    "</a:t>
+            </a:r>
+            <a:r>
+              <a:rPr lang="en-US" sz="1600" dirty="0">
+                <a:solidFill>
+                  <a:srgbClr val="FF0000"/>
+                </a:solidFill>
+                <a:latin typeface="Courier" charset="0"/>
+                <a:ea typeface="Courier" charset="0"/>
+                <a:cs typeface="Courier" charset="0"/>
+              </a:rPr>
+              <a:t>Switch</a:t>
+            </a:r>
+            <a:r>
+              <a:rPr lang="en-US" sz="1600" dirty="0">
+                <a:latin typeface="Courier" charset="0"/>
+                <a:ea typeface="Courier" charset="0"/>
+                <a:cs typeface="Courier" charset="0"/>
+              </a:rPr>
+              <a:t>": { </a:t>
+            </a:r>
+          </a:p>
+          <a:p>
+            <a:r>
+              <a:rPr lang="en-US" sz="1600" dirty="0">
+                <a:latin typeface="Courier" charset="0"/>
+                <a:ea typeface="Courier" charset="0"/>
+                <a:cs typeface="Courier" charset="0"/>
+              </a:rPr>
+              <a:t>      </a:t>
+            </a:r>
+            <a:r>
+              <a:rPr lang="mr-IN" sz="1600" dirty="0">
+                <a:latin typeface="Courier" charset="0"/>
+                <a:ea typeface="Courier" charset="0"/>
+                <a:cs typeface="Courier" charset="0"/>
+              </a:rPr>
+              <a:t>"</a:t>
+            </a:r>
+            <a:r>
+              <a:rPr lang="en-US" sz="1600" dirty="0" err="1">
+                <a:latin typeface="Courier" charset="0"/>
+                <a:ea typeface="Courier" charset="0"/>
+                <a:cs typeface="Courier" charset="0"/>
+              </a:rPr>
+              <a:t>odmProperty</a:t>
+            </a:r>
+            <a:r>
+              <a:rPr lang="en-US" sz="1600" dirty="0">
+                <a:latin typeface="Courier" charset="0"/>
+                <a:ea typeface="Courier" charset="0"/>
+                <a:cs typeface="Courier" charset="0"/>
+              </a:rPr>
+              <a:t>": {</a:t>
+            </a:r>
+          </a:p>
+          <a:p>
+            <a:r>
+              <a:rPr lang="en-US" sz="1600" dirty="0">
+                <a:latin typeface="Courier" charset="0"/>
+                <a:ea typeface="Courier" charset="0"/>
+                <a:cs typeface="Courier" charset="0"/>
+              </a:rPr>
+              <a:t>        "</a:t>
+            </a:r>
+            <a:r>
+              <a:rPr lang="en-US" sz="1600" dirty="0">
+                <a:solidFill>
+                  <a:srgbClr val="FF0000"/>
+                </a:solidFill>
+                <a:latin typeface="Courier" charset="0"/>
+                <a:ea typeface="Courier" charset="0"/>
+                <a:cs typeface="Courier" charset="0"/>
+              </a:rPr>
+              <a:t>value</a:t>
+            </a:r>
+            <a:r>
+              <a:rPr lang="en-US" sz="1600" dirty="0">
+                <a:latin typeface="Courier" charset="0"/>
+                <a:ea typeface="Courier" charset="0"/>
+                <a:cs typeface="Courier" charset="0"/>
+              </a:rPr>
+              <a:t>": {</a:t>
+            </a:r>
+          </a:p>
+          <a:p>
+            <a:r>
+              <a:rPr lang="en-US" sz="1600" dirty="0">
+                <a:latin typeface="Courier" charset="0"/>
+                <a:ea typeface="Courier" charset="0"/>
+                <a:cs typeface="Courier" charset="0"/>
+              </a:rPr>
+              <a:t>          "type": "string",</a:t>
+            </a:r>
+          </a:p>
+          <a:p>
+            <a:r>
+              <a:rPr lang="en-US" sz="1600" dirty="0">
+                <a:latin typeface="Courier" charset="0"/>
+                <a:ea typeface="Courier" charset="0"/>
+                <a:cs typeface="Courier" charset="0"/>
+              </a:rPr>
+              <a:t>          "</a:t>
+            </a:r>
+            <a:r>
+              <a:rPr lang="en-US" sz="1600" dirty="0" err="1">
+                <a:latin typeface="Courier" charset="0"/>
+                <a:ea typeface="Courier" charset="0"/>
+                <a:cs typeface="Courier" charset="0"/>
+              </a:rPr>
+              <a:t>enum</a:t>
+            </a:r>
+            <a:r>
+              <a:rPr lang="en-US" sz="1600" dirty="0">
+                <a:latin typeface="Courier" charset="0"/>
+                <a:ea typeface="Courier" charset="0"/>
+                <a:cs typeface="Courier" charset="0"/>
+              </a:rPr>
+              <a:t>": ["on", "off"]</a:t>
+            </a:r>
+          </a:p>
+          <a:p>
+            <a:r>
+              <a:rPr lang="en-US" sz="1600" dirty="0">
+                <a:latin typeface="Courier" charset="0"/>
+                <a:ea typeface="Courier" charset="0"/>
+                <a:cs typeface="Courier" charset="0"/>
+              </a:rPr>
+              <a:t>        }</a:t>
+            </a:r>
+          </a:p>
+          <a:p>
+            <a:r>
+              <a:rPr lang="en-US" sz="1600" dirty="0">
+                <a:latin typeface="Courier" charset="0"/>
+                <a:ea typeface="Courier" charset="0"/>
+                <a:cs typeface="Courier" charset="0"/>
+              </a:rPr>
+              <a:t>      },</a:t>
+            </a:r>
+          </a:p>
+          <a:p>
+            <a:r>
+              <a:rPr lang="en-US" sz="1600" dirty="0">
+                <a:latin typeface="Courier" charset="0"/>
+                <a:ea typeface="Courier" charset="0"/>
+                <a:cs typeface="Courier" charset="0"/>
+              </a:rPr>
+              <a:t>      </a:t>
+            </a:r>
+            <a:r>
+              <a:rPr lang="mr-IN" sz="1600" dirty="0">
+                <a:latin typeface="Courier" charset="0"/>
+                <a:ea typeface="Courier" charset="0"/>
+                <a:cs typeface="Courier" charset="0"/>
+              </a:rPr>
+              <a:t>"</a:t>
+            </a:r>
+            <a:r>
+              <a:rPr lang="en-US" sz="1600" dirty="0" err="1">
+                <a:latin typeface="Courier" charset="0"/>
+                <a:ea typeface="Courier" charset="0"/>
+                <a:cs typeface="Courier" charset="0"/>
+              </a:rPr>
+              <a:t>odmAction</a:t>
+            </a:r>
+            <a:r>
+              <a:rPr lang="en-US" sz="1600" dirty="0">
+                <a:latin typeface="Courier" charset="0"/>
+                <a:ea typeface="Courier" charset="0"/>
+                <a:cs typeface="Courier" charset="0"/>
+              </a:rPr>
+              <a:t>": {</a:t>
+            </a:r>
+          </a:p>
+          <a:p>
+            <a:r>
+              <a:rPr lang="en-US" sz="1600" dirty="0">
+                <a:latin typeface="Courier" charset="0"/>
+                <a:ea typeface="Courier" charset="0"/>
+                <a:cs typeface="Courier" charset="0"/>
+              </a:rPr>
+              <a:t>        "</a:t>
+            </a:r>
+            <a:r>
+              <a:rPr lang="en-US" sz="1600" dirty="0">
+                <a:solidFill>
+                  <a:srgbClr val="FF0000"/>
+                </a:solidFill>
+                <a:latin typeface="Courier" charset="0"/>
+                <a:ea typeface="Courier" charset="0"/>
+                <a:cs typeface="Courier" charset="0"/>
+              </a:rPr>
+              <a:t>on</a:t>
+            </a:r>
+            <a:r>
+              <a:rPr lang="en-US" sz="1600" dirty="0">
+                <a:latin typeface="Courier" charset="0"/>
+                <a:ea typeface="Courier" charset="0"/>
+                <a:cs typeface="Courier" charset="0"/>
+              </a:rPr>
+              <a:t>": {},</a:t>
+            </a:r>
+          </a:p>
+          <a:p>
+            <a:r>
+              <a:rPr lang="en-US" sz="1600" dirty="0">
+                <a:latin typeface="Courier" charset="0"/>
+                <a:ea typeface="Courier" charset="0"/>
+                <a:cs typeface="Courier" charset="0"/>
+              </a:rPr>
+              <a:t>        "</a:t>
+            </a:r>
+            <a:r>
+              <a:rPr lang="en-US" sz="1600" dirty="0">
+                <a:solidFill>
+                  <a:srgbClr val="FF0000"/>
+                </a:solidFill>
+                <a:latin typeface="Courier" charset="0"/>
+                <a:ea typeface="Courier" charset="0"/>
+                <a:cs typeface="Courier" charset="0"/>
+              </a:rPr>
+              <a:t>off</a:t>
+            </a:r>
+            <a:r>
+              <a:rPr lang="en-US" sz="1600" dirty="0">
+                <a:latin typeface="Courier" charset="0"/>
+                <a:ea typeface="Courier" charset="0"/>
+                <a:cs typeface="Courier" charset="0"/>
+              </a:rPr>
+              <a:t>": {}</a:t>
+            </a:r>
+          </a:p>
+          <a:p>
+            <a:r>
+              <a:rPr lang="en-US" sz="1600" dirty="0">
+                <a:latin typeface="Courier" charset="0"/>
+                <a:ea typeface="Courier" charset="0"/>
+                <a:cs typeface="Courier" charset="0"/>
+              </a:rPr>
+              <a:t>      }</a:t>
+            </a:r>
+          </a:p>
+          <a:p>
+            <a:r>
+              <a:rPr lang="en-US" sz="1600" dirty="0">
+                <a:latin typeface="Courier" charset="0"/>
+                <a:ea typeface="Courier" charset="0"/>
+                <a:cs typeface="Courier" charset="0"/>
+              </a:rPr>
+              <a:t>    }</a:t>
+            </a:r>
+          </a:p>
+          <a:p>
+            <a:r>
+              <a:rPr lang="en-US" sz="1600" dirty="0">
+                <a:latin typeface="Courier" charset="0"/>
+                <a:ea typeface="Courier" charset="0"/>
+                <a:cs typeface="Courier" charset="0"/>
+              </a:rPr>
+              <a:t>  }</a:t>
+            </a:r>
+          </a:p>
+          <a:p>
+            <a:r>
+              <a:rPr lang="en-US" sz="1600" dirty="0">
+                <a:effectLst/>
+                <a:latin typeface="Courier" charset="0"/>
+                <a:ea typeface="Courier" charset="0"/>
+                <a:cs typeface="Courier" charset="0"/>
               </a:rPr>
               <a:t>}</a:t>
             </a:r>
           </a:p>
-          <a:p>
-            <a:pPr marL="0" indent="0">
-              <a:buNone/>
-            </a:pPr>
-            <a:r>
-              <a:rPr lang="en-US" sz="1800" dirty="0">
-                <a:latin typeface="Courier" pitchFamily="2" charset="0"/>
-              </a:rPr>
-              <a:t>JSON pointer expression "ex:/</a:t>
-            </a:r>
-            <a:r>
-              <a:rPr lang="en-US" sz="1800" dirty="0" err="1">
-                <a:latin typeface="Courier" pitchFamily="2" charset="0"/>
+        </p:txBody>
+      </p:sp>
+      <p:sp>
+        <p:nvSpPr>
+          <p:cNvPr id="5" name="Rectangle 4"/>
+          <p:cNvSpPr/>
+          <p:nvPr/>
+        </p:nvSpPr>
+        <p:spPr>
+          <a:xfrm>
+            <a:off x="2754089" y="2731763"/>
+            <a:ext cx="5382491" cy="338554"/>
+          </a:xfrm>
+          <a:prstGeom prst="rect">
+            <a:avLst/>
+          </a:prstGeom>
+        </p:spPr>
+        <p:txBody>
+          <a:bodyPr wrap="square">
+            <a:spAutoFit/>
+          </a:bodyPr>
+          <a:lstStyle/>
+          <a:p>
+            <a:r>
+              <a:rPr lang="en-US" sz="1600" dirty="0">
+                <a:solidFill>
+                  <a:srgbClr val="FF0000"/>
+                </a:solidFill>
+                <a:latin typeface="Courier" charset="0"/>
+                <a:ea typeface="Courier" charset="0"/>
+                <a:cs typeface="Courier" charset="0"/>
+              </a:rPr>
+              <a:t>#/</a:t>
+            </a:r>
+            <a:r>
+              <a:rPr lang="en-US" sz="1600" dirty="0" err="1">
+                <a:solidFill>
+                  <a:srgbClr val="FF0000"/>
+                </a:solidFill>
+                <a:latin typeface="Courier" charset="0"/>
+                <a:ea typeface="Courier" charset="0"/>
+                <a:cs typeface="Courier" charset="0"/>
               </a:rPr>
               <a:t>odmObject</a:t>
             </a:r>
             <a:r>
-              <a:rPr lang="en-US" sz="1800" dirty="0">
-                <a:latin typeface="Courier" pitchFamily="2" charset="0"/>
-              </a:rPr>
-              <a:t>/temperature"</a:t>
-            </a:r>
-          </a:p>
-          <a:p>
-            <a:pPr marL="0" indent="0">
-              <a:buNone/>
-            </a:pPr>
-            <a:r>
-              <a:rPr lang="en-US" sz="1800" dirty="0">
-                <a:latin typeface="Courier" pitchFamily="2" charset="0"/>
-              </a:rPr>
-              <a:t>Expands to "https://</a:t>
-            </a:r>
-            <a:r>
-              <a:rPr lang="en-US" sz="1800" dirty="0" err="1">
-                <a:latin typeface="Courier" pitchFamily="2" charset="0"/>
-              </a:rPr>
-              <a:t>example.com</a:t>
-            </a:r>
-            <a:r>
-              <a:rPr lang="en-US" sz="1800" dirty="0">
-                <a:latin typeface="Courier" pitchFamily="2" charset="0"/>
-              </a:rPr>
-              <a:t>/</a:t>
-            </a:r>
-            <a:r>
-              <a:rPr lang="en-US" sz="1800" dirty="0" err="1">
-                <a:latin typeface="Courier" pitchFamily="2" charset="0"/>
+              <a:rPr lang="en-US" sz="1600" dirty="0">
+                <a:solidFill>
+                  <a:srgbClr val="FF0000"/>
+                </a:solidFill>
+                <a:latin typeface="Courier" charset="0"/>
+                <a:ea typeface="Courier" charset="0"/>
+                <a:cs typeface="Courier" charset="0"/>
+              </a:rPr>
+              <a:t>/Switch or </a:t>
+            </a:r>
+            <a:r>
+              <a:rPr lang="en-US" sz="1600" dirty="0" err="1">
+                <a:solidFill>
+                  <a:srgbClr val="FF0000"/>
+                </a:solidFill>
+                <a:latin typeface="Courier" charset="0"/>
+                <a:ea typeface="Courier" charset="0"/>
+                <a:cs typeface="Courier" charset="0"/>
+              </a:rPr>
+              <a:t>st</a:t>
+            </a:r>
+            <a:r>
+              <a:rPr lang="en-US" sz="1600" dirty="0">
+                <a:solidFill>
+                  <a:srgbClr val="FF0000"/>
+                </a:solidFill>
+                <a:latin typeface="Courier" charset="0"/>
+                <a:ea typeface="Courier" charset="0"/>
+                <a:cs typeface="Courier" charset="0"/>
+              </a:rPr>
+              <a:t>:/</a:t>
+            </a:r>
+            <a:r>
+              <a:rPr lang="en-US" sz="1600" dirty="0" err="1">
+                <a:solidFill>
+                  <a:srgbClr val="FF0000"/>
+                </a:solidFill>
+                <a:latin typeface="Courier" charset="0"/>
+                <a:ea typeface="Courier" charset="0"/>
+                <a:cs typeface="Courier" charset="0"/>
               </a:rPr>
               <a:t>odmObject</a:t>
             </a:r>
             <a:r>
-              <a:rPr lang="en-US" sz="1800" dirty="0">
-                <a:latin typeface="Courier" pitchFamily="2" charset="0"/>
-              </a:rPr>
-              <a:t>/temperature"</a:t>
-            </a:r>
+              <a:rPr lang="en-US" sz="1600" dirty="0">
+                <a:solidFill>
+                  <a:srgbClr val="FF0000"/>
+                </a:solidFill>
+                <a:latin typeface="Courier" charset="0"/>
+                <a:ea typeface="Courier" charset="0"/>
+                <a:cs typeface="Courier" charset="0"/>
+              </a:rPr>
+              <a:t>/Switch</a:t>
+            </a:r>
+            <a:endParaRPr lang="en-US" sz="1600" dirty="0">
+              <a:solidFill>
+                <a:srgbClr val="FF0000"/>
+              </a:solidFill>
+            </a:endParaRPr>
+          </a:p>
+        </p:txBody>
+      </p:sp>
+      <p:sp>
+        <p:nvSpPr>
+          <p:cNvPr id="6" name="Rectangle 5"/>
+          <p:cNvSpPr/>
+          <p:nvPr/>
+        </p:nvSpPr>
+        <p:spPr>
+          <a:xfrm>
+            <a:off x="3197437" y="3227063"/>
+            <a:ext cx="4716478" cy="338554"/>
+          </a:xfrm>
+          <a:prstGeom prst="rect">
+            <a:avLst/>
+          </a:prstGeom>
+        </p:spPr>
+        <p:txBody>
+          <a:bodyPr wrap="square">
+            <a:spAutoFit/>
+          </a:bodyPr>
+          <a:lstStyle/>
+          <a:p>
+            <a:r>
+              <a:rPr lang="en-US" sz="1600" dirty="0">
+                <a:solidFill>
+                  <a:srgbClr val="FF0000"/>
+                </a:solidFill>
+                <a:latin typeface="Courier" charset="0"/>
+                <a:ea typeface="Courier" charset="0"/>
+                <a:cs typeface="Courier" charset="0"/>
+              </a:rPr>
+              <a:t>#/</a:t>
+            </a:r>
+            <a:r>
+              <a:rPr lang="en-US" sz="1600" dirty="0" err="1">
+                <a:solidFill>
+                  <a:srgbClr val="FF0000"/>
+                </a:solidFill>
+                <a:latin typeface="Courier" charset="0"/>
+                <a:ea typeface="Courier" charset="0"/>
+                <a:cs typeface="Courier" charset="0"/>
+              </a:rPr>
+              <a:t>odmObject</a:t>
+            </a:r>
+            <a:r>
+              <a:rPr lang="en-US" sz="1600" dirty="0">
+                <a:solidFill>
+                  <a:srgbClr val="FF0000"/>
+                </a:solidFill>
+                <a:latin typeface="Courier" charset="0"/>
+                <a:ea typeface="Courier" charset="0"/>
+                <a:cs typeface="Courier" charset="0"/>
+              </a:rPr>
+              <a:t>/Switch/</a:t>
+            </a:r>
+            <a:r>
+              <a:rPr lang="en-US" sz="1600" dirty="0" err="1">
+                <a:solidFill>
+                  <a:srgbClr val="FF0000"/>
+                </a:solidFill>
+                <a:latin typeface="Courier" charset="0"/>
+                <a:ea typeface="Courier" charset="0"/>
+                <a:cs typeface="Courier" charset="0"/>
+              </a:rPr>
+              <a:t>odmProperty</a:t>
+            </a:r>
+            <a:r>
+              <a:rPr lang="en-US" sz="1600" dirty="0">
+                <a:solidFill>
+                  <a:srgbClr val="FF0000"/>
+                </a:solidFill>
+                <a:latin typeface="Courier" charset="0"/>
+                <a:ea typeface="Courier" charset="0"/>
+                <a:cs typeface="Courier" charset="0"/>
+              </a:rPr>
+              <a:t>/value</a:t>
+            </a:r>
+            <a:endParaRPr lang="en-US" sz="1600" dirty="0">
+              <a:solidFill>
+                <a:srgbClr val="FF0000"/>
+              </a:solidFill>
+            </a:endParaRPr>
+          </a:p>
+        </p:txBody>
+      </p:sp>
+      <p:sp>
+        <p:nvSpPr>
+          <p:cNvPr id="7" name="Rectangle 6"/>
+          <p:cNvSpPr/>
+          <p:nvPr/>
+        </p:nvSpPr>
+        <p:spPr>
+          <a:xfrm>
+            <a:off x="2754090" y="4666014"/>
+            <a:ext cx="5839693" cy="338554"/>
+          </a:xfrm>
+          <a:prstGeom prst="rect">
+            <a:avLst/>
+          </a:prstGeom>
+        </p:spPr>
+        <p:txBody>
+          <a:bodyPr wrap="square">
+            <a:spAutoFit/>
+          </a:bodyPr>
+          <a:lstStyle/>
+          <a:p>
+            <a:r>
+              <a:rPr lang="en-US" sz="1600" dirty="0">
+                <a:solidFill>
+                  <a:srgbClr val="FF0000"/>
+                </a:solidFill>
+                <a:latin typeface="Courier" charset="0"/>
+                <a:ea typeface="Courier" charset="0"/>
+                <a:cs typeface="Courier" charset="0"/>
+              </a:rPr>
+              <a:t>#/</a:t>
+            </a:r>
+            <a:r>
+              <a:rPr lang="en-US" sz="1600" dirty="0" err="1">
+                <a:solidFill>
+                  <a:srgbClr val="FF0000"/>
+                </a:solidFill>
+                <a:latin typeface="Courier" charset="0"/>
+                <a:ea typeface="Courier" charset="0"/>
+                <a:cs typeface="Courier" charset="0"/>
+              </a:rPr>
+              <a:t>odmObject</a:t>
+            </a:r>
+            <a:r>
+              <a:rPr lang="en-US" sz="1600" dirty="0">
+                <a:solidFill>
+                  <a:srgbClr val="FF0000"/>
+                </a:solidFill>
+                <a:latin typeface="Courier" charset="0"/>
+                <a:ea typeface="Courier" charset="0"/>
+                <a:cs typeface="Courier" charset="0"/>
+              </a:rPr>
+              <a:t>/Switch/</a:t>
+            </a:r>
+            <a:r>
+              <a:rPr lang="en-US" sz="1600" dirty="0" err="1">
+                <a:solidFill>
+                  <a:srgbClr val="FF0000"/>
+                </a:solidFill>
+                <a:latin typeface="Courier" charset="0"/>
+                <a:ea typeface="Courier" charset="0"/>
+                <a:cs typeface="Courier" charset="0"/>
+              </a:rPr>
+              <a:t>odmAction</a:t>
+            </a:r>
+            <a:r>
+              <a:rPr lang="en-US" sz="1600" dirty="0">
+                <a:solidFill>
+                  <a:srgbClr val="FF0000"/>
+                </a:solidFill>
+                <a:latin typeface="Courier" charset="0"/>
+                <a:ea typeface="Courier" charset="0"/>
+                <a:cs typeface="Courier" charset="0"/>
+              </a:rPr>
+              <a:t>/on</a:t>
+            </a:r>
+            <a:endParaRPr lang="en-US" sz="1600" dirty="0">
+              <a:solidFill>
+                <a:srgbClr val="FF0000"/>
+              </a:solidFill>
+            </a:endParaRPr>
+          </a:p>
+        </p:txBody>
+      </p:sp>
+      <p:sp>
+        <p:nvSpPr>
+          <p:cNvPr id="8" name="Rectangle 7"/>
+          <p:cNvSpPr/>
+          <p:nvPr/>
+        </p:nvSpPr>
+        <p:spPr>
+          <a:xfrm>
+            <a:off x="2754089" y="4992037"/>
+            <a:ext cx="5839693" cy="338554"/>
+          </a:xfrm>
+          <a:prstGeom prst="rect">
+            <a:avLst/>
+          </a:prstGeom>
+        </p:spPr>
+        <p:txBody>
+          <a:bodyPr wrap="square">
+            <a:spAutoFit/>
+          </a:bodyPr>
+          <a:lstStyle/>
+          <a:p>
+            <a:r>
+              <a:rPr lang="en-US" sz="1600" dirty="0">
+                <a:solidFill>
+                  <a:srgbClr val="FF0000"/>
+                </a:solidFill>
+                <a:latin typeface="Courier" charset="0"/>
+                <a:ea typeface="Courier" charset="0"/>
+                <a:cs typeface="Courier" charset="0"/>
+              </a:rPr>
+              <a:t>#/</a:t>
+            </a:r>
+            <a:r>
+              <a:rPr lang="en-US" sz="1600" dirty="0" err="1">
+                <a:solidFill>
+                  <a:srgbClr val="FF0000"/>
+                </a:solidFill>
+                <a:latin typeface="Courier" charset="0"/>
+                <a:ea typeface="Courier" charset="0"/>
+                <a:cs typeface="Courier" charset="0"/>
+              </a:rPr>
+              <a:t>odmObject</a:t>
+            </a:r>
+            <a:r>
+              <a:rPr lang="en-US" sz="1600" dirty="0">
+                <a:solidFill>
+                  <a:srgbClr val="FF0000"/>
+                </a:solidFill>
+                <a:latin typeface="Courier" charset="0"/>
+                <a:ea typeface="Courier" charset="0"/>
+                <a:cs typeface="Courier" charset="0"/>
+              </a:rPr>
+              <a:t>/Switch/</a:t>
+            </a:r>
+            <a:r>
+              <a:rPr lang="en-US" sz="1600" dirty="0" err="1">
+                <a:solidFill>
+                  <a:srgbClr val="FF0000"/>
+                </a:solidFill>
+                <a:latin typeface="Courier" charset="0"/>
+                <a:ea typeface="Courier" charset="0"/>
+                <a:cs typeface="Courier" charset="0"/>
+              </a:rPr>
+              <a:t>odmAction</a:t>
+            </a:r>
+            <a:r>
+              <a:rPr lang="en-US" sz="1600" dirty="0">
+                <a:solidFill>
+                  <a:srgbClr val="FF0000"/>
+                </a:solidFill>
+                <a:latin typeface="Courier" charset="0"/>
+                <a:ea typeface="Courier" charset="0"/>
+                <a:cs typeface="Courier" charset="0"/>
+              </a:rPr>
+              <a:t>/off</a:t>
+            </a:r>
+            <a:endParaRPr lang="en-US" sz="1600" dirty="0">
+              <a:solidFill>
+                <a:srgbClr val="FF0000"/>
+              </a:solidFill>
+            </a:endParaRPr>
           </a:p>
         </p:txBody>
       </p:sp>
     </p:spTree>
     <p:extLst>
       <p:ext uri="{BB962C8B-B14F-4D97-AF65-F5344CB8AC3E}">
-        <p14:creationId xmlns:p14="http://schemas.microsoft.com/office/powerpoint/2010/main" val="1201046654"/>
+        <p14:creationId xmlns:p14="http://schemas.microsoft.com/office/powerpoint/2010/main" val="1577521574"/>
       </p:ext>
     </p:extLst>
   </p:cSld>
@@ -6668,7 +7049,13 @@
       </p:grpSpPr>
       <p:sp>
         <p:nvSpPr>
-          <p:cNvPr id="2" name="Title 1"/>
+          <p:cNvPr id="2" name="Title 1">
+            <a:extLst>
+              <a:ext uri="{FF2B5EF4-FFF2-40B4-BE49-F238E27FC236}">
+                <a16:creationId xmlns="" xmlns:a16="http://schemas.microsoft.com/office/drawing/2014/main" id="{75568556-2C31-0C4E-A37C-E9645ACFCD56}"/>
+              </a:ext>
+            </a:extLst>
+          </p:cNvPr>
           <p:cNvSpPr>
             <a:spLocks noGrp="1"/>
           </p:cNvSpPr>
@@ -6678,7 +7065,7 @@
         </p:nvSpPr>
         <p:spPr>
           <a:xfrm>
-            <a:off x="628650" y="111786"/>
+            <a:off x="628650" y="202882"/>
             <a:ext cx="7886700" cy="1325563"/>
           </a:xfrm>
         </p:spPr>
@@ -6688,14 +7075,20 @@
           <a:p>
             <a:r>
               <a:rPr lang="en-US" dirty="0"/>
-              <a:t>Re-use and Recursion</a:t>
-            </a:r>
-          </a:p>
-        </p:txBody>
-      </p:sp>
-      <p:sp>
-        <p:nvSpPr>
-          <p:cNvPr id="3" name="Content Placeholder 2"/>
+              <a:t>JSON Pointer Namespace Prefix</a:t>
+            </a:r>
+          </a:p>
+        </p:txBody>
+      </p:sp>
+      <p:sp>
+        <p:nvSpPr>
+          <p:cNvPr id="3" name="Content Placeholder 2">
+            <a:extLst>
+              <a:ext uri="{FF2B5EF4-FFF2-40B4-BE49-F238E27FC236}">
+                <a16:creationId xmlns="" xmlns:a16="http://schemas.microsoft.com/office/drawing/2014/main" id="{6A1CC774-6959-2C42-8147-1E22750CC8C5}"/>
+              </a:ext>
+            </a:extLst>
+          </p:cNvPr>
           <p:cNvSpPr>
             <a:spLocks noGrp="1"/>
           </p:cNvSpPr>
@@ -6705,119 +7098,135 @@
         </p:nvSpPr>
         <p:spPr>
           <a:xfrm>
-            <a:off x="413657" y="1394241"/>
-            <a:ext cx="8414657" cy="4974337"/>
+            <a:off x="628650" y="1642745"/>
+            <a:ext cx="7886700" cy="4351338"/>
           </a:xfrm>
         </p:spPr>
         <p:txBody>
-          <a:bodyPr/>
-          <a:lstStyle/>
-          <a:p>
-            <a:r>
-              <a:rPr lang="en-US" dirty="0"/>
-              <a:t>type</a:t>
-            </a:r>
-          </a:p>
-          <a:p>
-            <a:pPr lvl="1"/>
-            <a:r>
-              <a:rPr lang="en-US" dirty="0"/>
-              <a:t>Use an existing definition as a type for a new definition</a:t>
-            </a:r>
-          </a:p>
-          <a:p>
-            <a:pPr lvl="1"/>
-            <a:r>
-              <a:rPr lang="en-US" dirty="0"/>
-              <a:t>"type": { "$ref":  "#/</a:t>
-            </a:r>
-            <a:r>
-              <a:rPr lang="en-US" dirty="0" err="1"/>
-              <a:t>odmData</a:t>
-            </a:r>
-            <a:r>
-              <a:rPr lang="en-US" dirty="0"/>
+          <a:bodyPr>
+            <a:normAutofit lnSpcReduction="10000"/>
+          </a:bodyPr>
+          <a:lstStyle/>
+          <a:p>
+            <a:r>
+              <a:rPr lang="en-US" dirty="0"/>
+              <a:t>Add a namespace prefix to JSON Pointers used to identify model elements in different files</a:t>
+            </a:r>
+          </a:p>
+          <a:p>
+            <a:r>
+              <a:rPr lang="en-US" dirty="0"/>
+              <a:t>The namespace prefix may be used in place of document paths in a filesystem</a:t>
+            </a:r>
+          </a:p>
+          <a:p>
+            <a:r>
+              <a:rPr lang="en-US" dirty="0"/>
+              <a:t>Cross-document paths start with the namespace prefix</a:t>
+            </a:r>
+          </a:p>
+          <a:p>
+            <a:pPr marL="0" indent="0">
+              <a:buNone/>
+            </a:pPr>
+            <a:r>
+              <a:rPr lang="en-US" sz="1800" dirty="0">
+                <a:latin typeface="Courier" pitchFamily="2" charset="0"/>
+              </a:rPr>
+              <a:t>"namespace": {</a:t>
+            </a:r>
+          </a:p>
+          <a:p>
+            <a:pPr marL="0" indent="0">
+              <a:buNone/>
+            </a:pPr>
+            <a:r>
+              <a:rPr lang="en-US" sz="1800" dirty="0">
+                <a:latin typeface="Courier" pitchFamily="2" charset="0"/>
+              </a:rPr>
+              <a:t>  "ex": "</a:t>
+            </a:r>
+            <a:r>
+              <a:rPr lang="en-US" sz="1800" dirty="0">
+                <a:latin typeface="Courier" pitchFamily="2" charset="0"/>
+                <a:hlinkClick r:id="rId2"/>
+              </a:rPr>
+              <a:t>https://example.com</a:t>
+            </a:r>
+            <a:r>
+              <a:rPr lang="en-US" sz="1800" dirty="0">
+                <a:latin typeface="Courier" pitchFamily="2" charset="0"/>
+              </a:rPr>
+              <a:t>"</a:t>
+            </a:r>
+          </a:p>
+          <a:p>
+            <a:pPr marL="0" indent="0">
+              <a:buNone/>
+            </a:pPr>
+            <a:r>
+              <a:rPr lang="en-US" sz="1800" dirty="0">
+                <a:latin typeface="Courier" pitchFamily="2" charset="0"/>
+              </a:rPr>
+              <a:t>}</a:t>
+            </a:r>
+          </a:p>
+          <a:p>
+            <a:pPr marL="0" indent="0">
+              <a:buNone/>
+            </a:pPr>
+            <a:r>
+              <a:rPr lang="en-US" sz="1800" dirty="0">
+                <a:latin typeface="Courier" pitchFamily="2" charset="0"/>
+              </a:rPr>
+              <a:t>JSON pointer expression "ex:/</a:t>
+            </a:r>
+            <a:r>
+              <a:rPr lang="en-US" sz="1800" dirty="0" err="1">
+                <a:latin typeface="Courier" pitchFamily="2" charset="0"/>
+              </a:rPr>
+              <a:t>odmObject</a:t>
+            </a:r>
+            <a:r>
+              <a:rPr lang="en-US" sz="1800" dirty="0">
+                <a:latin typeface="Courier" pitchFamily="2" charset="0"/>
+              </a:rPr>
+              <a:t>/temperature"</a:t>
+            </a:r>
+          </a:p>
+          <a:p>
+            <a:pPr marL="0" indent="0">
+              <a:buNone/>
+            </a:pPr>
+            <a:r>
+              <a:rPr lang="en-US" sz="1800" dirty="0">
+                <a:latin typeface="Courier" pitchFamily="2" charset="0"/>
+              </a:rPr>
+              <a:t>Expands to "https://</a:t>
+            </a:r>
+            <a:r>
+              <a:rPr lang="en-US" sz="1800" dirty="0" err="1">
+                <a:latin typeface="Courier" pitchFamily="2" charset="0"/>
+              </a:rPr>
+              <a:t>example.com</a:t>
+            </a:r>
+            <a:r>
+              <a:rPr lang="en-US" sz="1800" dirty="0">
+                <a:latin typeface="Courier" pitchFamily="2" charset="0"/>
+              </a:rPr>
               <a:t>/</a:t>
             </a:r>
             <a:r>
-              <a:rPr lang="en-US" dirty="0" err="1"/>
-              <a:t>temperatureData</a:t>
-            </a:r>
-            <a:r>
-              <a:rPr lang="en-US" dirty="0"/>
-              <a:t>" }</a:t>
-            </a:r>
-          </a:p>
-          <a:p>
-            <a:r>
-              <a:rPr lang="en-US" dirty="0"/>
-              <a:t>include</a:t>
-            </a:r>
-          </a:p>
-          <a:p>
-            <a:pPr lvl="1"/>
-            <a:r>
-              <a:rPr lang="en-US" dirty="0"/>
-              <a:t>Include an existing definition (instance) in this context</a:t>
-            </a:r>
-          </a:p>
-          <a:p>
-            <a:pPr lvl="1"/>
-            <a:r>
-              <a:rPr lang="en-US" dirty="0"/>
-              <a:t>"include":  [ { "$ref": "#/</a:t>
-            </a:r>
-            <a:r>
-              <a:rPr lang="en-US" dirty="0" err="1"/>
+              <a:rPr lang="en-US" sz="1800" dirty="0" err="1">
+                <a:latin typeface="Courier" pitchFamily="2" charset="0"/>
+              </a:rPr>
               <a:t>odmObject</a:t>
             </a:r>
             <a:r>
-              <a:rPr lang="en-US" dirty="0"/>
-              <a:t>/</a:t>
-            </a:r>
-            <a:r>
-              <a:rPr lang="en-US" dirty="0" err="1"/>
-              <a:t>PowerStateControl</a:t>
-            </a:r>
-            <a:r>
-              <a:rPr lang="en-US" dirty="0"/>
-              <a:t>" } ]</a:t>
-            </a:r>
-          </a:p>
-          <a:p>
-            <a:r>
-              <a:rPr lang="en-US" dirty="0"/>
-              <a:t>include + type</a:t>
-            </a:r>
-          </a:p>
-          <a:p>
-            <a:pPr lvl="1"/>
-            <a:r>
-              <a:rPr lang="en-US" dirty="0"/>
-              <a:t>Use an existing definition, including its name, in a new definition in the current context (IPSO style re-use)</a:t>
-            </a:r>
-          </a:p>
-          <a:p>
-            <a:pPr lvl="1"/>
-            <a:r>
-              <a:rPr lang="en-US" dirty="0"/>
-              <a:t>"include": [ { "type": { "$ref": "#/</a:t>
-            </a:r>
-            <a:r>
-              <a:rPr lang="en-US" dirty="0" err="1"/>
-              <a:t>odmProperty</a:t>
-            </a:r>
-            <a:r>
-              <a:rPr lang="en-US" dirty="0"/>
-              <a:t>/</a:t>
-            </a:r>
-            <a:r>
-              <a:rPr lang="en-US" dirty="0" err="1"/>
-              <a:t>sensorValue</a:t>
-            </a:r>
-            <a:r>
-              <a:rPr lang="en-US" dirty="0"/>
-              <a:t>" } } ]</a:t>
+              <a:rPr lang="en-US" sz="1800" dirty="0">
+                <a:latin typeface="Courier" pitchFamily="2" charset="0"/>
+              </a:rPr>
+              <a:t>/temperature"</a:t>
             </a:r>
           </a:p>
         </p:txBody>
@@ -6825,7 +7234,7 @@
     </p:spTree>
     <p:extLst>
       <p:ext uri="{BB962C8B-B14F-4D97-AF65-F5344CB8AC3E}">
-        <p14:creationId xmlns:p14="http://schemas.microsoft.com/office/powerpoint/2010/main" val="1589057351"/>
+        <p14:creationId xmlns:p14="http://schemas.microsoft.com/office/powerpoint/2010/main" val="1201046654"/>
       </p:ext>
     </p:extLst>
   </p:cSld>
@@ -6864,7 +7273,7 @@
         </p:nvSpPr>
         <p:spPr>
           <a:xfrm>
-            <a:off x="628650" y="103869"/>
+            <a:off x="628650" y="111786"/>
             <a:ext cx="7886700" cy="1325563"/>
           </a:xfrm>
         </p:spPr>
@@ -6874,7 +7283,7 @@
           <a:p>
             <a:r>
               <a:rPr lang="en-US" dirty="0"/>
-              <a:t>Composed Types</a:t>
+              <a:t>Re-use and Recursion</a:t>
             </a:r>
           </a:p>
         </p:txBody>
@@ -6891,104 +7300,197 @@
         </p:nvSpPr>
         <p:spPr>
           <a:xfrm>
-            <a:off x="628650" y="1356635"/>
-            <a:ext cx="7886700" cy="4351338"/>
+            <a:off x="413657" y="1394241"/>
+            <a:ext cx="8414657" cy="4974337"/>
           </a:xfrm>
         </p:spPr>
         <p:txBody>
-          <a:bodyPr>
-            <a:normAutofit fontScale="92500"/>
-          </a:bodyPr>
-          <a:lstStyle/>
-          <a:p>
+          <a:bodyPr/>
+          <a:lstStyle/>
+          <a:p>
+            <a:r>
+              <a:rPr lang="en-US" dirty="0"/>
+              <a:t>type</a:t>
+            </a:r>
+          </a:p>
+          <a:p>
+            <a:pPr lvl="1"/>
+            <a:r>
+              <a:rPr lang="en-US" dirty="0"/>
+              <a:t>Use an existing definition as a type for a new definition</a:t>
+            </a:r>
+          </a:p>
+          <a:p>
+            <a:pPr lvl="1"/>
+            <a:r>
+              <a:rPr lang="en-US" dirty="0"/>
+              <a:t>"type": { "$ref":  "#/</a:t>
+            </a:r>
             <a:r>
               <a:rPr lang="en-US" dirty="0" err="1"/>
-              <a:t>odmThing</a:t>
-            </a:r>
-            <a:endParaRPr lang="en-US" dirty="0"/>
+              <a:t>odmData</a:t>
+            </a:r>
+            <a:r>
+              <a:rPr lang="en-US" dirty="0"/>
+              <a:t>/</a:t>
+            </a:r>
+            <a:r>
+              <a:rPr lang="en-US" dirty="0" err="1"/>
+              <a:t>temperatureData</a:t>
+            </a:r>
+            <a:r>
+              <a:rPr lang="en-US" dirty="0"/>
+              <a:t>" }</a:t>
+            </a:r>
+          </a:p>
+          <a:p>
+            <a:r>
+              <a:rPr lang="en-US" dirty="0"/>
+              <a:t>include</a:t>
+            </a:r>
           </a:p>
           <a:p>
             <a:pPr lvl="1"/>
             <a:r>
               <a:rPr lang="en-US" dirty="0"/>
-              <a:t>Encapsulates a set of </a:t>
+              <a:t>Include an existing definition (instance) in this context</a:t>
+            </a:r>
+          </a:p>
+          <a:p>
+            <a:pPr lvl="1"/>
+            <a:r>
+              <a:rPr lang="en-US" dirty="0"/>
+              <a:t>"include":  [ { "$ref": "#/</a:t>
             </a:r>
             <a:r>
               <a:rPr lang="en-US" dirty="0" err="1"/>
-              <a:t>odmObjects</a:t>
-            </a:r>
-            <a:r>
-              <a:rPr lang="en-US" dirty="0"/>
-              <a:t> and selects optionality</a:t>
+              <a:t>odmObject</a:t>
+            </a:r>
+            <a:r>
+              <a:rPr lang="en-US" dirty="0"/>
+              <a:t>/</a:t>
+            </a:r>
+            <a:r>
+              <a:rPr lang="en-US" dirty="0" err="1"/>
+              <a:t>PowerStateControl</a:t>
+            </a:r>
+            <a:r>
+              <a:rPr lang="en-US" dirty="0"/>
+              <a:t>" } ]</a:t>
+            </a:r>
+          </a:p>
+          <a:p>
+            <a:r>
+              <a:rPr lang="en-US" dirty="0"/>
+              <a:t>include + type</a:t>
             </a:r>
           </a:p>
           <a:p>
             <a:pPr lvl="1"/>
             <a:r>
               <a:rPr lang="en-US" dirty="0"/>
-              <a:t>May extend definitions and add new definitions</a:t>
+              <a:t>Use an existing definition, including its name, in a new definition in the current context (IPSO style re-use)</a:t>
             </a:r>
           </a:p>
           <a:p>
             <a:pPr lvl="1"/>
             <a:r>
               <a:rPr lang="en-US" dirty="0"/>
-              <a:t>"Device Type</a:t>
-            </a:r>
-            <a:r>
-              <a:rPr lang="en-US"/>
-              <a:t>" specification</a:t>
-            </a:r>
-            <a:endParaRPr lang="en-US" dirty="0"/>
-          </a:p>
-          <a:p>
+              <a:t>"include": [ { "type": { "$ref": "#/</a:t>
+            </a:r>
             <a:r>
               <a:rPr lang="en-US" dirty="0" err="1"/>
-              <a:t>odmProduct</a:t>
-            </a:r>
-            <a:endParaRPr lang="en-US" dirty="0"/>
-          </a:p>
-          <a:p>
-            <a:pPr lvl="1"/>
-            <a:r>
-              <a:rPr lang="en-US" dirty="0"/>
-              <a:t>Product, composed from standardized functionality</a:t>
-            </a:r>
-          </a:p>
-          <a:p>
-            <a:pPr lvl="1"/>
-            <a:r>
-              <a:rPr lang="en-US" dirty="0"/>
-              <a:t>Encapsulates Objects and Components and selects optionality</a:t>
-            </a:r>
-          </a:p>
-          <a:p>
-            <a:pPr lvl="1"/>
-            <a:r>
-              <a:rPr lang="en-US" dirty="0"/>
-              <a:t>May extend and add new definitions</a:t>
-            </a:r>
-          </a:p>
-          <a:p>
+              <a:t>odmProperty</a:t>
+            </a:r>
+            <a:r>
+              <a:rPr lang="en-US" dirty="0"/>
+              <a:t>/</a:t>
+            </a:r>
             <a:r>
               <a:rPr lang="en-US" dirty="0" err="1"/>
-              <a:t>odmView</a:t>
-            </a:r>
-            <a:endParaRPr lang="en-US" dirty="0"/>
-          </a:p>
-          <a:p>
-            <a:pPr lvl="1"/>
-            <a:r>
-              <a:rPr lang="en-US" dirty="0"/>
-              <a:t>Consists a set of elements that use the include pattern to create a view of instances of elements</a:t>
-            </a:r>
-          </a:p>
-        </p:txBody>
-      </p:sp>
+              <a:t>sensorValue</a:t>
+            </a:r>
+            <a:r>
+              <a:rPr lang="en-US" dirty="0"/>
+              <a:t>" } } ]</a:t>
+            </a:r>
+          </a:p>
+        </p:txBody>
+      </p:sp>
+      <p:cxnSp>
+        <p:nvCxnSpPr>
+          <p:cNvPr id="5" name="Straight Connector 4"/>
+          <p:cNvCxnSpPr/>
+          <p:nvPr/>
+        </p:nvCxnSpPr>
+        <p:spPr>
+          <a:xfrm>
+            <a:off x="783771" y="4093029"/>
+            <a:ext cx="6672943" cy="1567542"/>
+          </a:xfrm>
+          <a:prstGeom prst="line">
+            <a:avLst/>
+          </a:prstGeom>
+          <a:ln w="76200">
+            <a:solidFill>
+              <a:srgbClr val="FF0000"/>
+            </a:solidFill>
+          </a:ln>
+        </p:spPr>
+        <p:style>
+          <a:lnRef idx="1">
+            <a:schemeClr val="accent1"/>
+          </a:lnRef>
+          <a:fillRef idx="0">
+            <a:schemeClr val="accent1"/>
+          </a:fillRef>
+          <a:effectRef idx="0">
+            <a:schemeClr val="accent1"/>
+          </a:effectRef>
+          <a:fontRef idx="minor">
+            <a:schemeClr val="tx1"/>
+          </a:fontRef>
+        </p:style>
+      </p:cxnSp>
+      <p:cxnSp>
+        <p:nvCxnSpPr>
+          <p:cNvPr id="6" name="Straight Connector 5"/>
+          <p:cNvCxnSpPr/>
+          <p:nvPr/>
+        </p:nvCxnSpPr>
+        <p:spPr>
+          <a:xfrm flipV="1">
+            <a:off x="968829" y="4093029"/>
+            <a:ext cx="6727371" cy="1763485"/>
+          </a:xfrm>
+          <a:prstGeom prst="line">
+            <a:avLst/>
+          </a:prstGeom>
+          <a:ln w="76200">
+            <a:solidFill>
+              <a:srgbClr val="FF0000"/>
+            </a:solidFill>
+          </a:ln>
+        </p:spPr>
+        <p:style>
+          <a:lnRef idx="1">
+            <a:schemeClr val="accent1"/>
+          </a:lnRef>
+          <a:fillRef idx="0">
+            <a:schemeClr val="accent1"/>
+          </a:fillRef>
+          <a:effectRef idx="0">
+            <a:schemeClr val="accent1"/>
+          </a:effectRef>
+          <a:fontRef idx="minor">
+            <a:schemeClr val="tx1"/>
+          </a:fontRef>
+        </p:style>
+      </p:cxnSp>
     </p:spTree>
     <p:extLst>
       <p:ext uri="{BB962C8B-B14F-4D97-AF65-F5344CB8AC3E}">
-        <p14:creationId xmlns:p14="http://schemas.microsoft.com/office/powerpoint/2010/main" val="1180264165"/>
+        <p14:creationId xmlns:p14="http://schemas.microsoft.com/office/powerpoint/2010/main" val="1589057351"/>
       </p:ext>
     </p:extLst>
   </p:cSld>
